--- a/Seminar/metu_eee_seminar_presentation.pptx
+++ b/Seminar/metu_eee_seminar_presentation.pptx
@@ -5,20 +5,29 @@
     <p:sldMasterId id="2147483886" r:id="rId1"/>
   </p:sldMasterIdLst>
   <p:notesMasterIdLst>
-    <p:notesMasterId r:id="rId10"/>
+    <p:notesMasterId r:id="rId19"/>
   </p:notesMasterIdLst>
   <p:handoutMasterIdLst>
-    <p:handoutMasterId r:id="rId11"/>
+    <p:handoutMasterId r:id="rId20"/>
   </p:handoutMasterIdLst>
   <p:sldIdLst>
     <p:sldId id="299" r:id="rId2"/>
     <p:sldId id="300" r:id="rId3"/>
     <p:sldId id="301" r:id="rId4"/>
     <p:sldId id="304" r:id="rId5"/>
-    <p:sldId id="302" r:id="rId6"/>
-    <p:sldId id="305" r:id="rId7"/>
-    <p:sldId id="306" r:id="rId8"/>
-    <p:sldId id="303" r:id="rId9"/>
+    <p:sldId id="307" r:id="rId6"/>
+    <p:sldId id="308" r:id="rId7"/>
+    <p:sldId id="309" r:id="rId8"/>
+    <p:sldId id="310" r:id="rId9"/>
+    <p:sldId id="305" r:id="rId10"/>
+    <p:sldId id="314" r:id="rId11"/>
+    <p:sldId id="318" r:id="rId12"/>
+    <p:sldId id="317" r:id="rId13"/>
+    <p:sldId id="319" r:id="rId14"/>
+    <p:sldId id="315" r:id="rId15"/>
+    <p:sldId id="306" r:id="rId16"/>
+    <p:sldId id="316" r:id="rId17"/>
+    <p:sldId id="303" r:id="rId18"/>
   </p:sldIdLst>
   <p:sldSz cx="9144000" cy="6858000" type="screen4x3"/>
   <p:notesSz cx="6858000" cy="9144000"/>
@@ -273,7 +282,7 @@
               <a:pPr>
                 <a:defRPr/>
               </a:pPr>
-              <a:t>19-Mar-24</a:t>
+              <a:t>21-Mar-24</a:t>
             </a:fld>
             <a:endParaRPr lang="en-US"/>
           </a:p>
@@ -487,7 +496,7 @@
               <a:pPr>
                 <a:defRPr/>
               </a:pPr>
-              <a:t>19-Mar-24</a:t>
+              <a:t>21-Mar-24</a:t>
             </a:fld>
             <a:endParaRPr lang="en-US"/>
           </a:p>
@@ -1417,12 +1426,15 @@
             <a:pPr eaLnBrk="1" hangingPunct="1">
               <a:defRPr/>
             </a:pPr>
-            <a:endParaRPr lang="en-US" sz="1400" b="1" dirty="0">
-              <a:solidFill>
-                <a:schemeClr val="bg1"/>
-              </a:solidFill>
-              <a:latin typeface="Century Gothic" panose="020B0502020202020204" pitchFamily="34" charset="0"/>
-            </a:endParaRPr>
+            <a:r>
+              <a:rPr lang="en-US" sz="1400" b="1" dirty="0">
+                <a:solidFill>
+                  <a:schemeClr val="bg1"/>
+                </a:solidFill>
+                <a:latin typeface="Century Gothic" panose="020B0502020202020204" pitchFamily="34" charset="0"/>
+              </a:rPr>
+              <a:t>Seminar Presentation</a:t>
+            </a:r>
           </a:p>
           <a:p>
             <a:pPr eaLnBrk="1" hangingPunct="1">
@@ -4200,6 +4212,1204 @@
 </p:sld>
 </file>
 
+<file path=ppt/slides/slide10.xml><?xml version="1.0" encoding="utf-8"?>
+<p:sld xmlns:a="http://schemas.openxmlformats.org/drawingml/2006/main" xmlns:r="http://schemas.openxmlformats.org/officeDocument/2006/relationships" xmlns:p="http://schemas.openxmlformats.org/presentationml/2006/main">
+  <p:cSld>
+    <p:spTree>
+      <p:nvGrpSpPr>
+        <p:cNvPr id="1" name=""/>
+        <p:cNvGrpSpPr/>
+        <p:nvPr/>
+      </p:nvGrpSpPr>
+      <p:grpSpPr>
+        <a:xfrm>
+          <a:off x="0" y="0"/>
+          <a:ext cx="0" cy="0"/>
+          <a:chOff x="0" y="0"/>
+          <a:chExt cx="0" cy="0"/>
+        </a:xfrm>
+      </p:grpSpPr>
+      <p:sp>
+        <p:nvSpPr>
+          <p:cNvPr id="2" name="Title 1">
+            <a:extLst>
+              <a:ext uri="{FF2B5EF4-FFF2-40B4-BE49-F238E27FC236}">
+                <a16:creationId xmlns:a16="http://schemas.microsoft.com/office/drawing/2014/main" id="{D3BFCC76-ED7C-D2DE-B487-F6A7ED5E1BED}"/>
+              </a:ext>
+            </a:extLst>
+          </p:cNvPr>
+          <p:cNvSpPr>
+            <a:spLocks noGrp="1"/>
+          </p:cNvSpPr>
+          <p:nvPr>
+            <p:ph type="title"/>
+          </p:nvPr>
+        </p:nvSpPr>
+        <p:spPr/>
+        <p:txBody>
+          <a:bodyPr/>
+          <a:lstStyle/>
+          <a:p>
+            <a:r>
+              <a:rPr lang="en-US" dirty="0"/>
+              <a:t>Space Vectors Under Fault States</a:t>
+            </a:r>
+          </a:p>
+        </p:txBody>
+      </p:sp>
+      <p:sp>
+        <p:nvSpPr>
+          <p:cNvPr id="4" name="Slide Number Placeholder 3">
+            <a:extLst>
+              <a:ext uri="{FF2B5EF4-FFF2-40B4-BE49-F238E27FC236}">
+                <a16:creationId xmlns:a16="http://schemas.microsoft.com/office/drawing/2014/main" id="{6132EE89-833B-95A4-C38A-7BC4C8DBB71C}"/>
+              </a:ext>
+            </a:extLst>
+          </p:cNvPr>
+          <p:cNvSpPr>
+            <a:spLocks noGrp="1"/>
+          </p:cNvSpPr>
+          <p:nvPr>
+            <p:ph type="sldNum" sz="quarter" idx="12"/>
+          </p:nvPr>
+        </p:nvSpPr>
+        <p:spPr/>
+        <p:txBody>
+          <a:bodyPr/>
+          <a:lstStyle/>
+          <a:p>
+            <a:pPr>
+              <a:defRPr/>
+            </a:pPr>
+            <a:fld id="{C878F797-6006-4DDA-AFE9-456F280FE6C5}" type="slidenum">
+              <a:rPr lang="en-US" smtClean="0"/>
+              <a:pPr>
+                <a:defRPr/>
+              </a:pPr>
+              <a:t>10</a:t>
+            </a:fld>
+            <a:endParaRPr lang="en-US" dirty="0"/>
+          </a:p>
+        </p:txBody>
+      </p:sp>
+      <p:sp>
+        <p:nvSpPr>
+          <p:cNvPr id="5" name="Date Placeholder 4">
+            <a:extLst>
+              <a:ext uri="{FF2B5EF4-FFF2-40B4-BE49-F238E27FC236}">
+                <a16:creationId xmlns:a16="http://schemas.microsoft.com/office/drawing/2014/main" id="{641233B4-71AB-19DE-E1C4-0A8E82A5A985}"/>
+              </a:ext>
+            </a:extLst>
+          </p:cNvPr>
+          <p:cNvSpPr>
+            <a:spLocks noGrp="1"/>
+          </p:cNvSpPr>
+          <p:nvPr>
+            <p:ph type="dt" sz="half" idx="2"/>
+          </p:nvPr>
+        </p:nvSpPr>
+        <p:spPr/>
+        <p:txBody>
+          <a:bodyPr/>
+          <a:lstStyle/>
+          <a:p>
+            <a:pPr>
+              <a:defRPr/>
+            </a:pPr>
+            <a:r>
+              <a:rPr lang="tr-TR"/>
+              <a:t>METU Electrical &amp; Electronics Engineering Department</a:t>
+            </a:r>
+            <a:endParaRPr lang="en-US" dirty="0"/>
+          </a:p>
+        </p:txBody>
+      </p:sp>
+      <p:pic>
+        <p:nvPicPr>
+          <p:cNvPr id="6" name="Content Placeholder 5">
+            <a:extLst>
+              <a:ext uri="{FF2B5EF4-FFF2-40B4-BE49-F238E27FC236}">
+                <a16:creationId xmlns:a16="http://schemas.microsoft.com/office/drawing/2014/main" id="{31769D5D-D603-BB09-CDD8-311E8501FF8C}"/>
+              </a:ext>
+            </a:extLst>
+          </p:cNvPr>
+          <p:cNvPicPr>
+            <a:picLocks noGrp="1" noChangeAspect="1"/>
+          </p:cNvPicPr>
+          <p:nvPr>
+            <p:ph idx="1"/>
+          </p:nvPr>
+        </p:nvPicPr>
+        <p:blipFill>
+          <a:blip r:embed="rId2"/>
+          <a:stretch>
+            <a:fillRect/>
+          </a:stretch>
+        </p:blipFill>
+        <p:spPr>
+          <a:xfrm>
+            <a:off x="4349123" y="2378736"/>
+            <a:ext cx="3891923" cy="3129228"/>
+          </a:xfrm>
+          <a:prstGeom prst="rect">
+            <a:avLst/>
+          </a:prstGeom>
+        </p:spPr>
+      </p:pic>
+    </p:spTree>
+    <p:extLst>
+      <p:ext uri="{BB962C8B-B14F-4D97-AF65-F5344CB8AC3E}">
+        <p14:creationId xmlns:p14="http://schemas.microsoft.com/office/powerpoint/2010/main" val="2607860378"/>
+      </p:ext>
+    </p:extLst>
+  </p:cSld>
+  <p:clrMapOvr>
+    <a:masterClrMapping/>
+  </p:clrMapOvr>
+</p:sld>
+</file>
+
+<file path=ppt/slides/slide11.xml><?xml version="1.0" encoding="utf-8"?>
+<p:sld xmlns:a="http://schemas.openxmlformats.org/drawingml/2006/main" xmlns:r="http://schemas.openxmlformats.org/officeDocument/2006/relationships" xmlns:p="http://schemas.openxmlformats.org/presentationml/2006/main">
+  <p:cSld>
+    <p:spTree>
+      <p:nvGrpSpPr>
+        <p:cNvPr id="1" name=""/>
+        <p:cNvGrpSpPr/>
+        <p:nvPr/>
+      </p:nvGrpSpPr>
+      <p:grpSpPr>
+        <a:xfrm>
+          <a:off x="0" y="0"/>
+          <a:ext cx="0" cy="0"/>
+          <a:chOff x="0" y="0"/>
+          <a:chExt cx="0" cy="0"/>
+        </a:xfrm>
+      </p:grpSpPr>
+      <p:sp>
+        <p:nvSpPr>
+          <p:cNvPr id="2" name="Title 1">
+            <a:extLst>
+              <a:ext uri="{FF2B5EF4-FFF2-40B4-BE49-F238E27FC236}">
+                <a16:creationId xmlns:a16="http://schemas.microsoft.com/office/drawing/2014/main" id="{D3BFCC76-ED7C-D2DE-B487-F6A7ED5E1BED}"/>
+              </a:ext>
+            </a:extLst>
+          </p:cNvPr>
+          <p:cNvSpPr>
+            <a:spLocks noGrp="1"/>
+          </p:cNvSpPr>
+          <p:nvPr>
+            <p:ph type="title"/>
+          </p:nvPr>
+        </p:nvSpPr>
+        <p:spPr/>
+        <p:txBody>
+          <a:bodyPr/>
+          <a:lstStyle/>
+          <a:p>
+            <a:r>
+              <a:rPr lang="en-US" dirty="0"/>
+              <a:t>Space Vectors Under Fault States</a:t>
+            </a:r>
+          </a:p>
+        </p:txBody>
+      </p:sp>
+      <p:sp>
+        <p:nvSpPr>
+          <p:cNvPr id="4" name="Slide Number Placeholder 3">
+            <a:extLst>
+              <a:ext uri="{FF2B5EF4-FFF2-40B4-BE49-F238E27FC236}">
+                <a16:creationId xmlns:a16="http://schemas.microsoft.com/office/drawing/2014/main" id="{6132EE89-833B-95A4-C38A-7BC4C8DBB71C}"/>
+              </a:ext>
+            </a:extLst>
+          </p:cNvPr>
+          <p:cNvSpPr>
+            <a:spLocks noGrp="1"/>
+          </p:cNvSpPr>
+          <p:nvPr>
+            <p:ph type="sldNum" sz="quarter" idx="12"/>
+          </p:nvPr>
+        </p:nvSpPr>
+        <p:spPr/>
+        <p:txBody>
+          <a:bodyPr/>
+          <a:lstStyle/>
+          <a:p>
+            <a:pPr>
+              <a:defRPr/>
+            </a:pPr>
+            <a:fld id="{C878F797-6006-4DDA-AFE9-456F280FE6C5}" type="slidenum">
+              <a:rPr lang="en-US" smtClean="0"/>
+              <a:pPr>
+                <a:defRPr/>
+              </a:pPr>
+              <a:t>11</a:t>
+            </a:fld>
+            <a:endParaRPr lang="en-US" dirty="0"/>
+          </a:p>
+        </p:txBody>
+      </p:sp>
+      <p:sp>
+        <p:nvSpPr>
+          <p:cNvPr id="5" name="Date Placeholder 4">
+            <a:extLst>
+              <a:ext uri="{FF2B5EF4-FFF2-40B4-BE49-F238E27FC236}">
+                <a16:creationId xmlns:a16="http://schemas.microsoft.com/office/drawing/2014/main" id="{641233B4-71AB-19DE-E1C4-0A8E82A5A985}"/>
+              </a:ext>
+            </a:extLst>
+          </p:cNvPr>
+          <p:cNvSpPr>
+            <a:spLocks noGrp="1"/>
+          </p:cNvSpPr>
+          <p:nvPr>
+            <p:ph type="dt" sz="half" idx="2"/>
+          </p:nvPr>
+        </p:nvSpPr>
+        <p:spPr/>
+        <p:txBody>
+          <a:bodyPr/>
+          <a:lstStyle/>
+          <a:p>
+            <a:pPr>
+              <a:defRPr/>
+            </a:pPr>
+            <a:r>
+              <a:rPr lang="tr-TR"/>
+              <a:t>METU Electrical &amp; Electronics Engineering Department</a:t>
+            </a:r>
+            <a:endParaRPr lang="en-US" dirty="0"/>
+          </a:p>
+        </p:txBody>
+      </p:sp>
+      <p:pic>
+        <p:nvPicPr>
+          <p:cNvPr id="7" name="Picture 6">
+            <a:extLst>
+              <a:ext uri="{FF2B5EF4-FFF2-40B4-BE49-F238E27FC236}">
+                <a16:creationId xmlns:a16="http://schemas.microsoft.com/office/drawing/2014/main" id="{68D2A6BF-1960-F235-C22C-05C509CAAB21}"/>
+              </a:ext>
+            </a:extLst>
+          </p:cNvPr>
+          <p:cNvPicPr>
+            <a:picLocks noChangeAspect="1"/>
+          </p:cNvPicPr>
+          <p:nvPr/>
+        </p:nvPicPr>
+        <p:blipFill>
+          <a:blip r:embed="rId2"/>
+          <a:stretch>
+            <a:fillRect/>
+          </a:stretch>
+        </p:blipFill>
+        <p:spPr>
+          <a:xfrm>
+            <a:off x="4090408" y="2173543"/>
+            <a:ext cx="4170519" cy="3336415"/>
+          </a:xfrm>
+          <a:prstGeom prst="rect">
+            <a:avLst/>
+          </a:prstGeom>
+        </p:spPr>
+      </p:pic>
+      <p:pic>
+        <p:nvPicPr>
+          <p:cNvPr id="9" name="Content Placeholder 16">
+            <a:extLst>
+              <a:ext uri="{FF2B5EF4-FFF2-40B4-BE49-F238E27FC236}">
+                <a16:creationId xmlns:a16="http://schemas.microsoft.com/office/drawing/2014/main" id="{4DB06227-24CE-F356-CE2B-39AC449657D2}"/>
+              </a:ext>
+            </a:extLst>
+          </p:cNvPr>
+          <p:cNvPicPr>
+            <a:picLocks noGrp="1" noChangeAspect="1"/>
+          </p:cNvPicPr>
+          <p:nvPr>
+            <p:ph idx="1"/>
+          </p:nvPr>
+        </p:nvPicPr>
+        <p:blipFill>
+          <a:blip r:embed="rId3"/>
+          <a:stretch>
+            <a:fillRect/>
+          </a:stretch>
+        </p:blipFill>
+        <p:spPr>
+          <a:xfrm>
+            <a:off x="1215746" y="2088876"/>
+            <a:ext cx="2196025" cy="3795987"/>
+          </a:xfrm>
+          <a:prstGeom prst="rect">
+            <a:avLst/>
+          </a:prstGeom>
+        </p:spPr>
+      </p:pic>
+    </p:spTree>
+    <p:extLst>
+      <p:ext uri="{BB962C8B-B14F-4D97-AF65-F5344CB8AC3E}">
+        <p14:creationId xmlns:p14="http://schemas.microsoft.com/office/powerpoint/2010/main" val="3241663642"/>
+      </p:ext>
+    </p:extLst>
+  </p:cSld>
+  <p:clrMapOvr>
+    <a:masterClrMapping/>
+  </p:clrMapOvr>
+</p:sld>
+</file>
+
+<file path=ppt/slides/slide12.xml><?xml version="1.0" encoding="utf-8"?>
+<p:sld xmlns:a="http://schemas.openxmlformats.org/drawingml/2006/main" xmlns:r="http://schemas.openxmlformats.org/officeDocument/2006/relationships" xmlns:p="http://schemas.openxmlformats.org/presentationml/2006/main">
+  <p:cSld>
+    <p:spTree>
+      <p:nvGrpSpPr>
+        <p:cNvPr id="1" name=""/>
+        <p:cNvGrpSpPr/>
+        <p:nvPr/>
+      </p:nvGrpSpPr>
+      <p:grpSpPr>
+        <a:xfrm>
+          <a:off x="0" y="0"/>
+          <a:ext cx="0" cy="0"/>
+          <a:chOff x="0" y="0"/>
+          <a:chExt cx="0" cy="0"/>
+        </a:xfrm>
+      </p:grpSpPr>
+      <p:sp>
+        <p:nvSpPr>
+          <p:cNvPr id="2" name="Title 1">
+            <a:extLst>
+              <a:ext uri="{FF2B5EF4-FFF2-40B4-BE49-F238E27FC236}">
+                <a16:creationId xmlns:a16="http://schemas.microsoft.com/office/drawing/2014/main" id="{D3BFCC76-ED7C-D2DE-B487-F6A7ED5E1BED}"/>
+              </a:ext>
+            </a:extLst>
+          </p:cNvPr>
+          <p:cNvSpPr>
+            <a:spLocks noGrp="1"/>
+          </p:cNvSpPr>
+          <p:nvPr>
+            <p:ph type="title"/>
+          </p:nvPr>
+        </p:nvSpPr>
+        <p:spPr/>
+        <p:txBody>
+          <a:bodyPr/>
+          <a:lstStyle/>
+          <a:p>
+            <a:r>
+              <a:rPr lang="en-US" dirty="0"/>
+              <a:t>Space Vectors Under Fault States</a:t>
+            </a:r>
+          </a:p>
+        </p:txBody>
+      </p:sp>
+      <p:sp>
+        <p:nvSpPr>
+          <p:cNvPr id="4" name="Slide Number Placeholder 3">
+            <a:extLst>
+              <a:ext uri="{FF2B5EF4-FFF2-40B4-BE49-F238E27FC236}">
+                <a16:creationId xmlns:a16="http://schemas.microsoft.com/office/drawing/2014/main" id="{6132EE89-833B-95A4-C38A-7BC4C8DBB71C}"/>
+              </a:ext>
+            </a:extLst>
+          </p:cNvPr>
+          <p:cNvSpPr>
+            <a:spLocks noGrp="1"/>
+          </p:cNvSpPr>
+          <p:nvPr>
+            <p:ph type="sldNum" sz="quarter" idx="12"/>
+          </p:nvPr>
+        </p:nvSpPr>
+        <p:spPr/>
+        <p:txBody>
+          <a:bodyPr/>
+          <a:lstStyle/>
+          <a:p>
+            <a:pPr>
+              <a:defRPr/>
+            </a:pPr>
+            <a:fld id="{C878F797-6006-4DDA-AFE9-456F280FE6C5}" type="slidenum">
+              <a:rPr lang="en-US" smtClean="0"/>
+              <a:pPr>
+                <a:defRPr/>
+              </a:pPr>
+              <a:t>12</a:t>
+            </a:fld>
+            <a:endParaRPr lang="en-US" dirty="0"/>
+          </a:p>
+        </p:txBody>
+      </p:sp>
+      <p:sp>
+        <p:nvSpPr>
+          <p:cNvPr id="5" name="Date Placeholder 4">
+            <a:extLst>
+              <a:ext uri="{FF2B5EF4-FFF2-40B4-BE49-F238E27FC236}">
+                <a16:creationId xmlns:a16="http://schemas.microsoft.com/office/drawing/2014/main" id="{641233B4-71AB-19DE-E1C4-0A8E82A5A985}"/>
+              </a:ext>
+            </a:extLst>
+          </p:cNvPr>
+          <p:cNvSpPr>
+            <a:spLocks noGrp="1"/>
+          </p:cNvSpPr>
+          <p:nvPr>
+            <p:ph type="dt" sz="half" idx="2"/>
+          </p:nvPr>
+        </p:nvSpPr>
+        <p:spPr/>
+        <p:txBody>
+          <a:bodyPr/>
+          <a:lstStyle/>
+          <a:p>
+            <a:pPr>
+              <a:defRPr/>
+            </a:pPr>
+            <a:r>
+              <a:rPr lang="tr-TR"/>
+              <a:t>METU Electrical &amp; Electronics Engineering Department</a:t>
+            </a:r>
+            <a:endParaRPr lang="en-US" dirty="0"/>
+          </a:p>
+        </p:txBody>
+      </p:sp>
+      <p:pic>
+        <p:nvPicPr>
+          <p:cNvPr id="6" name="Content Placeholder 5">
+            <a:extLst>
+              <a:ext uri="{FF2B5EF4-FFF2-40B4-BE49-F238E27FC236}">
+                <a16:creationId xmlns:a16="http://schemas.microsoft.com/office/drawing/2014/main" id="{852A1DE9-09A1-8786-36AE-DF1FCBAFF15B}"/>
+              </a:ext>
+            </a:extLst>
+          </p:cNvPr>
+          <p:cNvPicPr>
+            <a:picLocks noGrp="1" noChangeAspect="1"/>
+          </p:cNvPicPr>
+          <p:nvPr>
+            <p:ph idx="1"/>
+          </p:nvPr>
+        </p:nvPicPr>
+        <p:blipFill>
+          <a:blip r:embed="rId2"/>
+          <a:stretch>
+            <a:fillRect/>
+          </a:stretch>
+        </p:blipFill>
+        <p:spPr>
+          <a:xfrm>
+            <a:off x="794231" y="1612555"/>
+            <a:ext cx="3519611" cy="2788583"/>
+          </a:xfrm>
+          <a:prstGeom prst="rect">
+            <a:avLst/>
+          </a:prstGeom>
+        </p:spPr>
+      </p:pic>
+      <p:pic>
+        <p:nvPicPr>
+          <p:cNvPr id="12" name="Picture 11">
+            <a:extLst>
+              <a:ext uri="{FF2B5EF4-FFF2-40B4-BE49-F238E27FC236}">
+                <a16:creationId xmlns:a16="http://schemas.microsoft.com/office/drawing/2014/main" id="{220B96E3-7D46-EA59-E78F-A4EF9B4077A4}"/>
+              </a:ext>
+            </a:extLst>
+          </p:cNvPr>
+          <p:cNvPicPr>
+            <a:picLocks noChangeAspect="1"/>
+          </p:cNvPicPr>
+          <p:nvPr/>
+        </p:nvPicPr>
+        <p:blipFill>
+          <a:blip r:embed="rId3"/>
+          <a:stretch>
+            <a:fillRect/>
+          </a:stretch>
+        </p:blipFill>
+        <p:spPr>
+          <a:xfrm>
+            <a:off x="5001718" y="1612555"/>
+            <a:ext cx="3558082" cy="2847261"/>
+          </a:xfrm>
+          <a:prstGeom prst="rect">
+            <a:avLst/>
+          </a:prstGeom>
+        </p:spPr>
+      </p:pic>
+    </p:spTree>
+    <p:extLst>
+      <p:ext uri="{BB962C8B-B14F-4D97-AF65-F5344CB8AC3E}">
+        <p14:creationId xmlns:p14="http://schemas.microsoft.com/office/powerpoint/2010/main" val="1960258566"/>
+      </p:ext>
+    </p:extLst>
+  </p:cSld>
+  <p:clrMapOvr>
+    <a:masterClrMapping/>
+  </p:clrMapOvr>
+</p:sld>
+</file>
+
+<file path=ppt/slides/slide13.xml><?xml version="1.0" encoding="utf-8"?>
+<p:sld xmlns:a="http://schemas.openxmlformats.org/drawingml/2006/main" xmlns:r="http://schemas.openxmlformats.org/officeDocument/2006/relationships" xmlns:p="http://schemas.openxmlformats.org/presentationml/2006/main">
+  <p:cSld>
+    <p:spTree>
+      <p:nvGrpSpPr>
+        <p:cNvPr id="1" name=""/>
+        <p:cNvGrpSpPr/>
+        <p:nvPr/>
+      </p:nvGrpSpPr>
+      <p:grpSpPr>
+        <a:xfrm>
+          <a:off x="0" y="0"/>
+          <a:ext cx="0" cy="0"/>
+          <a:chOff x="0" y="0"/>
+          <a:chExt cx="0" cy="0"/>
+        </a:xfrm>
+      </p:grpSpPr>
+      <p:sp>
+        <p:nvSpPr>
+          <p:cNvPr id="2" name="Title 1">
+            <a:extLst>
+              <a:ext uri="{FF2B5EF4-FFF2-40B4-BE49-F238E27FC236}">
+                <a16:creationId xmlns:a16="http://schemas.microsoft.com/office/drawing/2014/main" id="{D3BFCC76-ED7C-D2DE-B487-F6A7ED5E1BED}"/>
+              </a:ext>
+            </a:extLst>
+          </p:cNvPr>
+          <p:cNvSpPr>
+            <a:spLocks noGrp="1"/>
+          </p:cNvSpPr>
+          <p:nvPr>
+            <p:ph type="title"/>
+          </p:nvPr>
+        </p:nvSpPr>
+        <p:spPr/>
+        <p:txBody>
+          <a:bodyPr/>
+          <a:lstStyle/>
+          <a:p>
+            <a:r>
+              <a:rPr lang="en-US" dirty="0"/>
+              <a:t>Space Vectors Under Fault States</a:t>
+            </a:r>
+          </a:p>
+        </p:txBody>
+      </p:sp>
+      <p:sp>
+        <p:nvSpPr>
+          <p:cNvPr id="4" name="Slide Number Placeholder 3">
+            <a:extLst>
+              <a:ext uri="{FF2B5EF4-FFF2-40B4-BE49-F238E27FC236}">
+                <a16:creationId xmlns:a16="http://schemas.microsoft.com/office/drawing/2014/main" id="{6132EE89-833B-95A4-C38A-7BC4C8DBB71C}"/>
+              </a:ext>
+            </a:extLst>
+          </p:cNvPr>
+          <p:cNvSpPr>
+            <a:spLocks noGrp="1"/>
+          </p:cNvSpPr>
+          <p:nvPr>
+            <p:ph type="sldNum" sz="quarter" idx="12"/>
+          </p:nvPr>
+        </p:nvSpPr>
+        <p:spPr/>
+        <p:txBody>
+          <a:bodyPr/>
+          <a:lstStyle/>
+          <a:p>
+            <a:pPr>
+              <a:defRPr/>
+            </a:pPr>
+            <a:fld id="{C878F797-6006-4DDA-AFE9-456F280FE6C5}" type="slidenum">
+              <a:rPr lang="en-US" smtClean="0"/>
+              <a:pPr>
+                <a:defRPr/>
+              </a:pPr>
+              <a:t>13</a:t>
+            </a:fld>
+            <a:endParaRPr lang="en-US" dirty="0"/>
+          </a:p>
+        </p:txBody>
+      </p:sp>
+      <p:sp>
+        <p:nvSpPr>
+          <p:cNvPr id="5" name="Date Placeholder 4">
+            <a:extLst>
+              <a:ext uri="{FF2B5EF4-FFF2-40B4-BE49-F238E27FC236}">
+                <a16:creationId xmlns:a16="http://schemas.microsoft.com/office/drawing/2014/main" id="{641233B4-71AB-19DE-E1C4-0A8E82A5A985}"/>
+              </a:ext>
+            </a:extLst>
+          </p:cNvPr>
+          <p:cNvSpPr>
+            <a:spLocks noGrp="1"/>
+          </p:cNvSpPr>
+          <p:nvPr>
+            <p:ph type="dt" sz="half" idx="2"/>
+          </p:nvPr>
+        </p:nvSpPr>
+        <p:spPr/>
+        <p:txBody>
+          <a:bodyPr/>
+          <a:lstStyle/>
+          <a:p>
+            <a:pPr>
+              <a:defRPr/>
+            </a:pPr>
+            <a:r>
+              <a:rPr lang="tr-TR"/>
+              <a:t>METU Electrical &amp; Electronics Engineering Department</a:t>
+            </a:r>
+            <a:endParaRPr lang="en-US" dirty="0"/>
+          </a:p>
+        </p:txBody>
+      </p:sp>
+      <p:pic>
+        <p:nvPicPr>
+          <p:cNvPr id="6" name="Content Placeholder 5">
+            <a:extLst>
+              <a:ext uri="{FF2B5EF4-FFF2-40B4-BE49-F238E27FC236}">
+                <a16:creationId xmlns:a16="http://schemas.microsoft.com/office/drawing/2014/main" id="{852A1DE9-09A1-8786-36AE-DF1FCBAFF15B}"/>
+              </a:ext>
+            </a:extLst>
+          </p:cNvPr>
+          <p:cNvPicPr>
+            <a:picLocks noGrp="1" noChangeAspect="1"/>
+          </p:cNvPicPr>
+          <p:nvPr>
+            <p:ph idx="1"/>
+          </p:nvPr>
+        </p:nvPicPr>
+        <p:blipFill>
+          <a:blip r:embed="rId2"/>
+          <a:stretch>
+            <a:fillRect/>
+          </a:stretch>
+        </p:blipFill>
+        <p:spPr>
+          <a:xfrm>
+            <a:off x="794231" y="1612555"/>
+            <a:ext cx="3519611" cy="2788583"/>
+          </a:xfrm>
+          <a:prstGeom prst="rect">
+            <a:avLst/>
+          </a:prstGeom>
+        </p:spPr>
+      </p:pic>
+      <p:pic>
+        <p:nvPicPr>
+          <p:cNvPr id="12" name="Picture 11">
+            <a:extLst>
+              <a:ext uri="{FF2B5EF4-FFF2-40B4-BE49-F238E27FC236}">
+                <a16:creationId xmlns:a16="http://schemas.microsoft.com/office/drawing/2014/main" id="{220B96E3-7D46-EA59-E78F-A4EF9B4077A4}"/>
+              </a:ext>
+            </a:extLst>
+          </p:cNvPr>
+          <p:cNvPicPr>
+            <a:picLocks noChangeAspect="1"/>
+          </p:cNvPicPr>
+          <p:nvPr/>
+        </p:nvPicPr>
+        <p:blipFill>
+          <a:blip r:embed="rId3"/>
+          <a:stretch>
+            <a:fillRect/>
+          </a:stretch>
+        </p:blipFill>
+        <p:spPr>
+          <a:xfrm>
+            <a:off x="5001718" y="1612555"/>
+            <a:ext cx="3558082" cy="2847261"/>
+          </a:xfrm>
+          <a:prstGeom prst="rect">
+            <a:avLst/>
+          </a:prstGeom>
+        </p:spPr>
+      </p:pic>
+    </p:spTree>
+    <p:extLst>
+      <p:ext uri="{BB962C8B-B14F-4D97-AF65-F5344CB8AC3E}">
+        <p14:creationId xmlns:p14="http://schemas.microsoft.com/office/powerpoint/2010/main" val="3365756821"/>
+      </p:ext>
+    </p:extLst>
+  </p:cSld>
+  <p:clrMapOvr>
+    <a:masterClrMapping/>
+  </p:clrMapOvr>
+</p:sld>
+</file>
+
+<file path=ppt/slides/slide14.xml><?xml version="1.0" encoding="utf-8"?>
+<p:sld xmlns:a="http://schemas.openxmlformats.org/drawingml/2006/main" xmlns:r="http://schemas.openxmlformats.org/officeDocument/2006/relationships" xmlns:p="http://schemas.openxmlformats.org/presentationml/2006/main">
+  <p:cSld>
+    <p:spTree>
+      <p:nvGrpSpPr>
+        <p:cNvPr id="1" name=""/>
+        <p:cNvGrpSpPr/>
+        <p:nvPr/>
+      </p:nvGrpSpPr>
+      <p:grpSpPr>
+        <a:xfrm>
+          <a:off x="0" y="0"/>
+          <a:ext cx="0" cy="0"/>
+          <a:chOff x="0" y="0"/>
+          <a:chExt cx="0" cy="0"/>
+        </a:xfrm>
+      </p:grpSpPr>
+      <p:sp>
+        <p:nvSpPr>
+          <p:cNvPr id="11" name="Title 10">
+            <a:extLst>
+              <a:ext uri="{FF2B5EF4-FFF2-40B4-BE49-F238E27FC236}">
+                <a16:creationId xmlns:a16="http://schemas.microsoft.com/office/drawing/2014/main" id="{509FA254-9CD1-4873-ACCE-25B4F4498EF9}"/>
+              </a:ext>
+            </a:extLst>
+          </p:cNvPr>
+          <p:cNvSpPr>
+            <a:spLocks noGrp="1"/>
+          </p:cNvSpPr>
+          <p:nvPr>
+            <p:ph type="title"/>
+          </p:nvPr>
+        </p:nvSpPr>
+        <p:spPr/>
+        <p:txBody>
+          <a:bodyPr/>
+          <a:lstStyle/>
+          <a:p>
+            <a:r>
+              <a:rPr lang="en-US" dirty="0"/>
+              <a:t>Fault Tolerant  Control Strategy for 3-Level Inverters</a:t>
+            </a:r>
+          </a:p>
+        </p:txBody>
+      </p:sp>
+      <p:sp>
+        <p:nvSpPr>
+          <p:cNvPr id="12" name="Content Placeholder 11">
+            <a:extLst>
+              <a:ext uri="{FF2B5EF4-FFF2-40B4-BE49-F238E27FC236}">
+                <a16:creationId xmlns:a16="http://schemas.microsoft.com/office/drawing/2014/main" id="{C4ACDB1C-5792-392F-64F8-637E713118A4}"/>
+              </a:ext>
+            </a:extLst>
+          </p:cNvPr>
+          <p:cNvSpPr>
+            <a:spLocks noGrp="1"/>
+          </p:cNvSpPr>
+          <p:nvPr>
+            <p:ph idx="1"/>
+          </p:nvPr>
+        </p:nvSpPr>
+        <p:spPr/>
+        <p:txBody>
+          <a:bodyPr/>
+          <a:lstStyle/>
+          <a:p>
+            <a:endParaRPr lang="en-US" dirty="0"/>
+          </a:p>
+        </p:txBody>
+      </p:sp>
+      <p:sp>
+        <p:nvSpPr>
+          <p:cNvPr id="4" name="Slide Number Placeholder 3">
+            <a:extLst>
+              <a:ext uri="{FF2B5EF4-FFF2-40B4-BE49-F238E27FC236}">
+                <a16:creationId xmlns:a16="http://schemas.microsoft.com/office/drawing/2014/main" id="{840B0F46-4F6D-6365-D04A-12F94B7E861B}"/>
+              </a:ext>
+            </a:extLst>
+          </p:cNvPr>
+          <p:cNvSpPr>
+            <a:spLocks noGrp="1"/>
+          </p:cNvSpPr>
+          <p:nvPr>
+            <p:ph type="sldNum" sz="quarter" idx="12"/>
+          </p:nvPr>
+        </p:nvSpPr>
+        <p:spPr/>
+        <p:txBody>
+          <a:bodyPr/>
+          <a:lstStyle/>
+          <a:p>
+            <a:pPr>
+              <a:defRPr/>
+            </a:pPr>
+            <a:fld id="{C878F797-6006-4DDA-AFE9-456F280FE6C5}" type="slidenum">
+              <a:rPr lang="en-US" smtClean="0"/>
+              <a:pPr>
+                <a:defRPr/>
+              </a:pPr>
+              <a:t>14</a:t>
+            </a:fld>
+            <a:endParaRPr lang="en-US" dirty="0"/>
+          </a:p>
+        </p:txBody>
+      </p:sp>
+      <p:sp>
+        <p:nvSpPr>
+          <p:cNvPr id="5" name="Date Placeholder 4">
+            <a:extLst>
+              <a:ext uri="{FF2B5EF4-FFF2-40B4-BE49-F238E27FC236}">
+                <a16:creationId xmlns:a16="http://schemas.microsoft.com/office/drawing/2014/main" id="{623AB46A-6EE9-B46E-71A9-65DDA3FEFAA7}"/>
+              </a:ext>
+            </a:extLst>
+          </p:cNvPr>
+          <p:cNvSpPr>
+            <a:spLocks noGrp="1"/>
+          </p:cNvSpPr>
+          <p:nvPr>
+            <p:ph type="dt" sz="half" idx="2"/>
+          </p:nvPr>
+        </p:nvSpPr>
+        <p:spPr/>
+        <p:txBody>
+          <a:bodyPr/>
+          <a:lstStyle/>
+          <a:p>
+            <a:pPr>
+              <a:defRPr/>
+            </a:pPr>
+            <a:r>
+              <a:rPr lang="tr-TR"/>
+              <a:t>METU Electrical &amp; Electronics Engineering Department</a:t>
+            </a:r>
+            <a:endParaRPr lang="en-US" dirty="0"/>
+          </a:p>
+        </p:txBody>
+      </p:sp>
+    </p:spTree>
+    <p:extLst>
+      <p:ext uri="{BB962C8B-B14F-4D97-AF65-F5344CB8AC3E}">
+        <p14:creationId xmlns:p14="http://schemas.microsoft.com/office/powerpoint/2010/main" val="2152611300"/>
+      </p:ext>
+    </p:extLst>
+  </p:cSld>
+  <p:clrMapOvr>
+    <a:masterClrMapping/>
+  </p:clrMapOvr>
+</p:sld>
+</file>
+
+<file path=ppt/slides/slide15.xml><?xml version="1.0" encoding="utf-8"?>
+<p:sld xmlns:a="http://schemas.openxmlformats.org/drawingml/2006/main" xmlns:r="http://schemas.openxmlformats.org/officeDocument/2006/relationships" xmlns:p="http://schemas.openxmlformats.org/presentationml/2006/main">
+  <p:cSld>
+    <p:spTree>
+      <p:nvGrpSpPr>
+        <p:cNvPr id="1" name=""/>
+        <p:cNvGrpSpPr/>
+        <p:nvPr/>
+      </p:nvGrpSpPr>
+      <p:grpSpPr>
+        <a:xfrm>
+          <a:off x="0" y="0"/>
+          <a:ext cx="0" cy="0"/>
+          <a:chOff x="0" y="0"/>
+          <a:chExt cx="0" cy="0"/>
+        </a:xfrm>
+      </p:grpSpPr>
+      <p:sp>
+        <p:nvSpPr>
+          <p:cNvPr id="2" name="Title 1">
+            <a:extLst>
+              <a:ext uri="{FF2B5EF4-FFF2-40B4-BE49-F238E27FC236}">
+                <a16:creationId xmlns:a16="http://schemas.microsoft.com/office/drawing/2014/main" id="{AA47C463-0D2A-6386-A8BF-52EFC5C028D8}"/>
+              </a:ext>
+            </a:extLst>
+          </p:cNvPr>
+          <p:cNvSpPr>
+            <a:spLocks noGrp="1"/>
+          </p:cNvSpPr>
+          <p:nvPr>
+            <p:ph type="title"/>
+          </p:nvPr>
+        </p:nvSpPr>
+        <p:spPr/>
+        <p:txBody>
+          <a:bodyPr/>
+          <a:lstStyle/>
+          <a:p>
+            <a:r>
+              <a:rPr lang="en-US" dirty="0"/>
+              <a:t>Conclusion</a:t>
+            </a:r>
+          </a:p>
+        </p:txBody>
+      </p:sp>
+      <p:sp>
+        <p:nvSpPr>
+          <p:cNvPr id="3" name="Content Placeholder 2">
+            <a:extLst>
+              <a:ext uri="{FF2B5EF4-FFF2-40B4-BE49-F238E27FC236}">
+                <a16:creationId xmlns:a16="http://schemas.microsoft.com/office/drawing/2014/main" id="{0B2FFB94-76C6-9852-4D9C-72DE83140B6A}"/>
+              </a:ext>
+            </a:extLst>
+          </p:cNvPr>
+          <p:cNvSpPr>
+            <a:spLocks noGrp="1"/>
+          </p:cNvSpPr>
+          <p:nvPr>
+            <p:ph idx="1"/>
+          </p:nvPr>
+        </p:nvSpPr>
+        <p:spPr/>
+        <p:txBody>
+          <a:bodyPr/>
+          <a:lstStyle/>
+          <a:p>
+            <a:endParaRPr lang="en-US"/>
+          </a:p>
+        </p:txBody>
+      </p:sp>
+      <p:sp>
+        <p:nvSpPr>
+          <p:cNvPr id="4" name="Slide Number Placeholder 3">
+            <a:extLst>
+              <a:ext uri="{FF2B5EF4-FFF2-40B4-BE49-F238E27FC236}">
+                <a16:creationId xmlns:a16="http://schemas.microsoft.com/office/drawing/2014/main" id="{F66F2F28-631F-7C18-9551-46F6FDDC65DE}"/>
+              </a:ext>
+            </a:extLst>
+          </p:cNvPr>
+          <p:cNvSpPr>
+            <a:spLocks noGrp="1"/>
+          </p:cNvSpPr>
+          <p:nvPr>
+            <p:ph type="sldNum" sz="quarter" idx="12"/>
+          </p:nvPr>
+        </p:nvSpPr>
+        <p:spPr/>
+        <p:txBody>
+          <a:bodyPr/>
+          <a:lstStyle/>
+          <a:p>
+            <a:pPr>
+              <a:defRPr/>
+            </a:pPr>
+            <a:fld id="{C878F797-6006-4DDA-AFE9-456F280FE6C5}" type="slidenum">
+              <a:rPr lang="en-US" smtClean="0"/>
+              <a:pPr>
+                <a:defRPr/>
+              </a:pPr>
+              <a:t>15</a:t>
+            </a:fld>
+            <a:endParaRPr lang="en-US" dirty="0"/>
+          </a:p>
+        </p:txBody>
+      </p:sp>
+      <p:sp>
+        <p:nvSpPr>
+          <p:cNvPr id="5" name="Date Placeholder 4">
+            <a:extLst>
+              <a:ext uri="{FF2B5EF4-FFF2-40B4-BE49-F238E27FC236}">
+                <a16:creationId xmlns:a16="http://schemas.microsoft.com/office/drawing/2014/main" id="{2881B45D-15AE-A74A-2C09-B1829303AC54}"/>
+              </a:ext>
+            </a:extLst>
+          </p:cNvPr>
+          <p:cNvSpPr>
+            <a:spLocks noGrp="1"/>
+          </p:cNvSpPr>
+          <p:nvPr>
+            <p:ph type="dt" sz="half" idx="2"/>
+          </p:nvPr>
+        </p:nvSpPr>
+        <p:spPr/>
+        <p:txBody>
+          <a:bodyPr/>
+          <a:lstStyle/>
+          <a:p>
+            <a:pPr>
+              <a:defRPr/>
+            </a:pPr>
+            <a:r>
+              <a:rPr lang="tr-TR"/>
+              <a:t>METU Electrical &amp; Electronics Engineering Department</a:t>
+            </a:r>
+            <a:endParaRPr lang="en-US" dirty="0"/>
+          </a:p>
+        </p:txBody>
+      </p:sp>
+    </p:spTree>
+    <p:extLst>
+      <p:ext uri="{BB962C8B-B14F-4D97-AF65-F5344CB8AC3E}">
+        <p14:creationId xmlns:p14="http://schemas.microsoft.com/office/powerpoint/2010/main" val="400555261"/>
+      </p:ext>
+    </p:extLst>
+  </p:cSld>
+  <p:clrMapOvr>
+    <a:masterClrMapping/>
+  </p:clrMapOvr>
+</p:sld>
+</file>
+
+<file path=ppt/slides/slide16.xml><?xml version="1.0" encoding="utf-8"?>
+<p:sld xmlns:a="http://schemas.openxmlformats.org/drawingml/2006/main" xmlns:r="http://schemas.openxmlformats.org/officeDocument/2006/relationships" xmlns:p="http://schemas.openxmlformats.org/presentationml/2006/main">
+  <p:cSld>
+    <p:spTree>
+      <p:nvGrpSpPr>
+        <p:cNvPr id="1" name=""/>
+        <p:cNvGrpSpPr/>
+        <p:nvPr/>
+      </p:nvGrpSpPr>
+      <p:grpSpPr>
+        <a:xfrm>
+          <a:off x="0" y="0"/>
+          <a:ext cx="0" cy="0"/>
+          <a:chOff x="0" y="0"/>
+          <a:chExt cx="0" cy="0"/>
+        </a:xfrm>
+      </p:grpSpPr>
+      <p:sp>
+        <p:nvSpPr>
+          <p:cNvPr id="2" name="Title 1">
+            <a:extLst>
+              <a:ext uri="{FF2B5EF4-FFF2-40B4-BE49-F238E27FC236}">
+                <a16:creationId xmlns:a16="http://schemas.microsoft.com/office/drawing/2014/main" id="{E44B9115-8CCF-ABE5-5980-1C9EDB4BF746}"/>
+              </a:ext>
+            </a:extLst>
+          </p:cNvPr>
+          <p:cNvSpPr>
+            <a:spLocks noGrp="1"/>
+          </p:cNvSpPr>
+          <p:nvPr>
+            <p:ph type="title"/>
+          </p:nvPr>
+        </p:nvSpPr>
+        <p:spPr/>
+        <p:txBody>
+          <a:bodyPr/>
+          <a:lstStyle/>
+          <a:p>
+            <a:r>
+              <a:rPr lang="en-US" dirty="0"/>
+              <a:t>Reference</a:t>
+            </a:r>
+          </a:p>
+        </p:txBody>
+      </p:sp>
+      <p:sp>
+        <p:nvSpPr>
+          <p:cNvPr id="3" name="Content Placeholder 2">
+            <a:extLst>
+              <a:ext uri="{FF2B5EF4-FFF2-40B4-BE49-F238E27FC236}">
+                <a16:creationId xmlns:a16="http://schemas.microsoft.com/office/drawing/2014/main" id="{971E9DB4-290D-20D2-C61C-57C34733616B}"/>
+              </a:ext>
+            </a:extLst>
+          </p:cNvPr>
+          <p:cNvSpPr>
+            <a:spLocks noGrp="1"/>
+          </p:cNvSpPr>
+          <p:nvPr>
+            <p:ph idx="1"/>
+          </p:nvPr>
+        </p:nvSpPr>
+        <p:spPr/>
+        <p:txBody>
+          <a:bodyPr/>
+          <a:lstStyle/>
+          <a:p>
+            <a:endParaRPr lang="en-US"/>
+          </a:p>
+        </p:txBody>
+      </p:sp>
+      <p:sp>
+        <p:nvSpPr>
+          <p:cNvPr id="4" name="Slide Number Placeholder 3">
+            <a:extLst>
+              <a:ext uri="{FF2B5EF4-FFF2-40B4-BE49-F238E27FC236}">
+                <a16:creationId xmlns:a16="http://schemas.microsoft.com/office/drawing/2014/main" id="{256ED077-B4F2-656E-385B-EEC1C5864815}"/>
+              </a:ext>
+            </a:extLst>
+          </p:cNvPr>
+          <p:cNvSpPr>
+            <a:spLocks noGrp="1"/>
+          </p:cNvSpPr>
+          <p:nvPr>
+            <p:ph type="sldNum" sz="quarter" idx="12"/>
+          </p:nvPr>
+        </p:nvSpPr>
+        <p:spPr/>
+        <p:txBody>
+          <a:bodyPr/>
+          <a:lstStyle/>
+          <a:p>
+            <a:pPr>
+              <a:defRPr/>
+            </a:pPr>
+            <a:fld id="{C878F797-6006-4DDA-AFE9-456F280FE6C5}" type="slidenum">
+              <a:rPr lang="en-US" smtClean="0"/>
+              <a:pPr>
+                <a:defRPr/>
+              </a:pPr>
+              <a:t>16</a:t>
+            </a:fld>
+            <a:endParaRPr lang="en-US" dirty="0"/>
+          </a:p>
+        </p:txBody>
+      </p:sp>
+      <p:sp>
+        <p:nvSpPr>
+          <p:cNvPr id="5" name="Date Placeholder 4">
+            <a:extLst>
+              <a:ext uri="{FF2B5EF4-FFF2-40B4-BE49-F238E27FC236}">
+                <a16:creationId xmlns:a16="http://schemas.microsoft.com/office/drawing/2014/main" id="{3CA283E1-4D08-6D09-1DCE-A600774C955B}"/>
+              </a:ext>
+            </a:extLst>
+          </p:cNvPr>
+          <p:cNvSpPr>
+            <a:spLocks noGrp="1"/>
+          </p:cNvSpPr>
+          <p:nvPr>
+            <p:ph type="dt" sz="half" idx="2"/>
+          </p:nvPr>
+        </p:nvSpPr>
+        <p:spPr/>
+        <p:txBody>
+          <a:bodyPr/>
+          <a:lstStyle/>
+          <a:p>
+            <a:pPr>
+              <a:defRPr/>
+            </a:pPr>
+            <a:r>
+              <a:rPr lang="tr-TR"/>
+              <a:t>METU Electrical &amp; Electronics Engineering Department</a:t>
+            </a:r>
+            <a:endParaRPr lang="en-US" dirty="0"/>
+          </a:p>
+        </p:txBody>
+      </p:sp>
+    </p:spTree>
+    <p:extLst>
+      <p:ext uri="{BB962C8B-B14F-4D97-AF65-F5344CB8AC3E}">
+        <p14:creationId xmlns:p14="http://schemas.microsoft.com/office/powerpoint/2010/main" val="159656307"/>
+      </p:ext>
+    </p:extLst>
+  </p:cSld>
+  <p:clrMapOvr>
+    <a:masterClrMapping/>
+  </p:clrMapOvr>
+</p:sld>
+</file>
+
+<file path=ppt/slides/slide17.xml><?xml version="1.0" encoding="utf-8"?>
+<p:sld xmlns:a="http://schemas.openxmlformats.org/drawingml/2006/main" xmlns:r="http://schemas.openxmlformats.org/officeDocument/2006/relationships" xmlns:p="http://schemas.openxmlformats.org/presentationml/2006/main">
+  <p:cSld>
+    <p:spTree>
+      <p:nvGrpSpPr>
+        <p:cNvPr id="1" name=""/>
+        <p:cNvGrpSpPr/>
+        <p:nvPr/>
+      </p:nvGrpSpPr>
+      <p:grpSpPr>
+        <a:xfrm>
+          <a:off x="0" y="0"/>
+          <a:ext cx="0" cy="0"/>
+          <a:chOff x="0" y="0"/>
+          <a:chExt cx="0" cy="0"/>
+        </a:xfrm>
+      </p:grpSpPr>
+    </p:spTree>
+    <p:extLst>
+      <p:ext uri="{BB962C8B-B14F-4D97-AF65-F5344CB8AC3E}">
+        <p14:creationId xmlns:p14="http://schemas.microsoft.com/office/powerpoint/2010/main" val="3835474893"/>
+      </p:ext>
+    </p:extLst>
+  </p:cSld>
+  <p:clrMapOvr>
+    <a:masterClrMapping/>
+  </p:clrMapOvr>
+</p:sld>
+</file>
+
 <file path=ppt/slides/slide2.xml><?xml version="1.0" encoding="utf-8"?>
 <p:sld xmlns:a="http://schemas.openxmlformats.org/drawingml/2006/main" xmlns:r="http://schemas.openxmlformats.org/officeDocument/2006/relationships" xmlns:p="http://schemas.openxmlformats.org/presentationml/2006/main">
   <p:cSld>
@@ -4285,6 +5495,64 @@
           <a:bodyPr/>
           <a:lstStyle/>
           <a:p>
+            <a:pPr marL="342900" indent="-342900">
+              <a:buFont typeface="Arial" panose="020B0604020202020204" pitchFamily="34" charset="0"/>
+              <a:buChar char="•"/>
+            </a:pPr>
+            <a:r>
+              <a:rPr lang="en-US" dirty="0"/>
+              <a:t>Electrical Machine Drives</a:t>
+            </a:r>
+          </a:p>
+          <a:p>
+            <a:pPr marL="342900" indent="-342900">
+              <a:buFont typeface="Arial" panose="020B0604020202020204" pitchFamily="34" charset="0"/>
+              <a:buChar char="•"/>
+            </a:pPr>
+            <a:r>
+              <a:rPr lang="en-US" dirty="0"/>
+              <a:t>3- Level NPC Inverters</a:t>
+            </a:r>
+          </a:p>
+          <a:p>
+            <a:pPr marL="342900" indent="-342900">
+              <a:buFont typeface="Arial" panose="020B0604020202020204" pitchFamily="34" charset="0"/>
+              <a:buChar char="•"/>
+            </a:pPr>
+            <a:r>
+              <a:rPr lang="en-US" dirty="0"/>
+              <a:t>Inverter Control Techniques</a:t>
+            </a:r>
+          </a:p>
+          <a:p>
+            <a:pPr marL="342900" indent="-342900">
+              <a:buFont typeface="Arial" panose="020B0604020202020204" pitchFamily="34" charset="0"/>
+              <a:buChar char="•"/>
+            </a:pPr>
+            <a:r>
+              <a:rPr lang="en-US" dirty="0"/>
+              <a:t>Space Vectors under Fault States</a:t>
+            </a:r>
+          </a:p>
+          <a:p>
+            <a:pPr marL="342900" indent="-342900">
+              <a:buFont typeface="Arial" panose="020B0604020202020204" pitchFamily="34" charset="0"/>
+              <a:buChar char="•"/>
+            </a:pPr>
+            <a:r>
+              <a:rPr lang="en-US" dirty="0"/>
+              <a:t>Fault Tolerant  Control Strategy for 3-Level Inverters</a:t>
+            </a:r>
+          </a:p>
+          <a:p>
+            <a:pPr marL="342900" indent="-342900">
+              <a:buFont typeface="Arial" panose="020B0604020202020204" pitchFamily="34" charset="0"/>
+              <a:buChar char="•"/>
+            </a:pPr>
+            <a:r>
+              <a:rPr lang="en-US" dirty="0"/>
+              <a:t>Future Works</a:t>
+            </a:r>
             <a:endParaRPr lang="tr-TR" dirty="0"/>
           </a:p>
         </p:txBody>
@@ -4395,7 +5663,10 @@
           <a:bodyPr/>
           <a:lstStyle/>
           <a:p>
-            <a:endParaRPr lang="en-US"/>
+            <a:r>
+              <a:rPr lang="en-US" dirty="0"/>
+              <a:t>Electrical Machine Drives</a:t>
+            </a:r>
           </a:p>
         </p:txBody>
       </p:sp>
@@ -4420,7 +5691,112 @@
           <a:bodyPr/>
           <a:lstStyle/>
           <a:p>
-            <a:endParaRPr lang="en-US"/>
+            <a:pPr marL="342900" indent="-342900">
+              <a:buFont typeface="Arial" panose="020B0604020202020204" pitchFamily="34" charset="0"/>
+              <a:buChar char="•"/>
+            </a:pPr>
+            <a:r>
+              <a:rPr lang="en-US" dirty="0"/>
+              <a:t>AC Machine Applications,</a:t>
+            </a:r>
+          </a:p>
+          <a:p>
+            <a:pPr marL="342900" indent="-342900">
+              <a:buFont typeface="Arial" panose="020B0604020202020204" pitchFamily="34" charset="0"/>
+              <a:buChar char="•"/>
+            </a:pPr>
+            <a:r>
+              <a:rPr lang="en-US" dirty="0"/>
+              <a:t>Electrical Vehicles</a:t>
+            </a:r>
+          </a:p>
+          <a:p>
+            <a:pPr marL="342900" indent="-342900">
+              <a:buFont typeface="Arial" panose="020B0604020202020204" pitchFamily="34" charset="0"/>
+              <a:buChar char="•"/>
+            </a:pPr>
+            <a:r>
+              <a:rPr lang="en-US" dirty="0"/>
+              <a:t>Renewable Energy Systems</a:t>
+            </a:r>
+          </a:p>
+          <a:p>
+            <a:pPr marL="342900" indent="-342900">
+              <a:buFont typeface="Arial" panose="020B0604020202020204" pitchFamily="34" charset="0"/>
+              <a:buChar char="•"/>
+            </a:pPr>
+            <a:r>
+              <a:rPr lang="en-US" dirty="0"/>
+              <a:t>Industry</a:t>
+            </a:r>
+          </a:p>
+          <a:p>
+            <a:pPr marL="342900" indent="-342900">
+              <a:buFont typeface="Arial" panose="020B0604020202020204" pitchFamily="34" charset="0"/>
+              <a:buChar char="•"/>
+            </a:pPr>
+            <a:endParaRPr lang="en-US" dirty="0"/>
+          </a:p>
+          <a:p>
+            <a:pPr marL="342900" indent="-342900">
+              <a:buFont typeface="Arial" panose="020B0604020202020204" pitchFamily="34" charset="0"/>
+              <a:buChar char="•"/>
+            </a:pPr>
+            <a:r>
+              <a:rPr lang="en-US" dirty="0"/>
+              <a:t>Control of an AC Machine for,</a:t>
+            </a:r>
+          </a:p>
+          <a:p>
+            <a:pPr marL="342900" indent="-342900">
+              <a:buFont typeface="Arial" panose="020B0604020202020204" pitchFamily="34" charset="0"/>
+              <a:buChar char="•"/>
+            </a:pPr>
+            <a:r>
+              <a:rPr lang="en-US" dirty="0"/>
+              <a:t>Desired Speed, Torque</a:t>
+            </a:r>
+          </a:p>
+          <a:p>
+            <a:pPr marL="342900" indent="-342900">
+              <a:buFont typeface="Arial" panose="020B0604020202020204" pitchFamily="34" charset="0"/>
+              <a:buChar char="•"/>
+            </a:pPr>
+            <a:r>
+              <a:rPr lang="en-US" dirty="0"/>
+              <a:t>Efficient system</a:t>
+            </a:r>
+          </a:p>
+          <a:p>
+            <a:pPr marL="342900" indent="-342900">
+              <a:buFont typeface="Arial" panose="020B0604020202020204" pitchFamily="34" charset="0"/>
+              <a:buChar char="•"/>
+            </a:pPr>
+            <a:endParaRPr lang="en-US" dirty="0"/>
+          </a:p>
+          <a:p>
+            <a:pPr marL="342900" indent="-342900">
+              <a:buFont typeface="Arial" panose="020B0604020202020204" pitchFamily="34" charset="0"/>
+              <a:buChar char="•"/>
+            </a:pPr>
+            <a:r>
+              <a:rPr lang="en-US" dirty="0"/>
+              <a:t> DC/AC Converters (Inverters)</a:t>
+            </a:r>
+          </a:p>
+          <a:p>
+            <a:pPr marL="342900" indent="-342900">
+              <a:buFont typeface="Arial" panose="020B0604020202020204" pitchFamily="34" charset="0"/>
+              <a:buChar char="•"/>
+            </a:pPr>
+            <a:endParaRPr lang="en-US" dirty="0"/>
+          </a:p>
+          <a:p>
+            <a:pPr marL="342900" indent="-342900">
+              <a:buFont typeface="Arial" panose="020B0604020202020204" pitchFamily="34" charset="0"/>
+              <a:buChar char="•"/>
+            </a:pPr>
+            <a:endParaRPr lang="en-US" dirty="0"/>
           </a:p>
         </p:txBody>
       </p:sp>
@@ -4491,6 +5867,66 @@
           </a:p>
         </p:txBody>
       </p:sp>
+      <p:pic>
+        <p:nvPicPr>
+          <p:cNvPr id="7" name="Picture 6" descr="Powertain of EV">
+            <a:extLst>
+              <a:ext uri="{FF2B5EF4-FFF2-40B4-BE49-F238E27FC236}">
+                <a16:creationId xmlns:a16="http://schemas.microsoft.com/office/drawing/2014/main" id="{C1A80DEE-7A7F-0283-E205-3E95D52C627A}"/>
+              </a:ext>
+            </a:extLst>
+          </p:cNvPr>
+          <p:cNvPicPr>
+            <a:picLocks noChangeAspect="1"/>
+          </p:cNvPicPr>
+          <p:nvPr/>
+        </p:nvPicPr>
+        <p:blipFill>
+          <a:blip r:embed="rId2"/>
+          <a:stretch>
+            <a:fillRect/>
+          </a:stretch>
+        </p:blipFill>
+        <p:spPr>
+          <a:xfrm>
+            <a:off x="4855469" y="1409345"/>
+            <a:ext cx="4039309" cy="2019655"/>
+          </a:xfrm>
+          <a:prstGeom prst="rect">
+            <a:avLst/>
+          </a:prstGeom>
+        </p:spPr>
+      </p:pic>
+      <p:pic>
+        <p:nvPicPr>
+          <p:cNvPr id="11" name="Picture 10" descr="A wind turbine with blue sky&#10;&#10;Description automatically generated">
+            <a:extLst>
+              <a:ext uri="{FF2B5EF4-FFF2-40B4-BE49-F238E27FC236}">
+                <a16:creationId xmlns:a16="http://schemas.microsoft.com/office/drawing/2014/main" id="{308DB8B5-E37B-49F9-B10F-76FFB1BEB7A9}"/>
+              </a:ext>
+            </a:extLst>
+          </p:cNvPr>
+          <p:cNvPicPr>
+            <a:picLocks noChangeAspect="1"/>
+          </p:cNvPicPr>
+          <p:nvPr/>
+        </p:nvPicPr>
+        <p:blipFill>
+          <a:blip r:embed="rId3"/>
+          <a:stretch>
+            <a:fillRect/>
+          </a:stretch>
+        </p:blipFill>
+        <p:spPr>
+          <a:xfrm>
+            <a:off x="5255472" y="3826880"/>
+            <a:ext cx="3173542" cy="2428503"/>
+          </a:xfrm>
+          <a:prstGeom prst="rect">
+            <a:avLst/>
+          </a:prstGeom>
+        </p:spPr>
+      </p:pic>
     </p:spTree>
     <p:extLst>
       <p:ext uri="{BB962C8B-B14F-4D97-AF65-F5344CB8AC3E}">
@@ -4523,7 +5959,13 @@
       </p:grpSpPr>
       <p:sp>
         <p:nvSpPr>
-          <p:cNvPr id="2" name="Title 1"/>
+          <p:cNvPr id="2" name="Title 1">
+            <a:extLst>
+              <a:ext uri="{FF2B5EF4-FFF2-40B4-BE49-F238E27FC236}">
+                <a16:creationId xmlns:a16="http://schemas.microsoft.com/office/drawing/2014/main" id="{7DE46394-088F-FE9B-1509-EC62856EBCBB}"/>
+              </a:ext>
+            </a:extLst>
+          </p:cNvPr>
           <p:cNvSpPr>
             <a:spLocks noGrp="1"/>
           </p:cNvSpPr>
@@ -4536,13 +5978,22 @@
           <a:bodyPr/>
           <a:lstStyle/>
           <a:p>
-            <a:endParaRPr lang="tr-TR"/>
-          </a:p>
-        </p:txBody>
-      </p:sp>
-      <p:sp>
-        <p:nvSpPr>
-          <p:cNvPr id="3" name="Text Placeholder 2"/>
+            <a:r>
+              <a:rPr lang="en-US" dirty="0"/>
+              <a:t>Electrical Machine Drives</a:t>
+            </a:r>
+          </a:p>
+        </p:txBody>
+      </p:sp>
+      <p:sp>
+        <p:nvSpPr>
+          <p:cNvPr id="6" name="Text Placeholder 5">
+            <a:extLst>
+              <a:ext uri="{FF2B5EF4-FFF2-40B4-BE49-F238E27FC236}">
+                <a16:creationId xmlns:a16="http://schemas.microsoft.com/office/drawing/2014/main" id="{3313401F-3E4F-D565-B5B4-1E97612DF5C8}"/>
+              </a:ext>
+            </a:extLst>
+          </p:cNvPr>
           <p:cNvSpPr>
             <a:spLocks noGrp="1"/>
           </p:cNvSpPr>
@@ -4555,13 +6006,22 @@
           <a:bodyPr/>
           <a:lstStyle/>
           <a:p>
-            <a:endParaRPr lang="tr-TR"/>
-          </a:p>
-        </p:txBody>
-      </p:sp>
-      <p:sp>
-        <p:nvSpPr>
-          <p:cNvPr id="4" name="Text Placeholder 3"/>
+            <a:r>
+              <a:rPr lang="en-US" dirty="0"/>
+              <a:t>2-level Inverters</a:t>
+            </a:r>
+          </a:p>
+        </p:txBody>
+      </p:sp>
+      <p:sp>
+        <p:nvSpPr>
+          <p:cNvPr id="8" name="Text Placeholder 7">
+            <a:extLst>
+              <a:ext uri="{FF2B5EF4-FFF2-40B4-BE49-F238E27FC236}">
+                <a16:creationId xmlns:a16="http://schemas.microsoft.com/office/drawing/2014/main" id="{94DBA42D-8DD2-CA31-FEC5-7352C14FDFD8}"/>
+              </a:ext>
+            </a:extLst>
+          </p:cNvPr>
           <p:cNvSpPr>
             <a:spLocks noGrp="1"/>
           </p:cNvSpPr>
@@ -4574,13 +6034,22 @@
           <a:bodyPr/>
           <a:lstStyle/>
           <a:p>
-            <a:endParaRPr lang="tr-TR"/>
-          </a:p>
-        </p:txBody>
-      </p:sp>
-      <p:sp>
-        <p:nvSpPr>
-          <p:cNvPr id="5" name="Content Placeholder 4"/>
+            <a:r>
+              <a:rPr lang="en-US" dirty="0"/>
+              <a:t>3-Level Inverters</a:t>
+            </a:r>
+          </a:p>
+        </p:txBody>
+      </p:sp>
+      <p:sp>
+        <p:nvSpPr>
+          <p:cNvPr id="7" name="Content Placeholder 6">
+            <a:extLst>
+              <a:ext uri="{FF2B5EF4-FFF2-40B4-BE49-F238E27FC236}">
+                <a16:creationId xmlns:a16="http://schemas.microsoft.com/office/drawing/2014/main" id="{A3E5EEAA-B982-CFC0-E5F9-9BA9DEDF3BE4}"/>
+              </a:ext>
+            </a:extLst>
+          </p:cNvPr>
           <p:cNvSpPr>
             <a:spLocks noGrp="1"/>
           </p:cNvSpPr>
@@ -4593,13 +6062,60 @@
           <a:bodyPr/>
           <a:lstStyle/>
           <a:p>
-            <a:endParaRPr lang="tr-TR"/>
-          </a:p>
-        </p:txBody>
-      </p:sp>
-      <p:sp>
-        <p:nvSpPr>
-          <p:cNvPr id="6" name="Content Placeholder 5"/>
+            <a:pPr marL="342900" indent="-342900">
+              <a:buFont typeface="Arial" panose="020B0604020202020204" pitchFamily="34" charset="0"/>
+              <a:buChar char="•"/>
+            </a:pPr>
+            <a:r>
+              <a:rPr lang="en-US" sz="1800" dirty="0"/>
+              <a:t>6 switches</a:t>
+            </a:r>
+          </a:p>
+          <a:p>
+            <a:pPr marL="342900" indent="-342900">
+              <a:buFont typeface="Arial" panose="020B0604020202020204" pitchFamily="34" charset="0"/>
+              <a:buChar char="•"/>
+            </a:pPr>
+            <a:endParaRPr lang="en-US" sz="1800" dirty="0"/>
+          </a:p>
+          <a:p>
+            <a:pPr marL="342900" indent="-342900">
+              <a:buFont typeface="Arial" panose="020B0604020202020204" pitchFamily="34" charset="0"/>
+              <a:buChar char="•"/>
+            </a:pPr>
+            <a:r>
+              <a:rPr lang="en-US" sz="1800" dirty="0"/>
+              <a:t>[Vdc/2, -Vdc/2] voltage levels</a:t>
+            </a:r>
+          </a:p>
+          <a:p>
+            <a:pPr marL="342900" indent="-342900">
+              <a:buFont typeface="Arial" panose="020B0604020202020204" pitchFamily="34" charset="0"/>
+              <a:buChar char="•"/>
+            </a:pPr>
+            <a:endParaRPr lang="en-US" sz="1800" dirty="0"/>
+          </a:p>
+          <a:p>
+            <a:pPr marL="342900" indent="-342900">
+              <a:buFont typeface="Arial" panose="020B0604020202020204" pitchFamily="34" charset="0"/>
+              <a:buChar char="•"/>
+            </a:pPr>
+            <a:r>
+              <a:rPr lang="en-US" sz="1800" dirty="0"/>
+              <a:t>Voltage stress of switch: Vdc </a:t>
+            </a:r>
+          </a:p>
+        </p:txBody>
+      </p:sp>
+      <p:sp>
+        <p:nvSpPr>
+          <p:cNvPr id="9" name="Content Placeholder 8">
+            <a:extLst>
+              <a:ext uri="{FF2B5EF4-FFF2-40B4-BE49-F238E27FC236}">
+                <a16:creationId xmlns:a16="http://schemas.microsoft.com/office/drawing/2014/main" id="{19D14737-ED35-D034-712D-EEDD4EFCA95E}"/>
+              </a:ext>
+            </a:extLst>
+          </p:cNvPr>
           <p:cNvSpPr>
             <a:spLocks noGrp="1"/>
           </p:cNvSpPr>
@@ -4612,13 +6128,70 @@
           <a:bodyPr/>
           <a:lstStyle/>
           <a:p>
-            <a:endParaRPr lang="tr-TR"/>
-          </a:p>
-        </p:txBody>
-      </p:sp>
-      <p:sp>
-        <p:nvSpPr>
-          <p:cNvPr id="7" name="Slide Number Placeholder 6"/>
+            <a:pPr marL="342900" indent="-342900">
+              <a:buFont typeface="Arial" panose="020B0604020202020204" pitchFamily="34" charset="0"/>
+              <a:buChar char="•"/>
+            </a:pPr>
+            <a:r>
+              <a:rPr lang="en-US" sz="1600" dirty="0"/>
+              <a:t>Different Types( T-type, Flying capacitor, NPC etc.)</a:t>
+            </a:r>
+          </a:p>
+          <a:p>
+            <a:pPr marL="342900" indent="-342900">
+              <a:buFont typeface="Arial" panose="020B0604020202020204" pitchFamily="34" charset="0"/>
+              <a:buChar char="•"/>
+            </a:pPr>
+            <a:endParaRPr lang="en-US" sz="1600" dirty="0"/>
+          </a:p>
+          <a:p>
+            <a:pPr marL="342900" indent="-342900">
+              <a:buFont typeface="Arial" panose="020B0604020202020204" pitchFamily="34" charset="0"/>
+              <a:buChar char="•"/>
+            </a:pPr>
+            <a:r>
+              <a:rPr lang="en-US" sz="1600" dirty="0"/>
+              <a:t>[Vdc/2, 0, -Vdc/2] voltage levels</a:t>
+            </a:r>
+          </a:p>
+          <a:p>
+            <a:pPr marL="342900" indent="-342900">
+              <a:buFont typeface="Arial" panose="020B0604020202020204" pitchFamily="34" charset="0"/>
+              <a:buChar char="•"/>
+            </a:pPr>
+            <a:endParaRPr lang="en-US" sz="1600" dirty="0"/>
+          </a:p>
+          <a:p>
+            <a:pPr marL="342900" indent="-342900">
+              <a:buFont typeface="Arial" panose="020B0604020202020204" pitchFamily="34" charset="0"/>
+              <a:buChar char="•"/>
+            </a:pPr>
+            <a:r>
+              <a:rPr lang="en-US" sz="1600" dirty="0"/>
+              <a:t>Voltage stress of switch: Vdc/2</a:t>
+            </a:r>
+          </a:p>
+          <a:p>
+            <a:pPr marL="342900" indent="-342900">
+              <a:buFont typeface="Arial" panose="020B0604020202020204" pitchFamily="34" charset="0"/>
+              <a:buChar char="•"/>
+            </a:pPr>
+            <a:endParaRPr lang="en-US" dirty="0"/>
+          </a:p>
+          <a:p>
+            <a:endParaRPr lang="en-US" dirty="0"/>
+          </a:p>
+        </p:txBody>
+      </p:sp>
+      <p:sp>
+        <p:nvSpPr>
+          <p:cNvPr id="4" name="Slide Number Placeholder 3">
+            <a:extLst>
+              <a:ext uri="{FF2B5EF4-FFF2-40B4-BE49-F238E27FC236}">
+                <a16:creationId xmlns:a16="http://schemas.microsoft.com/office/drawing/2014/main" id="{491475EB-74F1-D33B-9C31-A50A5D684B89}"/>
+              </a:ext>
+            </a:extLst>
+          </p:cNvPr>
           <p:cNvSpPr>
             <a:spLocks noGrp="1"/>
           </p:cNvSpPr>
@@ -4634,20 +6207,26 @@
             <a:pPr>
               <a:defRPr/>
             </a:pPr>
-            <a:fld id="{B5012164-718A-4733-A653-425A1A482A4D}" type="slidenum">
+            <a:fld id="{C878F797-6006-4DDA-AFE9-456F280FE6C5}" type="slidenum">
               <a:rPr lang="en-US" smtClean="0"/>
               <a:pPr>
                 <a:defRPr/>
               </a:pPr>
               <a:t>5</a:t>
             </a:fld>
-            <a:endParaRPr lang="en-US"/>
-          </a:p>
-        </p:txBody>
-      </p:sp>
-      <p:sp>
-        <p:nvSpPr>
-          <p:cNvPr id="8" name="Date Placeholder 7"/>
+            <a:endParaRPr lang="en-US" dirty="0"/>
+          </a:p>
+        </p:txBody>
+      </p:sp>
+      <p:sp>
+        <p:nvSpPr>
+          <p:cNvPr id="5" name="Date Placeholder 4">
+            <a:extLst>
+              <a:ext uri="{FF2B5EF4-FFF2-40B4-BE49-F238E27FC236}">
+                <a16:creationId xmlns:a16="http://schemas.microsoft.com/office/drawing/2014/main" id="{6ADD0702-E79B-6B60-1924-244A0E594D10}"/>
+              </a:ext>
+            </a:extLst>
+          </p:cNvPr>
           <p:cNvSpPr>
             <a:spLocks noGrp="1"/>
           </p:cNvSpPr>
@@ -4671,10 +6250,70 @@
           </a:p>
         </p:txBody>
       </p:sp>
+      <p:pic>
+        <p:nvPicPr>
+          <p:cNvPr id="10" name="Picture 9">
+            <a:extLst>
+              <a:ext uri="{FF2B5EF4-FFF2-40B4-BE49-F238E27FC236}">
+                <a16:creationId xmlns:a16="http://schemas.microsoft.com/office/drawing/2014/main" id="{AF63C81A-0138-1D43-1BFA-75A9415CFB6F}"/>
+              </a:ext>
+            </a:extLst>
+          </p:cNvPr>
+          <p:cNvPicPr>
+            <a:picLocks noChangeAspect="1"/>
+          </p:cNvPicPr>
+          <p:nvPr/>
+        </p:nvPicPr>
+        <p:blipFill>
+          <a:blip r:embed="rId2"/>
+          <a:stretch>
+            <a:fillRect/>
+          </a:stretch>
+        </p:blipFill>
+        <p:spPr>
+          <a:xfrm>
+            <a:off x="4860729" y="4307329"/>
+            <a:ext cx="3973708" cy="2134350"/>
+          </a:xfrm>
+          <a:prstGeom prst="rect">
+            <a:avLst/>
+          </a:prstGeom>
+        </p:spPr>
+      </p:pic>
+      <p:pic>
+        <p:nvPicPr>
+          <p:cNvPr id="12" name="Picture 11">
+            <a:extLst>
+              <a:ext uri="{FF2B5EF4-FFF2-40B4-BE49-F238E27FC236}">
+                <a16:creationId xmlns:a16="http://schemas.microsoft.com/office/drawing/2014/main" id="{EE904760-2435-B6A2-9E8D-8362100FE392}"/>
+              </a:ext>
+            </a:extLst>
+          </p:cNvPr>
+          <p:cNvPicPr>
+            <a:picLocks noChangeAspect="1"/>
+          </p:cNvPicPr>
+          <p:nvPr/>
+        </p:nvPicPr>
+        <p:blipFill>
+          <a:blip r:embed="rId3"/>
+          <a:stretch>
+            <a:fillRect/>
+          </a:stretch>
+        </p:blipFill>
+        <p:spPr>
+          <a:xfrm>
+            <a:off x="770917" y="4346665"/>
+            <a:ext cx="3726471" cy="2013655"/>
+          </a:xfrm>
+          <a:prstGeom prst="rect">
+            <a:avLst/>
+          </a:prstGeom>
+        </p:spPr>
+      </p:pic>
     </p:spTree>
     <p:extLst>
       <p:ext uri="{BB962C8B-B14F-4D97-AF65-F5344CB8AC3E}">
-        <p14:creationId xmlns:p14="http://schemas.microsoft.com/office/powerpoint/2010/main" val="4196449028"/>
+        <p14:creationId xmlns:p14="http://schemas.microsoft.com/office/powerpoint/2010/main" val="1258404749"/>
       </p:ext>
     </p:extLst>
   </p:cSld>
@@ -4706,7 +6345,7 @@
           <p:cNvPr id="2" name="Title 1">
             <a:extLst>
               <a:ext uri="{FF2B5EF4-FFF2-40B4-BE49-F238E27FC236}">
-                <a16:creationId xmlns:a16="http://schemas.microsoft.com/office/drawing/2014/main" id="{9800CDCE-7471-1D07-17EC-76AE5380EE6C}"/>
+                <a16:creationId xmlns:a16="http://schemas.microsoft.com/office/drawing/2014/main" id="{7DE46394-088F-FE9B-1509-EC62856EBCBB}"/>
               </a:ext>
             </a:extLst>
           </p:cNvPr>
@@ -4722,16 +6361,19 @@
           <a:bodyPr/>
           <a:lstStyle/>
           <a:p>
-            <a:endParaRPr lang="en-US"/>
-          </a:p>
-        </p:txBody>
-      </p:sp>
-      <p:sp>
-        <p:nvSpPr>
-          <p:cNvPr id="3" name="Text Placeholder 2">
+            <a:r>
+              <a:rPr lang="en-US" dirty="0"/>
+              <a:t>3-Level NPC Inverters</a:t>
+            </a:r>
+          </a:p>
+        </p:txBody>
+      </p:sp>
+      <p:sp>
+        <p:nvSpPr>
+          <p:cNvPr id="3" name="Content Placeholder 2">
             <a:extLst>
               <a:ext uri="{FF2B5EF4-FFF2-40B4-BE49-F238E27FC236}">
-                <a16:creationId xmlns:a16="http://schemas.microsoft.com/office/drawing/2014/main" id="{D828F69C-EE29-E818-366C-4FD7DE59C058}"/>
+                <a16:creationId xmlns:a16="http://schemas.microsoft.com/office/drawing/2014/main" id="{0DAA5C32-173E-9E13-7F67-D8B7F4D62B5E}"/>
               </a:ext>
             </a:extLst>
           </p:cNvPr>
@@ -4739,7 +6381,7 @@
             <a:spLocks noGrp="1"/>
           </p:cNvSpPr>
           <p:nvPr>
-            <p:ph type="body" idx="1"/>
+            <p:ph idx="1"/>
           </p:nvPr>
         </p:nvSpPr>
         <p:spPr/>
@@ -4747,16 +6389,40 @@
           <a:bodyPr/>
           <a:lstStyle/>
           <a:p>
-            <a:endParaRPr lang="en-US"/>
-          </a:p>
-        </p:txBody>
-      </p:sp>
-      <p:sp>
-        <p:nvSpPr>
-          <p:cNvPr id="4" name="Text Placeholder 3">
+            <a:pPr marL="342900" indent="-342900">
+              <a:buFont typeface="Arial" panose="020B0604020202020204" pitchFamily="34" charset="0"/>
+              <a:buChar char="•"/>
+            </a:pPr>
+            <a:r>
+              <a:rPr lang="en-US" dirty="0"/>
+              <a:t>13 switches</a:t>
+            </a:r>
+          </a:p>
+          <a:p>
+            <a:pPr marL="342900" indent="-342900">
+              <a:buFont typeface="Arial" panose="020B0604020202020204" pitchFamily="34" charset="0"/>
+              <a:buChar char="•"/>
+            </a:pPr>
+            <a:r>
+              <a:rPr lang="en-US" dirty="0"/>
+              <a:t>6 diodes for 0-states</a:t>
+            </a:r>
+          </a:p>
+          <a:p>
+            <a:pPr marL="342900" indent="-342900">
+              <a:buFont typeface="Arial" panose="020B0604020202020204" pitchFamily="34" charset="0"/>
+              <a:buChar char="•"/>
+            </a:pPr>
+            <a:endParaRPr lang="en-US" dirty="0"/>
+          </a:p>
+        </p:txBody>
+      </p:sp>
+      <p:sp>
+        <p:nvSpPr>
+          <p:cNvPr id="4" name="Slide Number Placeholder 3">
             <a:extLst>
               <a:ext uri="{FF2B5EF4-FFF2-40B4-BE49-F238E27FC236}">
-                <a16:creationId xmlns:a16="http://schemas.microsoft.com/office/drawing/2014/main" id="{3FB90E1F-BC14-884E-0994-2963FCDC4FBA}"/>
+                <a16:creationId xmlns:a16="http://schemas.microsoft.com/office/drawing/2014/main" id="{491475EB-74F1-D33B-9C31-A50A5D684B89}"/>
               </a:ext>
             </a:extLst>
           </p:cNvPr>
@@ -4764,7 +6430,7 @@
             <a:spLocks noGrp="1"/>
           </p:cNvSpPr>
           <p:nvPr>
-            <p:ph type="body" sz="half" idx="3"/>
+            <p:ph type="sldNum" sz="quarter" idx="12"/>
           </p:nvPr>
         </p:nvSpPr>
         <p:spPr/>
@@ -4772,101 +6438,26 @@
           <a:bodyPr/>
           <a:lstStyle/>
           <a:p>
-            <a:endParaRPr lang="en-US"/>
-          </a:p>
-        </p:txBody>
-      </p:sp>
-      <p:sp>
-        <p:nvSpPr>
-          <p:cNvPr id="5" name="Content Placeholder 4">
-            <a:extLst>
-              <a:ext uri="{FF2B5EF4-FFF2-40B4-BE49-F238E27FC236}">
-                <a16:creationId xmlns:a16="http://schemas.microsoft.com/office/drawing/2014/main" id="{645697D4-6133-0061-83E0-F5A50CAE18EB}"/>
-              </a:ext>
-            </a:extLst>
-          </p:cNvPr>
-          <p:cNvSpPr>
-            <a:spLocks noGrp="1"/>
-          </p:cNvSpPr>
-          <p:nvPr>
-            <p:ph sz="quarter" idx="2"/>
-          </p:nvPr>
-        </p:nvSpPr>
-        <p:spPr/>
-        <p:txBody>
-          <a:bodyPr/>
-          <a:lstStyle/>
-          <a:p>
-            <a:endParaRPr lang="en-US"/>
-          </a:p>
-        </p:txBody>
-      </p:sp>
-      <p:sp>
-        <p:nvSpPr>
-          <p:cNvPr id="6" name="Content Placeholder 5">
-            <a:extLst>
-              <a:ext uri="{FF2B5EF4-FFF2-40B4-BE49-F238E27FC236}">
-                <a16:creationId xmlns:a16="http://schemas.microsoft.com/office/drawing/2014/main" id="{41FFAC00-95CC-FF04-668E-B59FFD7C74BF}"/>
-              </a:ext>
-            </a:extLst>
-          </p:cNvPr>
-          <p:cNvSpPr>
-            <a:spLocks noGrp="1"/>
-          </p:cNvSpPr>
-          <p:nvPr>
-            <p:ph sz="quarter" idx="4"/>
-          </p:nvPr>
-        </p:nvSpPr>
-        <p:spPr/>
-        <p:txBody>
-          <a:bodyPr/>
-          <a:lstStyle/>
-          <a:p>
-            <a:endParaRPr lang="en-US"/>
-          </a:p>
-        </p:txBody>
-      </p:sp>
-      <p:sp>
-        <p:nvSpPr>
-          <p:cNvPr id="7" name="Slide Number Placeholder 6">
-            <a:extLst>
-              <a:ext uri="{FF2B5EF4-FFF2-40B4-BE49-F238E27FC236}">
-                <a16:creationId xmlns:a16="http://schemas.microsoft.com/office/drawing/2014/main" id="{14201B46-9A16-849B-5E8B-74182F4BC2DD}"/>
-              </a:ext>
-            </a:extLst>
-          </p:cNvPr>
-          <p:cNvSpPr>
-            <a:spLocks noGrp="1"/>
-          </p:cNvSpPr>
-          <p:nvPr>
-            <p:ph type="sldNum" sz="quarter" idx="12"/>
-          </p:nvPr>
-        </p:nvSpPr>
-        <p:spPr/>
-        <p:txBody>
-          <a:bodyPr/>
-          <a:lstStyle/>
-          <a:p>
             <a:pPr>
               <a:defRPr/>
             </a:pPr>
-            <a:fld id="{B5012164-718A-4733-A653-425A1A482A4D}" type="slidenum">
+            <a:fld id="{C878F797-6006-4DDA-AFE9-456F280FE6C5}" type="slidenum">
               <a:rPr lang="en-US" smtClean="0"/>
               <a:pPr>
                 <a:defRPr/>
               </a:pPr>
               <a:t>6</a:t>
             </a:fld>
-            <a:endParaRPr lang="en-US"/>
-          </a:p>
-        </p:txBody>
-      </p:sp>
-      <p:sp>
-        <p:nvSpPr>
-          <p:cNvPr id="8" name="Date Placeholder 7">
+            <a:endParaRPr lang="en-US" dirty="0"/>
+          </a:p>
+        </p:txBody>
+      </p:sp>
+      <p:sp>
+        <p:nvSpPr>
+          <p:cNvPr id="5" name="Date Placeholder 4">
             <a:extLst>
               <a:ext uri="{FF2B5EF4-FFF2-40B4-BE49-F238E27FC236}">
-                <a16:creationId xmlns:a16="http://schemas.microsoft.com/office/drawing/2014/main" id="{068A992F-4999-5395-5A53-4B549936A5D4}"/>
+                <a16:creationId xmlns:a16="http://schemas.microsoft.com/office/drawing/2014/main" id="{6ADD0702-E79B-6B60-1924-244A0E594D10}"/>
               </a:ext>
             </a:extLst>
           </p:cNvPr>
@@ -4874,7 +6465,7 @@
             <a:spLocks noGrp="1"/>
           </p:cNvSpPr>
           <p:nvPr>
-            <p:ph type="dt" sz="half" idx="13"/>
+            <p:ph type="dt" sz="half" idx="2"/>
           </p:nvPr>
         </p:nvSpPr>
         <p:spPr/>
@@ -4893,10 +6484,40 @@
           </a:p>
         </p:txBody>
       </p:sp>
+      <p:pic>
+        <p:nvPicPr>
+          <p:cNvPr id="7" name="Picture 6">
+            <a:extLst>
+              <a:ext uri="{FF2B5EF4-FFF2-40B4-BE49-F238E27FC236}">
+                <a16:creationId xmlns:a16="http://schemas.microsoft.com/office/drawing/2014/main" id="{FFED08CE-845C-6ABA-90DD-A6A53956ACD7}"/>
+              </a:ext>
+            </a:extLst>
+          </p:cNvPr>
+          <p:cNvPicPr>
+            <a:picLocks noChangeAspect="1"/>
+          </p:cNvPicPr>
+          <p:nvPr/>
+        </p:nvPicPr>
+        <p:blipFill>
+          <a:blip r:embed="rId2"/>
+          <a:stretch>
+            <a:fillRect/>
+          </a:stretch>
+        </p:blipFill>
+        <p:spPr>
+          <a:xfrm>
+            <a:off x="3240294" y="2994039"/>
+            <a:ext cx="5648355" cy="3033833"/>
+          </a:xfrm>
+          <a:prstGeom prst="rect">
+            <a:avLst/>
+          </a:prstGeom>
+        </p:spPr>
+      </p:pic>
     </p:spTree>
     <p:extLst>
       <p:ext uri="{BB962C8B-B14F-4D97-AF65-F5344CB8AC3E}">
-        <p14:creationId xmlns:p14="http://schemas.microsoft.com/office/powerpoint/2010/main" val="1120954475"/>
+        <p14:creationId xmlns:p14="http://schemas.microsoft.com/office/powerpoint/2010/main" val="2437237276"/>
       </p:ext>
     </p:extLst>
   </p:cSld>
@@ -4928,7 +6549,7 @@
           <p:cNvPr id="2" name="Title 1">
             <a:extLst>
               <a:ext uri="{FF2B5EF4-FFF2-40B4-BE49-F238E27FC236}">
-                <a16:creationId xmlns:a16="http://schemas.microsoft.com/office/drawing/2014/main" id="{AA47C463-0D2A-6386-A8BF-52EFC5C028D8}"/>
+                <a16:creationId xmlns:a16="http://schemas.microsoft.com/office/drawing/2014/main" id="{9896D066-A54E-A2E1-F1CC-44C9CA70372D}"/>
               </a:ext>
             </a:extLst>
           </p:cNvPr>
@@ -4946,7 +6567,7 @@
           <a:p>
             <a:r>
               <a:rPr lang="en-US" dirty="0"/>
-              <a:t>Conclusion</a:t>
+              <a:t>Control Techniques</a:t>
             </a:r>
           </a:p>
         </p:txBody>
@@ -4956,7 +6577,7 @@
           <p:cNvPr id="3" name="Content Placeholder 2">
             <a:extLst>
               <a:ext uri="{FF2B5EF4-FFF2-40B4-BE49-F238E27FC236}">
-                <a16:creationId xmlns:a16="http://schemas.microsoft.com/office/drawing/2014/main" id="{0B2FFB94-76C6-9852-4D9C-72DE83140B6A}"/>
+                <a16:creationId xmlns:a16="http://schemas.microsoft.com/office/drawing/2014/main" id="{389701DA-132E-0D09-4423-C0C1DC6FB372}"/>
               </a:ext>
             </a:extLst>
           </p:cNvPr>
@@ -4967,12 +6588,89 @@
             <p:ph idx="1"/>
           </p:nvPr>
         </p:nvSpPr>
-        <p:spPr/>
+        <p:spPr>
+          <a:xfrm>
+            <a:off x="457200" y="1430338"/>
+            <a:ext cx="3869268" cy="4987925"/>
+          </a:xfrm>
+        </p:spPr>
         <p:txBody>
           <a:bodyPr/>
           <a:lstStyle/>
           <a:p>
-            <a:endParaRPr lang="en-US"/>
+            <a:pPr marL="342900" indent="-342900">
+              <a:buFont typeface="Arial" panose="020B0604020202020204" pitchFamily="34" charset="0"/>
+              <a:buChar char="•"/>
+            </a:pPr>
+            <a:r>
+              <a:rPr lang="en-US" b="1" dirty="0"/>
+              <a:t>Sinusoidal PWM</a:t>
+            </a:r>
+          </a:p>
+          <a:p>
+            <a:pPr marL="342900" indent="-342900">
+              <a:buFont typeface="Arial" panose="020B0604020202020204" pitchFamily="34" charset="0"/>
+              <a:buChar char="•"/>
+            </a:pPr>
+            <a:endParaRPr lang="en-US" dirty="0"/>
+          </a:p>
+          <a:p>
+            <a:pPr marL="342900" indent="-342900">
+              <a:buFont typeface="Arial" panose="020B0604020202020204" pitchFamily="34" charset="0"/>
+              <a:buChar char="•"/>
+            </a:pPr>
+            <a:r>
+              <a:rPr lang="en-US" dirty="0"/>
+              <a:t>2 carrier triangular signals</a:t>
+            </a:r>
+          </a:p>
+          <a:p>
+            <a:pPr marL="342900" indent="-342900">
+              <a:buFont typeface="Arial" panose="020B0604020202020204" pitchFamily="34" charset="0"/>
+              <a:buChar char="•"/>
+            </a:pPr>
+            <a:endParaRPr lang="en-US" dirty="0"/>
+          </a:p>
+          <a:p>
+            <a:pPr marL="342900" indent="-342900">
+              <a:buFont typeface="Arial" panose="020B0604020202020204" pitchFamily="34" charset="0"/>
+              <a:buChar char="•"/>
+            </a:pPr>
+            <a:r>
+              <a:rPr lang="en-US" dirty="0"/>
+              <a:t>3 reference signal with 120° phase shift</a:t>
+            </a:r>
+          </a:p>
+          <a:p>
+            <a:pPr marL="342900" indent="-342900">
+              <a:buFont typeface="Arial" panose="020B0604020202020204" pitchFamily="34" charset="0"/>
+              <a:buChar char="•"/>
+            </a:pPr>
+            <a:endParaRPr lang="en-US" dirty="0"/>
+          </a:p>
+          <a:p>
+            <a:pPr marL="342900" indent="-342900">
+              <a:buFont typeface="Arial" panose="020B0604020202020204" pitchFamily="34" charset="0"/>
+              <a:buChar char="•"/>
+            </a:pPr>
+            <a:r>
+              <a:rPr lang="en-US" dirty="0"/>
+              <a:t>Not control the neutral point</a:t>
+            </a:r>
+          </a:p>
+          <a:p>
+            <a:pPr marL="342900" indent="-342900">
+              <a:buFont typeface="Arial" panose="020B0604020202020204" pitchFamily="34" charset="0"/>
+              <a:buChar char="•"/>
+            </a:pPr>
+            <a:endParaRPr lang="en-US" dirty="0"/>
+          </a:p>
+          <a:p>
+            <a:pPr marL="342900" indent="-342900">
+              <a:buFont typeface="Arial" panose="020B0604020202020204" pitchFamily="34" charset="0"/>
+              <a:buChar char="•"/>
+            </a:pPr>
+            <a:endParaRPr lang="en-US" dirty="0"/>
           </a:p>
         </p:txBody>
       </p:sp>
@@ -4981,7 +6679,7 @@
           <p:cNvPr id="4" name="Slide Number Placeholder 3">
             <a:extLst>
               <a:ext uri="{FF2B5EF4-FFF2-40B4-BE49-F238E27FC236}">
-                <a16:creationId xmlns:a16="http://schemas.microsoft.com/office/drawing/2014/main" id="{F66F2F28-631F-7C18-9551-46F6FDDC65DE}"/>
+                <a16:creationId xmlns:a16="http://schemas.microsoft.com/office/drawing/2014/main" id="{4E12168E-6FD4-DE87-1BA3-5B38E41E80EB}"/>
               </a:ext>
             </a:extLst>
           </p:cNvPr>
@@ -5016,7 +6714,7 @@
           <p:cNvPr id="5" name="Date Placeholder 4">
             <a:extLst>
               <a:ext uri="{FF2B5EF4-FFF2-40B4-BE49-F238E27FC236}">
-                <a16:creationId xmlns:a16="http://schemas.microsoft.com/office/drawing/2014/main" id="{2881B45D-15AE-A74A-2C09-B1829303AC54}"/>
+                <a16:creationId xmlns:a16="http://schemas.microsoft.com/office/drawing/2014/main" id="{F4539C58-43FC-B893-4EAA-C93C27A745CE}"/>
               </a:ext>
             </a:extLst>
           </p:cNvPr>
@@ -5046,7 +6744,7 @@
     </p:spTree>
     <p:extLst>
       <p:ext uri="{BB962C8B-B14F-4D97-AF65-F5344CB8AC3E}">
-        <p14:creationId xmlns:p14="http://schemas.microsoft.com/office/powerpoint/2010/main" val="400555261"/>
+        <p14:creationId xmlns:p14="http://schemas.microsoft.com/office/powerpoint/2010/main" val="4002633747"/>
       </p:ext>
     </p:extLst>
   </p:cSld>
@@ -5073,10 +6771,1096 @@
           <a:chExt cx="0" cy="0"/>
         </a:xfrm>
       </p:grpSpPr>
+      <p:sp>
+        <p:nvSpPr>
+          <p:cNvPr id="2" name="Title 1">
+            <a:extLst>
+              <a:ext uri="{FF2B5EF4-FFF2-40B4-BE49-F238E27FC236}">
+                <a16:creationId xmlns:a16="http://schemas.microsoft.com/office/drawing/2014/main" id="{9896D066-A54E-A2E1-F1CC-44C9CA70372D}"/>
+              </a:ext>
+            </a:extLst>
+          </p:cNvPr>
+          <p:cNvSpPr>
+            <a:spLocks noGrp="1"/>
+          </p:cNvSpPr>
+          <p:nvPr>
+            <p:ph type="title"/>
+          </p:nvPr>
+        </p:nvSpPr>
+        <p:spPr/>
+        <p:txBody>
+          <a:bodyPr/>
+          <a:lstStyle/>
+          <a:p>
+            <a:r>
+              <a:rPr lang="en-US" dirty="0"/>
+              <a:t>Control Techniques</a:t>
+            </a:r>
+          </a:p>
+        </p:txBody>
+      </p:sp>
+      <p:sp>
+        <p:nvSpPr>
+          <p:cNvPr id="3" name="Content Placeholder 2">
+            <a:extLst>
+              <a:ext uri="{FF2B5EF4-FFF2-40B4-BE49-F238E27FC236}">
+                <a16:creationId xmlns:a16="http://schemas.microsoft.com/office/drawing/2014/main" id="{389701DA-132E-0D09-4423-C0C1DC6FB372}"/>
+              </a:ext>
+            </a:extLst>
+          </p:cNvPr>
+          <p:cNvSpPr>
+            <a:spLocks noGrp="1"/>
+          </p:cNvSpPr>
+          <p:nvPr>
+            <p:ph idx="1"/>
+          </p:nvPr>
+        </p:nvSpPr>
+        <p:spPr>
+          <a:xfrm>
+            <a:off x="457200" y="1430338"/>
+            <a:ext cx="4301067" cy="4987925"/>
+          </a:xfrm>
+        </p:spPr>
+        <p:txBody>
+          <a:bodyPr/>
+          <a:lstStyle/>
+          <a:p>
+            <a:pPr marL="342900" indent="-342900">
+              <a:buFont typeface="Arial" panose="020B0604020202020204" pitchFamily="34" charset="0"/>
+              <a:buChar char="•"/>
+            </a:pPr>
+            <a:r>
+              <a:rPr lang="en-US" b="1" dirty="0"/>
+              <a:t>Space Vector PWM (SVPWM)</a:t>
+            </a:r>
+          </a:p>
+        </p:txBody>
+      </p:sp>
+      <p:sp>
+        <p:nvSpPr>
+          <p:cNvPr id="4" name="Slide Number Placeholder 3">
+            <a:extLst>
+              <a:ext uri="{FF2B5EF4-FFF2-40B4-BE49-F238E27FC236}">
+                <a16:creationId xmlns:a16="http://schemas.microsoft.com/office/drawing/2014/main" id="{4E12168E-6FD4-DE87-1BA3-5B38E41E80EB}"/>
+              </a:ext>
+            </a:extLst>
+          </p:cNvPr>
+          <p:cNvSpPr>
+            <a:spLocks noGrp="1"/>
+          </p:cNvSpPr>
+          <p:nvPr>
+            <p:ph type="sldNum" sz="quarter" idx="12"/>
+          </p:nvPr>
+        </p:nvSpPr>
+        <p:spPr/>
+        <p:txBody>
+          <a:bodyPr/>
+          <a:lstStyle/>
+          <a:p>
+            <a:pPr>
+              <a:defRPr/>
+            </a:pPr>
+            <a:fld id="{C878F797-6006-4DDA-AFE9-456F280FE6C5}" type="slidenum">
+              <a:rPr lang="en-US" smtClean="0"/>
+              <a:pPr>
+                <a:defRPr/>
+              </a:pPr>
+              <a:t>8</a:t>
+            </a:fld>
+            <a:endParaRPr lang="en-US" dirty="0"/>
+          </a:p>
+        </p:txBody>
+      </p:sp>
+      <p:sp>
+        <p:nvSpPr>
+          <p:cNvPr id="5" name="Date Placeholder 4">
+            <a:extLst>
+              <a:ext uri="{FF2B5EF4-FFF2-40B4-BE49-F238E27FC236}">
+                <a16:creationId xmlns:a16="http://schemas.microsoft.com/office/drawing/2014/main" id="{F4539C58-43FC-B893-4EAA-C93C27A745CE}"/>
+              </a:ext>
+            </a:extLst>
+          </p:cNvPr>
+          <p:cNvSpPr>
+            <a:spLocks noGrp="1"/>
+          </p:cNvSpPr>
+          <p:nvPr>
+            <p:ph type="dt" sz="half" idx="2"/>
+          </p:nvPr>
+        </p:nvSpPr>
+        <p:spPr/>
+        <p:txBody>
+          <a:bodyPr/>
+          <a:lstStyle/>
+          <a:p>
+            <a:pPr>
+              <a:defRPr/>
+            </a:pPr>
+            <a:r>
+              <a:rPr lang="tr-TR"/>
+              <a:t>METU Electrical &amp; Electronics Engineering Department</a:t>
+            </a:r>
+            <a:endParaRPr lang="en-US" dirty="0"/>
+          </a:p>
+        </p:txBody>
+      </p:sp>
+      <p:pic>
+        <p:nvPicPr>
+          <p:cNvPr id="6" name="Content Placeholder 4">
+            <a:extLst>
+              <a:ext uri="{FF2B5EF4-FFF2-40B4-BE49-F238E27FC236}">
+                <a16:creationId xmlns:a16="http://schemas.microsoft.com/office/drawing/2014/main" id="{87CAD1B6-8BCD-F2BF-FECE-E6DD48237A1E}"/>
+              </a:ext>
+            </a:extLst>
+          </p:cNvPr>
+          <p:cNvPicPr>
+            <a:picLocks noChangeAspect="1"/>
+          </p:cNvPicPr>
+          <p:nvPr/>
+        </p:nvPicPr>
+        <p:blipFill>
+          <a:blip r:embed="rId2"/>
+          <a:stretch>
+            <a:fillRect/>
+          </a:stretch>
+        </p:blipFill>
+        <p:spPr bwMode="auto">
+          <a:xfrm>
+            <a:off x="4572000" y="2106113"/>
+            <a:ext cx="4255090" cy="3485092"/>
+          </a:xfrm>
+          <a:prstGeom prst="rect">
+            <a:avLst/>
+          </a:prstGeom>
+          <a:noFill/>
+          <a:ln>
+            <a:noFill/>
+          </a:ln>
+          <a:extLst>
+            <a:ext uri="{909E8E84-426E-40DD-AFC4-6F175D3DCCD1}">
+              <a14:hiddenFill xmlns:a14="http://schemas.microsoft.com/office/drawing/2010/main">
+                <a:solidFill>
+                  <a:srgbClr val="FFFFFF"/>
+                </a:solidFill>
+              </a14:hiddenFill>
+            </a:ext>
+            <a:ext uri="{91240B29-F687-4F45-9708-019B960494DF}">
+              <a14:hiddenLine xmlns:a14="http://schemas.microsoft.com/office/drawing/2010/main" w="9525">
+                <a:solidFill>
+                  <a:srgbClr val="000000"/>
+                </a:solidFill>
+                <a:miter lim="800000"/>
+                <a:headEnd/>
+                <a:tailEnd/>
+              </a14:hiddenLine>
+            </a:ext>
+          </a:extLst>
+        </p:spPr>
+      </p:pic>
+      <p:graphicFrame>
+        <p:nvGraphicFramePr>
+          <p:cNvPr id="7" name="Table 6">
+            <a:extLst>
+              <a:ext uri="{FF2B5EF4-FFF2-40B4-BE49-F238E27FC236}">
+                <a16:creationId xmlns:a16="http://schemas.microsoft.com/office/drawing/2014/main" id="{F78042AB-A4E6-2011-205C-27F18550D006}"/>
+              </a:ext>
+            </a:extLst>
+          </p:cNvPr>
+          <p:cNvGraphicFramePr>
+            <a:graphicFrameLocks noGrp="1"/>
+          </p:cNvGraphicFramePr>
+          <p:nvPr>
+            <p:extLst>
+              <p:ext uri="{D42A27DB-BD31-4B8C-83A1-F6EECF244321}">
+                <p14:modId xmlns:p14="http://schemas.microsoft.com/office/powerpoint/2010/main" val="2123318125"/>
+              </p:ext>
+            </p:extLst>
+          </p:nvPr>
+        </p:nvGraphicFramePr>
+        <p:xfrm>
+          <a:off x="653755" y="4581187"/>
+          <a:ext cx="3721690" cy="1479776"/>
+        </p:xfrm>
+        <a:graphic>
+          <a:graphicData uri="http://schemas.openxmlformats.org/drawingml/2006/table">
+            <a:tbl>
+              <a:tblPr>
+                <a:tableStyleId>{5C22544A-7EE6-4342-B048-85BDC9FD1C3A}</a:tableStyleId>
+              </a:tblPr>
+              <a:tblGrid>
+                <a:gridCol w="637595">
+                  <a:extLst>
+                    <a:ext uri="{9D8B030D-6E8A-4147-A177-3AD203B41FA5}">
+                      <a16:colId xmlns:a16="http://schemas.microsoft.com/office/drawing/2014/main" val="738067104"/>
+                    </a:ext>
+                  </a:extLst>
+                </a:gridCol>
+                <a:gridCol w="801495">
+                  <a:extLst>
+                    <a:ext uri="{9D8B030D-6E8A-4147-A177-3AD203B41FA5}">
+                      <a16:colId xmlns:a16="http://schemas.microsoft.com/office/drawing/2014/main" val="1871928831"/>
+                    </a:ext>
+                  </a:extLst>
+                </a:gridCol>
+                <a:gridCol w="570650">
+                  <a:extLst>
+                    <a:ext uri="{9D8B030D-6E8A-4147-A177-3AD203B41FA5}">
+                      <a16:colId xmlns:a16="http://schemas.microsoft.com/office/drawing/2014/main" val="659605148"/>
+                    </a:ext>
+                  </a:extLst>
+                </a:gridCol>
+                <a:gridCol w="570650">
+                  <a:extLst>
+                    <a:ext uri="{9D8B030D-6E8A-4147-A177-3AD203B41FA5}">
+                      <a16:colId xmlns:a16="http://schemas.microsoft.com/office/drawing/2014/main" val="3118763300"/>
+                    </a:ext>
+                  </a:extLst>
+                </a:gridCol>
+                <a:gridCol w="570650">
+                  <a:extLst>
+                    <a:ext uri="{9D8B030D-6E8A-4147-A177-3AD203B41FA5}">
+                      <a16:colId xmlns:a16="http://schemas.microsoft.com/office/drawing/2014/main" val="1741976836"/>
+                    </a:ext>
+                  </a:extLst>
+                </a:gridCol>
+                <a:gridCol w="570650">
+                  <a:extLst>
+                    <a:ext uri="{9D8B030D-6E8A-4147-A177-3AD203B41FA5}">
+                      <a16:colId xmlns:a16="http://schemas.microsoft.com/office/drawing/2014/main" val="3286428204"/>
+                    </a:ext>
+                  </a:extLst>
+                </a:gridCol>
+              </a:tblGrid>
+              <a:tr h="369944">
+                <a:tc>
+                  <a:txBody>
+                    <a:bodyPr/>
+                    <a:lstStyle/>
+                    <a:p>
+                      <a:pPr algn="l" fontAlgn="b"/>
+                      <a:r>
+                        <a:rPr lang="tr-TR" sz="1800" u="none" strike="noStrike">
+                          <a:effectLst/>
+                        </a:rPr>
+                        <a:t>State</a:t>
+                      </a:r>
+                      <a:endParaRPr lang="tr-TR" sz="1800" b="0" i="0" u="none" strike="noStrike">
+                        <a:solidFill>
+                          <a:srgbClr val="000000"/>
+                        </a:solidFill>
+                        <a:effectLst/>
+                        <a:latin typeface="Calibri" panose="020F0502020204030204" pitchFamily="34" charset="0"/>
+                      </a:endParaRPr>
+                    </a:p>
+                  </a:txBody>
+                  <a:tcPr marL="10141" marR="10141" marT="10141" marB="0" anchor="b"/>
+                </a:tc>
+                <a:tc>
+                  <a:txBody>
+                    <a:bodyPr/>
+                    <a:lstStyle/>
+                    <a:p>
+                      <a:pPr algn="l" fontAlgn="b"/>
+                      <a:r>
+                        <a:rPr lang="tr-TR" sz="1800" u="none" strike="noStrike">
+                          <a:effectLst/>
+                        </a:rPr>
+                        <a:t>Vout</a:t>
+                      </a:r>
+                      <a:endParaRPr lang="tr-TR" sz="1800" b="0" i="0" u="none" strike="noStrike">
+                        <a:solidFill>
+                          <a:srgbClr val="000000"/>
+                        </a:solidFill>
+                        <a:effectLst/>
+                        <a:latin typeface="Calibri" panose="020F0502020204030204" pitchFamily="34" charset="0"/>
+                      </a:endParaRPr>
+                    </a:p>
+                  </a:txBody>
+                  <a:tcPr marL="10141" marR="10141" marT="10141" marB="0" anchor="b"/>
+                </a:tc>
+                <a:tc>
+                  <a:txBody>
+                    <a:bodyPr/>
+                    <a:lstStyle/>
+                    <a:p>
+                      <a:pPr algn="l" fontAlgn="b"/>
+                      <a:r>
+                        <a:rPr lang="tr-TR" sz="1800" u="none" strike="noStrike">
+                          <a:effectLst/>
+                        </a:rPr>
+                        <a:t>Sa1</a:t>
+                      </a:r>
+                      <a:endParaRPr lang="tr-TR" sz="1800" b="0" i="0" u="none" strike="noStrike">
+                        <a:solidFill>
+                          <a:srgbClr val="000000"/>
+                        </a:solidFill>
+                        <a:effectLst/>
+                        <a:latin typeface="Calibri" panose="020F0502020204030204" pitchFamily="34" charset="0"/>
+                      </a:endParaRPr>
+                    </a:p>
+                  </a:txBody>
+                  <a:tcPr marL="10141" marR="10141" marT="10141" marB="0" anchor="b"/>
+                </a:tc>
+                <a:tc>
+                  <a:txBody>
+                    <a:bodyPr/>
+                    <a:lstStyle/>
+                    <a:p>
+                      <a:pPr algn="l" fontAlgn="b"/>
+                      <a:r>
+                        <a:rPr lang="tr-TR" sz="1800" u="none" strike="noStrike" dirty="0">
+                          <a:effectLst/>
+                        </a:rPr>
+                        <a:t>Sa2</a:t>
+                      </a:r>
+                      <a:endParaRPr lang="tr-TR" sz="1800" b="0" i="0" u="none" strike="noStrike" dirty="0">
+                        <a:solidFill>
+                          <a:srgbClr val="000000"/>
+                        </a:solidFill>
+                        <a:effectLst/>
+                        <a:latin typeface="Calibri" panose="020F0502020204030204" pitchFamily="34" charset="0"/>
+                      </a:endParaRPr>
+                    </a:p>
+                  </a:txBody>
+                  <a:tcPr marL="10141" marR="10141" marT="10141" marB="0" anchor="b"/>
+                </a:tc>
+                <a:tc>
+                  <a:txBody>
+                    <a:bodyPr/>
+                    <a:lstStyle/>
+                    <a:p>
+                      <a:pPr algn="l" fontAlgn="b"/>
+                      <a:r>
+                        <a:rPr lang="tr-TR" sz="1800" u="none" strike="noStrike" dirty="0">
+                          <a:effectLst/>
+                        </a:rPr>
+                        <a:t>Sa3</a:t>
+                      </a:r>
+                      <a:endParaRPr lang="tr-TR" sz="1800" b="0" i="0" u="none" strike="noStrike" dirty="0">
+                        <a:solidFill>
+                          <a:srgbClr val="000000"/>
+                        </a:solidFill>
+                        <a:effectLst/>
+                        <a:latin typeface="Calibri" panose="020F0502020204030204" pitchFamily="34" charset="0"/>
+                      </a:endParaRPr>
+                    </a:p>
+                  </a:txBody>
+                  <a:tcPr marL="10141" marR="10141" marT="10141" marB="0" anchor="b"/>
+                </a:tc>
+                <a:tc>
+                  <a:txBody>
+                    <a:bodyPr/>
+                    <a:lstStyle/>
+                    <a:p>
+                      <a:pPr algn="l" fontAlgn="b"/>
+                      <a:r>
+                        <a:rPr lang="tr-TR" sz="1800" u="none" strike="noStrike">
+                          <a:effectLst/>
+                        </a:rPr>
+                        <a:t>Sa4</a:t>
+                      </a:r>
+                      <a:endParaRPr lang="tr-TR" sz="1800" b="0" i="0" u="none" strike="noStrike">
+                        <a:solidFill>
+                          <a:srgbClr val="000000"/>
+                        </a:solidFill>
+                        <a:effectLst/>
+                        <a:latin typeface="Calibri" panose="020F0502020204030204" pitchFamily="34" charset="0"/>
+                      </a:endParaRPr>
+                    </a:p>
+                  </a:txBody>
+                  <a:tcPr marL="10141" marR="10141" marT="10141" marB="0" anchor="b"/>
+                </a:tc>
+                <a:extLst>
+                  <a:ext uri="{0D108BD9-81ED-4DB2-BD59-A6C34878D82A}">
+                    <a16:rowId xmlns:a16="http://schemas.microsoft.com/office/drawing/2014/main" val="3878468668"/>
+                  </a:ext>
+                </a:extLst>
+              </a:tr>
+              <a:tr h="369944">
+                <a:tc>
+                  <a:txBody>
+                    <a:bodyPr/>
+                    <a:lstStyle/>
+                    <a:p>
+                      <a:pPr algn="l" fontAlgn="b"/>
+                      <a:r>
+                        <a:rPr lang="tr-TR" sz="1800" u="none" strike="noStrike">
+                          <a:effectLst/>
+                        </a:rPr>
+                        <a:t>P</a:t>
+                      </a:r>
+                      <a:endParaRPr lang="tr-TR" sz="1800" b="0" i="0" u="none" strike="noStrike">
+                        <a:solidFill>
+                          <a:srgbClr val="000000"/>
+                        </a:solidFill>
+                        <a:effectLst/>
+                        <a:latin typeface="Calibri" panose="020F0502020204030204" pitchFamily="34" charset="0"/>
+                      </a:endParaRPr>
+                    </a:p>
+                  </a:txBody>
+                  <a:tcPr marL="10141" marR="10141" marT="10141" marB="0" anchor="b"/>
+                </a:tc>
+                <a:tc>
+                  <a:txBody>
+                    <a:bodyPr/>
+                    <a:lstStyle/>
+                    <a:p>
+                      <a:pPr algn="l" fontAlgn="b"/>
+                      <a:r>
+                        <a:rPr lang="en-US" sz="1800" u="none" strike="noStrike">
+                          <a:effectLst/>
+                        </a:rPr>
+                        <a:t>+</a:t>
+                      </a:r>
+                      <a:r>
+                        <a:rPr lang="tr-TR" sz="1800" u="none" strike="noStrike">
+                          <a:effectLst/>
+                        </a:rPr>
+                        <a:t>Vdc/2</a:t>
+                      </a:r>
+                      <a:endParaRPr lang="tr-TR" sz="1800" b="0" i="0" u="none" strike="noStrike">
+                        <a:solidFill>
+                          <a:srgbClr val="000000"/>
+                        </a:solidFill>
+                        <a:effectLst/>
+                        <a:latin typeface="Calibri" panose="020F0502020204030204" pitchFamily="34" charset="0"/>
+                      </a:endParaRPr>
+                    </a:p>
+                  </a:txBody>
+                  <a:tcPr marL="10141" marR="10141" marT="10141" marB="0" anchor="b"/>
+                </a:tc>
+                <a:tc>
+                  <a:txBody>
+                    <a:bodyPr/>
+                    <a:lstStyle/>
+                    <a:p>
+                      <a:pPr algn="l" fontAlgn="b"/>
+                      <a:r>
+                        <a:rPr lang="tr-TR" sz="1800" u="none" strike="noStrike">
+                          <a:effectLst/>
+                        </a:rPr>
+                        <a:t>ON</a:t>
+                      </a:r>
+                      <a:endParaRPr lang="tr-TR" sz="1800" b="0" i="0" u="none" strike="noStrike">
+                        <a:solidFill>
+                          <a:srgbClr val="000000"/>
+                        </a:solidFill>
+                        <a:effectLst/>
+                        <a:latin typeface="Calibri" panose="020F0502020204030204" pitchFamily="34" charset="0"/>
+                      </a:endParaRPr>
+                    </a:p>
+                  </a:txBody>
+                  <a:tcPr marL="10141" marR="10141" marT="10141" marB="0" anchor="b"/>
+                </a:tc>
+                <a:tc>
+                  <a:txBody>
+                    <a:bodyPr/>
+                    <a:lstStyle/>
+                    <a:p>
+                      <a:pPr algn="l" fontAlgn="b"/>
+                      <a:r>
+                        <a:rPr lang="tr-TR" sz="1800" u="none" strike="noStrike">
+                          <a:effectLst/>
+                        </a:rPr>
+                        <a:t>ON</a:t>
+                      </a:r>
+                      <a:endParaRPr lang="tr-TR" sz="1800" b="0" i="0" u="none" strike="noStrike">
+                        <a:solidFill>
+                          <a:srgbClr val="000000"/>
+                        </a:solidFill>
+                        <a:effectLst/>
+                        <a:latin typeface="Calibri" panose="020F0502020204030204" pitchFamily="34" charset="0"/>
+                      </a:endParaRPr>
+                    </a:p>
+                  </a:txBody>
+                  <a:tcPr marL="10141" marR="10141" marT="10141" marB="0" anchor="b"/>
+                </a:tc>
+                <a:tc>
+                  <a:txBody>
+                    <a:bodyPr/>
+                    <a:lstStyle/>
+                    <a:p>
+                      <a:pPr algn="l" fontAlgn="b"/>
+                      <a:r>
+                        <a:rPr lang="tr-TR" sz="1800" u="none" strike="noStrike">
+                          <a:effectLst/>
+                        </a:rPr>
+                        <a:t>OFF</a:t>
+                      </a:r>
+                      <a:endParaRPr lang="tr-TR" sz="1800" b="0" i="0" u="none" strike="noStrike">
+                        <a:solidFill>
+                          <a:srgbClr val="000000"/>
+                        </a:solidFill>
+                        <a:effectLst/>
+                        <a:latin typeface="Calibri" panose="020F0502020204030204" pitchFamily="34" charset="0"/>
+                      </a:endParaRPr>
+                    </a:p>
+                  </a:txBody>
+                  <a:tcPr marL="10141" marR="10141" marT="10141" marB="0" anchor="b"/>
+                </a:tc>
+                <a:tc>
+                  <a:txBody>
+                    <a:bodyPr/>
+                    <a:lstStyle/>
+                    <a:p>
+                      <a:pPr algn="l" fontAlgn="b"/>
+                      <a:r>
+                        <a:rPr lang="tr-TR" sz="1800" u="none" strike="noStrike">
+                          <a:effectLst/>
+                        </a:rPr>
+                        <a:t>OFF</a:t>
+                      </a:r>
+                      <a:endParaRPr lang="tr-TR" sz="1800" b="0" i="0" u="none" strike="noStrike">
+                        <a:solidFill>
+                          <a:srgbClr val="000000"/>
+                        </a:solidFill>
+                        <a:effectLst/>
+                        <a:latin typeface="Calibri" panose="020F0502020204030204" pitchFamily="34" charset="0"/>
+                      </a:endParaRPr>
+                    </a:p>
+                  </a:txBody>
+                  <a:tcPr marL="10141" marR="10141" marT="10141" marB="0" anchor="b"/>
+                </a:tc>
+                <a:extLst>
+                  <a:ext uri="{0D108BD9-81ED-4DB2-BD59-A6C34878D82A}">
+                    <a16:rowId xmlns:a16="http://schemas.microsoft.com/office/drawing/2014/main" val="1327193577"/>
+                  </a:ext>
+                </a:extLst>
+              </a:tr>
+              <a:tr h="369944">
+                <a:tc>
+                  <a:txBody>
+                    <a:bodyPr/>
+                    <a:lstStyle/>
+                    <a:p>
+                      <a:pPr algn="l" fontAlgn="b"/>
+                      <a:r>
+                        <a:rPr lang="tr-TR" sz="1800" u="none" strike="noStrike">
+                          <a:effectLst/>
+                        </a:rPr>
+                        <a:t>0</a:t>
+                      </a:r>
+                      <a:endParaRPr lang="tr-TR" sz="1800" b="0" i="0" u="none" strike="noStrike">
+                        <a:solidFill>
+                          <a:srgbClr val="000000"/>
+                        </a:solidFill>
+                        <a:effectLst/>
+                        <a:latin typeface="Calibri" panose="020F0502020204030204" pitchFamily="34" charset="0"/>
+                      </a:endParaRPr>
+                    </a:p>
+                  </a:txBody>
+                  <a:tcPr marL="10141" marR="10141" marT="10141" marB="0" anchor="b"/>
+                </a:tc>
+                <a:tc>
+                  <a:txBody>
+                    <a:bodyPr/>
+                    <a:lstStyle/>
+                    <a:p>
+                      <a:pPr algn="ctr" fontAlgn="b"/>
+                      <a:r>
+                        <a:rPr lang="tr-TR" sz="1800" u="none" strike="noStrike">
+                          <a:effectLst/>
+                        </a:rPr>
+                        <a:t>0</a:t>
+                      </a:r>
+                      <a:endParaRPr lang="tr-TR" sz="1800" b="0" i="0" u="none" strike="noStrike">
+                        <a:solidFill>
+                          <a:srgbClr val="000000"/>
+                        </a:solidFill>
+                        <a:effectLst/>
+                        <a:latin typeface="Calibri" panose="020F0502020204030204" pitchFamily="34" charset="0"/>
+                      </a:endParaRPr>
+                    </a:p>
+                  </a:txBody>
+                  <a:tcPr marL="10141" marR="10141" marT="10141" marB="0" anchor="b"/>
+                </a:tc>
+                <a:tc>
+                  <a:txBody>
+                    <a:bodyPr/>
+                    <a:lstStyle/>
+                    <a:p>
+                      <a:pPr algn="l" fontAlgn="b"/>
+                      <a:r>
+                        <a:rPr lang="tr-TR" sz="1800" u="none" strike="noStrike">
+                          <a:effectLst/>
+                        </a:rPr>
+                        <a:t>OFF</a:t>
+                      </a:r>
+                      <a:endParaRPr lang="tr-TR" sz="1800" b="0" i="0" u="none" strike="noStrike">
+                        <a:solidFill>
+                          <a:srgbClr val="000000"/>
+                        </a:solidFill>
+                        <a:effectLst/>
+                        <a:latin typeface="Calibri" panose="020F0502020204030204" pitchFamily="34" charset="0"/>
+                      </a:endParaRPr>
+                    </a:p>
+                  </a:txBody>
+                  <a:tcPr marL="10141" marR="10141" marT="10141" marB="0" anchor="b"/>
+                </a:tc>
+                <a:tc>
+                  <a:txBody>
+                    <a:bodyPr/>
+                    <a:lstStyle/>
+                    <a:p>
+                      <a:pPr algn="l" fontAlgn="b"/>
+                      <a:r>
+                        <a:rPr lang="tr-TR" sz="1800" u="none" strike="noStrike">
+                          <a:effectLst/>
+                        </a:rPr>
+                        <a:t>ON</a:t>
+                      </a:r>
+                      <a:endParaRPr lang="tr-TR" sz="1800" b="0" i="0" u="none" strike="noStrike">
+                        <a:solidFill>
+                          <a:srgbClr val="000000"/>
+                        </a:solidFill>
+                        <a:effectLst/>
+                        <a:latin typeface="Calibri" panose="020F0502020204030204" pitchFamily="34" charset="0"/>
+                      </a:endParaRPr>
+                    </a:p>
+                  </a:txBody>
+                  <a:tcPr marL="10141" marR="10141" marT="10141" marB="0" anchor="b"/>
+                </a:tc>
+                <a:tc>
+                  <a:txBody>
+                    <a:bodyPr/>
+                    <a:lstStyle/>
+                    <a:p>
+                      <a:pPr algn="l" fontAlgn="b"/>
+                      <a:r>
+                        <a:rPr lang="tr-TR" sz="1800" u="none" strike="noStrike">
+                          <a:effectLst/>
+                        </a:rPr>
+                        <a:t>ON</a:t>
+                      </a:r>
+                      <a:endParaRPr lang="tr-TR" sz="1800" b="0" i="0" u="none" strike="noStrike">
+                        <a:solidFill>
+                          <a:srgbClr val="000000"/>
+                        </a:solidFill>
+                        <a:effectLst/>
+                        <a:latin typeface="Calibri" panose="020F0502020204030204" pitchFamily="34" charset="0"/>
+                      </a:endParaRPr>
+                    </a:p>
+                  </a:txBody>
+                  <a:tcPr marL="10141" marR="10141" marT="10141" marB="0" anchor="b"/>
+                </a:tc>
+                <a:tc>
+                  <a:txBody>
+                    <a:bodyPr/>
+                    <a:lstStyle/>
+                    <a:p>
+                      <a:pPr algn="l" fontAlgn="b"/>
+                      <a:r>
+                        <a:rPr lang="tr-TR" sz="1800" u="none" strike="noStrike">
+                          <a:effectLst/>
+                        </a:rPr>
+                        <a:t>OFF</a:t>
+                      </a:r>
+                      <a:endParaRPr lang="tr-TR" sz="1800" b="0" i="0" u="none" strike="noStrike">
+                        <a:solidFill>
+                          <a:srgbClr val="000000"/>
+                        </a:solidFill>
+                        <a:effectLst/>
+                        <a:latin typeface="Calibri" panose="020F0502020204030204" pitchFamily="34" charset="0"/>
+                      </a:endParaRPr>
+                    </a:p>
+                  </a:txBody>
+                  <a:tcPr marL="10141" marR="10141" marT="10141" marB="0" anchor="b"/>
+                </a:tc>
+                <a:extLst>
+                  <a:ext uri="{0D108BD9-81ED-4DB2-BD59-A6C34878D82A}">
+                    <a16:rowId xmlns:a16="http://schemas.microsoft.com/office/drawing/2014/main" val="124995844"/>
+                  </a:ext>
+                </a:extLst>
+              </a:tr>
+              <a:tr h="369944">
+                <a:tc>
+                  <a:txBody>
+                    <a:bodyPr/>
+                    <a:lstStyle/>
+                    <a:p>
+                      <a:pPr algn="l" fontAlgn="b"/>
+                      <a:r>
+                        <a:rPr lang="tr-TR" sz="1800" u="none" strike="noStrike">
+                          <a:effectLst/>
+                        </a:rPr>
+                        <a:t>N</a:t>
+                      </a:r>
+                      <a:endParaRPr lang="tr-TR" sz="1800" b="0" i="0" u="none" strike="noStrike">
+                        <a:solidFill>
+                          <a:srgbClr val="000000"/>
+                        </a:solidFill>
+                        <a:effectLst/>
+                        <a:latin typeface="Calibri" panose="020F0502020204030204" pitchFamily="34" charset="0"/>
+                      </a:endParaRPr>
+                    </a:p>
+                  </a:txBody>
+                  <a:tcPr marL="10141" marR="10141" marT="10141" marB="0" anchor="b"/>
+                </a:tc>
+                <a:tc>
+                  <a:txBody>
+                    <a:bodyPr/>
+                    <a:lstStyle/>
+                    <a:p>
+                      <a:pPr algn="l" fontAlgn="b"/>
+                      <a:r>
+                        <a:rPr lang="en-US" sz="1800" u="none" strike="noStrike">
+                          <a:effectLst/>
+                        </a:rPr>
+                        <a:t>-</a:t>
+                      </a:r>
+                      <a:r>
+                        <a:rPr lang="tr-TR" sz="1800" u="none" strike="noStrike">
+                          <a:effectLst/>
+                        </a:rPr>
+                        <a:t>Vdc/2</a:t>
+                      </a:r>
+                      <a:endParaRPr lang="tr-TR" sz="1800" b="0" i="0" u="none" strike="noStrike">
+                        <a:solidFill>
+                          <a:srgbClr val="000000"/>
+                        </a:solidFill>
+                        <a:effectLst/>
+                        <a:latin typeface="Calibri" panose="020F0502020204030204" pitchFamily="34" charset="0"/>
+                      </a:endParaRPr>
+                    </a:p>
+                  </a:txBody>
+                  <a:tcPr marL="10141" marR="10141" marT="10141" marB="0" anchor="b"/>
+                </a:tc>
+                <a:tc>
+                  <a:txBody>
+                    <a:bodyPr/>
+                    <a:lstStyle/>
+                    <a:p>
+                      <a:pPr algn="l" fontAlgn="b"/>
+                      <a:r>
+                        <a:rPr lang="tr-TR" sz="1800" u="none" strike="noStrike">
+                          <a:effectLst/>
+                        </a:rPr>
+                        <a:t>OFF</a:t>
+                      </a:r>
+                      <a:endParaRPr lang="tr-TR" sz="1800" b="0" i="0" u="none" strike="noStrike">
+                        <a:solidFill>
+                          <a:srgbClr val="000000"/>
+                        </a:solidFill>
+                        <a:effectLst/>
+                        <a:latin typeface="Calibri" panose="020F0502020204030204" pitchFamily="34" charset="0"/>
+                      </a:endParaRPr>
+                    </a:p>
+                  </a:txBody>
+                  <a:tcPr marL="10141" marR="10141" marT="10141" marB="0" anchor="b"/>
+                </a:tc>
+                <a:tc>
+                  <a:txBody>
+                    <a:bodyPr/>
+                    <a:lstStyle/>
+                    <a:p>
+                      <a:pPr algn="l" fontAlgn="b"/>
+                      <a:r>
+                        <a:rPr lang="tr-TR" sz="1800" u="none" strike="noStrike">
+                          <a:effectLst/>
+                        </a:rPr>
+                        <a:t>OFF</a:t>
+                      </a:r>
+                      <a:endParaRPr lang="tr-TR" sz="1800" b="0" i="0" u="none" strike="noStrike">
+                        <a:solidFill>
+                          <a:srgbClr val="000000"/>
+                        </a:solidFill>
+                        <a:effectLst/>
+                        <a:latin typeface="Calibri" panose="020F0502020204030204" pitchFamily="34" charset="0"/>
+                      </a:endParaRPr>
+                    </a:p>
+                  </a:txBody>
+                  <a:tcPr marL="10141" marR="10141" marT="10141" marB="0" anchor="b"/>
+                </a:tc>
+                <a:tc>
+                  <a:txBody>
+                    <a:bodyPr/>
+                    <a:lstStyle/>
+                    <a:p>
+                      <a:pPr algn="l" fontAlgn="b"/>
+                      <a:r>
+                        <a:rPr lang="tr-TR" sz="1800" u="none" strike="noStrike">
+                          <a:effectLst/>
+                        </a:rPr>
+                        <a:t>ON</a:t>
+                      </a:r>
+                      <a:endParaRPr lang="tr-TR" sz="1800" b="0" i="0" u="none" strike="noStrike">
+                        <a:solidFill>
+                          <a:srgbClr val="000000"/>
+                        </a:solidFill>
+                        <a:effectLst/>
+                        <a:latin typeface="Calibri" panose="020F0502020204030204" pitchFamily="34" charset="0"/>
+                      </a:endParaRPr>
+                    </a:p>
+                  </a:txBody>
+                  <a:tcPr marL="10141" marR="10141" marT="10141" marB="0" anchor="b"/>
+                </a:tc>
+                <a:tc>
+                  <a:txBody>
+                    <a:bodyPr/>
+                    <a:lstStyle/>
+                    <a:p>
+                      <a:pPr algn="l" fontAlgn="b"/>
+                      <a:r>
+                        <a:rPr lang="tr-TR" sz="1800" u="none" strike="noStrike" dirty="0">
+                          <a:effectLst/>
+                        </a:rPr>
+                        <a:t>ON</a:t>
+                      </a:r>
+                      <a:endParaRPr lang="tr-TR" sz="1800" b="0" i="0" u="none" strike="noStrike" dirty="0">
+                        <a:solidFill>
+                          <a:srgbClr val="000000"/>
+                        </a:solidFill>
+                        <a:effectLst/>
+                        <a:latin typeface="Calibri" panose="020F0502020204030204" pitchFamily="34" charset="0"/>
+                      </a:endParaRPr>
+                    </a:p>
+                  </a:txBody>
+                  <a:tcPr marL="10141" marR="10141" marT="10141" marB="0" anchor="b"/>
+                </a:tc>
+                <a:extLst>
+                  <a:ext uri="{0D108BD9-81ED-4DB2-BD59-A6C34878D82A}">
+                    <a16:rowId xmlns:a16="http://schemas.microsoft.com/office/drawing/2014/main" val="3262284922"/>
+                  </a:ext>
+                </a:extLst>
+              </a:tr>
+            </a:tbl>
+          </a:graphicData>
+        </a:graphic>
+      </p:graphicFrame>
     </p:spTree>
     <p:extLst>
       <p:ext uri="{BB962C8B-B14F-4D97-AF65-F5344CB8AC3E}">
-        <p14:creationId xmlns:p14="http://schemas.microsoft.com/office/powerpoint/2010/main" val="3835474893"/>
+        <p14:creationId xmlns:p14="http://schemas.microsoft.com/office/powerpoint/2010/main" val="3950190968"/>
+      </p:ext>
+    </p:extLst>
+  </p:cSld>
+  <p:clrMapOvr>
+    <a:masterClrMapping/>
+  </p:clrMapOvr>
+</p:sld>
+</file>
+
+<file path=ppt/slides/slide9.xml><?xml version="1.0" encoding="utf-8"?>
+<p:sld xmlns:a="http://schemas.openxmlformats.org/drawingml/2006/main" xmlns:r="http://schemas.openxmlformats.org/officeDocument/2006/relationships" xmlns:p="http://schemas.openxmlformats.org/presentationml/2006/main">
+  <p:cSld>
+    <p:spTree>
+      <p:nvGrpSpPr>
+        <p:cNvPr id="1" name=""/>
+        <p:cNvGrpSpPr/>
+        <p:nvPr/>
+      </p:nvGrpSpPr>
+      <p:grpSpPr>
+        <a:xfrm>
+          <a:off x="0" y="0"/>
+          <a:ext cx="0" cy="0"/>
+          <a:chOff x="0" y="0"/>
+          <a:chExt cx="0" cy="0"/>
+        </a:xfrm>
+      </p:grpSpPr>
+      <p:sp>
+        <p:nvSpPr>
+          <p:cNvPr id="2" name="Title 1">
+            <a:extLst>
+              <a:ext uri="{FF2B5EF4-FFF2-40B4-BE49-F238E27FC236}">
+                <a16:creationId xmlns:a16="http://schemas.microsoft.com/office/drawing/2014/main" id="{9800CDCE-7471-1D07-17EC-76AE5380EE6C}"/>
+              </a:ext>
+            </a:extLst>
+          </p:cNvPr>
+          <p:cNvSpPr>
+            <a:spLocks noGrp="1"/>
+          </p:cNvSpPr>
+          <p:nvPr>
+            <p:ph type="title"/>
+          </p:nvPr>
+        </p:nvSpPr>
+        <p:spPr/>
+        <p:txBody>
+          <a:bodyPr/>
+          <a:lstStyle/>
+          <a:p>
+            <a:r>
+              <a:rPr lang="en-US" dirty="0"/>
+              <a:t>Possible Fault Scenarios</a:t>
+            </a:r>
+          </a:p>
+        </p:txBody>
+      </p:sp>
+      <p:sp>
+        <p:nvSpPr>
+          <p:cNvPr id="3" name="Text Placeholder 2">
+            <a:extLst>
+              <a:ext uri="{FF2B5EF4-FFF2-40B4-BE49-F238E27FC236}">
+                <a16:creationId xmlns:a16="http://schemas.microsoft.com/office/drawing/2014/main" id="{D828F69C-EE29-E818-366C-4FD7DE59C058}"/>
+              </a:ext>
+            </a:extLst>
+          </p:cNvPr>
+          <p:cNvSpPr>
+            <a:spLocks noGrp="1"/>
+          </p:cNvSpPr>
+          <p:nvPr>
+            <p:ph type="body" idx="1"/>
+          </p:nvPr>
+        </p:nvSpPr>
+        <p:spPr/>
+        <p:txBody>
+          <a:bodyPr/>
+          <a:lstStyle/>
+          <a:p>
+            <a:r>
+              <a:rPr lang="en-US" dirty="0"/>
+              <a:t>Short Circuit</a:t>
+            </a:r>
+          </a:p>
+        </p:txBody>
+      </p:sp>
+      <p:sp>
+        <p:nvSpPr>
+          <p:cNvPr id="4" name="Text Placeholder 3">
+            <a:extLst>
+              <a:ext uri="{FF2B5EF4-FFF2-40B4-BE49-F238E27FC236}">
+                <a16:creationId xmlns:a16="http://schemas.microsoft.com/office/drawing/2014/main" id="{3FB90E1F-BC14-884E-0994-2963FCDC4FBA}"/>
+              </a:ext>
+            </a:extLst>
+          </p:cNvPr>
+          <p:cNvSpPr>
+            <a:spLocks noGrp="1"/>
+          </p:cNvSpPr>
+          <p:nvPr>
+            <p:ph type="body" sz="half" idx="3"/>
+          </p:nvPr>
+        </p:nvSpPr>
+        <p:spPr/>
+        <p:txBody>
+          <a:bodyPr/>
+          <a:lstStyle/>
+          <a:p>
+            <a:r>
+              <a:rPr lang="en-US" dirty="0"/>
+              <a:t>Open Circuit</a:t>
+            </a:r>
+          </a:p>
+        </p:txBody>
+      </p:sp>
+      <p:sp>
+        <p:nvSpPr>
+          <p:cNvPr id="5" name="Content Placeholder 4">
+            <a:extLst>
+              <a:ext uri="{FF2B5EF4-FFF2-40B4-BE49-F238E27FC236}">
+                <a16:creationId xmlns:a16="http://schemas.microsoft.com/office/drawing/2014/main" id="{645697D4-6133-0061-83E0-F5A50CAE18EB}"/>
+              </a:ext>
+            </a:extLst>
+          </p:cNvPr>
+          <p:cNvSpPr>
+            <a:spLocks noGrp="1"/>
+          </p:cNvSpPr>
+          <p:nvPr>
+            <p:ph sz="quarter" idx="2"/>
+          </p:nvPr>
+        </p:nvSpPr>
+        <p:spPr/>
+        <p:txBody>
+          <a:bodyPr/>
+          <a:lstStyle/>
+          <a:p>
+            <a:endParaRPr lang="en-US"/>
+          </a:p>
+        </p:txBody>
+      </p:sp>
+      <p:sp>
+        <p:nvSpPr>
+          <p:cNvPr id="6" name="Content Placeholder 5">
+            <a:extLst>
+              <a:ext uri="{FF2B5EF4-FFF2-40B4-BE49-F238E27FC236}">
+                <a16:creationId xmlns:a16="http://schemas.microsoft.com/office/drawing/2014/main" id="{41FFAC00-95CC-FF04-668E-B59FFD7C74BF}"/>
+              </a:ext>
+            </a:extLst>
+          </p:cNvPr>
+          <p:cNvSpPr>
+            <a:spLocks noGrp="1"/>
+          </p:cNvSpPr>
+          <p:nvPr>
+            <p:ph sz="quarter" idx="4"/>
+          </p:nvPr>
+        </p:nvSpPr>
+        <p:spPr/>
+        <p:txBody>
+          <a:bodyPr/>
+          <a:lstStyle/>
+          <a:p>
+            <a:endParaRPr lang="en-US"/>
+          </a:p>
+        </p:txBody>
+      </p:sp>
+      <p:sp>
+        <p:nvSpPr>
+          <p:cNvPr id="7" name="Slide Number Placeholder 6">
+            <a:extLst>
+              <a:ext uri="{FF2B5EF4-FFF2-40B4-BE49-F238E27FC236}">
+                <a16:creationId xmlns:a16="http://schemas.microsoft.com/office/drawing/2014/main" id="{14201B46-9A16-849B-5E8B-74182F4BC2DD}"/>
+              </a:ext>
+            </a:extLst>
+          </p:cNvPr>
+          <p:cNvSpPr>
+            <a:spLocks noGrp="1"/>
+          </p:cNvSpPr>
+          <p:nvPr>
+            <p:ph type="sldNum" sz="quarter" idx="12"/>
+          </p:nvPr>
+        </p:nvSpPr>
+        <p:spPr/>
+        <p:txBody>
+          <a:bodyPr/>
+          <a:lstStyle/>
+          <a:p>
+            <a:pPr>
+              <a:defRPr/>
+            </a:pPr>
+            <a:fld id="{B5012164-718A-4733-A653-425A1A482A4D}" type="slidenum">
+              <a:rPr lang="en-US" smtClean="0"/>
+              <a:pPr>
+                <a:defRPr/>
+              </a:pPr>
+              <a:t>9</a:t>
+            </a:fld>
+            <a:endParaRPr lang="en-US"/>
+          </a:p>
+        </p:txBody>
+      </p:sp>
+      <p:sp>
+        <p:nvSpPr>
+          <p:cNvPr id="8" name="Date Placeholder 7">
+            <a:extLst>
+              <a:ext uri="{FF2B5EF4-FFF2-40B4-BE49-F238E27FC236}">
+                <a16:creationId xmlns:a16="http://schemas.microsoft.com/office/drawing/2014/main" id="{068A992F-4999-5395-5A53-4B549936A5D4}"/>
+              </a:ext>
+            </a:extLst>
+          </p:cNvPr>
+          <p:cNvSpPr>
+            <a:spLocks noGrp="1"/>
+          </p:cNvSpPr>
+          <p:nvPr>
+            <p:ph type="dt" sz="half" idx="13"/>
+          </p:nvPr>
+        </p:nvSpPr>
+        <p:spPr/>
+        <p:txBody>
+          <a:bodyPr/>
+          <a:lstStyle/>
+          <a:p>
+            <a:pPr>
+              <a:defRPr/>
+            </a:pPr>
+            <a:r>
+              <a:rPr lang="tr-TR"/>
+              <a:t>METU Electrical &amp; Electronics Engineering Department</a:t>
+            </a:r>
+            <a:endParaRPr lang="en-US" dirty="0"/>
+          </a:p>
+        </p:txBody>
+      </p:sp>
+    </p:spTree>
+    <p:extLst>
+      <p:ext uri="{BB962C8B-B14F-4D97-AF65-F5344CB8AC3E}">
+        <p14:creationId xmlns:p14="http://schemas.microsoft.com/office/powerpoint/2010/main" val="1120954475"/>
       </p:ext>
     </p:extLst>
   </p:cSld>

--- a/Seminar/metu_eee_seminar_presentation.pptx
+++ b/Seminar/metu_eee_seminar_presentation.pptx
@@ -15,15 +15,15 @@
     <p:sldId id="300" r:id="rId3"/>
     <p:sldId id="301" r:id="rId4"/>
     <p:sldId id="304" r:id="rId5"/>
-    <p:sldId id="307" r:id="rId6"/>
-    <p:sldId id="308" r:id="rId7"/>
+    <p:sldId id="308" r:id="rId6"/>
+    <p:sldId id="307" r:id="rId7"/>
     <p:sldId id="309" r:id="rId8"/>
     <p:sldId id="310" r:id="rId9"/>
     <p:sldId id="305" r:id="rId10"/>
     <p:sldId id="314" r:id="rId11"/>
-    <p:sldId id="318" r:id="rId12"/>
-    <p:sldId id="317" r:id="rId13"/>
-    <p:sldId id="319" r:id="rId14"/>
+    <p:sldId id="317" r:id="rId12"/>
+    <p:sldId id="319" r:id="rId13"/>
+    <p:sldId id="318" r:id="rId14"/>
     <p:sldId id="315" r:id="rId15"/>
     <p:sldId id="306" r:id="rId16"/>
     <p:sldId id="316" r:id="rId17"/>
@@ -282,7 +282,7 @@
               <a:pPr>
                 <a:defRPr/>
               </a:pPr>
-              <a:t>21-Mar-24</a:t>
+              <a:t>23-Mar-24</a:t>
             </a:fld>
             <a:endParaRPr lang="en-US"/>
           </a:p>
@@ -387,6 +387,62 @@
   <p:clrMap bg1="lt1" tx1="dk1" bg2="lt2" tx2="dk2" accent1="accent1" accent2="accent2" accent3="accent3" accent4="accent4" accent5="accent5" accent6="accent6" hlink="hlink" folHlink="folHlink"/>
   <p:hf hdr="0" ftr="0" dt="0"/>
 </p:handoutMaster>
+</file>
+
+<file path=ppt/ink/ink1.xml><?xml version="1.0" encoding="utf-8"?>
+<inkml:ink xmlns:inkml="http://www.w3.org/2003/InkML">
+  <inkml:definitions>
+    <inkml:context xml:id="ctx0">
+      <inkml:inkSource xml:id="inkSrc0">
+        <inkml:traceFormat>
+          <inkml:channel name="X" type="integer" min="-2.14748E9" max="2.14748E9" units="cm"/>
+          <inkml:channel name="Y" type="integer" min="-2.14748E9" max="2.14748E9" units="cm"/>
+          <inkml:channel name="F" type="integer" max="32767" units="dev"/>
+        </inkml:traceFormat>
+        <inkml:channelProperties>
+          <inkml:channelProperty channel="X" name="resolution" value="1000" units="1/cm"/>
+          <inkml:channelProperty channel="Y" name="resolution" value="1000" units="1/cm"/>
+          <inkml:channelProperty channel="F" name="resolution" value="0" units="1/dev"/>
+        </inkml:channelProperties>
+      </inkml:inkSource>
+      <inkml:timestamp xml:id="ts0" timeString="2024-03-22T09:10:01.208"/>
+    </inkml:context>
+    <inkml:brush xml:id="br0">
+      <inkml:brushProperty name="width" value="0.035" units="cm"/>
+      <inkml:brushProperty name="height" value="0.035" units="cm"/>
+      <inkml:brushProperty name="color" value="#FFFFFF"/>
+    </inkml:brush>
+  </inkml:definitions>
+  <inkml:trace contextRef="#ctx0" brushRef="#br0">418 548 24575,'-9'1'0,"1"0"0,-1 1 0,0 0 0,-12 4 0,-26 6 0,-32-9 0,47-3 0,26 0 0,9 0 0,14-1 0,31 0 0,-46 1 0,0 0 0,0 1 0,0-1 0,0 0 0,1 1 0,-1-1 0,0 1 0,0 0 0,0-1 0,0 1 0,0 0 0,-1 0 0,1 1 0,0-1 0,0 0 0,2 3 0,-4-4 0,0 1 0,0 0 0,0 0 0,0-1 0,0 1 0,-1 0 0,1 0 0,0-1 0,0 1 0,0 0 0,-1-1 0,1 1 0,0 0 0,-1-1 0,1 1 0,-1 0 0,1-1 0,-1 1 0,1-1 0,-1 1 0,1-1 0,-1 1 0,1-1 0,-1 1 0,0-1 0,1 0 0,-1 1 0,0-1 0,1 0 0,-1 1 0,0-1 0,1 0 0,-1 0 0,-1 0 0,-26 11 0,23-9 0,0 0 0,0 0 0,0-1 0,0 0 0,-1 0 0,1 0 0,-1-1 0,1 0 0,0 0 0,-1 0 0,1 0 0,-10-3 0,3-2 0,0 0 0,0 1 0,-1 1 0,-19-3 0,17 3 0,1 0 0,0 0 0,-16-7 0,28 9 0,1 0 0,-1 0 0,0 0 0,1 0 0,-1-1 0,1 1 0,-1-1 0,1 1 0,-1-1 0,1 1 0,0-1 0,0 0 0,0 1 0,0-1 0,0 0 0,0 0 0,1 0 0,-1 0 0,0 0 0,1 0 0,0 0 0,-1 0 0,1 0 0,0 0 0,0 0 0,0 0 0,0 0 0,0 0 0,1 0 0,-1 0 0,1 0 0,-1 0 0,1 0 0,0 1 0,1-4 0,0 0 0,0 0 0,0 0 0,0 1 0,1-1 0,0 0 0,0 1 0,0 0 0,1 0 0,-1 0 0,1 0 0,0 0 0,6-4 0,-9 7 0,0 1 0,0-1 0,-1 1 0,1 0 0,0-1 0,0 1 0,-1-1 0,1 1 0,0 0 0,0 0 0,0 0 0,0-1 0,0 1 0,-1 0 0,1 0 0,0 0 0,0 0 0,0 0 0,0 1 0,0-1 0,0 0 0,-1 0 0,1 0 0,0 1 0,0-1 0,0 1 0,-1-1 0,1 0 0,1 2 0,-1-1 0,0 1 0,1 0 0,-1-1 0,0 1 0,0 0 0,0 0 0,-1 0 0,1 0 0,0 0 0,-1 0 0,1 0 0,-1 3 0,2 11 0,-1 0 0,-3 28 0,2-31 0,0 5 0,1-13 0,-1 1 0,0-1 0,0 0 0,0 1 0,-1-1 0,0 0 0,0 1 0,0-1 0,-3 8 0,3-13 0,1 0 0,0 1 0,0-1 0,0 0 0,0 0 0,0 1 0,0-1 0,-1 0 0,1 0 0,0 0 0,0 1 0,0-1 0,-1 0 0,1 0 0,0 0 0,0 0 0,-1 1 0,1-1 0,0 0 0,0 0 0,-1 0 0,1 0 0,0 0 0,0 0 0,-1 0 0,1 0 0,0 0 0,0 0 0,-1 0 0,1 0 0,0 0 0,-1 0 0,1 0 0,0 0 0,0 0 0,-1 0 0,1 0 0,0 0 0,0 0 0,-1-1 0,-9-11 0,-1-16 0,10 23 0,0 0 0,0 0 0,0 0 0,0 0 0,1-1 0,0 1 0,0 0 0,0 0 0,1-1 0,-1 1 0,3-8 0,-1 11 0,-1 0 0,1 0 0,-1 1 0,1-1 0,-1 0 0,1 0 0,0 1 0,0-1 0,0 1 0,0 0 0,0-1 0,0 1 0,0 0 0,0 0 0,1 0 0,-1 1 0,0-1 0,0 0 0,1 1 0,-1 0 0,1-1 0,-1 1 0,0 0 0,1 0 0,-1 0 0,4 1 0,90 10 0,-51-5 0,-44-6 0,0 0 0,-1 0 0,1-1 0,-1 1 0,1 0 0,0 0 0,-1 0 0,1 0 0,0 0 0,-1 1 0,1-1 0,0 0 0,-1 0 0,1 0 0,-1 0 0,1 1 0,-1-1 0,1 0 0,0 1 0,-1-1 0,1 0 0,-1 1 0,1-1 0,-1 1 0,0-1 0,1 1 0,-1-1 0,1 1 0,-1-1 0,0 1 0,1-1 0,-1 1 0,0-1 0,1 2 0,-17 14 0,-34 7 0,182-19 0,-97-1 0,-31 0 0,-22 4 0,-137 26 0,212-48 0,-44 12 0,1 0 0,-1-1 0,0-1 0,0 0 0,13-7 0,-72 11 0,35 1 0,-19 0 0,28-3 0,18-6 0,43-17 0,62-38 0,-97 45 0,-6 5 0,-18 14 0,-1 0 0,1 0 0,0 0 0,0 1 0,0-1 0,0 0 0,0 0 0,0 0 0,0 0 0,0 0 0,0 1 0,0-1 0,0 0 0,0 0 0,0 0 0,0 0 0,0 1 0,0-1 0,0 0 0,0 0 0,0 0 0,0 0 0,0 1 0,0-1 0,0 0 0,0 0 0,0 0 0,0 0 0,0 0 0,0 1 0,0-1 0,0 0 0,0 0 0,0 0 0,1 0 0,-1 0 0,0 0 0,0 1 0,0-1 0,0 0 0,0 0 0,0 0 0,1 0 0,-1 0 0,0 0 0,0 0 0,0 0 0,0 0 0,0 0 0,1 0 0,-1 0 0,0 0 0,0 0 0,0 0 0,0 0 0,1 0 0,-1 0 0,0 0 0,0 0 0,0 0 0,0 0 0,1 0 0,-1 0 0,-1 7 0,1-1 0,0 1 0,0-1 0,1 1 0,0-1 0,0 1 0,0-1 0,1 1 0,0-1 0,0 0 0,0 0 0,1 0 0,0 0 0,0 0 0,7 8 0,-5-6 0,-1-1 0,0 0 0,0 1 0,-1 0 0,0 0 0,-1 0 0,1 0 0,1 12 0,-6-45 0,1 8 0,0 1 0,1 0 0,1 0 0,3-17 0,-4 33 0,0 0 0,0 1 0,0-1 0,0 0 0,0 0 0,0 0 0,0 0 0,0 0 0,0 0 0,0 0 0,1 0 0,-1 0 0,0 0 0,0 0 0,0 0 0,0 0 0,0 0 0,0 0 0,0 0 0,0 0 0,0 0 0,0 0 0,1 0 0,-1 0 0,0 0 0,0 0 0,0 0 0,0 0 0,0 0 0,0 0 0,0 0 0,0 0 0,0 0 0,1 0 0,-1 0 0,0 0 0,0 0 0,0 0 0,0 0 0,0 0 0,0 0 0,0 0 0,0-1 0,4 21 0,0 24 0,-5-20 0,0-17 0,0 0 0,1-1 0,0 1 0,1-1 0,-1 1 0,1-1 0,0 1 0,4 9 0,3-70 0,-8-8 0,-65 109 0,53-39 0,-1 1 0,0-1 0,0-1 0,-1 0 0,0-1 0,0-1 0,-19 5 0,18-12 0,16-8 0,21-19 0,-12 16 0,-10 12 0,-1 1 0,0-1 0,0 1 0,1 0 0,-1-1 0,0 1 0,0 0 0,1-1 0,-1 1 0,0 0 0,0 0 0,0 0 0,0 0 0,1-1 0,-1 1 0,0 1 0,0-1 0,0 0 0,0 0 0,1 0 0,-1 0 0,0 0 0,-1 1 0,-24 5 0,24-5 0,-22 6 0,35-8 0,39-10 0,-45 9 0,7-1 0,0-1 0,0 0 0,0-1 0,-1 0 0,12-7 0,-21 10 0,1 0 0,-1 1 0,0-1 0,0 0 0,0 0 0,0 0 0,0 0 0,0-1 0,-1 1 0,1 0 0,-1-1 0,1 1 0,-1-1 0,0 1 0,0-1 0,0 0 0,-1 0 0,1 1 0,0-1 0,-1 0 0,0 0 0,0 0 0,0 1 0,0-1 0,0 0 0,-1 0 0,1 0 0,-2-3 0,2 4 0,-1 1 0,0-1 0,1 0 0,0 0 0,-1 0 0,1 0 0,0 0 0,0-1 0,0 1 0,0 0 0,0 0 0,0 0 0,1 0 0,-1 0 0,1 0 0,-1 0 0,1 0 0,0 1 0,0-1 0,0 0 0,0 0 0,0 0 0,0 1 0,0-1 0,3-2 0,-54 10 0,45-5 0,-2 0 0,-1 1 0,0-2 0,0 1 0,1-1 0,-1 0 0,-9-2 0,15 2 0,1 0 0,0-1 0,-1 1 0,1-1 0,0 0 0,0 1 0,-1-1 0,1 0 0,0 0 0,0 0 0,0 1 0,0-1 0,0 0 0,0-1 0,0 1 0,0 0 0,0 0 0,1 0 0,-1-1 0,0 1 0,1 0 0,-1 0 0,1-1 0,-1 1 0,1-1 0,0 1 0,0 0 0,0-1 0,-1 1 0,1-1 0,1 1 0,-1 0 0,0-1 0,0 1 0,0-1 0,1 1 0,-1 0 0,1-1 0,-1 1 0,2-2 0,13-40 0,-11 36 0,-1-1 0,0 0 0,0 1 0,-1-1 0,0 0 0,1-10 0,-4 17 0,1 0 0,0 0 0,0 0 0,0-1 0,-1 1 0,1 0 0,0 0 0,-1 0 0,1 0 0,-1 0 0,1 1 0,-1-1 0,1 0 0,-1 0 0,0 0 0,0 0 0,1 1 0,-1-1 0,0 0 0,0 0 0,0 1 0,0-1 0,0 1 0,0-1 0,0 1 0,0-1 0,0 1 0,0 0 0,0-1 0,-2 1 0,-37-5 0,33 5 0,-92 0 0,62 2 0,1-2 0,-45-7 0,105 3 0,27 1 0,150 3 0,-184 4 0,-24 5 0,-39 16 0,25-13 0,22-11 0,0-1 0,-1 0 0,1 0 0,-1 0 0,1 0 0,-1 0 0,1 1 0,-1-1 0,1 0 0,-1 0 0,1 0 0,-1 1 0,1-1 0,-1 0 0,1 0 0,-1 1 0,0-1 0,1 0 0,-1 1 0,0-1 0,1 1 0,-1-1 0,0 0 0,1 1 0,-1-1 0,0 1 0,0-1 0,0 1 0,1-1 0,-1 1 0,0-1 0,0 1 0,0-1 0,0 1 0,0-1 0,0 1 0,0-1 0,0 1 0,0-1 0,0 1 0,0-1 0,0 1 0,0-1 0,-1 1 0,1-1 0,0 1 0,0-1 0,0 1 0,-1-1 0,1 0 0,0 1 0,-1-1 0,1 1 0,0-1 0,-1 0 0,1 1 0,0-1 0,-1 0 0,1 1 0,-1-1 0,1 0 0,-1 0 0,1 0 0,-1 1 0,1-1 0,-1 0 0,1 0 0,-1 0 0,1 0 0,-1 0 0,-2 1 0,1 0 0,-1 0 0,1 0 0,-1-1 0,0 1 0,1-1 0,-1 0 0,0 0 0,1 0 0,-1 0 0,1 0 0,-1-1 0,0 1 0,1-1 0,-1 1 0,1-1 0,-1 0 0,1 0 0,-1 0 0,1-1 0,0 1 0,0 0 0,-1-1 0,1 0 0,0 1 0,0-1 0,1 0 0,-1 0 0,0 0 0,1 0 0,-1 0 0,1-1 0,-1 1 0,1 0 0,0-1 0,0 1 0,0-1 0,0 1 0,1-1 0,-1 1 0,0-4 0,-2-13 0,0 0 0,1 0 0,1 0 0,1-27 0,0 37 0,1 4 0,-1-1 0,0 0 0,-1 0 0,1 1 0,-1-1 0,0 0 0,-3-8 0,4 14 0,0-1 0,-1 1 0,1-1 0,0 1 0,0 0 0,-1-1 0,1 1 0,0 0 0,-1-1 0,1 1 0,0 0 0,-1-1 0,1 1 0,0 0 0,-1-1 0,1 1 0,-1 0 0,1 0 0,-1 0 0,1 0 0,-1-1 0,1 1 0,0 0 0,-1 0 0,1 0 0,-1 0 0,1 0 0,-1 0 0,1 0 0,-1 0 0,1 0 0,-2 1 0,0 0 0,0 0 0,0 0 0,-1 1 0,1-1 0,0 1 0,0-1 0,0 1 0,1 0 0,-1 0 0,-2 3 0,-80 117 0,84-121 0,0-1 0,-1 1 0,1-1 0,0 1 0,0-1 0,-1 1 0,1-1 0,0 1 0,-1-1 0,1 1 0,-1-1 0,1 1 0,-1-1 0,1 0 0,-1 1 0,1-1 0,-1 0 0,1 1 0,-1-1 0,1 0 0,-1 0 0,1 0 0,-1 1 0,0-1 0,1 0 0,-1 0 0,1 0 0,-1 0 0,0 0 0,1 0 0,-1 0 0,-1 0 0,-9-18 0,0-31 0,11 48 0,-3-38 0,3 30 0,0 0 0,-1 0 0,0 0 0,0 0 0,-1 0 0,-1 0 0,-5-16 0,8 25 0,0 0 0,0 0 0,0 0 0,0 0 0,0-1 0,0 1 0,0 0 0,0 0 0,-1 0 0,1 0 0,0 0 0,0-1 0,0 1 0,0 0 0,0 0 0,0 0 0,0 0 0,0 0 0,0 0 0,0-1 0,-1 1 0,1 0 0,0 0 0,0 0 0,0 0 0,0 0 0,0 0 0,-1 0 0,1 0 0,0 0 0,0 0 0,0 0 0,0 0 0,0 0 0,-1 0 0,1 0 0,0 0 0,0 0 0,0 0 0,0 0 0,0 0 0,-1 0 0,1 0 0,0 0 0,0 0 0,0 0 0,0 0 0,-1 0 0,1 0 0,0 0 0,0 0 0,0 0 0,0 0 0,0 1 0,-4 11 0,1 16 0,2 0 0,0-16 0,0 0 0,1 1 0,0-1 0,1 0 0,0 1 0,7 22 0,-8-35 0,0 0 0,0 0 0,0 1 0,0-1 0,0 0 0,0 0 0,0 1 0,0-1 0,0 0 0,0 0 0,0 0 0,0 1 0,1-1 0,-1 0 0,0 0 0,0 1 0,0-1 0,0 0 0,1 0 0,-1 0 0,0 0 0,0 1 0,0-1 0,1 0 0,-1 0 0,0 0 0,0 0 0,1 0 0,-1 0 0,0 0 0,0 0 0,1 0 0,-1 1 0,0-1 0,0 0 0,1 0 0,-1 0 0,0 0 0,0-1 0,1 1 0,-1 0 0,0 0 0,0 0 0,1 0 0,-1 0 0,0 0 0,10-14 0,2-17 0,-1 8 0,-11 23 0,0 0 0,1 0 0,-1 0 0,0 0 0,1 0 0,-1 0 0,0 0 0,0 0 0,1 0 0,-1 1 0,0-1 0,1 0 0,-1 0 0,0 0 0,0 0 0,1 0 0,-1 1 0,0-1 0,0 0 0,1 0 0,-1 1 0,0-1 0,0 0 0,0 0 0,1 1 0,-1-1 0,0 0 0,0 0 0,0 1 0,0-1 0,0 0 0,0 1 0,0-1 0,1 0 0,-1 1 0,0-1 0,0 1 0,10 52 0,-8-38 0,9 57 0,0-1 0,-7-53 0,-3-21 0,-1-62 0,1 13 0,-3-1 0,-1 1 0,-13-60 0,15 111 0,1 0 0,0 0 0,-1 0 0,1 0 0,0-1 0,-1 1 0,1 0 0,0 0 0,0 0 0,0 0 0,0 0 0,0 0 0,0 0 0,1 0 0,-1 0 0,0 0 0,0-1 0,1 1 0,-1 0 0,1 0 0,-1 0 0,1 0 0,-1 1 0,1-1 0,0 0 0,-1 0 0,1 0 0,0 0 0,0 1 0,-1-1 0,3-1 0,0 1 0,-1 1 0,1-1 0,-1 1 0,1 0 0,0 0 0,-1 0 0,1 0 0,0 0 0,-1 0 0,1 1 0,0-1 0,4 3 0,9 2 0,0 1 0,-1 1 0,16 10 0,-28-15 0,0 0 0,0 0 0,0 1 0,-1-1 0,1 1 0,-1 0 0,0-1 0,0 1 0,0 0 0,0 1 0,1 2 0,14-16 0,6-8 0,-27 11 0,-18 2 0,22 5 0,0 0 0,0 0 0,-1 0 0,1 0 0,0 0 0,0 0 0,0 0 0,-1 0 0,1 0 0,0 0 0,0 0 0,0 0 0,-1 0 0,1 0 0,0 0 0,0 0 0,0 0 0,0 0 0,-1 0 0,1 0 0,0-1 0,0 1 0,0 0 0,0 0 0,-1 0 0,1 0 0,0 0 0,0 0 0,0-1 0,0 1 0,0 0 0,0 0 0,-1 0 0,1 0 0,0 0 0,0-1 0,0 1 0,0 0 0,0 0 0,0 0 0,0-1 0,0 1 0,0 0 0,0 0 0,0 0 0,0-1 0,0 1 0,0 0 0,0 0 0,0 0 0,0 0 0,0-1 0,0 1 0,0 0 0,0 0 0,1-1 0,12-10 0,31-11 0,-37 19 0,1-1 0,32-15 0,-38 18 0,-1 0 0,1 1 0,0-1 0,-1 1 0,1-1 0,0 1 0,0 0 0,-1-1 0,1 1 0,0 0 0,0 0 0,-1 0 0,1 0 0,0 1 0,0-1 0,0 0 0,-1 1 0,3 0 0,-6 2 0,0 0 0,-1-1 0,1 1 0,0-1 0,-1 1 0,0-1 0,0 0 0,0 0 0,0 0 0,0 0 0,-3 1 0,-53 17 0,48-17 0,0 0 0,1 0 0,-1 1 0,-16 10 0,40-15 0,-9 1 0,0 0 0,1 0 0,-1 0 0,0 0 0,1-1 0,-1 0 0,0 0 0,0 0 0,0 0 0,8-4 0,-16 3 0,0 0 0,0 1 0,0 0 0,0 0 0,-1 0 0,1 0 0,0 1 0,-6-1 0,-26-2 0,27 0 0,26-1 0,-7 3-151,1 0-1,-1 1 0,0 0 0,1 0 1,-1 2-1,0-1 0,1 1 1,17 6-1,-19-4-6674</inkml:trace>
+</inkml:ink>
+</file>
+
+<file path=ppt/ink/ink2.xml><?xml version="1.0" encoding="utf-8"?>
+<inkml:ink xmlns:inkml="http://www.w3.org/2003/InkML">
+  <inkml:definitions>
+    <inkml:context xml:id="ctx0">
+      <inkml:inkSource xml:id="inkSrc0">
+        <inkml:traceFormat>
+          <inkml:channel name="X" type="integer" min="-2.14748E9" max="2.14748E9" units="cm"/>
+          <inkml:channel name="Y" type="integer" min="-2.14748E9" max="2.14748E9" units="cm"/>
+          <inkml:channel name="F" type="integer" max="32767" units="dev"/>
+        </inkml:traceFormat>
+        <inkml:channelProperties>
+          <inkml:channelProperty channel="X" name="resolution" value="1000" units="1/cm"/>
+          <inkml:channelProperty channel="Y" name="resolution" value="1000" units="1/cm"/>
+          <inkml:channelProperty channel="F" name="resolution" value="0" units="1/dev"/>
+        </inkml:channelProperties>
+      </inkml:inkSource>
+      <inkml:timestamp xml:id="ts0" timeString="2024-03-22T09:10:31.258"/>
+    </inkml:context>
+    <inkml:brush xml:id="br0">
+      <inkml:brushProperty name="width" value="0.035" units="cm"/>
+      <inkml:brushProperty name="height" value="0.035" units="cm"/>
+      <inkml:brushProperty name="color" value="#FFFFFF"/>
+    </inkml:brush>
+  </inkml:definitions>
+  <inkml:trace contextRef="#ctx0" brushRef="#br0">114 431 24575,'3'3'0,"-1"0"0,0 0 0,-1 0 0,1 0 0,0 0 0,-1 1 0,0-1 0,0 0 0,0 1 0,0-1 0,0 1 0,0 5 0,2 24 0,-1 0 0,-6 66 0,1-151 0,9 10 0,2 1 0,15-51 0,-17 146 0,-6-38 0,1 0 0,-2-1 0,0 1 0,-1 0 0,0-1 0,-6 19 0,2-29 0,3-17 0,1-17 0,2 28 0,0-7 0,1-1 0,0 1 0,1 0 0,0-1 0,0 1 0,1 0 0,-1 0 0,6-9 0,-4 60 0,-4-28 0,0 0 0,0 0 0,-2 0 0,1 0 0,-2 0 0,0-1 0,-8 22 0,6-56 0,2-14 0,5-23 0,18-104 0,-15 127 0,-4 30 0,1 0 0,-1 0 0,1 0 0,-1 0 0,1 0 0,0 1 0,1-1 0,-1 1 0,1 0 0,-1-1 0,1 1 0,6-5 0,43-32 0,-39 31 0,21-16 0,1 2 0,41-20 0,-66 40 0,-8 7 0,-15 17 0,-26 24 0,1-11 0,26-25 0,2 0 0,-1 1 0,-13 16 0,24-25 0,-1 0 0,1 0 0,-1 0 0,1 1 0,0-1 0,0 0 0,-1 0 0,1 0 0,0 1 0,0-1 0,0 0 0,0 0 0,0 0 0,1 1 0,-1-1 0,0 0 0,0 0 0,1 0 0,-1 0 0,1 1 0,-1-1 0,1 0 0,0 0 0,0 1 0,-1-2 0,1 1 0,-1-1 0,0 1 0,1-1 0,-1 1 0,0-1 0,1 0 0,-1 1 0,1-1 0,-1 0 0,1 1 0,-1-1 0,1 0 0,-1 0 0,1 1 0,-1-1 0,1 0 0,-1 0 0,1 0 0,-1 0 0,1 0 0,0 0 0,-1 0 0,1 0 0,-1 0 0,1 0 0,-1 0 0,1 0 0,-1 0 0,1 0 0,-1 0 0,1-1 0,-1 1 0,1 0 0,-1 0 0,1-1 0,-1 1 0,1 0 0,-1-1 0,1 1 0,-1 0 0,1-1 0,-1 1 0,0-1 0,1 1 0,-1 0 0,0-1 0,0 1 0,1-1 0,-1 1 0,0-1 0,0 1 0,1-1 0,-1 0 0,0 0 0,20-45 0,-17 36 0,0 1 0,1 0 0,0 0 0,0 0 0,1 1 0,0 0 0,11-14 0,-15 22 0,-1 0 0,1 0 0,0-1 0,-1 1 0,1 0 0,-1 0 0,1 0 0,0 0 0,-1 0 0,1 0 0,-1 0 0,1 0 0,0 0 0,-1 0 0,1 0 0,-1 0 0,1 0 0,-1 1 0,1-1 0,0 0 0,-1 0 0,1 1 0,-1-1 0,1 0 0,-1 1 0,1-1 0,-1 1 0,0-1 0,1 0 0,-1 1 0,1-1 0,-1 1 0,0-1 0,1 1 0,-1-1 0,0 1 0,0 0 0,1-1 0,-1 1 0,0-1 0,0 1 0,0-1 0,0 1 0,0 0 0,0-1 0,0 2 0,11 35 0,-10-34 0,29 145 0,-30-148 0,0 0 0,1 0 0,-1-1 0,0 1 0,0 0 0,0 0 0,0 0 0,0 0 0,0 0 0,0 0 0,0 0 0,0 0 0,0 0 0,0-1 0,0 1 0,0 0 0,1 0 0,-1 0 0,0 0 0,0 0 0,0 0 0,0 0 0,0 0 0,0 0 0,0 0 0,0 0 0,1 0 0,-1 0 0,0 0 0,0 0 0,0 0 0,0 0 0,0 0 0,0 0 0,0 0 0,0 0 0,1 0 0,-1 0 0,0 0 0,0 0 0,0 0 0,0 0 0,0 0 0,0 0 0,0 0 0,0 0 0,1 0 0,-1 1 0,0-1 0,0 0 0,0 0 0,0 0 0,0 0 0,0 0 0,0 0 0,0 0 0,0 0 0,0 0 0,0 1 0,0-1 0,0 0 0,0 0 0,0 0 0,0 0 0,0 0 0,0 0 0,0 0 0,0 1 0,6-16 0,3-18 0,-5-15 0,-2 30 0,0-1 0,7-28 0,3 104 0,-10-10 0,-2 1 0,-2 0 0,-10 55 0,-1-153 0,-1-126 0,15 243 0,1-20 0,-3 0 0,-9 73 0,2-142 0,1-19 0,3-51 0,3 53 0,1 30 0,-1 12 0,-2 18 0,0 0 0,-2 0 0,0-1 0,-13 33 0,4-115 0,8-153 0,6 212 0,0 0 0,1 0 0,-1 0 0,1 0 0,0-1 0,0 1 0,0 1 0,1-1 0,-1 0 0,1 0 0,-1 0 0,1 1 0,0-1 0,0 1 0,0-1 0,0 1 0,1 0 0,4-4 0,10-12 0,-72 32 0,43-10 0,8-2 0,-1 0 0,0 0 0,1 0 0,-1-1 0,0 0 0,0 0 0,0 0 0,0-1 0,0 1 0,0-1 0,0 0 0,-8-2 0,13 2 0,0-1 0,-1 0 0,1 1 0,0-1 0,0 0 0,0 0 0,0 0 0,0 1 0,0-1 0,0 0 0,0 0 0,0 1 0,0-1 0,0 0 0,1 0 0,-1 0 0,0 1 0,0-1 0,1 0 0,-1 1 0,1-1 0,-1 0 0,0 1 0,1-1 0,-1 1 0,1-1 0,0 0 0,-1 1 0,1-1 0,-1 1 0,1-1 0,1 1 0,22-23 0,-24 22 0,20-14 0,0 1 0,31-17 0,-24 15 0,-65 13 0,37 3 0,0 0 0,0 0 0,1 0 0,-1-1 0,0 1 0,0 0 0,1 0 0,-1-1 0,0 1 0,1 0 0,-1-1 0,0 1 0,1-1 0,-1 1 0,1-1 0,-1 1 0,1-1 0,-1 0 0,1 1 0,-1-1 0,1 0 0,-1 1 0,1-2 0,0 0 0,0 1 0,0 0 0,1-1 0,-1 1 0,1-1 0,0 1 0,-1 0 0,1 0 0,0-1 0,0 1 0,-1 0 0,1 0 0,0 0 0,0 0 0,0 0 0,0 0 0,1 0 0,-1 0 0,2-1 0,7-8 0,-11 5 0,-24 5 0,-46 16 0,65-14 0,-22 7 0,49-11 0,-14 1 0,-1 0 0,0-1 0,0 1 0,0 1 0,1-1 0,-1 1 0,0 0 0,0 0 0,0 1 0,9 2 0,-15-3 0,0 0 0,0 0 0,1 0 0,-1 0 0,0 0 0,0 1 0,1-1 0,-1 0 0,0 0 0,0 0 0,0 1 0,1-1 0,-1 0 0,0 0 0,0 1 0,0-1 0,0 0 0,0 0 0,0 1 0,0-1 0,1 0 0,-1 1 0,0-1 0,0 0 0,0 1 0,0-1 0,0 0 0,0 0 0,0 1 0,0-1 0,0 0 0,-1 1 0,1-1 0,0 0 0,0 0 0,0 1 0,0-1 0,0 0 0,-1 1 0,-10 13 0,-18 8 0,29-22 0,-15 10 0,-81 50 0,86-55 0,0 0 0,-1-1 0,1 0 0,-1-1 0,0 0 0,0 0 0,-21 1 0,32-4 0,-1 0 0,1 0 0,-1 0 0,1 1 0,-1-1 0,1 0 0,-1 0 0,1 0 0,0 0 0,-1 0 0,1-1 0,-1 1 0,1 0 0,-1 0 0,1 0 0,-1 0 0,1 0 0,0-1 0,-1 1 0,1 0 0,-1 0 0,1-1 0,0 1 0,-1 0 0,1-1 0,0 1 0,-1 0 0,1-1 0,0 1 0,0 0 0,-1-1 0,1 1 0,0-1 0,0 1 0,0 0 0,0-1 0,-1 0 0,8-18 0,21-16 0,-8 13 0,0 1 0,2 1 0,0 1 0,1 1 0,32-20 0,-54 38 0,0 0 0,-1-1 0,1 1 0,0 0 0,-1-1 0,1 1 0,0 0 0,-1 0 0,1-1 0,0 1 0,0 0 0,-1 0 0,1 0 0,0 0 0,0 0 0,-1 0 0,1 0 0,0 1 0,-1-1 0,1 0 0,0 0 0,0 0 0,-1 1 0,1-1 0,0 0 0,-1 1 0,1-1 0,0 1 0,-1-1 0,1 1 0,-1-1 0,1 1 0,-1-1 0,1 1 0,-1-1 0,1 1 0,-1 0 0,0-1 0,1 1 0,-1 0 0,0-1 0,1 1 0,-1 0 0,0-1 0,0 1 0,0 0 0,0 0 0,0-1 0,0 1 0,0 0 0,0 0 0,0-1 0,0 1 0,0 1 0,0 2 0,0-1 0,0 0 0,-1 1 0,1-1 0,-1 0 0,1 0 0,-1 1 0,0-1 0,0 0 0,-1 0 0,-2 6 0,-54 35 0,108-47 0,43-10 0,-44 5 0,94-4 0,-142 12 0,1 0 0,-1 0 0,0 0 0,1 0 0,-1 0 0,0 0 0,0 0 0,1 0 0,-1 0 0,0 1 0,0-1 0,1 0 0,-1 1 0,0-1 0,0 1 0,0-1 0,0 1 0,0 0 0,1-1 0,-1 1 0,0 0 0,-1 0 0,1 0 0,0 0 0,0 0 0,1 1 0,-2 0 0,0-1 0,0 1 0,0 0 0,0-1 0,0 1 0,-1-1 0,1 1 0,-1-1 0,1 1 0,-1-1 0,1 1 0,-1-1 0,0 1 0,1-1 0,-1 0 0,0 1 0,-2 1 0,-5 7 0,-1 0 0,-1 0 0,-17 14 0,-6-1 0,-38 21 0,-28 20 0,96-61 0,1-1 0,0 1 0,0 0 0,0 0 0,0 0 0,1 0 0,-1 0 0,1 0 0,0 1 0,-1-1 0,0 6 0,-9 21 0,10-28 0,0 0 0,1-1 0,-1 1 0,0 0 0,0-1 0,0 1 0,0-1 0,-1 1 0,1-1 0,0 1 0,-1-1 0,1 0 0,-1 0 0,1 1 0,-1-1 0,0 0 0,1-1 0,-1 1 0,0 0 0,1 0 0,-4 0 0,2-2 0,1 0 0,0 0 0,0 0 0,0 0 0,0-1 0,0 1 0,0-1 0,1 1 0,-1-1 0,0 0 0,1 0 0,-1 1 0,1-1 0,0 0 0,-1 0 0,1-1 0,-1-2 0,-9-15 0,1 0 0,1-1 0,0 0 0,-7-33 0,-3 99 0,0 11 0,-23 56 0,45-167 0,1 32 0,-1 6 0,-4 36 0,-4 17 0,-1 0 0,-19 64 0,21-170 0,5 17 0,-1-66 0,-2 111 0,-1 0 0,1-1 0,-1 1 0,-1 1 0,-4-10 0,-21 101 0,22-68 0,1 0 0,0 0 0,1 0 0,1 1 0,1-1 0,-3 32 0,11-29 0,4-30 0,6-29 0,-4-6 0,-2-1 0,3-62 0,-13 200 0,3 93 0,19-82 0,-7-62 0,-10-33 0,-3-13 0,9-90 0,-1 31 0,-9 64 0,0 1 0,0 0 0,0 0 0,0-1 0,0 1 0,0 0 0,0 0 0,0-1 0,0 1 0,0 0 0,0-1 0,0 1 0,0 0 0,0 0 0,0-1 0,1 1 0,-1 0 0,0 0 0,0-1 0,0 1 0,0 0 0,0 0 0,1 0 0,-1-1 0,0 1 0,0 0 0,0 0 0,1 0 0,-1 0 0,0 0 0,0-1 0,1 1 0,-1 0 0,0 0 0,0 0 0,1 0 0,-1 0 0,0 0 0,1 0 0,-1 0 0,0 0 0,0 0 0,1 0 0,-1 0 0,0 0 0,0 0 0,1 0 0,-1 0 0,1 0 0,16 11 0,-16-10 0,1 1 0,-1-1 0,1 0 0,0 0 0,-1 0 0,1 0 0,0 0 0,0 0 0,0-1 0,-1 1 0,1 0 0,3 0 0,10-6 0,-1 0 0,-1-1 0,1 0 0,-1-1 0,20-15 0,-10 8 0,-20 13 0,-1 0 0,0-1 0,1 1 0,-1-1 0,0 0 0,0 0 0,0 0 0,0 0 0,0 0 0,-1 0 0,1 0 0,-1 0 0,1-1 0,-1 1 0,1-3 0,-1 4 0,-1 1 0,0-1 0,0 1 0,0-1 0,0 1 0,0-1 0,0 1 0,-1-1 0,1 1 0,0-1 0,0 1 0,0-1 0,0 1 0,0-1 0,-1 1 0,1 0 0,0-1 0,0 1 0,-1-1 0,1 1 0,0 0 0,-1-1 0,1 1 0,-1-1 0,1 1 0,0 0 0,-1-1 0,-25-4 0,18 5 0,-1 0 0,1 0 0,0 1 0,-1 0 0,-14 4 0,22-4 0,0-1 0,0 1 0,-1-1 0,1 1 0,0 0 0,0-1 0,0 1 0,-1 0 0,1 0 0,0 0 0,0 0 0,0 0 0,1 0 0,-1 0 0,0 0 0,0 0 0,0 0 0,1 1 0,-1-1 0,1 0 0,-1 1 0,1-1 0,-1 0 0,1 1 0,0-1 0,0 0 0,0 1 0,-1-1 0,1 0 0,0 1 0,1-1 0,-1 1 0,0-1 0,0 0 0,1 1 0,-1-1 0,1 0 0,-1 1 0,1-1 0,-1 0 0,1 0 0,0 0 0,-1 0 0,3 3 0,-1-1 0,1 1 0,0-1 0,-1 1 0,1-1 0,0 0 0,1 0 0,-1 0 0,0-1 0,1 1 0,0-1 0,4 3 0,-4-4 0,-1 1 0,0 0 0,0 0 0,0 0 0,0 0 0,0 1 0,0-1 0,0 1 0,-1 0 0,1-1 0,-1 1 0,0 0 0,0 1 0,0-1 0,0 0 0,2 7 0,-1 0 0,0 1 0,-1 0 0,0 0 0,-1 0 0,0 0 0,-1 0 0,0 0 0,-1 0 0,-2 15 0,2-21 0,0-1 0,-1 1 0,1-1 0,-1 1 0,0-1 0,0 0 0,-1 0 0,1 0 0,-1 0 0,0 0 0,0 0 0,0-1 0,0 0 0,-1 1 0,1-1 0,-1-1 0,0 1 0,0 0 0,0-1 0,0 0 0,0 0 0,-1 0 0,1 0 0,-6 1 0,4-1 0,0 0 0,0-1 0,0 0 0,0 0 0,0 0 0,-1 0 0,1-1 0,0 0 0,0-1 0,0 1 0,-1-1 0,1 0 0,0-1 0,0 1 0,0-1 0,1 0 0,-9-5 0,11 6 0,1 0 0,-1 0 0,1 0 0,-1 1 0,1-1 0,-1 1 0,0-1 0,1 1 0,-1 0 0,1 0 0,-1 0 0,0 1 0,1-1 0,-1 1 0,1-1 0,-1 1 0,-4 2 0,6-3 0,1 0 0,-1 1 0,0-1 0,0 0 0,1 1 0,-1-1 0,0 1 0,1-1 0,-1 1 0,0 0 0,1-1 0,-1 1 0,1-1 0,-1 1 0,1 0 0,0 0 0,-1-1 0,1 1 0,-1 0 0,1 0 0,0 1 0,0-1 0,0 0 0,0 1 0,0-1 0,1 0 0,-1 0 0,1 0 0,-1 0 0,1 0 0,-1 0 0,1 0 0,-1 0 0,1 0 0,0 0 0,0 0 0,0 0 0,-1 0 0,1 0 0,0-1 0,0 1 0,2 1 0,-1-1 0,-1-1 0,1 1 0,0 0 0,0-1 0,0 1 0,0-1 0,1 0 0,-1 1 0,0-1 0,0 0 0,0 0 0,0-1 0,0 1 0,0 0 0,0-1 0,0 1 0,0-1 0,0 0 0,3-1 0,46-22 0,-32 14 0,7-1 0,-22 10 0,1 0 0,-1-1 0,0 1 0,1-1 0,-1 0 0,0 0 0,0 0 0,0-1 0,0 1 0,-1-1 0,1 0 0,-1 0 0,0 0 0,1 0 0,-2-1 0,1 0 0,0 1 0,-1-1 0,1 0 0,2-8 0,-2 4-1365,-1 2-5461</inkml:trace>
+</inkml:ink>
 </file>
 
 <file path=ppt/notesMasters/notesMaster1.xml><?xml version="1.0" encoding="utf-8"?>
@@ -496,7 +552,7 @@
               <a:pPr>
                 <a:defRPr/>
               </a:pPr>
-              <a:t>21-Mar-24</a:t>
+              <a:t>23-Mar-24</a:t>
             </a:fld>
             <a:endParaRPr lang="en-US"/>
           </a:p>
@@ -1382,6 +1438,60 @@
             <a:pPr eaLnBrk="1" hangingPunct="1">
               <a:defRPr/>
             </a:pPr>
+            <a:r>
+              <a:rPr lang="en-US" sz="1400" b="1" dirty="0">
+                <a:solidFill>
+                  <a:schemeClr val="bg1"/>
+                </a:solidFill>
+                <a:latin typeface="Century Gothic" panose="020B0502020202020204" pitchFamily="34" charset="0"/>
+              </a:rPr>
+              <a:t>Advisor: Assist. Prof. </a:t>
+            </a:r>
+            <a:r>
+              <a:rPr lang="en-US" sz="1400" b="1" dirty="0" err="1">
+                <a:solidFill>
+                  <a:schemeClr val="bg1"/>
+                </a:solidFill>
+                <a:latin typeface="Century Gothic" panose="020B0502020202020204" pitchFamily="34" charset="0"/>
+              </a:rPr>
+              <a:t>Emine</a:t>
+            </a:r>
+            <a:r>
+              <a:rPr lang="en-US" sz="1400" b="1" dirty="0">
+                <a:solidFill>
+                  <a:schemeClr val="bg1"/>
+                </a:solidFill>
+                <a:latin typeface="Century Gothic" panose="020B0502020202020204" pitchFamily="34" charset="0"/>
+              </a:rPr>
+              <a:t> </a:t>
+            </a:r>
+            <a:r>
+              <a:rPr lang="en-US" sz="1400" b="1" dirty="0" err="1">
+                <a:solidFill>
+                  <a:schemeClr val="bg1"/>
+                </a:solidFill>
+                <a:latin typeface="Century Gothic" panose="020B0502020202020204" pitchFamily="34" charset="0"/>
+              </a:rPr>
+              <a:t>Bostancı</a:t>
+            </a:r>
+            <a:r>
+              <a:rPr lang="en-US" sz="1400" b="1" dirty="0">
+                <a:solidFill>
+                  <a:schemeClr val="bg1"/>
+                </a:solidFill>
+                <a:latin typeface="Century Gothic" panose="020B0502020202020204" pitchFamily="34" charset="0"/>
+              </a:rPr>
+              <a:t> </a:t>
+            </a:r>
+            <a:r>
+              <a:rPr lang="en-US" sz="1400" b="1" dirty="0" err="1">
+                <a:solidFill>
+                  <a:schemeClr val="bg1"/>
+                </a:solidFill>
+                <a:latin typeface="Century Gothic" panose="020B0502020202020204" pitchFamily="34" charset="0"/>
+              </a:rPr>
+              <a:t>Özkan</a:t>
+            </a:r>
             <a:endParaRPr lang="tr-TR" sz="1400" b="1" dirty="0">
               <a:solidFill>
                 <a:schemeClr val="bg1"/>
@@ -4348,7 +4458,7 @@
         </p:blipFill>
         <p:spPr>
           <a:xfrm>
-            <a:off x="4349123" y="2378736"/>
+            <a:off x="4857123" y="2378736"/>
             <a:ext cx="3891923" cy="3129228"/>
           </a:xfrm>
           <a:prstGeom prst="rect">
@@ -4356,6 +4466,172 @@
           </a:prstGeom>
         </p:spPr>
       </p:pic>
+      <p:pic>
+        <p:nvPicPr>
+          <p:cNvPr id="3" name="Picture 2">
+            <a:extLst>
+              <a:ext uri="{FF2B5EF4-FFF2-40B4-BE49-F238E27FC236}">
+                <a16:creationId xmlns:a16="http://schemas.microsoft.com/office/drawing/2014/main" id="{A7668BB4-67BD-5641-4004-0AD080B0CCCA}"/>
+              </a:ext>
+            </a:extLst>
+          </p:cNvPr>
+          <p:cNvPicPr>
+            <a:picLocks noChangeAspect="1"/>
+          </p:cNvPicPr>
+          <p:nvPr/>
+        </p:nvPicPr>
+        <p:blipFill>
+          <a:blip r:embed="rId3"/>
+          <a:stretch>
+            <a:fillRect/>
+          </a:stretch>
+        </p:blipFill>
+        <p:spPr>
+          <a:xfrm>
+            <a:off x="1345337" y="2252000"/>
+            <a:ext cx="1897584" cy="3255964"/>
+          </a:xfrm>
+          <a:prstGeom prst="rect">
+            <a:avLst/>
+          </a:prstGeom>
+        </p:spPr>
+      </p:pic>
+      <p:sp>
+        <p:nvSpPr>
+          <p:cNvPr id="7" name="TextBox 6">
+            <a:extLst>
+              <a:ext uri="{FF2B5EF4-FFF2-40B4-BE49-F238E27FC236}">
+                <a16:creationId xmlns:a16="http://schemas.microsoft.com/office/drawing/2014/main" id="{D378E441-ACD6-D5EC-1123-5FF2EDB1E902}"/>
+              </a:ext>
+            </a:extLst>
+          </p:cNvPr>
+          <p:cNvSpPr txBox="1"/>
+          <p:nvPr/>
+        </p:nvSpPr>
+        <p:spPr>
+          <a:xfrm>
+            <a:off x="3136443" y="2546705"/>
+            <a:ext cx="1684628" cy="369332"/>
+          </a:xfrm>
+          <a:prstGeom prst="rect">
+            <a:avLst/>
+          </a:prstGeom>
+          <a:noFill/>
+        </p:spPr>
+        <p:txBody>
+          <a:bodyPr wrap="none" rtlCol="0">
+            <a:spAutoFit/>
+          </a:bodyPr>
+          <a:lstStyle/>
+          <a:p>
+            <a:r>
+              <a:rPr lang="en-US" dirty="0"/>
+              <a:t>Q1 open circuit</a:t>
+            </a:r>
+          </a:p>
+        </p:txBody>
+      </p:sp>
+      <p:sp>
+        <p:nvSpPr>
+          <p:cNvPr id="8" name="TextBox 7">
+            <a:extLst>
+              <a:ext uri="{FF2B5EF4-FFF2-40B4-BE49-F238E27FC236}">
+                <a16:creationId xmlns:a16="http://schemas.microsoft.com/office/drawing/2014/main" id="{F56D6016-5ABD-461A-0CB3-8FA333BBBD38}"/>
+              </a:ext>
+            </a:extLst>
+          </p:cNvPr>
+          <p:cNvSpPr txBox="1"/>
+          <p:nvPr/>
+        </p:nvSpPr>
+        <p:spPr>
+          <a:xfrm>
+            <a:off x="5195913" y="5680390"/>
+            <a:ext cx="3214341" cy="307777"/>
+          </a:xfrm>
+          <a:prstGeom prst="rect">
+            <a:avLst/>
+          </a:prstGeom>
+          <a:noFill/>
+        </p:spPr>
+        <p:txBody>
+          <a:bodyPr wrap="none" rtlCol="0">
+            <a:spAutoFit/>
+          </a:bodyPr>
+          <a:lstStyle/>
+          <a:p>
+            <a:r>
+              <a:rPr lang="en-US" sz="1400" dirty="0">
+                <a:latin typeface="Century Gothic" panose="020B0502020202020204" pitchFamily="34" charset="0"/>
+                <a:cs typeface="Arial"/>
+              </a:rPr>
+              <a:t>Space</a:t>
+            </a:r>
+            <a:r>
+              <a:rPr lang="en-US" sz="1400" dirty="0"/>
+              <a:t> </a:t>
+            </a:r>
+            <a:r>
+              <a:rPr lang="en-US" sz="1400" dirty="0">
+                <a:latin typeface="Century Gothic" panose="020B0502020202020204" pitchFamily="34" charset="0"/>
+                <a:cs typeface="Arial"/>
+              </a:rPr>
+              <a:t>Vector Diagram for Q1 fault</a:t>
+            </a:r>
+          </a:p>
+        </p:txBody>
+      </p:sp>
+      <p:sp>
+        <p:nvSpPr>
+          <p:cNvPr id="9" name="TextBox 8">
+            <a:extLst>
+              <a:ext uri="{FF2B5EF4-FFF2-40B4-BE49-F238E27FC236}">
+                <a16:creationId xmlns:a16="http://schemas.microsoft.com/office/drawing/2014/main" id="{996488AB-1A41-7159-E6C8-2BC3833CD538}"/>
+              </a:ext>
+            </a:extLst>
+          </p:cNvPr>
+          <p:cNvSpPr txBox="1"/>
+          <p:nvPr/>
+        </p:nvSpPr>
+        <p:spPr>
+          <a:xfrm>
+            <a:off x="1078542" y="5680390"/>
+            <a:ext cx="2431174" cy="523220"/>
+          </a:xfrm>
+          <a:prstGeom prst="rect">
+            <a:avLst/>
+          </a:prstGeom>
+          <a:noFill/>
+        </p:spPr>
+        <p:txBody>
+          <a:bodyPr wrap="square" rtlCol="0">
+            <a:spAutoFit/>
+          </a:bodyPr>
+          <a:lstStyle/>
+          <a:p>
+            <a:r>
+              <a:rPr lang="en-US" sz="1400" dirty="0">
+                <a:latin typeface="Century Gothic" panose="020B0502020202020204" pitchFamily="34" charset="0"/>
+                <a:cs typeface="Arial"/>
+              </a:rPr>
+              <a:t>Current flow of phase-a when </a:t>
+            </a:r>
+            <a:r>
+              <a:rPr lang="en-US" sz="1400" dirty="0" err="1">
+                <a:latin typeface="Century Gothic" panose="020B0502020202020204" pitchFamily="34" charset="0"/>
+                <a:cs typeface="Arial"/>
+              </a:rPr>
+              <a:t>Ia</a:t>
+            </a:r>
+            <a:r>
+              <a:rPr lang="en-US" sz="1400" dirty="0">
+                <a:latin typeface="Century Gothic" panose="020B0502020202020204" pitchFamily="34" charset="0"/>
+                <a:cs typeface="Arial"/>
+              </a:rPr>
+              <a:t>&gt;0 and at P-state </a:t>
+            </a:r>
+          </a:p>
+        </p:txBody>
+      </p:sp>
     </p:spTree>
     <p:extLst>
       <p:ext uri="{BB962C8B-B14F-4D97-AF65-F5344CB8AC3E}">
@@ -4483,6 +4759,951 @@
       </p:sp>
       <p:pic>
         <p:nvPicPr>
+          <p:cNvPr id="6" name="Content Placeholder 5">
+            <a:extLst>
+              <a:ext uri="{FF2B5EF4-FFF2-40B4-BE49-F238E27FC236}">
+                <a16:creationId xmlns:a16="http://schemas.microsoft.com/office/drawing/2014/main" id="{852A1DE9-09A1-8786-36AE-DF1FCBAFF15B}"/>
+              </a:ext>
+            </a:extLst>
+          </p:cNvPr>
+          <p:cNvPicPr>
+            <a:picLocks noGrp="1" noChangeAspect="1"/>
+          </p:cNvPicPr>
+          <p:nvPr>
+            <p:ph idx="1"/>
+          </p:nvPr>
+        </p:nvPicPr>
+        <p:blipFill>
+          <a:blip r:embed="rId2"/>
+          <a:stretch>
+            <a:fillRect/>
+          </a:stretch>
+        </p:blipFill>
+        <p:spPr>
+          <a:xfrm>
+            <a:off x="4821767" y="2500548"/>
+            <a:ext cx="3642066" cy="2885604"/>
+          </a:xfrm>
+          <a:prstGeom prst="rect">
+            <a:avLst/>
+          </a:prstGeom>
+        </p:spPr>
+      </p:pic>
+      <p:pic>
+        <p:nvPicPr>
+          <p:cNvPr id="3" name="Picture 2">
+            <a:extLst>
+              <a:ext uri="{FF2B5EF4-FFF2-40B4-BE49-F238E27FC236}">
+                <a16:creationId xmlns:a16="http://schemas.microsoft.com/office/drawing/2014/main" id="{3199AC4C-BE68-8619-48D5-865165758FCC}"/>
+              </a:ext>
+            </a:extLst>
+          </p:cNvPr>
+          <p:cNvPicPr>
+            <a:picLocks noChangeAspect="1"/>
+          </p:cNvPicPr>
+          <p:nvPr/>
+        </p:nvPicPr>
+        <p:blipFill rotWithShape="1">
+          <a:blip r:embed="rId3"/>
+          <a:srcRect r="1643"/>
+          <a:stretch/>
+        </p:blipFill>
+        <p:spPr>
+          <a:xfrm>
+            <a:off x="505367" y="2390864"/>
+            <a:ext cx="1711298" cy="3031839"/>
+          </a:xfrm>
+          <a:prstGeom prst="rect">
+            <a:avLst/>
+          </a:prstGeom>
+        </p:spPr>
+      </p:pic>
+      <p:pic>
+        <p:nvPicPr>
+          <p:cNvPr id="7" name="Picture 6">
+            <a:extLst>
+              <a:ext uri="{FF2B5EF4-FFF2-40B4-BE49-F238E27FC236}">
+                <a16:creationId xmlns:a16="http://schemas.microsoft.com/office/drawing/2014/main" id="{CF5D2142-5685-3C64-5922-BE7AD1568C86}"/>
+              </a:ext>
+            </a:extLst>
+          </p:cNvPr>
+          <p:cNvPicPr>
+            <a:picLocks noChangeAspect="1"/>
+          </p:cNvPicPr>
+          <p:nvPr/>
+        </p:nvPicPr>
+        <p:blipFill>
+          <a:blip r:embed="rId4"/>
+          <a:stretch>
+            <a:fillRect/>
+          </a:stretch>
+        </p:blipFill>
+        <p:spPr>
+          <a:xfrm>
+            <a:off x="2824868" y="2314770"/>
+            <a:ext cx="1831799" cy="3192457"/>
+          </a:xfrm>
+          <a:prstGeom prst="rect">
+            <a:avLst/>
+          </a:prstGeom>
+        </p:spPr>
+      </p:pic>
+      <p:sp>
+        <p:nvSpPr>
+          <p:cNvPr id="8" name="TextBox 7">
+            <a:extLst>
+              <a:ext uri="{FF2B5EF4-FFF2-40B4-BE49-F238E27FC236}">
+                <a16:creationId xmlns:a16="http://schemas.microsoft.com/office/drawing/2014/main" id="{75EE76A3-957C-32E4-6940-D8DBA833B22F}"/>
+              </a:ext>
+            </a:extLst>
+          </p:cNvPr>
+          <p:cNvSpPr txBox="1"/>
+          <p:nvPr/>
+        </p:nvSpPr>
+        <p:spPr>
+          <a:xfrm>
+            <a:off x="1595097" y="1686902"/>
+            <a:ext cx="1724703" cy="369332"/>
+          </a:xfrm>
+          <a:prstGeom prst="rect">
+            <a:avLst/>
+          </a:prstGeom>
+          <a:noFill/>
+        </p:spPr>
+        <p:txBody>
+          <a:bodyPr wrap="none" rtlCol="0">
+            <a:spAutoFit/>
+          </a:bodyPr>
+          <a:lstStyle/>
+          <a:p>
+            <a:r>
+              <a:rPr lang="en-US" dirty="0"/>
+              <a:t>Q2 open circuit</a:t>
+            </a:r>
+          </a:p>
+        </p:txBody>
+      </p:sp>
+      <p:sp>
+        <p:nvSpPr>
+          <p:cNvPr id="9" name="TextBox 8">
+            <a:extLst>
+              <a:ext uri="{FF2B5EF4-FFF2-40B4-BE49-F238E27FC236}">
+                <a16:creationId xmlns:a16="http://schemas.microsoft.com/office/drawing/2014/main" id="{959FC329-31CD-9261-6A3D-6E5E4E8F535A}"/>
+              </a:ext>
+            </a:extLst>
+          </p:cNvPr>
+          <p:cNvSpPr txBox="1"/>
+          <p:nvPr/>
+        </p:nvSpPr>
+        <p:spPr>
+          <a:xfrm>
+            <a:off x="5035629" y="5680390"/>
+            <a:ext cx="3214341" cy="307777"/>
+          </a:xfrm>
+          <a:prstGeom prst="rect">
+            <a:avLst/>
+          </a:prstGeom>
+          <a:noFill/>
+        </p:spPr>
+        <p:txBody>
+          <a:bodyPr wrap="none" rtlCol="0">
+            <a:spAutoFit/>
+          </a:bodyPr>
+          <a:lstStyle/>
+          <a:p>
+            <a:r>
+              <a:rPr lang="en-US" sz="1400" dirty="0">
+                <a:latin typeface="Century Gothic" panose="020B0502020202020204" pitchFamily="34" charset="0"/>
+                <a:cs typeface="Arial"/>
+              </a:rPr>
+              <a:t>Space</a:t>
+            </a:r>
+            <a:r>
+              <a:rPr lang="en-US" sz="1400" dirty="0"/>
+              <a:t> </a:t>
+            </a:r>
+            <a:r>
+              <a:rPr lang="en-US" sz="1400" dirty="0">
+                <a:latin typeface="Century Gothic" panose="020B0502020202020204" pitchFamily="34" charset="0"/>
+                <a:cs typeface="Arial"/>
+              </a:rPr>
+              <a:t>Vector Diagram for Q2 fault</a:t>
+            </a:r>
+          </a:p>
+        </p:txBody>
+      </p:sp>
+      <p:sp>
+        <p:nvSpPr>
+          <p:cNvPr id="10" name="TextBox 9">
+            <a:extLst>
+              <a:ext uri="{FF2B5EF4-FFF2-40B4-BE49-F238E27FC236}">
+                <a16:creationId xmlns:a16="http://schemas.microsoft.com/office/drawing/2014/main" id="{67DEE5EA-85EA-D3CB-A40D-FE35BB687B15}"/>
+              </a:ext>
+            </a:extLst>
+          </p:cNvPr>
+          <p:cNvSpPr txBox="1"/>
+          <p:nvPr/>
+        </p:nvSpPr>
+        <p:spPr>
+          <a:xfrm>
+            <a:off x="2699815" y="5617060"/>
+            <a:ext cx="2323092" cy="738664"/>
+          </a:xfrm>
+          <a:prstGeom prst="rect">
+            <a:avLst/>
+          </a:prstGeom>
+          <a:noFill/>
+        </p:spPr>
+        <p:txBody>
+          <a:bodyPr wrap="square" rtlCol="0">
+            <a:spAutoFit/>
+          </a:bodyPr>
+          <a:lstStyle/>
+          <a:p>
+            <a:r>
+              <a:rPr lang="en-US" sz="1400" dirty="0">
+                <a:latin typeface="Century Gothic" panose="020B0502020202020204" pitchFamily="34" charset="0"/>
+                <a:cs typeface="Arial"/>
+              </a:rPr>
+              <a:t>Current flow of phase-a when </a:t>
+            </a:r>
+            <a:r>
+              <a:rPr lang="en-US" sz="1400" dirty="0" err="1">
+                <a:latin typeface="Century Gothic" panose="020B0502020202020204" pitchFamily="34" charset="0"/>
+                <a:cs typeface="Arial"/>
+              </a:rPr>
+              <a:t>Ia</a:t>
+            </a:r>
+            <a:r>
+              <a:rPr lang="en-US" sz="1400" dirty="0">
+                <a:latin typeface="Century Gothic" panose="020B0502020202020204" pitchFamily="34" charset="0"/>
+                <a:cs typeface="Arial"/>
+              </a:rPr>
+              <a:t>&gt;0 and at</a:t>
+            </a:r>
+          </a:p>
+          <a:p>
+            <a:r>
+              <a:rPr lang="en-US" sz="1400" dirty="0">
+                <a:latin typeface="Century Gothic" panose="020B0502020202020204" pitchFamily="34" charset="0"/>
+                <a:cs typeface="Arial"/>
+              </a:rPr>
+              <a:t> O-state </a:t>
+            </a:r>
+          </a:p>
+        </p:txBody>
+      </p:sp>
+      <p:sp>
+        <p:nvSpPr>
+          <p:cNvPr id="11" name="TextBox 10">
+            <a:extLst>
+              <a:ext uri="{FF2B5EF4-FFF2-40B4-BE49-F238E27FC236}">
+                <a16:creationId xmlns:a16="http://schemas.microsoft.com/office/drawing/2014/main" id="{289E1418-0B5B-B1EE-5FFD-05637D623F2D}"/>
+              </a:ext>
+            </a:extLst>
+          </p:cNvPr>
+          <p:cNvSpPr txBox="1"/>
+          <p:nvPr/>
+        </p:nvSpPr>
+        <p:spPr>
+          <a:xfrm>
+            <a:off x="364001" y="5618835"/>
+            <a:ext cx="2323092" cy="738664"/>
+          </a:xfrm>
+          <a:prstGeom prst="rect">
+            <a:avLst/>
+          </a:prstGeom>
+          <a:noFill/>
+        </p:spPr>
+        <p:txBody>
+          <a:bodyPr wrap="square" rtlCol="0">
+            <a:spAutoFit/>
+          </a:bodyPr>
+          <a:lstStyle/>
+          <a:p>
+            <a:r>
+              <a:rPr lang="en-US" sz="1400" dirty="0">
+                <a:latin typeface="Century Gothic" panose="020B0502020202020204" pitchFamily="34" charset="0"/>
+                <a:cs typeface="Arial"/>
+              </a:rPr>
+              <a:t>Current flow of phase-a when </a:t>
+            </a:r>
+            <a:r>
+              <a:rPr lang="en-US" sz="1400" dirty="0" err="1">
+                <a:latin typeface="Century Gothic" panose="020B0502020202020204" pitchFamily="34" charset="0"/>
+                <a:cs typeface="Arial"/>
+              </a:rPr>
+              <a:t>Ia</a:t>
+            </a:r>
+            <a:r>
+              <a:rPr lang="en-US" sz="1400" dirty="0">
+                <a:latin typeface="Century Gothic" panose="020B0502020202020204" pitchFamily="34" charset="0"/>
+                <a:cs typeface="Arial"/>
+              </a:rPr>
+              <a:t>&gt;0 and at</a:t>
+            </a:r>
+          </a:p>
+          <a:p>
+            <a:r>
+              <a:rPr lang="en-US" sz="1400" dirty="0">
+                <a:latin typeface="Century Gothic" panose="020B0502020202020204" pitchFamily="34" charset="0"/>
+                <a:cs typeface="Arial"/>
+              </a:rPr>
+              <a:t> P-state </a:t>
+            </a:r>
+          </a:p>
+        </p:txBody>
+      </p:sp>
+    </p:spTree>
+    <p:extLst>
+      <p:ext uri="{BB962C8B-B14F-4D97-AF65-F5344CB8AC3E}">
+        <p14:creationId xmlns:p14="http://schemas.microsoft.com/office/powerpoint/2010/main" val="1960258566"/>
+      </p:ext>
+    </p:extLst>
+  </p:cSld>
+  <p:clrMapOvr>
+    <a:masterClrMapping/>
+  </p:clrMapOvr>
+</p:sld>
+</file>
+
+<file path=ppt/slides/slide12.xml><?xml version="1.0" encoding="utf-8"?>
+<p:sld xmlns:a="http://schemas.openxmlformats.org/drawingml/2006/main" xmlns:r="http://schemas.openxmlformats.org/officeDocument/2006/relationships" xmlns:p="http://schemas.openxmlformats.org/presentationml/2006/main">
+  <p:cSld>
+    <p:spTree>
+      <p:nvGrpSpPr>
+        <p:cNvPr id="1" name=""/>
+        <p:cNvGrpSpPr/>
+        <p:nvPr/>
+      </p:nvGrpSpPr>
+      <p:grpSpPr>
+        <a:xfrm>
+          <a:off x="0" y="0"/>
+          <a:ext cx="0" cy="0"/>
+          <a:chOff x="0" y="0"/>
+          <a:chExt cx="0" cy="0"/>
+        </a:xfrm>
+      </p:grpSpPr>
+      <p:sp>
+        <p:nvSpPr>
+          <p:cNvPr id="2" name="Title 1">
+            <a:extLst>
+              <a:ext uri="{FF2B5EF4-FFF2-40B4-BE49-F238E27FC236}">
+                <a16:creationId xmlns:a16="http://schemas.microsoft.com/office/drawing/2014/main" id="{D3BFCC76-ED7C-D2DE-B487-F6A7ED5E1BED}"/>
+              </a:ext>
+            </a:extLst>
+          </p:cNvPr>
+          <p:cNvSpPr>
+            <a:spLocks noGrp="1"/>
+          </p:cNvSpPr>
+          <p:nvPr>
+            <p:ph type="title"/>
+          </p:nvPr>
+        </p:nvSpPr>
+        <p:spPr/>
+        <p:txBody>
+          <a:bodyPr/>
+          <a:lstStyle/>
+          <a:p>
+            <a:r>
+              <a:rPr lang="en-US" dirty="0"/>
+              <a:t>Space Vectors Under Fault States</a:t>
+            </a:r>
+          </a:p>
+        </p:txBody>
+      </p:sp>
+      <p:sp>
+        <p:nvSpPr>
+          <p:cNvPr id="4" name="Slide Number Placeholder 3">
+            <a:extLst>
+              <a:ext uri="{FF2B5EF4-FFF2-40B4-BE49-F238E27FC236}">
+                <a16:creationId xmlns:a16="http://schemas.microsoft.com/office/drawing/2014/main" id="{6132EE89-833B-95A4-C38A-7BC4C8DBB71C}"/>
+              </a:ext>
+            </a:extLst>
+          </p:cNvPr>
+          <p:cNvSpPr>
+            <a:spLocks noGrp="1"/>
+          </p:cNvSpPr>
+          <p:nvPr>
+            <p:ph type="sldNum" sz="quarter" idx="12"/>
+          </p:nvPr>
+        </p:nvSpPr>
+        <p:spPr/>
+        <p:txBody>
+          <a:bodyPr/>
+          <a:lstStyle/>
+          <a:p>
+            <a:pPr>
+              <a:defRPr/>
+            </a:pPr>
+            <a:fld id="{C878F797-6006-4DDA-AFE9-456F280FE6C5}" type="slidenum">
+              <a:rPr lang="en-US" smtClean="0"/>
+              <a:pPr>
+                <a:defRPr/>
+              </a:pPr>
+              <a:t>12</a:t>
+            </a:fld>
+            <a:endParaRPr lang="en-US" dirty="0"/>
+          </a:p>
+        </p:txBody>
+      </p:sp>
+      <p:sp>
+        <p:nvSpPr>
+          <p:cNvPr id="5" name="Date Placeholder 4">
+            <a:extLst>
+              <a:ext uri="{FF2B5EF4-FFF2-40B4-BE49-F238E27FC236}">
+                <a16:creationId xmlns:a16="http://schemas.microsoft.com/office/drawing/2014/main" id="{641233B4-71AB-19DE-E1C4-0A8E82A5A985}"/>
+              </a:ext>
+            </a:extLst>
+          </p:cNvPr>
+          <p:cNvSpPr>
+            <a:spLocks noGrp="1"/>
+          </p:cNvSpPr>
+          <p:nvPr>
+            <p:ph type="dt" sz="half" idx="2"/>
+          </p:nvPr>
+        </p:nvSpPr>
+        <p:spPr/>
+        <p:txBody>
+          <a:bodyPr/>
+          <a:lstStyle/>
+          <a:p>
+            <a:pPr>
+              <a:defRPr/>
+            </a:pPr>
+            <a:r>
+              <a:rPr lang="tr-TR"/>
+              <a:t>METU Electrical &amp; Electronics Engineering Department</a:t>
+            </a:r>
+            <a:endParaRPr lang="en-US" dirty="0"/>
+          </a:p>
+        </p:txBody>
+      </p:sp>
+      <p:pic>
+        <p:nvPicPr>
+          <p:cNvPr id="12" name="Picture 11">
+            <a:extLst>
+              <a:ext uri="{FF2B5EF4-FFF2-40B4-BE49-F238E27FC236}">
+                <a16:creationId xmlns:a16="http://schemas.microsoft.com/office/drawing/2014/main" id="{220B96E3-7D46-EA59-E78F-A4EF9B4077A4}"/>
+              </a:ext>
+            </a:extLst>
+          </p:cNvPr>
+          <p:cNvPicPr>
+            <a:picLocks noChangeAspect="1"/>
+          </p:cNvPicPr>
+          <p:nvPr/>
+        </p:nvPicPr>
+        <p:blipFill>
+          <a:blip r:embed="rId2"/>
+          <a:stretch>
+            <a:fillRect/>
+          </a:stretch>
+        </p:blipFill>
+        <p:spPr>
+          <a:xfrm>
+            <a:off x="5010185" y="2472293"/>
+            <a:ext cx="3676615" cy="2942114"/>
+          </a:xfrm>
+          <a:prstGeom prst="rect">
+            <a:avLst/>
+          </a:prstGeom>
+        </p:spPr>
+      </p:pic>
+      <p:pic>
+        <p:nvPicPr>
+          <p:cNvPr id="7" name="Picture 6">
+            <a:extLst>
+              <a:ext uri="{FF2B5EF4-FFF2-40B4-BE49-F238E27FC236}">
+                <a16:creationId xmlns:a16="http://schemas.microsoft.com/office/drawing/2014/main" id="{5755649B-0A8D-C9C9-7035-12A0906FB975}"/>
+              </a:ext>
+            </a:extLst>
+          </p:cNvPr>
+          <p:cNvPicPr>
+            <a:picLocks noChangeAspect="1"/>
+          </p:cNvPicPr>
+          <p:nvPr/>
+        </p:nvPicPr>
+        <p:blipFill>
+          <a:blip r:embed="rId3"/>
+          <a:stretch>
+            <a:fillRect/>
+          </a:stretch>
+        </p:blipFill>
+        <p:spPr>
+          <a:xfrm>
+            <a:off x="567266" y="2226468"/>
+            <a:ext cx="1958131" cy="3433764"/>
+          </a:xfrm>
+          <a:prstGeom prst="rect">
+            <a:avLst/>
+          </a:prstGeom>
+        </p:spPr>
+      </p:pic>
+      <p:pic>
+        <p:nvPicPr>
+          <p:cNvPr id="8" name="Picture 7">
+            <a:extLst>
+              <a:ext uri="{FF2B5EF4-FFF2-40B4-BE49-F238E27FC236}">
+                <a16:creationId xmlns:a16="http://schemas.microsoft.com/office/drawing/2014/main" id="{B42D82EE-2C2F-C300-E3CC-3C02BBFC659B}"/>
+              </a:ext>
+            </a:extLst>
+          </p:cNvPr>
+          <p:cNvPicPr>
+            <a:picLocks noChangeAspect="1"/>
+          </p:cNvPicPr>
+          <p:nvPr/>
+        </p:nvPicPr>
+        <p:blipFill>
+          <a:blip r:embed="rId4"/>
+          <a:stretch>
+            <a:fillRect/>
+          </a:stretch>
+        </p:blipFill>
+        <p:spPr>
+          <a:xfrm>
+            <a:off x="2814501" y="2226468"/>
+            <a:ext cx="1974313" cy="3433764"/>
+          </a:xfrm>
+          <a:prstGeom prst="rect">
+            <a:avLst/>
+          </a:prstGeom>
+        </p:spPr>
+      </p:pic>
+      <p:sp>
+        <p:nvSpPr>
+          <p:cNvPr id="9" name="TextBox 8">
+            <a:extLst>
+              <a:ext uri="{FF2B5EF4-FFF2-40B4-BE49-F238E27FC236}">
+                <a16:creationId xmlns:a16="http://schemas.microsoft.com/office/drawing/2014/main" id="{1FC6191D-44C2-4F86-C10F-BE2DD2B8D130}"/>
+              </a:ext>
+            </a:extLst>
+          </p:cNvPr>
+          <p:cNvSpPr txBox="1"/>
+          <p:nvPr/>
+        </p:nvSpPr>
+        <p:spPr>
+          <a:xfrm>
+            <a:off x="1725531" y="1701216"/>
+            <a:ext cx="1718291" cy="369332"/>
+          </a:xfrm>
+          <a:prstGeom prst="rect">
+            <a:avLst/>
+          </a:prstGeom>
+          <a:noFill/>
+        </p:spPr>
+        <p:txBody>
+          <a:bodyPr wrap="none" rtlCol="0">
+            <a:spAutoFit/>
+          </a:bodyPr>
+          <a:lstStyle/>
+          <a:p>
+            <a:r>
+              <a:rPr lang="en-US" dirty="0"/>
+              <a:t>Q3 open circuit</a:t>
+            </a:r>
+          </a:p>
+        </p:txBody>
+      </p:sp>
+      <p:sp>
+        <p:nvSpPr>
+          <p:cNvPr id="10" name="TextBox 9">
+            <a:extLst>
+              <a:ext uri="{FF2B5EF4-FFF2-40B4-BE49-F238E27FC236}">
+                <a16:creationId xmlns:a16="http://schemas.microsoft.com/office/drawing/2014/main" id="{110686FF-896A-DC74-852A-460D7E554512}"/>
+              </a:ext>
+            </a:extLst>
+          </p:cNvPr>
+          <p:cNvSpPr txBox="1"/>
+          <p:nvPr/>
+        </p:nvSpPr>
+        <p:spPr>
+          <a:xfrm>
+            <a:off x="5241321" y="5625622"/>
+            <a:ext cx="3214341" cy="307777"/>
+          </a:xfrm>
+          <a:prstGeom prst="rect">
+            <a:avLst/>
+          </a:prstGeom>
+          <a:noFill/>
+        </p:spPr>
+        <p:txBody>
+          <a:bodyPr wrap="none" rtlCol="0">
+            <a:spAutoFit/>
+          </a:bodyPr>
+          <a:lstStyle/>
+          <a:p>
+            <a:r>
+              <a:rPr lang="en-US" sz="1400" dirty="0">
+                <a:latin typeface="Century Gothic" panose="020B0502020202020204" pitchFamily="34" charset="0"/>
+                <a:cs typeface="Arial"/>
+              </a:rPr>
+              <a:t>Space</a:t>
+            </a:r>
+            <a:r>
+              <a:rPr lang="en-US" sz="1400" dirty="0"/>
+              <a:t> </a:t>
+            </a:r>
+            <a:r>
+              <a:rPr lang="en-US" sz="1400" dirty="0">
+                <a:latin typeface="Century Gothic" panose="020B0502020202020204" pitchFamily="34" charset="0"/>
+                <a:cs typeface="Arial"/>
+              </a:rPr>
+              <a:t>Vector Diagram for Q3 fault</a:t>
+            </a:r>
+          </a:p>
+        </p:txBody>
+      </p:sp>
+      <p:sp>
+        <p:nvSpPr>
+          <p:cNvPr id="11" name="TextBox 10">
+            <a:extLst>
+              <a:ext uri="{FF2B5EF4-FFF2-40B4-BE49-F238E27FC236}">
+                <a16:creationId xmlns:a16="http://schemas.microsoft.com/office/drawing/2014/main" id="{FFB0F76F-CBE7-E118-B636-47B0E49A0E10}"/>
+              </a:ext>
+            </a:extLst>
+          </p:cNvPr>
+          <p:cNvSpPr txBox="1"/>
+          <p:nvPr/>
+        </p:nvSpPr>
+        <p:spPr>
+          <a:xfrm>
+            <a:off x="383327" y="5775542"/>
+            <a:ext cx="2303766" cy="738664"/>
+          </a:xfrm>
+          <a:prstGeom prst="rect">
+            <a:avLst/>
+          </a:prstGeom>
+          <a:noFill/>
+        </p:spPr>
+        <p:txBody>
+          <a:bodyPr wrap="square" rtlCol="0">
+            <a:spAutoFit/>
+          </a:bodyPr>
+          <a:lstStyle/>
+          <a:p>
+            <a:r>
+              <a:rPr lang="en-US" sz="1400" dirty="0">
+                <a:latin typeface="Century Gothic" panose="020B0502020202020204" pitchFamily="34" charset="0"/>
+                <a:cs typeface="Arial"/>
+              </a:rPr>
+              <a:t>Current flow of phase-a when </a:t>
+            </a:r>
+            <a:r>
+              <a:rPr lang="en-US" sz="1400" dirty="0" err="1">
+                <a:latin typeface="Century Gothic" panose="020B0502020202020204" pitchFamily="34" charset="0"/>
+                <a:cs typeface="Arial"/>
+              </a:rPr>
+              <a:t>Ia</a:t>
+            </a:r>
+            <a:r>
+              <a:rPr lang="en-US" sz="1400" dirty="0">
+                <a:latin typeface="Century Gothic" panose="020B0502020202020204" pitchFamily="34" charset="0"/>
+                <a:cs typeface="Arial"/>
+              </a:rPr>
+              <a:t>&lt;0 and at </a:t>
+            </a:r>
+          </a:p>
+          <a:p>
+            <a:r>
+              <a:rPr lang="en-US" sz="1400" dirty="0">
+                <a:latin typeface="Century Gothic" panose="020B0502020202020204" pitchFamily="34" charset="0"/>
+                <a:cs typeface="Arial"/>
+              </a:rPr>
+              <a:t>O-state </a:t>
+            </a:r>
+          </a:p>
+        </p:txBody>
+      </p:sp>
+      <p:sp>
+        <p:nvSpPr>
+          <p:cNvPr id="13" name="TextBox 12">
+            <a:extLst>
+              <a:ext uri="{FF2B5EF4-FFF2-40B4-BE49-F238E27FC236}">
+                <a16:creationId xmlns:a16="http://schemas.microsoft.com/office/drawing/2014/main" id="{A1006683-D23A-0387-0752-4D24C75AB960}"/>
+              </a:ext>
+            </a:extLst>
+          </p:cNvPr>
+          <p:cNvSpPr txBox="1"/>
+          <p:nvPr/>
+        </p:nvSpPr>
+        <p:spPr>
+          <a:xfrm>
+            <a:off x="2687093" y="5772492"/>
+            <a:ext cx="2323092" cy="738664"/>
+          </a:xfrm>
+          <a:prstGeom prst="rect">
+            <a:avLst/>
+          </a:prstGeom>
+          <a:noFill/>
+        </p:spPr>
+        <p:txBody>
+          <a:bodyPr wrap="square" rtlCol="0">
+            <a:spAutoFit/>
+          </a:bodyPr>
+          <a:lstStyle/>
+          <a:p>
+            <a:r>
+              <a:rPr lang="en-US" sz="1400" dirty="0">
+                <a:latin typeface="Century Gothic" panose="020B0502020202020204" pitchFamily="34" charset="0"/>
+                <a:cs typeface="Arial"/>
+              </a:rPr>
+              <a:t>Current flow of phase-a when </a:t>
+            </a:r>
+            <a:r>
+              <a:rPr lang="en-US" sz="1400" dirty="0" err="1">
+                <a:latin typeface="Century Gothic" panose="020B0502020202020204" pitchFamily="34" charset="0"/>
+                <a:cs typeface="Arial"/>
+              </a:rPr>
+              <a:t>Ia</a:t>
+            </a:r>
+            <a:r>
+              <a:rPr lang="en-US" sz="1400" dirty="0">
+                <a:latin typeface="Century Gothic" panose="020B0502020202020204" pitchFamily="34" charset="0"/>
+                <a:cs typeface="Arial"/>
+              </a:rPr>
+              <a:t>&lt;0 and at</a:t>
+            </a:r>
+          </a:p>
+          <a:p>
+            <a:r>
+              <a:rPr lang="en-US" sz="1400" dirty="0">
+                <a:latin typeface="Century Gothic" panose="020B0502020202020204" pitchFamily="34" charset="0"/>
+                <a:cs typeface="Arial"/>
+              </a:rPr>
+              <a:t> N-state </a:t>
+            </a:r>
+          </a:p>
+        </p:txBody>
+      </p:sp>
+      <mc:AlternateContent xmlns:mc="http://schemas.openxmlformats.org/markup-compatibility/2006" xmlns:p14="http://schemas.microsoft.com/office/powerpoint/2010/main">
+        <mc:Choice Requires="p14">
+          <p:contentPart p14:bwMode="auto" r:id="rId5">
+            <p14:nvContentPartPr>
+              <p14:cNvPr id="14" name="Ink 13">
+                <a:extLst>
+                  <a:ext uri="{FF2B5EF4-FFF2-40B4-BE49-F238E27FC236}">
+                    <a16:creationId xmlns:a16="http://schemas.microsoft.com/office/drawing/2014/main" id="{C6E6F0B6-CE1E-1A82-C972-0B7167AF329B}"/>
+                  </a:ext>
+                </a:extLst>
+              </p14:cNvPr>
+              <p14:cNvContentPartPr/>
+              <p14:nvPr/>
+            </p14:nvContentPartPr>
+            <p14:xfrm>
+              <a:off x="2249910" y="2283960"/>
+              <a:ext cx="212760" cy="245880"/>
+            </p14:xfrm>
+          </p:contentPart>
+        </mc:Choice>
+        <mc:Fallback xmlns="">
+          <p:pic>
+            <p:nvPicPr>
+              <p:cNvPr id="14" name="Ink 13">
+                <a:extLst>
+                  <a:ext uri="{FF2B5EF4-FFF2-40B4-BE49-F238E27FC236}">
+                    <a16:creationId xmlns:a16="http://schemas.microsoft.com/office/drawing/2014/main" id="{C6E6F0B6-CE1E-1A82-C972-0B7167AF329B}"/>
+                  </a:ext>
+                </a:extLst>
+              </p:cNvPr>
+              <p:cNvPicPr/>
+              <p:nvPr/>
+            </p:nvPicPr>
+            <p:blipFill>
+              <a:blip r:embed="rId6"/>
+              <a:stretch>
+                <a:fillRect/>
+              </a:stretch>
+            </p:blipFill>
+            <p:spPr>
+              <a:xfrm>
+                <a:off x="2243790" y="2277840"/>
+                <a:ext cx="225000" cy="258120"/>
+              </a:xfrm>
+              <a:prstGeom prst="rect">
+                <a:avLst/>
+              </a:prstGeom>
+            </p:spPr>
+          </p:pic>
+        </mc:Fallback>
+      </mc:AlternateContent>
+      <mc:AlternateContent xmlns:mc="http://schemas.openxmlformats.org/markup-compatibility/2006" xmlns:p14="http://schemas.microsoft.com/office/powerpoint/2010/main">
+        <mc:Choice Requires="p14">
+          <p:contentPart p14:bwMode="auto" r:id="rId7">
+            <p14:nvContentPartPr>
+              <p14:cNvPr id="15" name="Ink 14">
+                <a:extLst>
+                  <a:ext uri="{FF2B5EF4-FFF2-40B4-BE49-F238E27FC236}">
+                    <a16:creationId xmlns:a16="http://schemas.microsoft.com/office/drawing/2014/main" id="{F35A10AE-E4A0-F36C-8F5C-6AA2AD49FFA3}"/>
+                  </a:ext>
+                </a:extLst>
+              </p14:cNvPr>
+              <p14:cNvContentPartPr/>
+              <p14:nvPr/>
+            </p14:nvContentPartPr>
+            <p14:xfrm>
+              <a:off x="2263909" y="2242725"/>
+              <a:ext cx="222480" cy="283320"/>
+            </p14:xfrm>
+          </p:contentPart>
+        </mc:Choice>
+        <mc:Fallback xmlns="">
+          <p:pic>
+            <p:nvPicPr>
+              <p:cNvPr id="15" name="Ink 14">
+                <a:extLst>
+                  <a:ext uri="{FF2B5EF4-FFF2-40B4-BE49-F238E27FC236}">
+                    <a16:creationId xmlns:a16="http://schemas.microsoft.com/office/drawing/2014/main" id="{F35A10AE-E4A0-F36C-8F5C-6AA2AD49FFA3}"/>
+                  </a:ext>
+                </a:extLst>
+              </p:cNvPr>
+              <p:cNvPicPr/>
+              <p:nvPr/>
+            </p:nvPicPr>
+            <p:blipFill>
+              <a:blip r:embed="rId8"/>
+              <a:stretch>
+                <a:fillRect/>
+              </a:stretch>
+            </p:blipFill>
+            <p:spPr>
+              <a:xfrm>
+                <a:off x="2257789" y="2236605"/>
+                <a:ext cx="234720" cy="295560"/>
+              </a:xfrm>
+              <a:prstGeom prst="rect">
+                <a:avLst/>
+              </a:prstGeom>
+            </p:spPr>
+          </p:pic>
+        </mc:Fallback>
+      </mc:AlternateContent>
+    </p:spTree>
+    <p:extLst>
+      <p:ext uri="{BB962C8B-B14F-4D97-AF65-F5344CB8AC3E}">
+        <p14:creationId xmlns:p14="http://schemas.microsoft.com/office/powerpoint/2010/main" val="3365756821"/>
+      </p:ext>
+    </p:extLst>
+  </p:cSld>
+  <p:clrMapOvr>
+    <a:masterClrMapping/>
+  </p:clrMapOvr>
+</p:sld>
+</file>
+
+<file path=ppt/slides/slide13.xml><?xml version="1.0" encoding="utf-8"?>
+<p:sld xmlns:a="http://schemas.openxmlformats.org/drawingml/2006/main" xmlns:r="http://schemas.openxmlformats.org/officeDocument/2006/relationships" xmlns:p="http://schemas.openxmlformats.org/presentationml/2006/main">
+  <p:cSld>
+    <p:spTree>
+      <p:nvGrpSpPr>
+        <p:cNvPr id="1" name=""/>
+        <p:cNvGrpSpPr/>
+        <p:nvPr/>
+      </p:nvGrpSpPr>
+      <p:grpSpPr>
+        <a:xfrm>
+          <a:off x="0" y="0"/>
+          <a:ext cx="0" cy="0"/>
+          <a:chOff x="0" y="0"/>
+          <a:chExt cx="0" cy="0"/>
+        </a:xfrm>
+      </p:grpSpPr>
+      <p:sp>
+        <p:nvSpPr>
+          <p:cNvPr id="2" name="Title 1">
+            <a:extLst>
+              <a:ext uri="{FF2B5EF4-FFF2-40B4-BE49-F238E27FC236}">
+                <a16:creationId xmlns:a16="http://schemas.microsoft.com/office/drawing/2014/main" id="{D3BFCC76-ED7C-D2DE-B487-F6A7ED5E1BED}"/>
+              </a:ext>
+            </a:extLst>
+          </p:cNvPr>
+          <p:cNvSpPr>
+            <a:spLocks noGrp="1"/>
+          </p:cNvSpPr>
+          <p:nvPr>
+            <p:ph type="title"/>
+          </p:nvPr>
+        </p:nvSpPr>
+        <p:spPr/>
+        <p:txBody>
+          <a:bodyPr/>
+          <a:lstStyle/>
+          <a:p>
+            <a:r>
+              <a:rPr lang="en-US" dirty="0"/>
+              <a:t>Space Vectors Under Fault States</a:t>
+            </a:r>
+          </a:p>
+        </p:txBody>
+      </p:sp>
+      <p:sp>
+        <p:nvSpPr>
+          <p:cNvPr id="4" name="Slide Number Placeholder 3">
+            <a:extLst>
+              <a:ext uri="{FF2B5EF4-FFF2-40B4-BE49-F238E27FC236}">
+                <a16:creationId xmlns:a16="http://schemas.microsoft.com/office/drawing/2014/main" id="{6132EE89-833B-95A4-C38A-7BC4C8DBB71C}"/>
+              </a:ext>
+            </a:extLst>
+          </p:cNvPr>
+          <p:cNvSpPr>
+            <a:spLocks noGrp="1"/>
+          </p:cNvSpPr>
+          <p:nvPr>
+            <p:ph type="sldNum" sz="quarter" idx="12"/>
+          </p:nvPr>
+        </p:nvSpPr>
+        <p:spPr/>
+        <p:txBody>
+          <a:bodyPr/>
+          <a:lstStyle/>
+          <a:p>
+            <a:pPr>
+              <a:defRPr/>
+            </a:pPr>
+            <a:fld id="{C878F797-6006-4DDA-AFE9-456F280FE6C5}" type="slidenum">
+              <a:rPr lang="en-US" smtClean="0"/>
+              <a:pPr>
+                <a:defRPr/>
+              </a:pPr>
+              <a:t>13</a:t>
+            </a:fld>
+            <a:endParaRPr lang="en-US" dirty="0"/>
+          </a:p>
+        </p:txBody>
+      </p:sp>
+      <p:sp>
+        <p:nvSpPr>
+          <p:cNvPr id="5" name="Date Placeholder 4">
+            <a:extLst>
+              <a:ext uri="{FF2B5EF4-FFF2-40B4-BE49-F238E27FC236}">
+                <a16:creationId xmlns:a16="http://schemas.microsoft.com/office/drawing/2014/main" id="{641233B4-71AB-19DE-E1C4-0A8E82A5A985}"/>
+              </a:ext>
+            </a:extLst>
+          </p:cNvPr>
+          <p:cNvSpPr>
+            <a:spLocks noGrp="1"/>
+          </p:cNvSpPr>
+          <p:nvPr>
+            <p:ph type="dt" sz="half" idx="2"/>
+          </p:nvPr>
+        </p:nvSpPr>
+        <p:spPr/>
+        <p:txBody>
+          <a:bodyPr/>
+          <a:lstStyle/>
+          <a:p>
+            <a:pPr>
+              <a:defRPr/>
+            </a:pPr>
+            <a:r>
+              <a:rPr lang="tr-TR"/>
+              <a:t>METU Electrical &amp; Electronics Engineering Department</a:t>
+            </a:r>
+            <a:endParaRPr lang="en-US" dirty="0"/>
+          </a:p>
+        </p:txBody>
+      </p:sp>
+      <p:pic>
+        <p:nvPicPr>
           <p:cNvPr id="7" name="Picture 6">
             <a:extLst>
               <a:ext uri="{FF2B5EF4-FFF2-40B4-BE49-F238E27FC236}">
@@ -4503,7 +5724,7 @@
         </p:blipFill>
         <p:spPr>
           <a:xfrm>
-            <a:off x="4090408" y="2173543"/>
+            <a:off x="4516281" y="2275143"/>
             <a:ext cx="4170519" cy="3336415"/>
           </a:xfrm>
           <a:prstGeom prst="rect">
@@ -4535,392 +5756,102 @@
         </p:blipFill>
         <p:spPr>
           <a:xfrm>
-            <a:off x="1215746" y="2088876"/>
-            <a:ext cx="2196025" cy="3795987"/>
+            <a:off x="1431255" y="2169501"/>
+            <a:ext cx="2052387" cy="3547698"/>
           </a:xfrm>
           <a:prstGeom prst="rect">
             <a:avLst/>
           </a:prstGeom>
         </p:spPr>
       </p:pic>
+      <p:sp>
+        <p:nvSpPr>
+          <p:cNvPr id="3" name="TextBox 2">
+            <a:extLst>
+              <a:ext uri="{FF2B5EF4-FFF2-40B4-BE49-F238E27FC236}">
+                <a16:creationId xmlns:a16="http://schemas.microsoft.com/office/drawing/2014/main" id="{D58D9F36-35D7-47CE-086E-0958FA6F6815}"/>
+              </a:ext>
+            </a:extLst>
+          </p:cNvPr>
+          <p:cNvSpPr txBox="1"/>
+          <p:nvPr/>
+        </p:nvSpPr>
+        <p:spPr>
+          <a:xfrm>
+            <a:off x="1268116" y="1718733"/>
+            <a:ext cx="1734321" cy="369332"/>
+          </a:xfrm>
+          <a:prstGeom prst="rect">
+            <a:avLst/>
+          </a:prstGeom>
+          <a:noFill/>
+        </p:spPr>
+        <p:txBody>
+          <a:bodyPr wrap="none" rtlCol="0">
+            <a:spAutoFit/>
+          </a:bodyPr>
+          <a:lstStyle/>
+          <a:p>
+            <a:r>
+              <a:rPr lang="en-US" dirty="0"/>
+              <a:t>Q4 open circuit</a:t>
+            </a:r>
+          </a:p>
+        </p:txBody>
+      </p:sp>
+      <p:sp>
+        <p:nvSpPr>
+          <p:cNvPr id="6" name="TextBox 5">
+            <a:extLst>
+              <a:ext uri="{FF2B5EF4-FFF2-40B4-BE49-F238E27FC236}">
+                <a16:creationId xmlns:a16="http://schemas.microsoft.com/office/drawing/2014/main" id="{4F3B8714-6390-5544-D123-CD2FBD171FBE}"/>
+              </a:ext>
+            </a:extLst>
+          </p:cNvPr>
+          <p:cNvSpPr txBox="1"/>
+          <p:nvPr/>
+        </p:nvSpPr>
+        <p:spPr>
+          <a:xfrm>
+            <a:off x="4994369" y="5759520"/>
+            <a:ext cx="3214341" cy="307777"/>
+          </a:xfrm>
+          <a:prstGeom prst="rect">
+            <a:avLst/>
+          </a:prstGeom>
+          <a:noFill/>
+        </p:spPr>
+        <p:txBody>
+          <a:bodyPr wrap="none" rtlCol="0">
+            <a:spAutoFit/>
+          </a:bodyPr>
+          <a:lstStyle/>
+          <a:p>
+            <a:r>
+              <a:rPr lang="en-US" sz="1400" dirty="0">
+                <a:latin typeface="Century Gothic" panose="020B0502020202020204" pitchFamily="34" charset="0"/>
+                <a:cs typeface="Arial"/>
+              </a:rPr>
+              <a:t>Space</a:t>
+            </a:r>
+            <a:r>
+              <a:rPr lang="en-US" sz="1400" dirty="0"/>
+              <a:t> </a:t>
+            </a:r>
+            <a:r>
+              <a:rPr lang="en-US" sz="1400" dirty="0">
+                <a:latin typeface="Century Gothic" panose="020B0502020202020204" pitchFamily="34" charset="0"/>
+                <a:cs typeface="Arial"/>
+              </a:rPr>
+              <a:t>Vector Diagram for Q4 fault</a:t>
+            </a:r>
+          </a:p>
+        </p:txBody>
+      </p:sp>
     </p:spTree>
     <p:extLst>
       <p:ext uri="{BB962C8B-B14F-4D97-AF65-F5344CB8AC3E}">
         <p14:creationId xmlns:p14="http://schemas.microsoft.com/office/powerpoint/2010/main" val="3241663642"/>
-      </p:ext>
-    </p:extLst>
-  </p:cSld>
-  <p:clrMapOvr>
-    <a:masterClrMapping/>
-  </p:clrMapOvr>
-</p:sld>
-</file>
-
-<file path=ppt/slides/slide12.xml><?xml version="1.0" encoding="utf-8"?>
-<p:sld xmlns:a="http://schemas.openxmlformats.org/drawingml/2006/main" xmlns:r="http://schemas.openxmlformats.org/officeDocument/2006/relationships" xmlns:p="http://schemas.openxmlformats.org/presentationml/2006/main">
-  <p:cSld>
-    <p:spTree>
-      <p:nvGrpSpPr>
-        <p:cNvPr id="1" name=""/>
-        <p:cNvGrpSpPr/>
-        <p:nvPr/>
-      </p:nvGrpSpPr>
-      <p:grpSpPr>
-        <a:xfrm>
-          <a:off x="0" y="0"/>
-          <a:ext cx="0" cy="0"/>
-          <a:chOff x="0" y="0"/>
-          <a:chExt cx="0" cy="0"/>
-        </a:xfrm>
-      </p:grpSpPr>
-      <p:sp>
-        <p:nvSpPr>
-          <p:cNvPr id="2" name="Title 1">
-            <a:extLst>
-              <a:ext uri="{FF2B5EF4-FFF2-40B4-BE49-F238E27FC236}">
-                <a16:creationId xmlns:a16="http://schemas.microsoft.com/office/drawing/2014/main" id="{D3BFCC76-ED7C-D2DE-B487-F6A7ED5E1BED}"/>
-              </a:ext>
-            </a:extLst>
-          </p:cNvPr>
-          <p:cNvSpPr>
-            <a:spLocks noGrp="1"/>
-          </p:cNvSpPr>
-          <p:nvPr>
-            <p:ph type="title"/>
-          </p:nvPr>
-        </p:nvSpPr>
-        <p:spPr/>
-        <p:txBody>
-          <a:bodyPr/>
-          <a:lstStyle/>
-          <a:p>
-            <a:r>
-              <a:rPr lang="en-US" dirty="0"/>
-              <a:t>Space Vectors Under Fault States</a:t>
-            </a:r>
-          </a:p>
-        </p:txBody>
-      </p:sp>
-      <p:sp>
-        <p:nvSpPr>
-          <p:cNvPr id="4" name="Slide Number Placeholder 3">
-            <a:extLst>
-              <a:ext uri="{FF2B5EF4-FFF2-40B4-BE49-F238E27FC236}">
-                <a16:creationId xmlns:a16="http://schemas.microsoft.com/office/drawing/2014/main" id="{6132EE89-833B-95A4-C38A-7BC4C8DBB71C}"/>
-              </a:ext>
-            </a:extLst>
-          </p:cNvPr>
-          <p:cNvSpPr>
-            <a:spLocks noGrp="1"/>
-          </p:cNvSpPr>
-          <p:nvPr>
-            <p:ph type="sldNum" sz="quarter" idx="12"/>
-          </p:nvPr>
-        </p:nvSpPr>
-        <p:spPr/>
-        <p:txBody>
-          <a:bodyPr/>
-          <a:lstStyle/>
-          <a:p>
-            <a:pPr>
-              <a:defRPr/>
-            </a:pPr>
-            <a:fld id="{C878F797-6006-4DDA-AFE9-456F280FE6C5}" type="slidenum">
-              <a:rPr lang="en-US" smtClean="0"/>
-              <a:pPr>
-                <a:defRPr/>
-              </a:pPr>
-              <a:t>12</a:t>
-            </a:fld>
-            <a:endParaRPr lang="en-US" dirty="0"/>
-          </a:p>
-        </p:txBody>
-      </p:sp>
-      <p:sp>
-        <p:nvSpPr>
-          <p:cNvPr id="5" name="Date Placeholder 4">
-            <a:extLst>
-              <a:ext uri="{FF2B5EF4-FFF2-40B4-BE49-F238E27FC236}">
-                <a16:creationId xmlns:a16="http://schemas.microsoft.com/office/drawing/2014/main" id="{641233B4-71AB-19DE-E1C4-0A8E82A5A985}"/>
-              </a:ext>
-            </a:extLst>
-          </p:cNvPr>
-          <p:cNvSpPr>
-            <a:spLocks noGrp="1"/>
-          </p:cNvSpPr>
-          <p:nvPr>
-            <p:ph type="dt" sz="half" idx="2"/>
-          </p:nvPr>
-        </p:nvSpPr>
-        <p:spPr/>
-        <p:txBody>
-          <a:bodyPr/>
-          <a:lstStyle/>
-          <a:p>
-            <a:pPr>
-              <a:defRPr/>
-            </a:pPr>
-            <a:r>
-              <a:rPr lang="tr-TR"/>
-              <a:t>METU Electrical &amp; Electronics Engineering Department</a:t>
-            </a:r>
-            <a:endParaRPr lang="en-US" dirty="0"/>
-          </a:p>
-        </p:txBody>
-      </p:sp>
-      <p:pic>
-        <p:nvPicPr>
-          <p:cNvPr id="6" name="Content Placeholder 5">
-            <a:extLst>
-              <a:ext uri="{FF2B5EF4-FFF2-40B4-BE49-F238E27FC236}">
-                <a16:creationId xmlns:a16="http://schemas.microsoft.com/office/drawing/2014/main" id="{852A1DE9-09A1-8786-36AE-DF1FCBAFF15B}"/>
-              </a:ext>
-            </a:extLst>
-          </p:cNvPr>
-          <p:cNvPicPr>
-            <a:picLocks noGrp="1" noChangeAspect="1"/>
-          </p:cNvPicPr>
-          <p:nvPr>
-            <p:ph idx="1"/>
-          </p:nvPr>
-        </p:nvPicPr>
-        <p:blipFill>
-          <a:blip r:embed="rId2"/>
-          <a:stretch>
-            <a:fillRect/>
-          </a:stretch>
-        </p:blipFill>
-        <p:spPr>
-          <a:xfrm>
-            <a:off x="794231" y="1612555"/>
-            <a:ext cx="3519611" cy="2788583"/>
-          </a:xfrm>
-          <a:prstGeom prst="rect">
-            <a:avLst/>
-          </a:prstGeom>
-        </p:spPr>
-      </p:pic>
-      <p:pic>
-        <p:nvPicPr>
-          <p:cNvPr id="12" name="Picture 11">
-            <a:extLst>
-              <a:ext uri="{FF2B5EF4-FFF2-40B4-BE49-F238E27FC236}">
-                <a16:creationId xmlns:a16="http://schemas.microsoft.com/office/drawing/2014/main" id="{220B96E3-7D46-EA59-E78F-A4EF9B4077A4}"/>
-              </a:ext>
-            </a:extLst>
-          </p:cNvPr>
-          <p:cNvPicPr>
-            <a:picLocks noChangeAspect="1"/>
-          </p:cNvPicPr>
-          <p:nvPr/>
-        </p:nvPicPr>
-        <p:blipFill>
-          <a:blip r:embed="rId3"/>
-          <a:stretch>
-            <a:fillRect/>
-          </a:stretch>
-        </p:blipFill>
-        <p:spPr>
-          <a:xfrm>
-            <a:off x="5001718" y="1612555"/>
-            <a:ext cx="3558082" cy="2847261"/>
-          </a:xfrm>
-          <a:prstGeom prst="rect">
-            <a:avLst/>
-          </a:prstGeom>
-        </p:spPr>
-      </p:pic>
-    </p:spTree>
-    <p:extLst>
-      <p:ext uri="{BB962C8B-B14F-4D97-AF65-F5344CB8AC3E}">
-        <p14:creationId xmlns:p14="http://schemas.microsoft.com/office/powerpoint/2010/main" val="1960258566"/>
-      </p:ext>
-    </p:extLst>
-  </p:cSld>
-  <p:clrMapOvr>
-    <a:masterClrMapping/>
-  </p:clrMapOvr>
-</p:sld>
-</file>
-
-<file path=ppt/slides/slide13.xml><?xml version="1.0" encoding="utf-8"?>
-<p:sld xmlns:a="http://schemas.openxmlformats.org/drawingml/2006/main" xmlns:r="http://schemas.openxmlformats.org/officeDocument/2006/relationships" xmlns:p="http://schemas.openxmlformats.org/presentationml/2006/main">
-  <p:cSld>
-    <p:spTree>
-      <p:nvGrpSpPr>
-        <p:cNvPr id="1" name=""/>
-        <p:cNvGrpSpPr/>
-        <p:nvPr/>
-      </p:nvGrpSpPr>
-      <p:grpSpPr>
-        <a:xfrm>
-          <a:off x="0" y="0"/>
-          <a:ext cx="0" cy="0"/>
-          <a:chOff x="0" y="0"/>
-          <a:chExt cx="0" cy="0"/>
-        </a:xfrm>
-      </p:grpSpPr>
-      <p:sp>
-        <p:nvSpPr>
-          <p:cNvPr id="2" name="Title 1">
-            <a:extLst>
-              <a:ext uri="{FF2B5EF4-FFF2-40B4-BE49-F238E27FC236}">
-                <a16:creationId xmlns:a16="http://schemas.microsoft.com/office/drawing/2014/main" id="{D3BFCC76-ED7C-D2DE-B487-F6A7ED5E1BED}"/>
-              </a:ext>
-            </a:extLst>
-          </p:cNvPr>
-          <p:cNvSpPr>
-            <a:spLocks noGrp="1"/>
-          </p:cNvSpPr>
-          <p:nvPr>
-            <p:ph type="title"/>
-          </p:nvPr>
-        </p:nvSpPr>
-        <p:spPr/>
-        <p:txBody>
-          <a:bodyPr/>
-          <a:lstStyle/>
-          <a:p>
-            <a:r>
-              <a:rPr lang="en-US" dirty="0"/>
-              <a:t>Space Vectors Under Fault States</a:t>
-            </a:r>
-          </a:p>
-        </p:txBody>
-      </p:sp>
-      <p:sp>
-        <p:nvSpPr>
-          <p:cNvPr id="4" name="Slide Number Placeholder 3">
-            <a:extLst>
-              <a:ext uri="{FF2B5EF4-FFF2-40B4-BE49-F238E27FC236}">
-                <a16:creationId xmlns:a16="http://schemas.microsoft.com/office/drawing/2014/main" id="{6132EE89-833B-95A4-C38A-7BC4C8DBB71C}"/>
-              </a:ext>
-            </a:extLst>
-          </p:cNvPr>
-          <p:cNvSpPr>
-            <a:spLocks noGrp="1"/>
-          </p:cNvSpPr>
-          <p:nvPr>
-            <p:ph type="sldNum" sz="quarter" idx="12"/>
-          </p:nvPr>
-        </p:nvSpPr>
-        <p:spPr/>
-        <p:txBody>
-          <a:bodyPr/>
-          <a:lstStyle/>
-          <a:p>
-            <a:pPr>
-              <a:defRPr/>
-            </a:pPr>
-            <a:fld id="{C878F797-6006-4DDA-AFE9-456F280FE6C5}" type="slidenum">
-              <a:rPr lang="en-US" smtClean="0"/>
-              <a:pPr>
-                <a:defRPr/>
-              </a:pPr>
-              <a:t>13</a:t>
-            </a:fld>
-            <a:endParaRPr lang="en-US" dirty="0"/>
-          </a:p>
-        </p:txBody>
-      </p:sp>
-      <p:sp>
-        <p:nvSpPr>
-          <p:cNvPr id="5" name="Date Placeholder 4">
-            <a:extLst>
-              <a:ext uri="{FF2B5EF4-FFF2-40B4-BE49-F238E27FC236}">
-                <a16:creationId xmlns:a16="http://schemas.microsoft.com/office/drawing/2014/main" id="{641233B4-71AB-19DE-E1C4-0A8E82A5A985}"/>
-              </a:ext>
-            </a:extLst>
-          </p:cNvPr>
-          <p:cNvSpPr>
-            <a:spLocks noGrp="1"/>
-          </p:cNvSpPr>
-          <p:nvPr>
-            <p:ph type="dt" sz="half" idx="2"/>
-          </p:nvPr>
-        </p:nvSpPr>
-        <p:spPr/>
-        <p:txBody>
-          <a:bodyPr/>
-          <a:lstStyle/>
-          <a:p>
-            <a:pPr>
-              <a:defRPr/>
-            </a:pPr>
-            <a:r>
-              <a:rPr lang="tr-TR"/>
-              <a:t>METU Electrical &amp; Electronics Engineering Department</a:t>
-            </a:r>
-            <a:endParaRPr lang="en-US" dirty="0"/>
-          </a:p>
-        </p:txBody>
-      </p:sp>
-      <p:pic>
-        <p:nvPicPr>
-          <p:cNvPr id="6" name="Content Placeholder 5">
-            <a:extLst>
-              <a:ext uri="{FF2B5EF4-FFF2-40B4-BE49-F238E27FC236}">
-                <a16:creationId xmlns:a16="http://schemas.microsoft.com/office/drawing/2014/main" id="{852A1DE9-09A1-8786-36AE-DF1FCBAFF15B}"/>
-              </a:ext>
-            </a:extLst>
-          </p:cNvPr>
-          <p:cNvPicPr>
-            <a:picLocks noGrp="1" noChangeAspect="1"/>
-          </p:cNvPicPr>
-          <p:nvPr>
-            <p:ph idx="1"/>
-          </p:nvPr>
-        </p:nvPicPr>
-        <p:blipFill>
-          <a:blip r:embed="rId2"/>
-          <a:stretch>
-            <a:fillRect/>
-          </a:stretch>
-        </p:blipFill>
-        <p:spPr>
-          <a:xfrm>
-            <a:off x="794231" y="1612555"/>
-            <a:ext cx="3519611" cy="2788583"/>
-          </a:xfrm>
-          <a:prstGeom prst="rect">
-            <a:avLst/>
-          </a:prstGeom>
-        </p:spPr>
-      </p:pic>
-      <p:pic>
-        <p:nvPicPr>
-          <p:cNvPr id="12" name="Picture 11">
-            <a:extLst>
-              <a:ext uri="{FF2B5EF4-FFF2-40B4-BE49-F238E27FC236}">
-                <a16:creationId xmlns:a16="http://schemas.microsoft.com/office/drawing/2014/main" id="{220B96E3-7D46-EA59-E78F-A4EF9B4077A4}"/>
-              </a:ext>
-            </a:extLst>
-          </p:cNvPr>
-          <p:cNvPicPr>
-            <a:picLocks noChangeAspect="1"/>
-          </p:cNvPicPr>
-          <p:nvPr/>
-        </p:nvPicPr>
-        <p:blipFill>
-          <a:blip r:embed="rId3"/>
-          <a:stretch>
-            <a:fillRect/>
-          </a:stretch>
-        </p:blipFill>
-        <p:spPr>
-          <a:xfrm>
-            <a:off x="5001718" y="1612555"/>
-            <a:ext cx="3558082" cy="2847261"/>
-          </a:xfrm>
-          <a:prstGeom prst="rect">
-            <a:avLst/>
-          </a:prstGeom>
-        </p:spPr>
-      </p:pic>
-    </p:spTree>
-    <p:extLst>
-      <p:ext uri="{BB962C8B-B14F-4D97-AF65-F5344CB8AC3E}">
-        <p14:creationId xmlns:p14="http://schemas.microsoft.com/office/powerpoint/2010/main" val="3365756821"/>
       </p:ext>
     </p:extLst>
   </p:cSld>
@@ -5296,7 +6227,220 @@
           <a:bodyPr/>
           <a:lstStyle/>
           <a:p>
-            <a:endParaRPr lang="en-US"/>
+            <a:pPr marL="0" indent="0" algn="just">
+              <a:buNone/>
+            </a:pPr>
+            <a:r>
+              <a:rPr lang="en-US" sz="1400" dirty="0"/>
+              <a:t>[1]</a:t>
+            </a:r>
+            <a:r>
+              <a:rPr lang="tr-TR" sz="1400" dirty="0"/>
+              <a:t> </a:t>
+            </a:r>
+            <a:r>
+              <a:rPr lang="en-US" sz="1400" dirty="0"/>
+              <a:t>J. Rodriguez, S. </a:t>
+            </a:r>
+            <a:r>
+              <a:rPr lang="en-US" sz="1400" dirty="0" err="1"/>
+              <a:t>Bernet</a:t>
+            </a:r>
+            <a:r>
+              <a:rPr lang="en-US" sz="1400" dirty="0"/>
+              <a:t>, P. K. </a:t>
+            </a:r>
+            <a:r>
+              <a:rPr lang="en-US" sz="1400" dirty="0" err="1"/>
+              <a:t>Steimer</a:t>
+            </a:r>
+            <a:r>
+              <a:rPr lang="en-US" sz="1400" dirty="0"/>
+              <a:t> and I. E. </a:t>
+            </a:r>
+            <a:r>
+              <a:rPr lang="en-US" sz="1400" dirty="0" err="1"/>
+              <a:t>Lizama</a:t>
+            </a:r>
+            <a:r>
+              <a:rPr lang="en-US" sz="1400" dirty="0"/>
+              <a:t>, "A Survey on Neutral-Point-Clamped Inverters," in IEEE Transactions on Industrial Electronics, vol. 57, no. 7, pp. 2219-2230, July 2010</a:t>
+            </a:r>
+          </a:p>
+          <a:p>
+            <a:pPr marL="0" indent="0" algn="just">
+              <a:buNone/>
+            </a:pPr>
+            <a:r>
+              <a:rPr lang="tr-TR" sz="1400" dirty="0"/>
+              <a:t>[2] </a:t>
+            </a:r>
+            <a:r>
+              <a:rPr lang="en-US" sz="1400" dirty="0" err="1"/>
+              <a:t>Keqing</a:t>
+            </a:r>
+            <a:r>
+              <a:rPr lang="en-US" sz="1400" dirty="0"/>
+              <a:t> Qu, Xi Jin, </a:t>
+            </a:r>
+            <a:r>
+              <a:rPr lang="en-US" sz="1400" dirty="0" err="1"/>
+              <a:t>Yuehong</a:t>
+            </a:r>
+            <a:r>
+              <a:rPr lang="en-US" sz="1400" dirty="0"/>
+              <a:t> Xing, </a:t>
+            </a:r>
+            <a:r>
+              <a:rPr lang="en-US" sz="1400" dirty="0" err="1"/>
+              <a:t>Zuojin</a:t>
+            </a:r>
+            <a:r>
+              <a:rPr lang="en-US" sz="1400" dirty="0"/>
+              <a:t> Ding and W. Chen, "A SVPWM control strategy for NPC three-level inverter," 2011 IEEE Power Engineering and Automation Conference, Wuhan, China, 2011</a:t>
+            </a:r>
+          </a:p>
+          <a:p>
+            <a:pPr marL="0" indent="0" algn="just">
+              <a:buNone/>
+            </a:pPr>
+            <a:r>
+              <a:rPr lang="tr-TR" sz="1400" dirty="0"/>
+              <a:t>[</a:t>
+            </a:r>
+            <a:r>
+              <a:rPr lang="en-US" sz="1400" dirty="0"/>
+              <a:t>3</a:t>
+            </a:r>
+            <a:r>
+              <a:rPr lang="tr-TR" sz="1400" dirty="0"/>
+              <a:t>] </a:t>
+            </a:r>
+            <a:r>
+              <a:rPr lang="en-US" sz="1400" dirty="0"/>
+              <a:t>K. Patel, S. </a:t>
+            </a:r>
+            <a:r>
+              <a:rPr lang="en-US" sz="1400" dirty="0" err="1"/>
+              <a:t>Borole</a:t>
+            </a:r>
+            <a:r>
+              <a:rPr lang="en-US" sz="1400" dirty="0"/>
+              <a:t>, R. Manikandan and R. R. Singh, "Short Circuit and Open Circuit Fault Identification Strategy for 3-Level Neutral Point Clamped Inverter," 2021 Innovations in Power and Advanced Computing Technologies (</a:t>
+            </a:r>
+            <a:r>
+              <a:rPr lang="en-US" sz="1400" dirty="0" err="1"/>
+              <a:t>i</a:t>
+            </a:r>
+            <a:r>
+              <a:rPr lang="en-US" sz="1400" dirty="0"/>
+              <a:t>-PACT), Kuala Lumpur, Malaysia, 2021</a:t>
+            </a:r>
+          </a:p>
+          <a:p>
+            <a:pPr marL="0" indent="0" algn="just">
+              <a:buNone/>
+            </a:pPr>
+            <a:r>
+              <a:rPr lang="en-US" sz="1400" dirty="0"/>
+              <a:t>[4] A. </a:t>
+            </a:r>
+            <a:r>
+              <a:rPr lang="en-US" sz="1400" dirty="0" err="1"/>
+              <a:t>Alili</a:t>
+            </a:r>
+            <a:r>
+              <a:rPr lang="en-US" sz="1400" dirty="0"/>
+              <a:t>, A. A. Ameri, M. B. Camara and B. </a:t>
+            </a:r>
+            <a:r>
+              <a:rPr lang="en-US" sz="1400" dirty="0" err="1"/>
+              <a:t>Dakyo</a:t>
+            </a:r>
+            <a:r>
+              <a:rPr lang="en-US" sz="1400" dirty="0"/>
+              <a:t>, "Open-circuit fault detection method for Grid-side Three-level NPC Inverter," 2021 10th International Conference on Renewable Energy Research and Application (ICRERA), Istanbul, Turkey, 2021</a:t>
+            </a:r>
+          </a:p>
+          <a:p>
+            <a:pPr marL="0" indent="0" algn="just">
+              <a:buNone/>
+            </a:pPr>
+            <a:r>
+              <a:rPr lang="tr-TR" sz="1400" dirty="0"/>
+              <a:t>[5]</a:t>
+            </a:r>
+            <a:r>
+              <a:rPr lang="en-US" sz="1200" b="0" i="0" dirty="0">
+                <a:solidFill>
+                  <a:srgbClr val="333333"/>
+                </a:solidFill>
+                <a:effectLst/>
+                <a:latin typeface="HelveticaNeue Regular"/>
+              </a:rPr>
+              <a:t>  </a:t>
+            </a:r>
+            <a:r>
+              <a:rPr lang="en-US" sz="1400" dirty="0"/>
+              <a:t>K. Yamanaka, A. M. </a:t>
+            </a:r>
+            <a:r>
+              <a:rPr lang="en-US" sz="1400" dirty="0" err="1"/>
+              <a:t>Hava</a:t>
+            </a:r>
+            <a:r>
+              <a:rPr lang="en-US" sz="1400" dirty="0"/>
+              <a:t>, H. </a:t>
+            </a:r>
+            <a:r>
+              <a:rPr lang="en-US" sz="1400" dirty="0" err="1"/>
+              <a:t>Kirino</a:t>
+            </a:r>
+            <a:r>
+              <a:rPr lang="en-US" sz="1400" dirty="0"/>
+              <a:t>, Y. Tanaka, N. Koga and T. </a:t>
+            </a:r>
+            <a:r>
+              <a:rPr lang="en-US" sz="1400" dirty="0" err="1"/>
+              <a:t>Kume</a:t>
+            </a:r>
+            <a:r>
+              <a:rPr lang="en-US" sz="1400" dirty="0"/>
+              <a:t>, "A novel neutral point potential stabilization technique using the information of output current polarities and voltage vector," in IEEE Transactions on Industry Applications, vol. 38, no. 6, pp. 1572-1580, Nov.-Dec. 2002</a:t>
+            </a:r>
+          </a:p>
+          <a:p>
+            <a:pPr marL="0" indent="0" algn="just">
+              <a:buNone/>
+            </a:pPr>
+            <a:r>
+              <a:rPr lang="en-US" sz="1400" dirty="0"/>
+              <a:t>[6] A. </a:t>
+            </a:r>
+            <a:r>
+              <a:rPr lang="en-US" sz="1400" dirty="0" err="1"/>
+              <a:t>Benevieri</a:t>
+            </a:r>
+            <a:r>
+              <a:rPr lang="en-US" sz="1400" dirty="0"/>
+              <a:t>, L. Carbone, S. </a:t>
+            </a:r>
+            <a:r>
+              <a:rPr lang="en-US" sz="1400" dirty="0" err="1"/>
+              <a:t>Cosso</a:t>
+            </a:r>
+            <a:r>
+              <a:rPr lang="en-US" sz="1400" dirty="0"/>
+              <a:t>, F. </a:t>
+            </a:r>
+            <a:r>
+              <a:rPr lang="en-US" sz="1400" dirty="0" err="1"/>
+              <a:t>Gallione</a:t>
+            </a:r>
+            <a:r>
+              <a:rPr lang="en-US" sz="1400" dirty="0"/>
+              <a:t> and S. Hussain, "A New Strategy for Detection and Management of Faults in High Power NPC Converter Systems," 2023 13th International Symposium on Advanced Topics in Electrical Engineering (ATEE), Bucharest, Romania, 2023</a:t>
+            </a:r>
           </a:p>
         </p:txBody>
       </p:sp>
@@ -5551,7 +6695,7 @@
             </a:pPr>
             <a:r>
               <a:rPr lang="en-US" dirty="0"/>
-              <a:t>Future Works</a:t>
+              <a:t>References</a:t>
             </a:r>
             <a:endParaRPr lang="tr-TR" dirty="0"/>
           </a:p>
@@ -5696,7 +6840,7 @@
               <a:buChar char="•"/>
             </a:pPr>
             <a:r>
-              <a:rPr lang="en-US" dirty="0"/>
+              <a:rPr lang="en-US" sz="1800" dirty="0"/>
               <a:t>AC Machine Applications,</a:t>
             </a:r>
           </a:p>
@@ -5706,7 +6850,7 @@
               <a:buChar char="•"/>
             </a:pPr>
             <a:r>
-              <a:rPr lang="en-US" dirty="0"/>
+              <a:rPr lang="en-US" sz="1800" dirty="0"/>
               <a:t>Electrical Vehicles</a:t>
             </a:r>
           </a:p>
@@ -5716,7 +6860,7 @@
               <a:buChar char="•"/>
             </a:pPr>
             <a:r>
-              <a:rPr lang="en-US" dirty="0"/>
+              <a:rPr lang="en-US" sz="1800" dirty="0"/>
               <a:t>Renewable Energy Systems</a:t>
             </a:r>
           </a:p>
@@ -5726,7 +6870,7 @@
               <a:buChar char="•"/>
             </a:pPr>
             <a:r>
-              <a:rPr lang="en-US" dirty="0"/>
+              <a:rPr lang="en-US" sz="1800" dirty="0"/>
               <a:t>Industry</a:t>
             </a:r>
           </a:p>
@@ -5735,7 +6879,7 @@
               <a:buFont typeface="Arial" panose="020B0604020202020204" pitchFamily="34" charset="0"/>
               <a:buChar char="•"/>
             </a:pPr>
-            <a:endParaRPr lang="en-US" dirty="0"/>
+            <a:endParaRPr lang="en-US" sz="1800" dirty="0"/>
           </a:p>
           <a:p>
             <a:pPr marL="342900" indent="-342900">
@@ -5743,7 +6887,7 @@
               <a:buChar char="•"/>
             </a:pPr>
             <a:r>
-              <a:rPr lang="en-US" dirty="0"/>
+              <a:rPr lang="en-US" sz="1800" dirty="0"/>
               <a:t>Control of an AC Machine for,</a:t>
             </a:r>
           </a:p>
@@ -5753,7 +6897,7 @@
               <a:buChar char="•"/>
             </a:pPr>
             <a:r>
-              <a:rPr lang="en-US" dirty="0"/>
+              <a:rPr lang="en-US" sz="1800" dirty="0"/>
               <a:t>Desired Speed, Torque</a:t>
             </a:r>
           </a:p>
@@ -5763,7 +6907,7 @@
               <a:buChar char="•"/>
             </a:pPr>
             <a:r>
-              <a:rPr lang="en-US" dirty="0"/>
+              <a:rPr lang="en-US" sz="1800" dirty="0"/>
               <a:t>Efficient system</a:t>
             </a:r>
           </a:p>
@@ -5772,7 +6916,7 @@
               <a:buFont typeface="Arial" panose="020B0604020202020204" pitchFamily="34" charset="0"/>
               <a:buChar char="•"/>
             </a:pPr>
-            <a:endParaRPr lang="en-US" dirty="0"/>
+            <a:endParaRPr lang="en-US" sz="1800" dirty="0"/>
           </a:p>
           <a:p>
             <a:pPr marL="342900" indent="-342900">
@@ -5780,7 +6924,7 @@
               <a:buChar char="•"/>
             </a:pPr>
             <a:r>
-              <a:rPr lang="en-US" dirty="0"/>
+              <a:rPr lang="en-US" sz="1800" dirty="0"/>
               <a:t> DC/AC Converters (Inverters)</a:t>
             </a:r>
           </a:p>
@@ -5889,7 +7033,7 @@
         </p:blipFill>
         <p:spPr>
           <a:xfrm>
-            <a:off x="4855469" y="1409345"/>
+            <a:off x="4550669" y="4242982"/>
             <a:ext cx="4039309" cy="2019655"/>
           </a:xfrm>
           <a:prstGeom prst="rect">
@@ -5919,7 +7063,7 @@
         </p:blipFill>
         <p:spPr>
           <a:xfrm>
-            <a:off x="5255472" y="3826880"/>
+            <a:off x="5416436" y="1468438"/>
             <a:ext cx="3173542" cy="2428503"/>
           </a:xfrm>
           <a:prstGeom prst="rect">
@@ -5980,6 +7124,329 @@
           <a:p>
             <a:r>
               <a:rPr lang="en-US" dirty="0"/>
+              <a:t>3-Level NPC Inverters</a:t>
+            </a:r>
+          </a:p>
+        </p:txBody>
+      </p:sp>
+      <p:sp>
+        <p:nvSpPr>
+          <p:cNvPr id="3" name="Content Placeholder 2">
+            <a:extLst>
+              <a:ext uri="{FF2B5EF4-FFF2-40B4-BE49-F238E27FC236}">
+                <a16:creationId xmlns:a16="http://schemas.microsoft.com/office/drawing/2014/main" id="{0DAA5C32-173E-9E13-7F67-D8B7F4D62B5E}"/>
+              </a:ext>
+            </a:extLst>
+          </p:cNvPr>
+          <p:cNvSpPr>
+            <a:spLocks noGrp="1"/>
+          </p:cNvSpPr>
+          <p:nvPr>
+            <p:ph idx="1"/>
+          </p:nvPr>
+        </p:nvSpPr>
+        <p:spPr>
+          <a:xfrm>
+            <a:off x="457199" y="1430338"/>
+            <a:ext cx="8246533" cy="4987925"/>
+          </a:xfrm>
+        </p:spPr>
+        <p:txBody>
+          <a:bodyPr/>
+          <a:lstStyle/>
+          <a:p>
+            <a:pPr marL="342900" indent="-342900">
+              <a:buFont typeface="Arial" panose="020B0604020202020204" pitchFamily="34" charset="0"/>
+              <a:buChar char="•"/>
+            </a:pPr>
+            <a:r>
+              <a:rPr lang="en-US" sz="1800" dirty="0"/>
+              <a:t>12 switches</a:t>
+            </a:r>
+          </a:p>
+          <a:p>
+            <a:pPr marL="342900" indent="-342900">
+              <a:buFont typeface="Arial" panose="020B0604020202020204" pitchFamily="34" charset="0"/>
+              <a:buChar char="•"/>
+            </a:pPr>
+            <a:endParaRPr lang="en-US" sz="1800" dirty="0"/>
+          </a:p>
+          <a:p>
+            <a:pPr marL="342900" indent="-342900">
+              <a:buFont typeface="Arial" panose="020B0604020202020204" pitchFamily="34" charset="0"/>
+              <a:buChar char="•"/>
+            </a:pPr>
+            <a:r>
+              <a:rPr lang="en-US" sz="1800" dirty="0"/>
+              <a:t>6 diodes for 0-states</a:t>
+            </a:r>
+          </a:p>
+          <a:p>
+            <a:pPr marL="342900" indent="-342900">
+              <a:buFont typeface="Arial" panose="020B0604020202020204" pitchFamily="34" charset="0"/>
+              <a:buChar char="•"/>
+            </a:pPr>
+            <a:endParaRPr lang="en-US" sz="1800" dirty="0"/>
+          </a:p>
+          <a:p>
+            <a:pPr marL="342900" indent="-342900">
+              <a:buFont typeface="Arial" panose="020B0604020202020204" pitchFamily="34" charset="0"/>
+              <a:buChar char="•"/>
+            </a:pPr>
+            <a:r>
+              <a:rPr lang="en-US" sz="1800" dirty="0"/>
+              <a:t>Capacitor voltages can be different.</a:t>
+            </a:r>
+          </a:p>
+          <a:p>
+            <a:pPr marL="342900" indent="-342900">
+              <a:buFont typeface="Arial" panose="020B0604020202020204" pitchFamily="34" charset="0"/>
+              <a:buChar char="•"/>
+            </a:pPr>
+            <a:endParaRPr lang="en-US" dirty="0"/>
+          </a:p>
+        </p:txBody>
+      </p:sp>
+      <p:sp>
+        <p:nvSpPr>
+          <p:cNvPr id="4" name="Slide Number Placeholder 3">
+            <a:extLst>
+              <a:ext uri="{FF2B5EF4-FFF2-40B4-BE49-F238E27FC236}">
+                <a16:creationId xmlns:a16="http://schemas.microsoft.com/office/drawing/2014/main" id="{491475EB-74F1-D33B-9C31-A50A5D684B89}"/>
+              </a:ext>
+            </a:extLst>
+          </p:cNvPr>
+          <p:cNvSpPr>
+            <a:spLocks noGrp="1"/>
+          </p:cNvSpPr>
+          <p:nvPr>
+            <p:ph type="sldNum" sz="quarter" idx="12"/>
+          </p:nvPr>
+        </p:nvSpPr>
+        <p:spPr/>
+        <p:txBody>
+          <a:bodyPr/>
+          <a:lstStyle/>
+          <a:p>
+            <a:pPr>
+              <a:defRPr/>
+            </a:pPr>
+            <a:fld id="{C878F797-6006-4DDA-AFE9-456F280FE6C5}" type="slidenum">
+              <a:rPr lang="en-US" smtClean="0"/>
+              <a:pPr>
+                <a:defRPr/>
+              </a:pPr>
+              <a:t>5</a:t>
+            </a:fld>
+            <a:endParaRPr lang="en-US" dirty="0"/>
+          </a:p>
+        </p:txBody>
+      </p:sp>
+      <p:sp>
+        <p:nvSpPr>
+          <p:cNvPr id="5" name="Date Placeholder 4">
+            <a:extLst>
+              <a:ext uri="{FF2B5EF4-FFF2-40B4-BE49-F238E27FC236}">
+                <a16:creationId xmlns:a16="http://schemas.microsoft.com/office/drawing/2014/main" id="{6ADD0702-E79B-6B60-1924-244A0E594D10}"/>
+              </a:ext>
+            </a:extLst>
+          </p:cNvPr>
+          <p:cNvSpPr>
+            <a:spLocks noGrp="1"/>
+          </p:cNvSpPr>
+          <p:nvPr>
+            <p:ph type="dt" sz="half" idx="2"/>
+          </p:nvPr>
+        </p:nvSpPr>
+        <p:spPr/>
+        <p:txBody>
+          <a:bodyPr/>
+          <a:lstStyle/>
+          <a:p>
+            <a:pPr>
+              <a:defRPr/>
+            </a:pPr>
+            <a:r>
+              <a:rPr lang="tr-TR"/>
+              <a:t>METU Electrical &amp; Electronics Engineering Department</a:t>
+            </a:r>
+            <a:endParaRPr lang="en-US" dirty="0"/>
+          </a:p>
+        </p:txBody>
+      </p:sp>
+      <p:pic>
+        <p:nvPicPr>
+          <p:cNvPr id="7" name="Picture 6">
+            <a:extLst>
+              <a:ext uri="{FF2B5EF4-FFF2-40B4-BE49-F238E27FC236}">
+                <a16:creationId xmlns:a16="http://schemas.microsoft.com/office/drawing/2014/main" id="{FFED08CE-845C-6ABA-90DD-A6A53956ACD7}"/>
+              </a:ext>
+            </a:extLst>
+          </p:cNvPr>
+          <p:cNvPicPr>
+            <a:picLocks noChangeAspect="1"/>
+          </p:cNvPicPr>
+          <p:nvPr/>
+        </p:nvPicPr>
+        <p:blipFill>
+          <a:blip r:embed="rId2"/>
+          <a:stretch>
+            <a:fillRect/>
+          </a:stretch>
+        </p:blipFill>
+        <p:spPr>
+          <a:xfrm>
+            <a:off x="3638228" y="3116392"/>
+            <a:ext cx="5358733" cy="2878272"/>
+          </a:xfrm>
+          <a:prstGeom prst="rect">
+            <a:avLst/>
+          </a:prstGeom>
+        </p:spPr>
+      </p:pic>
+      <p:sp>
+        <p:nvSpPr>
+          <p:cNvPr id="6" name="TextBox 5">
+            <a:extLst>
+              <a:ext uri="{FF2B5EF4-FFF2-40B4-BE49-F238E27FC236}">
+                <a16:creationId xmlns:a16="http://schemas.microsoft.com/office/drawing/2014/main" id="{EE87097F-DA01-75AA-382B-3361DA937AA7}"/>
+              </a:ext>
+            </a:extLst>
+          </p:cNvPr>
+          <p:cNvSpPr txBox="1"/>
+          <p:nvPr/>
+        </p:nvSpPr>
+        <p:spPr>
+          <a:xfrm>
+            <a:off x="601133" y="3632198"/>
+            <a:ext cx="3124199" cy="923330"/>
+          </a:xfrm>
+          <a:prstGeom prst="rect">
+            <a:avLst/>
+          </a:prstGeom>
+          <a:noFill/>
+        </p:spPr>
+        <p:txBody>
+          <a:bodyPr wrap="square" rtlCol="0">
+            <a:spAutoFit/>
+          </a:bodyPr>
+          <a:lstStyle/>
+          <a:p>
+            <a:pPr marL="342900" indent="-342900">
+              <a:spcBef>
+                <a:spcPct val="20000"/>
+              </a:spcBef>
+              <a:buClr>
+                <a:srgbClr val="0BD0D9"/>
+              </a:buClr>
+              <a:buSzPct val="95000"/>
+              <a:buFont typeface="Arial" panose="020B0604020202020204" pitchFamily="34" charset="0"/>
+              <a:buChar char="•"/>
+            </a:pPr>
+            <a:r>
+              <a:rPr lang="en-US" dirty="0">
+                <a:latin typeface="Century Gothic" panose="020B0502020202020204" pitchFamily="34" charset="0"/>
+                <a:cs typeface="Arial"/>
+              </a:rPr>
+              <a:t>Neutral Point must be controlled.</a:t>
+            </a:r>
+          </a:p>
+          <a:p>
+            <a:endParaRPr lang="en-US" dirty="0"/>
+          </a:p>
+        </p:txBody>
+      </p:sp>
+      <p:sp>
+        <p:nvSpPr>
+          <p:cNvPr id="8" name="TextBox 7">
+            <a:extLst>
+              <a:ext uri="{FF2B5EF4-FFF2-40B4-BE49-F238E27FC236}">
+                <a16:creationId xmlns:a16="http://schemas.microsoft.com/office/drawing/2014/main" id="{2D2635A0-FF51-70CF-9455-8DFE8B1F2AB8}"/>
+              </a:ext>
+            </a:extLst>
+          </p:cNvPr>
+          <p:cNvSpPr txBox="1"/>
+          <p:nvPr/>
+        </p:nvSpPr>
+        <p:spPr>
+          <a:xfrm>
+            <a:off x="4707119" y="6008985"/>
+            <a:ext cx="2587568" cy="307777"/>
+          </a:xfrm>
+          <a:prstGeom prst="rect">
+            <a:avLst/>
+          </a:prstGeom>
+          <a:noFill/>
+        </p:spPr>
+        <p:txBody>
+          <a:bodyPr wrap="none" rtlCol="0">
+            <a:spAutoFit/>
+          </a:bodyPr>
+          <a:lstStyle/>
+          <a:p>
+            <a:r>
+              <a:rPr lang="en-US" sz="1400" dirty="0">
+                <a:latin typeface="Century Gothic" panose="020B0502020202020204" pitchFamily="34" charset="0"/>
+                <a:cs typeface="Arial"/>
+              </a:rPr>
+              <a:t> 3-Level NPC Inverter Circuit</a:t>
+            </a:r>
+          </a:p>
+        </p:txBody>
+      </p:sp>
+    </p:spTree>
+    <p:extLst>
+      <p:ext uri="{BB962C8B-B14F-4D97-AF65-F5344CB8AC3E}">
+        <p14:creationId xmlns:p14="http://schemas.microsoft.com/office/powerpoint/2010/main" val="2437237276"/>
+      </p:ext>
+    </p:extLst>
+  </p:cSld>
+  <p:clrMapOvr>
+    <a:masterClrMapping/>
+  </p:clrMapOvr>
+</p:sld>
+</file>
+
+<file path=ppt/slides/slide6.xml><?xml version="1.0" encoding="utf-8"?>
+<p:sld xmlns:a="http://schemas.openxmlformats.org/drawingml/2006/main" xmlns:r="http://schemas.openxmlformats.org/officeDocument/2006/relationships" xmlns:p="http://schemas.openxmlformats.org/presentationml/2006/main">
+  <p:cSld>
+    <p:spTree>
+      <p:nvGrpSpPr>
+        <p:cNvPr id="1" name=""/>
+        <p:cNvGrpSpPr/>
+        <p:nvPr/>
+      </p:nvGrpSpPr>
+      <p:grpSpPr>
+        <a:xfrm>
+          <a:off x="0" y="0"/>
+          <a:ext cx="0" cy="0"/>
+          <a:chOff x="0" y="0"/>
+          <a:chExt cx="0" cy="0"/>
+        </a:xfrm>
+      </p:grpSpPr>
+      <p:sp>
+        <p:nvSpPr>
+          <p:cNvPr id="2" name="Title 1">
+            <a:extLst>
+              <a:ext uri="{FF2B5EF4-FFF2-40B4-BE49-F238E27FC236}">
+                <a16:creationId xmlns:a16="http://schemas.microsoft.com/office/drawing/2014/main" id="{7DE46394-088F-FE9B-1509-EC62856EBCBB}"/>
+              </a:ext>
+            </a:extLst>
+          </p:cNvPr>
+          <p:cNvSpPr>
+            <a:spLocks noGrp="1"/>
+          </p:cNvSpPr>
+          <p:nvPr>
+            <p:ph type="title"/>
+          </p:nvPr>
+        </p:nvSpPr>
+        <p:spPr/>
+        <p:txBody>
+          <a:bodyPr/>
+          <a:lstStyle/>
+          <a:p>
+            <a:r>
+              <a:rPr lang="en-US" dirty="0"/>
               <a:t>Electrical Machine Drives</a:t>
             </a:r>
           </a:p>
@@ -6134,7 +7601,7 @@
             </a:pPr>
             <a:r>
               <a:rPr lang="en-US" sz="1600" dirty="0"/>
-              <a:t>Different Types( T-type, Flying capacitor, NPC etc.)</a:t>
+              <a:t>Different Types( T-type, NPC etc.)</a:t>
             </a:r>
           </a:p>
           <a:p>
@@ -6151,7 +7618,7 @@
             </a:pPr>
             <a:r>
               <a:rPr lang="en-US" sz="1600" dirty="0"/>
-              <a:t>[Vdc/2, 0, -Vdc/2] voltage levels</a:t>
+              <a:t>[Vdc/2, 0, -Vdc/2] voltage levels [1]</a:t>
             </a:r>
           </a:p>
           <a:p>
@@ -6212,7 +7679,7 @@
               <a:pPr>
                 <a:defRPr/>
               </a:pPr>
-              <a:t>5</a:t>
+              <a:t>6</a:t>
             </a:fld>
             <a:endParaRPr lang="en-US" dirty="0"/>
           </a:p>
@@ -6272,7 +7739,7 @@
         </p:blipFill>
         <p:spPr>
           <a:xfrm>
-            <a:off x="4860729" y="4307329"/>
+            <a:off x="4860729" y="4286317"/>
             <a:ext cx="3973708" cy="2134350"/>
           </a:xfrm>
           <a:prstGeom prst="rect">
@@ -6323,210 +7790,6 @@
 </p:sld>
 </file>
 
-<file path=ppt/slides/slide6.xml><?xml version="1.0" encoding="utf-8"?>
-<p:sld xmlns:a="http://schemas.openxmlformats.org/drawingml/2006/main" xmlns:r="http://schemas.openxmlformats.org/officeDocument/2006/relationships" xmlns:p="http://schemas.openxmlformats.org/presentationml/2006/main">
-  <p:cSld>
-    <p:spTree>
-      <p:nvGrpSpPr>
-        <p:cNvPr id="1" name=""/>
-        <p:cNvGrpSpPr/>
-        <p:nvPr/>
-      </p:nvGrpSpPr>
-      <p:grpSpPr>
-        <a:xfrm>
-          <a:off x="0" y="0"/>
-          <a:ext cx="0" cy="0"/>
-          <a:chOff x="0" y="0"/>
-          <a:chExt cx="0" cy="0"/>
-        </a:xfrm>
-      </p:grpSpPr>
-      <p:sp>
-        <p:nvSpPr>
-          <p:cNvPr id="2" name="Title 1">
-            <a:extLst>
-              <a:ext uri="{FF2B5EF4-FFF2-40B4-BE49-F238E27FC236}">
-                <a16:creationId xmlns:a16="http://schemas.microsoft.com/office/drawing/2014/main" id="{7DE46394-088F-FE9B-1509-EC62856EBCBB}"/>
-              </a:ext>
-            </a:extLst>
-          </p:cNvPr>
-          <p:cNvSpPr>
-            <a:spLocks noGrp="1"/>
-          </p:cNvSpPr>
-          <p:nvPr>
-            <p:ph type="title"/>
-          </p:nvPr>
-        </p:nvSpPr>
-        <p:spPr/>
-        <p:txBody>
-          <a:bodyPr/>
-          <a:lstStyle/>
-          <a:p>
-            <a:r>
-              <a:rPr lang="en-US" dirty="0"/>
-              <a:t>3-Level NPC Inverters</a:t>
-            </a:r>
-          </a:p>
-        </p:txBody>
-      </p:sp>
-      <p:sp>
-        <p:nvSpPr>
-          <p:cNvPr id="3" name="Content Placeholder 2">
-            <a:extLst>
-              <a:ext uri="{FF2B5EF4-FFF2-40B4-BE49-F238E27FC236}">
-                <a16:creationId xmlns:a16="http://schemas.microsoft.com/office/drawing/2014/main" id="{0DAA5C32-173E-9E13-7F67-D8B7F4D62B5E}"/>
-              </a:ext>
-            </a:extLst>
-          </p:cNvPr>
-          <p:cNvSpPr>
-            <a:spLocks noGrp="1"/>
-          </p:cNvSpPr>
-          <p:nvPr>
-            <p:ph idx="1"/>
-          </p:nvPr>
-        </p:nvSpPr>
-        <p:spPr/>
-        <p:txBody>
-          <a:bodyPr/>
-          <a:lstStyle/>
-          <a:p>
-            <a:pPr marL="342900" indent="-342900">
-              <a:buFont typeface="Arial" panose="020B0604020202020204" pitchFamily="34" charset="0"/>
-              <a:buChar char="•"/>
-            </a:pPr>
-            <a:r>
-              <a:rPr lang="en-US" dirty="0"/>
-              <a:t>13 switches</a:t>
-            </a:r>
-          </a:p>
-          <a:p>
-            <a:pPr marL="342900" indent="-342900">
-              <a:buFont typeface="Arial" panose="020B0604020202020204" pitchFamily="34" charset="0"/>
-              <a:buChar char="•"/>
-            </a:pPr>
-            <a:r>
-              <a:rPr lang="en-US" dirty="0"/>
-              <a:t>6 diodes for 0-states</a:t>
-            </a:r>
-          </a:p>
-          <a:p>
-            <a:pPr marL="342900" indent="-342900">
-              <a:buFont typeface="Arial" panose="020B0604020202020204" pitchFamily="34" charset="0"/>
-              <a:buChar char="•"/>
-            </a:pPr>
-            <a:endParaRPr lang="en-US" dirty="0"/>
-          </a:p>
-        </p:txBody>
-      </p:sp>
-      <p:sp>
-        <p:nvSpPr>
-          <p:cNvPr id="4" name="Slide Number Placeholder 3">
-            <a:extLst>
-              <a:ext uri="{FF2B5EF4-FFF2-40B4-BE49-F238E27FC236}">
-                <a16:creationId xmlns:a16="http://schemas.microsoft.com/office/drawing/2014/main" id="{491475EB-74F1-D33B-9C31-A50A5D684B89}"/>
-              </a:ext>
-            </a:extLst>
-          </p:cNvPr>
-          <p:cNvSpPr>
-            <a:spLocks noGrp="1"/>
-          </p:cNvSpPr>
-          <p:nvPr>
-            <p:ph type="sldNum" sz="quarter" idx="12"/>
-          </p:nvPr>
-        </p:nvSpPr>
-        <p:spPr/>
-        <p:txBody>
-          <a:bodyPr/>
-          <a:lstStyle/>
-          <a:p>
-            <a:pPr>
-              <a:defRPr/>
-            </a:pPr>
-            <a:fld id="{C878F797-6006-4DDA-AFE9-456F280FE6C5}" type="slidenum">
-              <a:rPr lang="en-US" smtClean="0"/>
-              <a:pPr>
-                <a:defRPr/>
-              </a:pPr>
-              <a:t>6</a:t>
-            </a:fld>
-            <a:endParaRPr lang="en-US" dirty="0"/>
-          </a:p>
-        </p:txBody>
-      </p:sp>
-      <p:sp>
-        <p:nvSpPr>
-          <p:cNvPr id="5" name="Date Placeholder 4">
-            <a:extLst>
-              <a:ext uri="{FF2B5EF4-FFF2-40B4-BE49-F238E27FC236}">
-                <a16:creationId xmlns:a16="http://schemas.microsoft.com/office/drawing/2014/main" id="{6ADD0702-E79B-6B60-1924-244A0E594D10}"/>
-              </a:ext>
-            </a:extLst>
-          </p:cNvPr>
-          <p:cNvSpPr>
-            <a:spLocks noGrp="1"/>
-          </p:cNvSpPr>
-          <p:nvPr>
-            <p:ph type="dt" sz="half" idx="2"/>
-          </p:nvPr>
-        </p:nvSpPr>
-        <p:spPr/>
-        <p:txBody>
-          <a:bodyPr/>
-          <a:lstStyle/>
-          <a:p>
-            <a:pPr>
-              <a:defRPr/>
-            </a:pPr>
-            <a:r>
-              <a:rPr lang="tr-TR"/>
-              <a:t>METU Electrical &amp; Electronics Engineering Department</a:t>
-            </a:r>
-            <a:endParaRPr lang="en-US" dirty="0"/>
-          </a:p>
-        </p:txBody>
-      </p:sp>
-      <p:pic>
-        <p:nvPicPr>
-          <p:cNvPr id="7" name="Picture 6">
-            <a:extLst>
-              <a:ext uri="{FF2B5EF4-FFF2-40B4-BE49-F238E27FC236}">
-                <a16:creationId xmlns:a16="http://schemas.microsoft.com/office/drawing/2014/main" id="{FFED08CE-845C-6ABA-90DD-A6A53956ACD7}"/>
-              </a:ext>
-            </a:extLst>
-          </p:cNvPr>
-          <p:cNvPicPr>
-            <a:picLocks noChangeAspect="1"/>
-          </p:cNvPicPr>
-          <p:nvPr/>
-        </p:nvPicPr>
-        <p:blipFill>
-          <a:blip r:embed="rId2"/>
-          <a:stretch>
-            <a:fillRect/>
-          </a:stretch>
-        </p:blipFill>
-        <p:spPr>
-          <a:xfrm>
-            <a:off x="3240294" y="2994039"/>
-            <a:ext cx="5648355" cy="3033833"/>
-          </a:xfrm>
-          <a:prstGeom prst="rect">
-            <a:avLst/>
-          </a:prstGeom>
-        </p:spPr>
-      </p:pic>
-    </p:spTree>
-    <p:extLst>
-      <p:ext uri="{BB962C8B-B14F-4D97-AF65-F5344CB8AC3E}">
-        <p14:creationId xmlns:p14="http://schemas.microsoft.com/office/powerpoint/2010/main" val="2437237276"/>
-      </p:ext>
-    </p:extLst>
-  </p:cSld>
-  <p:clrMapOvr>
-    <a:masterClrMapping/>
-  </p:clrMapOvr>
-</p:sld>
-</file>
-
 <file path=ppt/slides/slide7.xml><?xml version="1.0" encoding="utf-8"?>
 <p:sld xmlns:a="http://schemas.openxmlformats.org/drawingml/2006/main" xmlns:r="http://schemas.openxmlformats.org/officeDocument/2006/relationships" xmlns:p="http://schemas.openxmlformats.org/presentationml/2006/main">
   <p:cSld>
@@ -6620,7 +7883,7 @@
               <a:buChar char="•"/>
             </a:pPr>
             <a:r>
-              <a:rPr lang="en-US" dirty="0"/>
+              <a:rPr lang="en-US" sz="1800" dirty="0"/>
               <a:t>2 carrier triangular signals</a:t>
             </a:r>
           </a:p>
@@ -6629,7 +7892,7 @@
               <a:buFont typeface="Arial" panose="020B0604020202020204" pitchFamily="34" charset="0"/>
               <a:buChar char="•"/>
             </a:pPr>
-            <a:endParaRPr lang="en-US" dirty="0"/>
+            <a:endParaRPr lang="en-US" sz="1800" dirty="0"/>
           </a:p>
           <a:p>
             <a:pPr marL="342900" indent="-342900">
@@ -6637,7 +7900,7 @@
               <a:buChar char="•"/>
             </a:pPr>
             <a:r>
-              <a:rPr lang="en-US" dirty="0"/>
+              <a:rPr lang="en-US" sz="1800" dirty="0"/>
               <a:t>3 reference signal with 120° phase shift</a:t>
             </a:r>
           </a:p>
@@ -6646,7 +7909,7 @@
               <a:buFont typeface="Arial" panose="020B0604020202020204" pitchFamily="34" charset="0"/>
               <a:buChar char="•"/>
             </a:pPr>
-            <a:endParaRPr lang="en-US" dirty="0"/>
+            <a:endParaRPr lang="en-US" sz="1800" dirty="0"/>
           </a:p>
           <a:p>
             <a:pPr marL="342900" indent="-342900">
@@ -6654,7 +7917,7 @@
               <a:buChar char="•"/>
             </a:pPr>
             <a:r>
-              <a:rPr lang="en-US" dirty="0"/>
+              <a:rPr lang="en-US" sz="1800" dirty="0"/>
               <a:t>Not control the neutral point</a:t>
             </a:r>
           </a:p>
@@ -6741,6 +8004,53 @@
           </a:p>
         </p:txBody>
       </p:sp>
+      <p:pic>
+        <p:nvPicPr>
+          <p:cNvPr id="6" name="Picture 2">
+            <a:extLst>
+              <a:ext uri="{FF2B5EF4-FFF2-40B4-BE49-F238E27FC236}">
+                <a16:creationId xmlns:a16="http://schemas.microsoft.com/office/drawing/2014/main" id="{4E296746-65C2-B81A-C092-16CB3E790288}"/>
+              </a:ext>
+            </a:extLst>
+          </p:cNvPr>
+          <p:cNvPicPr>
+            <a:picLocks noChangeAspect="1" noChangeArrowheads="1"/>
+          </p:cNvPicPr>
+          <p:nvPr/>
+        </p:nvPicPr>
+        <p:blipFill>
+          <a:blip r:embed="rId2">
+            <a:extLst>
+              <a:ext uri="{28A0092B-C50C-407E-A947-70E740481C1C}">
+                <a14:useLocalDpi xmlns:a14="http://schemas.microsoft.com/office/drawing/2010/main" val="0"/>
+              </a:ext>
+            </a:extLst>
+          </a:blip>
+          <a:srcRect/>
+          <a:stretch>
+            <a:fillRect/>
+          </a:stretch>
+        </p:blipFill>
+        <p:spPr bwMode="auto">
+          <a:xfrm>
+            <a:off x="4267201" y="2149607"/>
+            <a:ext cx="4527779" cy="2558785"/>
+          </a:xfrm>
+          <a:prstGeom prst="rect">
+            <a:avLst/>
+          </a:prstGeom>
+          <a:noFill/>
+          <a:extLst>
+            <a:ext uri="{909E8E84-426E-40DD-AFC4-6F175D3DCCD1}">
+              <a14:hiddenFill xmlns:a14="http://schemas.microsoft.com/office/drawing/2010/main">
+                <a:solidFill>
+                  <a:srgbClr val="FFFFFF"/>
+                </a:solidFill>
+              </a14:hiddenFill>
+            </a:ext>
+          </a:extLst>
+        </p:spPr>
+      </p:pic>
     </p:spTree>
     <p:extLst>
       <p:ext uri="{BB962C8B-B14F-4D97-AF65-F5344CB8AC3E}">
@@ -6817,8 +8127,8 @@
         </p:nvSpPr>
         <p:spPr>
           <a:xfrm>
-            <a:off x="457200" y="1430338"/>
-            <a:ext cx="4301067" cy="4987925"/>
+            <a:off x="457200" y="1524000"/>
+            <a:ext cx="4385733" cy="4894263"/>
           </a:xfrm>
         </p:spPr>
         <p:txBody>
@@ -6833,6 +8143,78 @@
               <a:rPr lang="en-US" b="1" dirty="0"/>
               <a:t>Space Vector PWM (SVPWM)</a:t>
             </a:r>
+          </a:p>
+          <a:p>
+            <a:pPr marL="342900" indent="-342900">
+              <a:buFont typeface="Arial" panose="020B0604020202020204" pitchFamily="34" charset="0"/>
+              <a:buChar char="•"/>
+            </a:pPr>
+            <a:endParaRPr lang="en-US" b="1" dirty="0"/>
+          </a:p>
+          <a:p>
+            <a:pPr marL="342900" indent="-342900">
+              <a:buFont typeface="Arial" panose="020B0604020202020204" pitchFamily="34" charset="0"/>
+              <a:buChar char="•"/>
+            </a:pPr>
+            <a:r>
+              <a:rPr lang="en-US" sz="1800" dirty="0"/>
+              <a:t>Totally 27 switching states [2]</a:t>
+            </a:r>
+          </a:p>
+          <a:p>
+            <a:pPr marL="342900" indent="-342900">
+              <a:buFont typeface="Arial" panose="020B0604020202020204" pitchFamily="34" charset="0"/>
+              <a:buChar char="•"/>
+            </a:pPr>
+            <a:endParaRPr lang="en-US" sz="1800" dirty="0"/>
+          </a:p>
+          <a:p>
+            <a:pPr marL="342900" indent="-342900">
+              <a:buFont typeface="Arial" panose="020B0604020202020204" pitchFamily="34" charset="0"/>
+              <a:buChar char="•"/>
+            </a:pPr>
+            <a:r>
+              <a:rPr lang="en-US" sz="1800" dirty="0"/>
+              <a:t>Required output vector is obtained by using four vectors.</a:t>
+            </a:r>
+          </a:p>
+          <a:p>
+            <a:pPr marL="342900" indent="-342900">
+              <a:buFont typeface="Arial" panose="020B0604020202020204" pitchFamily="34" charset="0"/>
+              <a:buChar char="•"/>
+            </a:pPr>
+            <a:endParaRPr lang="en-US" sz="1800" dirty="0"/>
+          </a:p>
+          <a:p>
+            <a:pPr marL="342900" indent="-342900">
+              <a:buFont typeface="Arial" panose="020B0604020202020204" pitchFamily="34" charset="0"/>
+              <a:buChar char="•"/>
+            </a:pPr>
+            <a:r>
+              <a:rPr lang="en-US" sz="1800" dirty="0"/>
+              <a:t>Six major regions. Each major regions have six sub regions.</a:t>
+            </a:r>
+          </a:p>
+          <a:p>
+            <a:pPr marL="342900" indent="-342900">
+              <a:buFont typeface="Arial" panose="020B0604020202020204" pitchFamily="34" charset="0"/>
+              <a:buChar char="•"/>
+            </a:pPr>
+            <a:endParaRPr lang="en-US" dirty="0"/>
+          </a:p>
+          <a:p>
+            <a:pPr marL="342900" indent="-342900">
+              <a:buFont typeface="Arial" panose="020B0604020202020204" pitchFamily="34" charset="0"/>
+              <a:buChar char="•"/>
+            </a:pPr>
+            <a:endParaRPr lang="en-US" dirty="0"/>
+          </a:p>
+          <a:p>
+            <a:pPr marL="342900" indent="-342900">
+              <a:buFont typeface="Arial" panose="020B0604020202020204" pitchFamily="34" charset="0"/>
+              <a:buChar char="•"/>
+            </a:pPr>
+            <a:endParaRPr lang="en-US" b="1" dirty="0"/>
           </a:p>
         </p:txBody>
       </p:sp>
@@ -6925,7 +8307,7 @@
         </p:blipFill>
         <p:spPr bwMode="auto">
           <a:xfrm>
-            <a:off x="4572000" y="2106113"/>
+            <a:off x="4768557" y="1942570"/>
             <a:ext cx="4255090" cy="3485092"/>
           </a:xfrm>
           <a:prstGeom prst="rect">
@@ -6971,13 +8353,13 @@
           <p:nvPr>
             <p:extLst>
               <p:ext uri="{D42A27DB-BD31-4B8C-83A1-F6EECF244321}">
-                <p14:modId xmlns:p14="http://schemas.microsoft.com/office/powerpoint/2010/main" val="2123318125"/>
+                <p14:modId xmlns:p14="http://schemas.microsoft.com/office/powerpoint/2010/main" val="2556414093"/>
               </p:ext>
             </p:extLst>
           </p:nvPr>
         </p:nvGraphicFramePr>
         <p:xfrm>
-          <a:off x="653755" y="4581187"/>
+          <a:off x="789221" y="4769681"/>
           <a:ext cx="3721690" cy="1479776"/>
         </p:xfrm>
         <a:graphic>
@@ -7626,6 +9008,55 @@
           </a:graphicData>
         </a:graphic>
       </p:graphicFrame>
+      <p:sp>
+        <p:nvSpPr>
+          <p:cNvPr id="8" name="TextBox 7">
+            <a:extLst>
+              <a:ext uri="{FF2B5EF4-FFF2-40B4-BE49-F238E27FC236}">
+                <a16:creationId xmlns:a16="http://schemas.microsoft.com/office/drawing/2014/main" id="{F5C14675-AF58-2CD7-1060-C72E4A4F4CE3}"/>
+              </a:ext>
+            </a:extLst>
+          </p:cNvPr>
+          <p:cNvSpPr txBox="1"/>
+          <p:nvPr/>
+        </p:nvSpPr>
+        <p:spPr>
+          <a:xfrm>
+            <a:off x="4782190" y="5526502"/>
+            <a:ext cx="4216219" cy="307777"/>
+          </a:xfrm>
+          <a:prstGeom prst="rect">
+            <a:avLst/>
+          </a:prstGeom>
+          <a:noFill/>
+        </p:spPr>
+        <p:txBody>
+          <a:bodyPr wrap="none" rtlCol="0">
+            <a:spAutoFit/>
+          </a:bodyPr>
+          <a:lstStyle/>
+          <a:p>
+            <a:r>
+              <a:rPr lang="en-US" sz="1400" dirty="0">
+                <a:latin typeface="Century Gothic" panose="020B0502020202020204" pitchFamily="34" charset="0"/>
+                <a:cs typeface="Arial"/>
+              </a:rPr>
+              <a:t>Space</a:t>
+            </a:r>
+            <a:r>
+              <a:rPr lang="en-US" sz="1400" dirty="0"/>
+              <a:t> </a:t>
+            </a:r>
+            <a:r>
+              <a:rPr lang="en-US" sz="1400" dirty="0">
+                <a:latin typeface="Century Gothic" panose="020B0502020202020204" pitchFamily="34" charset="0"/>
+                <a:cs typeface="Arial"/>
+              </a:rPr>
+              <a:t>Vector Diagram of 3-Level NPC Inverter</a:t>
+            </a:r>
+          </a:p>
+        </p:txBody>
+      </p:sp>
     </p:spTree>
     <p:extLst>
       <p:ext uri="{BB962C8B-B14F-4D97-AF65-F5344CB8AC3E}">
@@ -7761,7 +9192,31 @@
           <a:bodyPr/>
           <a:lstStyle/>
           <a:p>
-            <a:endParaRPr lang="en-US"/>
+            <a:pPr marL="342900" indent="-342900">
+              <a:buFont typeface="Arial" panose="020B0604020202020204" pitchFamily="34" charset="0"/>
+              <a:buChar char="•"/>
+            </a:pPr>
+            <a:r>
+              <a:rPr lang="en-US" dirty="0"/>
+              <a:t>Overcurrent condition</a:t>
+            </a:r>
+          </a:p>
+          <a:p>
+            <a:pPr marL="342900" indent="-342900">
+              <a:buFont typeface="Arial" panose="020B0604020202020204" pitchFamily="34" charset="0"/>
+              <a:buChar char="•"/>
+            </a:pPr>
+            <a:endParaRPr lang="en-US" dirty="0"/>
+          </a:p>
+          <a:p>
+            <a:pPr marL="342900" indent="-342900">
+              <a:buFont typeface="Arial" panose="020B0604020202020204" pitchFamily="34" charset="0"/>
+              <a:buChar char="•"/>
+            </a:pPr>
+            <a:r>
+              <a:rPr lang="en-US" dirty="0"/>
+              <a:t>Current distortion observed significantly.</a:t>
+            </a:r>
           </a:p>
         </p:txBody>
       </p:sp>
@@ -7786,7 +9241,31 @@
           <a:bodyPr/>
           <a:lstStyle/>
           <a:p>
-            <a:endParaRPr lang="en-US"/>
+            <a:pPr marL="342900" indent="-342900">
+              <a:buFont typeface="Arial" panose="020B0604020202020204" pitchFamily="34" charset="0"/>
+              <a:buChar char="•"/>
+            </a:pPr>
+            <a:r>
+              <a:rPr lang="en-US" dirty="0"/>
+              <a:t>Magnitudes of the current reduces [3].</a:t>
+            </a:r>
+          </a:p>
+          <a:p>
+            <a:pPr marL="342900" indent="-342900">
+              <a:buFont typeface="Arial" panose="020B0604020202020204" pitchFamily="34" charset="0"/>
+              <a:buChar char="•"/>
+            </a:pPr>
+            <a:endParaRPr lang="en-US" dirty="0"/>
+          </a:p>
+          <a:p>
+            <a:pPr marL="342900" indent="-342900">
+              <a:buFont typeface="Arial" panose="020B0604020202020204" pitchFamily="34" charset="0"/>
+              <a:buChar char="•"/>
+            </a:pPr>
+            <a:r>
+              <a:rPr lang="en-US" dirty="0"/>
+              <a:t>Effect of fault of middle switches is larger</a:t>
+            </a:r>
           </a:p>
         </p:txBody>
       </p:sp>
@@ -7857,6 +9336,66 @@
           </a:p>
         </p:txBody>
       </p:sp>
+      <p:pic>
+        <p:nvPicPr>
+          <p:cNvPr id="12" name="Picture 11">
+            <a:extLst>
+              <a:ext uri="{FF2B5EF4-FFF2-40B4-BE49-F238E27FC236}">
+                <a16:creationId xmlns:a16="http://schemas.microsoft.com/office/drawing/2014/main" id="{B95BF5E3-91B2-DE9F-8548-FF83BE2E35ED}"/>
+              </a:ext>
+            </a:extLst>
+          </p:cNvPr>
+          <p:cNvPicPr>
+            <a:picLocks noChangeAspect="1"/>
+          </p:cNvPicPr>
+          <p:nvPr/>
+        </p:nvPicPr>
+        <p:blipFill>
+          <a:blip r:embed="rId2"/>
+          <a:stretch>
+            <a:fillRect/>
+          </a:stretch>
+        </p:blipFill>
+        <p:spPr>
+          <a:xfrm>
+            <a:off x="396287" y="4687323"/>
+            <a:ext cx="4162013" cy="1378021"/>
+          </a:xfrm>
+          <a:prstGeom prst="rect">
+            <a:avLst/>
+          </a:prstGeom>
+        </p:spPr>
+      </p:pic>
+      <p:pic>
+        <p:nvPicPr>
+          <p:cNvPr id="14" name="Picture 13">
+            <a:extLst>
+              <a:ext uri="{FF2B5EF4-FFF2-40B4-BE49-F238E27FC236}">
+                <a16:creationId xmlns:a16="http://schemas.microsoft.com/office/drawing/2014/main" id="{0918B57D-6744-0BB4-3A87-30A90DD84544}"/>
+              </a:ext>
+            </a:extLst>
+          </p:cNvPr>
+          <p:cNvPicPr>
+            <a:picLocks noChangeAspect="1"/>
+          </p:cNvPicPr>
+          <p:nvPr/>
+        </p:nvPicPr>
+        <p:blipFill>
+          <a:blip r:embed="rId3"/>
+          <a:stretch>
+            <a:fillRect/>
+          </a:stretch>
+        </p:blipFill>
+        <p:spPr>
+          <a:xfrm>
+            <a:off x="4645025" y="4636056"/>
+            <a:ext cx="4128500" cy="1327218"/>
+          </a:xfrm>
+          <a:prstGeom prst="rect">
+            <a:avLst/>
+          </a:prstGeom>
+        </p:spPr>
+      </p:pic>
     </p:spTree>
     <p:extLst>
       <p:ext uri="{BB962C8B-B14F-4D97-AF65-F5344CB8AC3E}">

--- a/Seminar/metu_eee_seminar_presentation.pptx
+++ b/Seminar/metu_eee_seminar_presentation.pptx
@@ -5,29 +5,31 @@
     <p:sldMasterId id="2147483886" r:id="rId1"/>
   </p:sldMasterIdLst>
   <p:notesMasterIdLst>
-    <p:notesMasterId r:id="rId19"/>
+    <p:notesMasterId r:id="rId21"/>
   </p:notesMasterIdLst>
   <p:handoutMasterIdLst>
-    <p:handoutMasterId r:id="rId20"/>
+    <p:handoutMasterId r:id="rId22"/>
   </p:handoutMasterIdLst>
   <p:sldIdLst>
     <p:sldId id="299" r:id="rId2"/>
     <p:sldId id="300" r:id="rId3"/>
     <p:sldId id="301" r:id="rId4"/>
     <p:sldId id="304" r:id="rId5"/>
-    <p:sldId id="308" r:id="rId6"/>
+    <p:sldId id="321" r:id="rId6"/>
     <p:sldId id="307" r:id="rId7"/>
-    <p:sldId id="309" r:id="rId8"/>
-    <p:sldId id="310" r:id="rId9"/>
-    <p:sldId id="305" r:id="rId10"/>
-    <p:sldId id="314" r:id="rId11"/>
-    <p:sldId id="317" r:id="rId12"/>
-    <p:sldId id="319" r:id="rId13"/>
-    <p:sldId id="318" r:id="rId14"/>
-    <p:sldId id="315" r:id="rId15"/>
-    <p:sldId id="306" r:id="rId16"/>
-    <p:sldId id="316" r:id="rId17"/>
-    <p:sldId id="303" r:id="rId18"/>
+    <p:sldId id="320" r:id="rId8"/>
+    <p:sldId id="308" r:id="rId9"/>
+    <p:sldId id="309" r:id="rId10"/>
+    <p:sldId id="310" r:id="rId11"/>
+    <p:sldId id="305" r:id="rId12"/>
+    <p:sldId id="314" r:id="rId13"/>
+    <p:sldId id="317" r:id="rId14"/>
+    <p:sldId id="319" r:id="rId15"/>
+    <p:sldId id="318" r:id="rId16"/>
+    <p:sldId id="315" r:id="rId17"/>
+    <p:sldId id="306" r:id="rId18"/>
+    <p:sldId id="316" r:id="rId19"/>
+    <p:sldId id="303" r:id="rId20"/>
   </p:sldIdLst>
   <p:sldSz cx="9144000" cy="6858000" type="screen4x3"/>
   <p:notesSz cx="6858000" cy="9144000"/>
@@ -4344,3474 +4346,6 @@
           <p:cNvPr id="2" name="Title 1">
             <a:extLst>
               <a:ext uri="{FF2B5EF4-FFF2-40B4-BE49-F238E27FC236}">
-                <a16:creationId xmlns:a16="http://schemas.microsoft.com/office/drawing/2014/main" id="{D3BFCC76-ED7C-D2DE-B487-F6A7ED5E1BED}"/>
-              </a:ext>
-            </a:extLst>
-          </p:cNvPr>
-          <p:cNvSpPr>
-            <a:spLocks noGrp="1"/>
-          </p:cNvSpPr>
-          <p:nvPr>
-            <p:ph type="title"/>
-          </p:nvPr>
-        </p:nvSpPr>
-        <p:spPr/>
-        <p:txBody>
-          <a:bodyPr/>
-          <a:lstStyle/>
-          <a:p>
-            <a:r>
-              <a:rPr lang="en-US" dirty="0"/>
-              <a:t>Space Vectors Under Fault States</a:t>
-            </a:r>
-          </a:p>
-        </p:txBody>
-      </p:sp>
-      <p:sp>
-        <p:nvSpPr>
-          <p:cNvPr id="4" name="Slide Number Placeholder 3">
-            <a:extLst>
-              <a:ext uri="{FF2B5EF4-FFF2-40B4-BE49-F238E27FC236}">
-                <a16:creationId xmlns:a16="http://schemas.microsoft.com/office/drawing/2014/main" id="{6132EE89-833B-95A4-C38A-7BC4C8DBB71C}"/>
-              </a:ext>
-            </a:extLst>
-          </p:cNvPr>
-          <p:cNvSpPr>
-            <a:spLocks noGrp="1"/>
-          </p:cNvSpPr>
-          <p:nvPr>
-            <p:ph type="sldNum" sz="quarter" idx="12"/>
-          </p:nvPr>
-        </p:nvSpPr>
-        <p:spPr/>
-        <p:txBody>
-          <a:bodyPr/>
-          <a:lstStyle/>
-          <a:p>
-            <a:pPr>
-              <a:defRPr/>
-            </a:pPr>
-            <a:fld id="{C878F797-6006-4DDA-AFE9-456F280FE6C5}" type="slidenum">
-              <a:rPr lang="en-US" smtClean="0"/>
-              <a:pPr>
-                <a:defRPr/>
-              </a:pPr>
-              <a:t>10</a:t>
-            </a:fld>
-            <a:endParaRPr lang="en-US" dirty="0"/>
-          </a:p>
-        </p:txBody>
-      </p:sp>
-      <p:sp>
-        <p:nvSpPr>
-          <p:cNvPr id="5" name="Date Placeholder 4">
-            <a:extLst>
-              <a:ext uri="{FF2B5EF4-FFF2-40B4-BE49-F238E27FC236}">
-                <a16:creationId xmlns:a16="http://schemas.microsoft.com/office/drawing/2014/main" id="{641233B4-71AB-19DE-E1C4-0A8E82A5A985}"/>
-              </a:ext>
-            </a:extLst>
-          </p:cNvPr>
-          <p:cNvSpPr>
-            <a:spLocks noGrp="1"/>
-          </p:cNvSpPr>
-          <p:nvPr>
-            <p:ph type="dt" sz="half" idx="2"/>
-          </p:nvPr>
-        </p:nvSpPr>
-        <p:spPr/>
-        <p:txBody>
-          <a:bodyPr/>
-          <a:lstStyle/>
-          <a:p>
-            <a:pPr>
-              <a:defRPr/>
-            </a:pPr>
-            <a:r>
-              <a:rPr lang="tr-TR"/>
-              <a:t>METU Electrical &amp; Electronics Engineering Department</a:t>
-            </a:r>
-            <a:endParaRPr lang="en-US" dirty="0"/>
-          </a:p>
-        </p:txBody>
-      </p:sp>
-      <p:pic>
-        <p:nvPicPr>
-          <p:cNvPr id="6" name="Content Placeholder 5">
-            <a:extLst>
-              <a:ext uri="{FF2B5EF4-FFF2-40B4-BE49-F238E27FC236}">
-                <a16:creationId xmlns:a16="http://schemas.microsoft.com/office/drawing/2014/main" id="{31769D5D-D603-BB09-CDD8-311E8501FF8C}"/>
-              </a:ext>
-            </a:extLst>
-          </p:cNvPr>
-          <p:cNvPicPr>
-            <a:picLocks noGrp="1" noChangeAspect="1"/>
-          </p:cNvPicPr>
-          <p:nvPr>
-            <p:ph idx="1"/>
-          </p:nvPr>
-        </p:nvPicPr>
-        <p:blipFill>
-          <a:blip r:embed="rId2"/>
-          <a:stretch>
-            <a:fillRect/>
-          </a:stretch>
-        </p:blipFill>
-        <p:spPr>
-          <a:xfrm>
-            <a:off x="4857123" y="2378736"/>
-            <a:ext cx="3891923" cy="3129228"/>
-          </a:xfrm>
-          <a:prstGeom prst="rect">
-            <a:avLst/>
-          </a:prstGeom>
-        </p:spPr>
-      </p:pic>
-      <p:pic>
-        <p:nvPicPr>
-          <p:cNvPr id="3" name="Picture 2">
-            <a:extLst>
-              <a:ext uri="{FF2B5EF4-FFF2-40B4-BE49-F238E27FC236}">
-                <a16:creationId xmlns:a16="http://schemas.microsoft.com/office/drawing/2014/main" id="{A7668BB4-67BD-5641-4004-0AD080B0CCCA}"/>
-              </a:ext>
-            </a:extLst>
-          </p:cNvPr>
-          <p:cNvPicPr>
-            <a:picLocks noChangeAspect="1"/>
-          </p:cNvPicPr>
-          <p:nvPr/>
-        </p:nvPicPr>
-        <p:blipFill>
-          <a:blip r:embed="rId3"/>
-          <a:stretch>
-            <a:fillRect/>
-          </a:stretch>
-        </p:blipFill>
-        <p:spPr>
-          <a:xfrm>
-            <a:off x="1345337" y="2252000"/>
-            <a:ext cx="1897584" cy="3255964"/>
-          </a:xfrm>
-          <a:prstGeom prst="rect">
-            <a:avLst/>
-          </a:prstGeom>
-        </p:spPr>
-      </p:pic>
-      <p:sp>
-        <p:nvSpPr>
-          <p:cNvPr id="7" name="TextBox 6">
-            <a:extLst>
-              <a:ext uri="{FF2B5EF4-FFF2-40B4-BE49-F238E27FC236}">
-                <a16:creationId xmlns:a16="http://schemas.microsoft.com/office/drawing/2014/main" id="{D378E441-ACD6-D5EC-1123-5FF2EDB1E902}"/>
-              </a:ext>
-            </a:extLst>
-          </p:cNvPr>
-          <p:cNvSpPr txBox="1"/>
-          <p:nvPr/>
-        </p:nvSpPr>
-        <p:spPr>
-          <a:xfrm>
-            <a:off x="3136443" y="2546705"/>
-            <a:ext cx="1684628" cy="369332"/>
-          </a:xfrm>
-          <a:prstGeom prst="rect">
-            <a:avLst/>
-          </a:prstGeom>
-          <a:noFill/>
-        </p:spPr>
-        <p:txBody>
-          <a:bodyPr wrap="none" rtlCol="0">
-            <a:spAutoFit/>
-          </a:bodyPr>
-          <a:lstStyle/>
-          <a:p>
-            <a:r>
-              <a:rPr lang="en-US" dirty="0"/>
-              <a:t>Q1 open circuit</a:t>
-            </a:r>
-          </a:p>
-        </p:txBody>
-      </p:sp>
-      <p:sp>
-        <p:nvSpPr>
-          <p:cNvPr id="8" name="TextBox 7">
-            <a:extLst>
-              <a:ext uri="{FF2B5EF4-FFF2-40B4-BE49-F238E27FC236}">
-                <a16:creationId xmlns:a16="http://schemas.microsoft.com/office/drawing/2014/main" id="{F56D6016-5ABD-461A-0CB3-8FA333BBBD38}"/>
-              </a:ext>
-            </a:extLst>
-          </p:cNvPr>
-          <p:cNvSpPr txBox="1"/>
-          <p:nvPr/>
-        </p:nvSpPr>
-        <p:spPr>
-          <a:xfrm>
-            <a:off x="5195913" y="5680390"/>
-            <a:ext cx="3214341" cy="307777"/>
-          </a:xfrm>
-          <a:prstGeom prst="rect">
-            <a:avLst/>
-          </a:prstGeom>
-          <a:noFill/>
-        </p:spPr>
-        <p:txBody>
-          <a:bodyPr wrap="none" rtlCol="0">
-            <a:spAutoFit/>
-          </a:bodyPr>
-          <a:lstStyle/>
-          <a:p>
-            <a:r>
-              <a:rPr lang="en-US" sz="1400" dirty="0">
-                <a:latin typeface="Century Gothic" panose="020B0502020202020204" pitchFamily="34" charset="0"/>
-                <a:cs typeface="Arial"/>
-              </a:rPr>
-              <a:t>Space</a:t>
-            </a:r>
-            <a:r>
-              <a:rPr lang="en-US" sz="1400" dirty="0"/>
-              <a:t> </a:t>
-            </a:r>
-            <a:r>
-              <a:rPr lang="en-US" sz="1400" dirty="0">
-                <a:latin typeface="Century Gothic" panose="020B0502020202020204" pitchFamily="34" charset="0"/>
-                <a:cs typeface="Arial"/>
-              </a:rPr>
-              <a:t>Vector Diagram for Q1 fault</a:t>
-            </a:r>
-          </a:p>
-        </p:txBody>
-      </p:sp>
-      <p:sp>
-        <p:nvSpPr>
-          <p:cNvPr id="9" name="TextBox 8">
-            <a:extLst>
-              <a:ext uri="{FF2B5EF4-FFF2-40B4-BE49-F238E27FC236}">
-                <a16:creationId xmlns:a16="http://schemas.microsoft.com/office/drawing/2014/main" id="{996488AB-1A41-7159-E6C8-2BC3833CD538}"/>
-              </a:ext>
-            </a:extLst>
-          </p:cNvPr>
-          <p:cNvSpPr txBox="1"/>
-          <p:nvPr/>
-        </p:nvSpPr>
-        <p:spPr>
-          <a:xfrm>
-            <a:off x="1078542" y="5680390"/>
-            <a:ext cx="2431174" cy="523220"/>
-          </a:xfrm>
-          <a:prstGeom prst="rect">
-            <a:avLst/>
-          </a:prstGeom>
-          <a:noFill/>
-        </p:spPr>
-        <p:txBody>
-          <a:bodyPr wrap="square" rtlCol="0">
-            <a:spAutoFit/>
-          </a:bodyPr>
-          <a:lstStyle/>
-          <a:p>
-            <a:r>
-              <a:rPr lang="en-US" sz="1400" dirty="0">
-                <a:latin typeface="Century Gothic" panose="020B0502020202020204" pitchFamily="34" charset="0"/>
-                <a:cs typeface="Arial"/>
-              </a:rPr>
-              <a:t>Current flow of phase-a when </a:t>
-            </a:r>
-            <a:r>
-              <a:rPr lang="en-US" sz="1400" dirty="0" err="1">
-                <a:latin typeface="Century Gothic" panose="020B0502020202020204" pitchFamily="34" charset="0"/>
-                <a:cs typeface="Arial"/>
-              </a:rPr>
-              <a:t>Ia</a:t>
-            </a:r>
-            <a:r>
-              <a:rPr lang="en-US" sz="1400" dirty="0">
-                <a:latin typeface="Century Gothic" panose="020B0502020202020204" pitchFamily="34" charset="0"/>
-                <a:cs typeface="Arial"/>
-              </a:rPr>
-              <a:t>&gt;0 and at P-state </a:t>
-            </a:r>
-          </a:p>
-        </p:txBody>
-      </p:sp>
-    </p:spTree>
-    <p:extLst>
-      <p:ext uri="{BB962C8B-B14F-4D97-AF65-F5344CB8AC3E}">
-        <p14:creationId xmlns:p14="http://schemas.microsoft.com/office/powerpoint/2010/main" val="2607860378"/>
-      </p:ext>
-    </p:extLst>
-  </p:cSld>
-  <p:clrMapOvr>
-    <a:masterClrMapping/>
-  </p:clrMapOvr>
-</p:sld>
-</file>
-
-<file path=ppt/slides/slide11.xml><?xml version="1.0" encoding="utf-8"?>
-<p:sld xmlns:a="http://schemas.openxmlformats.org/drawingml/2006/main" xmlns:r="http://schemas.openxmlformats.org/officeDocument/2006/relationships" xmlns:p="http://schemas.openxmlformats.org/presentationml/2006/main">
-  <p:cSld>
-    <p:spTree>
-      <p:nvGrpSpPr>
-        <p:cNvPr id="1" name=""/>
-        <p:cNvGrpSpPr/>
-        <p:nvPr/>
-      </p:nvGrpSpPr>
-      <p:grpSpPr>
-        <a:xfrm>
-          <a:off x="0" y="0"/>
-          <a:ext cx="0" cy="0"/>
-          <a:chOff x="0" y="0"/>
-          <a:chExt cx="0" cy="0"/>
-        </a:xfrm>
-      </p:grpSpPr>
-      <p:sp>
-        <p:nvSpPr>
-          <p:cNvPr id="2" name="Title 1">
-            <a:extLst>
-              <a:ext uri="{FF2B5EF4-FFF2-40B4-BE49-F238E27FC236}">
-                <a16:creationId xmlns:a16="http://schemas.microsoft.com/office/drawing/2014/main" id="{D3BFCC76-ED7C-D2DE-B487-F6A7ED5E1BED}"/>
-              </a:ext>
-            </a:extLst>
-          </p:cNvPr>
-          <p:cNvSpPr>
-            <a:spLocks noGrp="1"/>
-          </p:cNvSpPr>
-          <p:nvPr>
-            <p:ph type="title"/>
-          </p:nvPr>
-        </p:nvSpPr>
-        <p:spPr/>
-        <p:txBody>
-          <a:bodyPr/>
-          <a:lstStyle/>
-          <a:p>
-            <a:r>
-              <a:rPr lang="en-US" dirty="0"/>
-              <a:t>Space Vectors Under Fault States</a:t>
-            </a:r>
-          </a:p>
-        </p:txBody>
-      </p:sp>
-      <p:sp>
-        <p:nvSpPr>
-          <p:cNvPr id="4" name="Slide Number Placeholder 3">
-            <a:extLst>
-              <a:ext uri="{FF2B5EF4-FFF2-40B4-BE49-F238E27FC236}">
-                <a16:creationId xmlns:a16="http://schemas.microsoft.com/office/drawing/2014/main" id="{6132EE89-833B-95A4-C38A-7BC4C8DBB71C}"/>
-              </a:ext>
-            </a:extLst>
-          </p:cNvPr>
-          <p:cNvSpPr>
-            <a:spLocks noGrp="1"/>
-          </p:cNvSpPr>
-          <p:nvPr>
-            <p:ph type="sldNum" sz="quarter" idx="12"/>
-          </p:nvPr>
-        </p:nvSpPr>
-        <p:spPr/>
-        <p:txBody>
-          <a:bodyPr/>
-          <a:lstStyle/>
-          <a:p>
-            <a:pPr>
-              <a:defRPr/>
-            </a:pPr>
-            <a:fld id="{C878F797-6006-4DDA-AFE9-456F280FE6C5}" type="slidenum">
-              <a:rPr lang="en-US" smtClean="0"/>
-              <a:pPr>
-                <a:defRPr/>
-              </a:pPr>
-              <a:t>11</a:t>
-            </a:fld>
-            <a:endParaRPr lang="en-US" dirty="0"/>
-          </a:p>
-        </p:txBody>
-      </p:sp>
-      <p:sp>
-        <p:nvSpPr>
-          <p:cNvPr id="5" name="Date Placeholder 4">
-            <a:extLst>
-              <a:ext uri="{FF2B5EF4-FFF2-40B4-BE49-F238E27FC236}">
-                <a16:creationId xmlns:a16="http://schemas.microsoft.com/office/drawing/2014/main" id="{641233B4-71AB-19DE-E1C4-0A8E82A5A985}"/>
-              </a:ext>
-            </a:extLst>
-          </p:cNvPr>
-          <p:cNvSpPr>
-            <a:spLocks noGrp="1"/>
-          </p:cNvSpPr>
-          <p:nvPr>
-            <p:ph type="dt" sz="half" idx="2"/>
-          </p:nvPr>
-        </p:nvSpPr>
-        <p:spPr/>
-        <p:txBody>
-          <a:bodyPr/>
-          <a:lstStyle/>
-          <a:p>
-            <a:pPr>
-              <a:defRPr/>
-            </a:pPr>
-            <a:r>
-              <a:rPr lang="tr-TR"/>
-              <a:t>METU Electrical &amp; Electronics Engineering Department</a:t>
-            </a:r>
-            <a:endParaRPr lang="en-US" dirty="0"/>
-          </a:p>
-        </p:txBody>
-      </p:sp>
-      <p:pic>
-        <p:nvPicPr>
-          <p:cNvPr id="6" name="Content Placeholder 5">
-            <a:extLst>
-              <a:ext uri="{FF2B5EF4-FFF2-40B4-BE49-F238E27FC236}">
-                <a16:creationId xmlns:a16="http://schemas.microsoft.com/office/drawing/2014/main" id="{852A1DE9-09A1-8786-36AE-DF1FCBAFF15B}"/>
-              </a:ext>
-            </a:extLst>
-          </p:cNvPr>
-          <p:cNvPicPr>
-            <a:picLocks noGrp="1" noChangeAspect="1"/>
-          </p:cNvPicPr>
-          <p:nvPr>
-            <p:ph idx="1"/>
-          </p:nvPr>
-        </p:nvPicPr>
-        <p:blipFill>
-          <a:blip r:embed="rId2"/>
-          <a:stretch>
-            <a:fillRect/>
-          </a:stretch>
-        </p:blipFill>
-        <p:spPr>
-          <a:xfrm>
-            <a:off x="4821767" y="2500548"/>
-            <a:ext cx="3642066" cy="2885604"/>
-          </a:xfrm>
-          <a:prstGeom prst="rect">
-            <a:avLst/>
-          </a:prstGeom>
-        </p:spPr>
-      </p:pic>
-      <p:pic>
-        <p:nvPicPr>
-          <p:cNvPr id="3" name="Picture 2">
-            <a:extLst>
-              <a:ext uri="{FF2B5EF4-FFF2-40B4-BE49-F238E27FC236}">
-                <a16:creationId xmlns:a16="http://schemas.microsoft.com/office/drawing/2014/main" id="{3199AC4C-BE68-8619-48D5-865165758FCC}"/>
-              </a:ext>
-            </a:extLst>
-          </p:cNvPr>
-          <p:cNvPicPr>
-            <a:picLocks noChangeAspect="1"/>
-          </p:cNvPicPr>
-          <p:nvPr/>
-        </p:nvPicPr>
-        <p:blipFill rotWithShape="1">
-          <a:blip r:embed="rId3"/>
-          <a:srcRect r="1643"/>
-          <a:stretch/>
-        </p:blipFill>
-        <p:spPr>
-          <a:xfrm>
-            <a:off x="505367" y="2390864"/>
-            <a:ext cx="1711298" cy="3031839"/>
-          </a:xfrm>
-          <a:prstGeom prst="rect">
-            <a:avLst/>
-          </a:prstGeom>
-        </p:spPr>
-      </p:pic>
-      <p:pic>
-        <p:nvPicPr>
-          <p:cNvPr id="7" name="Picture 6">
-            <a:extLst>
-              <a:ext uri="{FF2B5EF4-FFF2-40B4-BE49-F238E27FC236}">
-                <a16:creationId xmlns:a16="http://schemas.microsoft.com/office/drawing/2014/main" id="{CF5D2142-5685-3C64-5922-BE7AD1568C86}"/>
-              </a:ext>
-            </a:extLst>
-          </p:cNvPr>
-          <p:cNvPicPr>
-            <a:picLocks noChangeAspect="1"/>
-          </p:cNvPicPr>
-          <p:nvPr/>
-        </p:nvPicPr>
-        <p:blipFill>
-          <a:blip r:embed="rId4"/>
-          <a:stretch>
-            <a:fillRect/>
-          </a:stretch>
-        </p:blipFill>
-        <p:spPr>
-          <a:xfrm>
-            <a:off x="2824868" y="2314770"/>
-            <a:ext cx="1831799" cy="3192457"/>
-          </a:xfrm>
-          <a:prstGeom prst="rect">
-            <a:avLst/>
-          </a:prstGeom>
-        </p:spPr>
-      </p:pic>
-      <p:sp>
-        <p:nvSpPr>
-          <p:cNvPr id="8" name="TextBox 7">
-            <a:extLst>
-              <a:ext uri="{FF2B5EF4-FFF2-40B4-BE49-F238E27FC236}">
-                <a16:creationId xmlns:a16="http://schemas.microsoft.com/office/drawing/2014/main" id="{75EE76A3-957C-32E4-6940-D8DBA833B22F}"/>
-              </a:ext>
-            </a:extLst>
-          </p:cNvPr>
-          <p:cNvSpPr txBox="1"/>
-          <p:nvPr/>
-        </p:nvSpPr>
-        <p:spPr>
-          <a:xfrm>
-            <a:off x="1595097" y="1686902"/>
-            <a:ext cx="1724703" cy="369332"/>
-          </a:xfrm>
-          <a:prstGeom prst="rect">
-            <a:avLst/>
-          </a:prstGeom>
-          <a:noFill/>
-        </p:spPr>
-        <p:txBody>
-          <a:bodyPr wrap="none" rtlCol="0">
-            <a:spAutoFit/>
-          </a:bodyPr>
-          <a:lstStyle/>
-          <a:p>
-            <a:r>
-              <a:rPr lang="en-US" dirty="0"/>
-              <a:t>Q2 open circuit</a:t>
-            </a:r>
-          </a:p>
-        </p:txBody>
-      </p:sp>
-      <p:sp>
-        <p:nvSpPr>
-          <p:cNvPr id="9" name="TextBox 8">
-            <a:extLst>
-              <a:ext uri="{FF2B5EF4-FFF2-40B4-BE49-F238E27FC236}">
-                <a16:creationId xmlns:a16="http://schemas.microsoft.com/office/drawing/2014/main" id="{959FC329-31CD-9261-6A3D-6E5E4E8F535A}"/>
-              </a:ext>
-            </a:extLst>
-          </p:cNvPr>
-          <p:cNvSpPr txBox="1"/>
-          <p:nvPr/>
-        </p:nvSpPr>
-        <p:spPr>
-          <a:xfrm>
-            <a:off x="5035629" y="5680390"/>
-            <a:ext cx="3214341" cy="307777"/>
-          </a:xfrm>
-          <a:prstGeom prst="rect">
-            <a:avLst/>
-          </a:prstGeom>
-          <a:noFill/>
-        </p:spPr>
-        <p:txBody>
-          <a:bodyPr wrap="none" rtlCol="0">
-            <a:spAutoFit/>
-          </a:bodyPr>
-          <a:lstStyle/>
-          <a:p>
-            <a:r>
-              <a:rPr lang="en-US" sz="1400" dirty="0">
-                <a:latin typeface="Century Gothic" panose="020B0502020202020204" pitchFamily="34" charset="0"/>
-                <a:cs typeface="Arial"/>
-              </a:rPr>
-              <a:t>Space</a:t>
-            </a:r>
-            <a:r>
-              <a:rPr lang="en-US" sz="1400" dirty="0"/>
-              <a:t> </a:t>
-            </a:r>
-            <a:r>
-              <a:rPr lang="en-US" sz="1400" dirty="0">
-                <a:latin typeface="Century Gothic" panose="020B0502020202020204" pitchFamily="34" charset="0"/>
-                <a:cs typeface="Arial"/>
-              </a:rPr>
-              <a:t>Vector Diagram for Q2 fault</a:t>
-            </a:r>
-          </a:p>
-        </p:txBody>
-      </p:sp>
-      <p:sp>
-        <p:nvSpPr>
-          <p:cNvPr id="10" name="TextBox 9">
-            <a:extLst>
-              <a:ext uri="{FF2B5EF4-FFF2-40B4-BE49-F238E27FC236}">
-                <a16:creationId xmlns:a16="http://schemas.microsoft.com/office/drawing/2014/main" id="{67DEE5EA-85EA-D3CB-A40D-FE35BB687B15}"/>
-              </a:ext>
-            </a:extLst>
-          </p:cNvPr>
-          <p:cNvSpPr txBox="1"/>
-          <p:nvPr/>
-        </p:nvSpPr>
-        <p:spPr>
-          <a:xfrm>
-            <a:off x="2699815" y="5617060"/>
-            <a:ext cx="2323092" cy="738664"/>
-          </a:xfrm>
-          <a:prstGeom prst="rect">
-            <a:avLst/>
-          </a:prstGeom>
-          <a:noFill/>
-        </p:spPr>
-        <p:txBody>
-          <a:bodyPr wrap="square" rtlCol="0">
-            <a:spAutoFit/>
-          </a:bodyPr>
-          <a:lstStyle/>
-          <a:p>
-            <a:r>
-              <a:rPr lang="en-US" sz="1400" dirty="0">
-                <a:latin typeface="Century Gothic" panose="020B0502020202020204" pitchFamily="34" charset="0"/>
-                <a:cs typeface="Arial"/>
-              </a:rPr>
-              <a:t>Current flow of phase-a when </a:t>
-            </a:r>
-            <a:r>
-              <a:rPr lang="en-US" sz="1400" dirty="0" err="1">
-                <a:latin typeface="Century Gothic" panose="020B0502020202020204" pitchFamily="34" charset="0"/>
-                <a:cs typeface="Arial"/>
-              </a:rPr>
-              <a:t>Ia</a:t>
-            </a:r>
-            <a:r>
-              <a:rPr lang="en-US" sz="1400" dirty="0">
-                <a:latin typeface="Century Gothic" panose="020B0502020202020204" pitchFamily="34" charset="0"/>
-                <a:cs typeface="Arial"/>
-              </a:rPr>
-              <a:t>&gt;0 and at</a:t>
-            </a:r>
-          </a:p>
-          <a:p>
-            <a:r>
-              <a:rPr lang="en-US" sz="1400" dirty="0">
-                <a:latin typeface="Century Gothic" panose="020B0502020202020204" pitchFamily="34" charset="0"/>
-                <a:cs typeface="Arial"/>
-              </a:rPr>
-              <a:t> O-state </a:t>
-            </a:r>
-          </a:p>
-        </p:txBody>
-      </p:sp>
-      <p:sp>
-        <p:nvSpPr>
-          <p:cNvPr id="11" name="TextBox 10">
-            <a:extLst>
-              <a:ext uri="{FF2B5EF4-FFF2-40B4-BE49-F238E27FC236}">
-                <a16:creationId xmlns:a16="http://schemas.microsoft.com/office/drawing/2014/main" id="{289E1418-0B5B-B1EE-5FFD-05637D623F2D}"/>
-              </a:ext>
-            </a:extLst>
-          </p:cNvPr>
-          <p:cNvSpPr txBox="1"/>
-          <p:nvPr/>
-        </p:nvSpPr>
-        <p:spPr>
-          <a:xfrm>
-            <a:off x="364001" y="5618835"/>
-            <a:ext cx="2323092" cy="738664"/>
-          </a:xfrm>
-          <a:prstGeom prst="rect">
-            <a:avLst/>
-          </a:prstGeom>
-          <a:noFill/>
-        </p:spPr>
-        <p:txBody>
-          <a:bodyPr wrap="square" rtlCol="0">
-            <a:spAutoFit/>
-          </a:bodyPr>
-          <a:lstStyle/>
-          <a:p>
-            <a:r>
-              <a:rPr lang="en-US" sz="1400" dirty="0">
-                <a:latin typeface="Century Gothic" panose="020B0502020202020204" pitchFamily="34" charset="0"/>
-                <a:cs typeface="Arial"/>
-              </a:rPr>
-              <a:t>Current flow of phase-a when </a:t>
-            </a:r>
-            <a:r>
-              <a:rPr lang="en-US" sz="1400" dirty="0" err="1">
-                <a:latin typeface="Century Gothic" panose="020B0502020202020204" pitchFamily="34" charset="0"/>
-                <a:cs typeface="Arial"/>
-              </a:rPr>
-              <a:t>Ia</a:t>
-            </a:r>
-            <a:r>
-              <a:rPr lang="en-US" sz="1400" dirty="0">
-                <a:latin typeface="Century Gothic" panose="020B0502020202020204" pitchFamily="34" charset="0"/>
-                <a:cs typeface="Arial"/>
-              </a:rPr>
-              <a:t>&gt;0 and at</a:t>
-            </a:r>
-          </a:p>
-          <a:p>
-            <a:r>
-              <a:rPr lang="en-US" sz="1400" dirty="0">
-                <a:latin typeface="Century Gothic" panose="020B0502020202020204" pitchFamily="34" charset="0"/>
-                <a:cs typeface="Arial"/>
-              </a:rPr>
-              <a:t> P-state </a:t>
-            </a:r>
-          </a:p>
-        </p:txBody>
-      </p:sp>
-    </p:spTree>
-    <p:extLst>
-      <p:ext uri="{BB962C8B-B14F-4D97-AF65-F5344CB8AC3E}">
-        <p14:creationId xmlns:p14="http://schemas.microsoft.com/office/powerpoint/2010/main" val="1960258566"/>
-      </p:ext>
-    </p:extLst>
-  </p:cSld>
-  <p:clrMapOvr>
-    <a:masterClrMapping/>
-  </p:clrMapOvr>
-</p:sld>
-</file>
-
-<file path=ppt/slides/slide12.xml><?xml version="1.0" encoding="utf-8"?>
-<p:sld xmlns:a="http://schemas.openxmlformats.org/drawingml/2006/main" xmlns:r="http://schemas.openxmlformats.org/officeDocument/2006/relationships" xmlns:p="http://schemas.openxmlformats.org/presentationml/2006/main">
-  <p:cSld>
-    <p:spTree>
-      <p:nvGrpSpPr>
-        <p:cNvPr id="1" name=""/>
-        <p:cNvGrpSpPr/>
-        <p:nvPr/>
-      </p:nvGrpSpPr>
-      <p:grpSpPr>
-        <a:xfrm>
-          <a:off x="0" y="0"/>
-          <a:ext cx="0" cy="0"/>
-          <a:chOff x="0" y="0"/>
-          <a:chExt cx="0" cy="0"/>
-        </a:xfrm>
-      </p:grpSpPr>
-      <p:sp>
-        <p:nvSpPr>
-          <p:cNvPr id="2" name="Title 1">
-            <a:extLst>
-              <a:ext uri="{FF2B5EF4-FFF2-40B4-BE49-F238E27FC236}">
-                <a16:creationId xmlns:a16="http://schemas.microsoft.com/office/drawing/2014/main" id="{D3BFCC76-ED7C-D2DE-B487-F6A7ED5E1BED}"/>
-              </a:ext>
-            </a:extLst>
-          </p:cNvPr>
-          <p:cNvSpPr>
-            <a:spLocks noGrp="1"/>
-          </p:cNvSpPr>
-          <p:nvPr>
-            <p:ph type="title"/>
-          </p:nvPr>
-        </p:nvSpPr>
-        <p:spPr/>
-        <p:txBody>
-          <a:bodyPr/>
-          <a:lstStyle/>
-          <a:p>
-            <a:r>
-              <a:rPr lang="en-US" dirty="0"/>
-              <a:t>Space Vectors Under Fault States</a:t>
-            </a:r>
-          </a:p>
-        </p:txBody>
-      </p:sp>
-      <p:sp>
-        <p:nvSpPr>
-          <p:cNvPr id="4" name="Slide Number Placeholder 3">
-            <a:extLst>
-              <a:ext uri="{FF2B5EF4-FFF2-40B4-BE49-F238E27FC236}">
-                <a16:creationId xmlns:a16="http://schemas.microsoft.com/office/drawing/2014/main" id="{6132EE89-833B-95A4-C38A-7BC4C8DBB71C}"/>
-              </a:ext>
-            </a:extLst>
-          </p:cNvPr>
-          <p:cNvSpPr>
-            <a:spLocks noGrp="1"/>
-          </p:cNvSpPr>
-          <p:nvPr>
-            <p:ph type="sldNum" sz="quarter" idx="12"/>
-          </p:nvPr>
-        </p:nvSpPr>
-        <p:spPr/>
-        <p:txBody>
-          <a:bodyPr/>
-          <a:lstStyle/>
-          <a:p>
-            <a:pPr>
-              <a:defRPr/>
-            </a:pPr>
-            <a:fld id="{C878F797-6006-4DDA-AFE9-456F280FE6C5}" type="slidenum">
-              <a:rPr lang="en-US" smtClean="0"/>
-              <a:pPr>
-                <a:defRPr/>
-              </a:pPr>
-              <a:t>12</a:t>
-            </a:fld>
-            <a:endParaRPr lang="en-US" dirty="0"/>
-          </a:p>
-        </p:txBody>
-      </p:sp>
-      <p:sp>
-        <p:nvSpPr>
-          <p:cNvPr id="5" name="Date Placeholder 4">
-            <a:extLst>
-              <a:ext uri="{FF2B5EF4-FFF2-40B4-BE49-F238E27FC236}">
-                <a16:creationId xmlns:a16="http://schemas.microsoft.com/office/drawing/2014/main" id="{641233B4-71AB-19DE-E1C4-0A8E82A5A985}"/>
-              </a:ext>
-            </a:extLst>
-          </p:cNvPr>
-          <p:cNvSpPr>
-            <a:spLocks noGrp="1"/>
-          </p:cNvSpPr>
-          <p:nvPr>
-            <p:ph type="dt" sz="half" idx="2"/>
-          </p:nvPr>
-        </p:nvSpPr>
-        <p:spPr/>
-        <p:txBody>
-          <a:bodyPr/>
-          <a:lstStyle/>
-          <a:p>
-            <a:pPr>
-              <a:defRPr/>
-            </a:pPr>
-            <a:r>
-              <a:rPr lang="tr-TR"/>
-              <a:t>METU Electrical &amp; Electronics Engineering Department</a:t>
-            </a:r>
-            <a:endParaRPr lang="en-US" dirty="0"/>
-          </a:p>
-        </p:txBody>
-      </p:sp>
-      <p:pic>
-        <p:nvPicPr>
-          <p:cNvPr id="12" name="Picture 11">
-            <a:extLst>
-              <a:ext uri="{FF2B5EF4-FFF2-40B4-BE49-F238E27FC236}">
-                <a16:creationId xmlns:a16="http://schemas.microsoft.com/office/drawing/2014/main" id="{220B96E3-7D46-EA59-E78F-A4EF9B4077A4}"/>
-              </a:ext>
-            </a:extLst>
-          </p:cNvPr>
-          <p:cNvPicPr>
-            <a:picLocks noChangeAspect="1"/>
-          </p:cNvPicPr>
-          <p:nvPr/>
-        </p:nvPicPr>
-        <p:blipFill>
-          <a:blip r:embed="rId2"/>
-          <a:stretch>
-            <a:fillRect/>
-          </a:stretch>
-        </p:blipFill>
-        <p:spPr>
-          <a:xfrm>
-            <a:off x="5010185" y="2472293"/>
-            <a:ext cx="3676615" cy="2942114"/>
-          </a:xfrm>
-          <a:prstGeom prst="rect">
-            <a:avLst/>
-          </a:prstGeom>
-        </p:spPr>
-      </p:pic>
-      <p:pic>
-        <p:nvPicPr>
-          <p:cNvPr id="7" name="Picture 6">
-            <a:extLst>
-              <a:ext uri="{FF2B5EF4-FFF2-40B4-BE49-F238E27FC236}">
-                <a16:creationId xmlns:a16="http://schemas.microsoft.com/office/drawing/2014/main" id="{5755649B-0A8D-C9C9-7035-12A0906FB975}"/>
-              </a:ext>
-            </a:extLst>
-          </p:cNvPr>
-          <p:cNvPicPr>
-            <a:picLocks noChangeAspect="1"/>
-          </p:cNvPicPr>
-          <p:nvPr/>
-        </p:nvPicPr>
-        <p:blipFill>
-          <a:blip r:embed="rId3"/>
-          <a:stretch>
-            <a:fillRect/>
-          </a:stretch>
-        </p:blipFill>
-        <p:spPr>
-          <a:xfrm>
-            <a:off x="567266" y="2226468"/>
-            <a:ext cx="1958131" cy="3433764"/>
-          </a:xfrm>
-          <a:prstGeom prst="rect">
-            <a:avLst/>
-          </a:prstGeom>
-        </p:spPr>
-      </p:pic>
-      <p:pic>
-        <p:nvPicPr>
-          <p:cNvPr id="8" name="Picture 7">
-            <a:extLst>
-              <a:ext uri="{FF2B5EF4-FFF2-40B4-BE49-F238E27FC236}">
-                <a16:creationId xmlns:a16="http://schemas.microsoft.com/office/drawing/2014/main" id="{B42D82EE-2C2F-C300-E3CC-3C02BBFC659B}"/>
-              </a:ext>
-            </a:extLst>
-          </p:cNvPr>
-          <p:cNvPicPr>
-            <a:picLocks noChangeAspect="1"/>
-          </p:cNvPicPr>
-          <p:nvPr/>
-        </p:nvPicPr>
-        <p:blipFill>
-          <a:blip r:embed="rId4"/>
-          <a:stretch>
-            <a:fillRect/>
-          </a:stretch>
-        </p:blipFill>
-        <p:spPr>
-          <a:xfrm>
-            <a:off x="2814501" y="2226468"/>
-            <a:ext cx="1974313" cy="3433764"/>
-          </a:xfrm>
-          <a:prstGeom prst="rect">
-            <a:avLst/>
-          </a:prstGeom>
-        </p:spPr>
-      </p:pic>
-      <p:sp>
-        <p:nvSpPr>
-          <p:cNvPr id="9" name="TextBox 8">
-            <a:extLst>
-              <a:ext uri="{FF2B5EF4-FFF2-40B4-BE49-F238E27FC236}">
-                <a16:creationId xmlns:a16="http://schemas.microsoft.com/office/drawing/2014/main" id="{1FC6191D-44C2-4F86-C10F-BE2DD2B8D130}"/>
-              </a:ext>
-            </a:extLst>
-          </p:cNvPr>
-          <p:cNvSpPr txBox="1"/>
-          <p:nvPr/>
-        </p:nvSpPr>
-        <p:spPr>
-          <a:xfrm>
-            <a:off x="1725531" y="1701216"/>
-            <a:ext cx="1718291" cy="369332"/>
-          </a:xfrm>
-          <a:prstGeom prst="rect">
-            <a:avLst/>
-          </a:prstGeom>
-          <a:noFill/>
-        </p:spPr>
-        <p:txBody>
-          <a:bodyPr wrap="none" rtlCol="0">
-            <a:spAutoFit/>
-          </a:bodyPr>
-          <a:lstStyle/>
-          <a:p>
-            <a:r>
-              <a:rPr lang="en-US" dirty="0"/>
-              <a:t>Q3 open circuit</a:t>
-            </a:r>
-          </a:p>
-        </p:txBody>
-      </p:sp>
-      <p:sp>
-        <p:nvSpPr>
-          <p:cNvPr id="10" name="TextBox 9">
-            <a:extLst>
-              <a:ext uri="{FF2B5EF4-FFF2-40B4-BE49-F238E27FC236}">
-                <a16:creationId xmlns:a16="http://schemas.microsoft.com/office/drawing/2014/main" id="{110686FF-896A-DC74-852A-460D7E554512}"/>
-              </a:ext>
-            </a:extLst>
-          </p:cNvPr>
-          <p:cNvSpPr txBox="1"/>
-          <p:nvPr/>
-        </p:nvSpPr>
-        <p:spPr>
-          <a:xfrm>
-            <a:off x="5241321" y="5625622"/>
-            <a:ext cx="3214341" cy="307777"/>
-          </a:xfrm>
-          <a:prstGeom prst="rect">
-            <a:avLst/>
-          </a:prstGeom>
-          <a:noFill/>
-        </p:spPr>
-        <p:txBody>
-          <a:bodyPr wrap="none" rtlCol="0">
-            <a:spAutoFit/>
-          </a:bodyPr>
-          <a:lstStyle/>
-          <a:p>
-            <a:r>
-              <a:rPr lang="en-US" sz="1400" dirty="0">
-                <a:latin typeface="Century Gothic" panose="020B0502020202020204" pitchFamily="34" charset="0"/>
-                <a:cs typeface="Arial"/>
-              </a:rPr>
-              <a:t>Space</a:t>
-            </a:r>
-            <a:r>
-              <a:rPr lang="en-US" sz="1400" dirty="0"/>
-              <a:t> </a:t>
-            </a:r>
-            <a:r>
-              <a:rPr lang="en-US" sz="1400" dirty="0">
-                <a:latin typeface="Century Gothic" panose="020B0502020202020204" pitchFamily="34" charset="0"/>
-                <a:cs typeface="Arial"/>
-              </a:rPr>
-              <a:t>Vector Diagram for Q3 fault</a:t>
-            </a:r>
-          </a:p>
-        </p:txBody>
-      </p:sp>
-      <p:sp>
-        <p:nvSpPr>
-          <p:cNvPr id="11" name="TextBox 10">
-            <a:extLst>
-              <a:ext uri="{FF2B5EF4-FFF2-40B4-BE49-F238E27FC236}">
-                <a16:creationId xmlns:a16="http://schemas.microsoft.com/office/drawing/2014/main" id="{FFB0F76F-CBE7-E118-B636-47B0E49A0E10}"/>
-              </a:ext>
-            </a:extLst>
-          </p:cNvPr>
-          <p:cNvSpPr txBox="1"/>
-          <p:nvPr/>
-        </p:nvSpPr>
-        <p:spPr>
-          <a:xfrm>
-            <a:off x="383327" y="5775542"/>
-            <a:ext cx="2303766" cy="738664"/>
-          </a:xfrm>
-          <a:prstGeom prst="rect">
-            <a:avLst/>
-          </a:prstGeom>
-          <a:noFill/>
-        </p:spPr>
-        <p:txBody>
-          <a:bodyPr wrap="square" rtlCol="0">
-            <a:spAutoFit/>
-          </a:bodyPr>
-          <a:lstStyle/>
-          <a:p>
-            <a:r>
-              <a:rPr lang="en-US" sz="1400" dirty="0">
-                <a:latin typeface="Century Gothic" panose="020B0502020202020204" pitchFamily="34" charset="0"/>
-                <a:cs typeface="Arial"/>
-              </a:rPr>
-              <a:t>Current flow of phase-a when </a:t>
-            </a:r>
-            <a:r>
-              <a:rPr lang="en-US" sz="1400" dirty="0" err="1">
-                <a:latin typeface="Century Gothic" panose="020B0502020202020204" pitchFamily="34" charset="0"/>
-                <a:cs typeface="Arial"/>
-              </a:rPr>
-              <a:t>Ia</a:t>
-            </a:r>
-            <a:r>
-              <a:rPr lang="en-US" sz="1400" dirty="0">
-                <a:latin typeface="Century Gothic" panose="020B0502020202020204" pitchFamily="34" charset="0"/>
-                <a:cs typeface="Arial"/>
-              </a:rPr>
-              <a:t>&lt;0 and at </a:t>
-            </a:r>
-          </a:p>
-          <a:p>
-            <a:r>
-              <a:rPr lang="en-US" sz="1400" dirty="0">
-                <a:latin typeface="Century Gothic" panose="020B0502020202020204" pitchFamily="34" charset="0"/>
-                <a:cs typeface="Arial"/>
-              </a:rPr>
-              <a:t>O-state </a:t>
-            </a:r>
-          </a:p>
-        </p:txBody>
-      </p:sp>
-      <p:sp>
-        <p:nvSpPr>
-          <p:cNvPr id="13" name="TextBox 12">
-            <a:extLst>
-              <a:ext uri="{FF2B5EF4-FFF2-40B4-BE49-F238E27FC236}">
-                <a16:creationId xmlns:a16="http://schemas.microsoft.com/office/drawing/2014/main" id="{A1006683-D23A-0387-0752-4D24C75AB960}"/>
-              </a:ext>
-            </a:extLst>
-          </p:cNvPr>
-          <p:cNvSpPr txBox="1"/>
-          <p:nvPr/>
-        </p:nvSpPr>
-        <p:spPr>
-          <a:xfrm>
-            <a:off x="2687093" y="5772492"/>
-            <a:ext cx="2323092" cy="738664"/>
-          </a:xfrm>
-          <a:prstGeom prst="rect">
-            <a:avLst/>
-          </a:prstGeom>
-          <a:noFill/>
-        </p:spPr>
-        <p:txBody>
-          <a:bodyPr wrap="square" rtlCol="0">
-            <a:spAutoFit/>
-          </a:bodyPr>
-          <a:lstStyle/>
-          <a:p>
-            <a:r>
-              <a:rPr lang="en-US" sz="1400" dirty="0">
-                <a:latin typeface="Century Gothic" panose="020B0502020202020204" pitchFamily="34" charset="0"/>
-                <a:cs typeface="Arial"/>
-              </a:rPr>
-              <a:t>Current flow of phase-a when </a:t>
-            </a:r>
-            <a:r>
-              <a:rPr lang="en-US" sz="1400" dirty="0" err="1">
-                <a:latin typeface="Century Gothic" panose="020B0502020202020204" pitchFamily="34" charset="0"/>
-                <a:cs typeface="Arial"/>
-              </a:rPr>
-              <a:t>Ia</a:t>
-            </a:r>
-            <a:r>
-              <a:rPr lang="en-US" sz="1400" dirty="0">
-                <a:latin typeface="Century Gothic" panose="020B0502020202020204" pitchFamily="34" charset="0"/>
-                <a:cs typeface="Arial"/>
-              </a:rPr>
-              <a:t>&lt;0 and at</a:t>
-            </a:r>
-          </a:p>
-          <a:p>
-            <a:r>
-              <a:rPr lang="en-US" sz="1400" dirty="0">
-                <a:latin typeface="Century Gothic" panose="020B0502020202020204" pitchFamily="34" charset="0"/>
-                <a:cs typeface="Arial"/>
-              </a:rPr>
-              <a:t> N-state </a:t>
-            </a:r>
-          </a:p>
-        </p:txBody>
-      </p:sp>
-      <mc:AlternateContent xmlns:mc="http://schemas.openxmlformats.org/markup-compatibility/2006" xmlns:p14="http://schemas.microsoft.com/office/powerpoint/2010/main">
-        <mc:Choice Requires="p14">
-          <p:contentPart p14:bwMode="auto" r:id="rId5">
-            <p14:nvContentPartPr>
-              <p14:cNvPr id="14" name="Ink 13">
-                <a:extLst>
-                  <a:ext uri="{FF2B5EF4-FFF2-40B4-BE49-F238E27FC236}">
-                    <a16:creationId xmlns:a16="http://schemas.microsoft.com/office/drawing/2014/main" id="{C6E6F0B6-CE1E-1A82-C972-0B7167AF329B}"/>
-                  </a:ext>
-                </a:extLst>
-              </p14:cNvPr>
-              <p14:cNvContentPartPr/>
-              <p14:nvPr/>
-            </p14:nvContentPartPr>
-            <p14:xfrm>
-              <a:off x="2249910" y="2283960"/>
-              <a:ext cx="212760" cy="245880"/>
-            </p14:xfrm>
-          </p:contentPart>
-        </mc:Choice>
-        <mc:Fallback xmlns="">
-          <p:pic>
-            <p:nvPicPr>
-              <p:cNvPr id="14" name="Ink 13">
-                <a:extLst>
-                  <a:ext uri="{FF2B5EF4-FFF2-40B4-BE49-F238E27FC236}">
-                    <a16:creationId xmlns:a16="http://schemas.microsoft.com/office/drawing/2014/main" id="{C6E6F0B6-CE1E-1A82-C972-0B7167AF329B}"/>
-                  </a:ext>
-                </a:extLst>
-              </p:cNvPr>
-              <p:cNvPicPr/>
-              <p:nvPr/>
-            </p:nvPicPr>
-            <p:blipFill>
-              <a:blip r:embed="rId6"/>
-              <a:stretch>
-                <a:fillRect/>
-              </a:stretch>
-            </p:blipFill>
-            <p:spPr>
-              <a:xfrm>
-                <a:off x="2243790" y="2277840"/>
-                <a:ext cx="225000" cy="258120"/>
-              </a:xfrm>
-              <a:prstGeom prst="rect">
-                <a:avLst/>
-              </a:prstGeom>
-            </p:spPr>
-          </p:pic>
-        </mc:Fallback>
-      </mc:AlternateContent>
-      <mc:AlternateContent xmlns:mc="http://schemas.openxmlformats.org/markup-compatibility/2006" xmlns:p14="http://schemas.microsoft.com/office/powerpoint/2010/main">
-        <mc:Choice Requires="p14">
-          <p:contentPart p14:bwMode="auto" r:id="rId7">
-            <p14:nvContentPartPr>
-              <p14:cNvPr id="15" name="Ink 14">
-                <a:extLst>
-                  <a:ext uri="{FF2B5EF4-FFF2-40B4-BE49-F238E27FC236}">
-                    <a16:creationId xmlns:a16="http://schemas.microsoft.com/office/drawing/2014/main" id="{F35A10AE-E4A0-F36C-8F5C-6AA2AD49FFA3}"/>
-                  </a:ext>
-                </a:extLst>
-              </p14:cNvPr>
-              <p14:cNvContentPartPr/>
-              <p14:nvPr/>
-            </p14:nvContentPartPr>
-            <p14:xfrm>
-              <a:off x="2263909" y="2242725"/>
-              <a:ext cx="222480" cy="283320"/>
-            </p14:xfrm>
-          </p:contentPart>
-        </mc:Choice>
-        <mc:Fallback xmlns="">
-          <p:pic>
-            <p:nvPicPr>
-              <p:cNvPr id="15" name="Ink 14">
-                <a:extLst>
-                  <a:ext uri="{FF2B5EF4-FFF2-40B4-BE49-F238E27FC236}">
-                    <a16:creationId xmlns:a16="http://schemas.microsoft.com/office/drawing/2014/main" id="{F35A10AE-E4A0-F36C-8F5C-6AA2AD49FFA3}"/>
-                  </a:ext>
-                </a:extLst>
-              </p:cNvPr>
-              <p:cNvPicPr/>
-              <p:nvPr/>
-            </p:nvPicPr>
-            <p:blipFill>
-              <a:blip r:embed="rId8"/>
-              <a:stretch>
-                <a:fillRect/>
-              </a:stretch>
-            </p:blipFill>
-            <p:spPr>
-              <a:xfrm>
-                <a:off x="2257789" y="2236605"/>
-                <a:ext cx="234720" cy="295560"/>
-              </a:xfrm>
-              <a:prstGeom prst="rect">
-                <a:avLst/>
-              </a:prstGeom>
-            </p:spPr>
-          </p:pic>
-        </mc:Fallback>
-      </mc:AlternateContent>
-    </p:spTree>
-    <p:extLst>
-      <p:ext uri="{BB962C8B-B14F-4D97-AF65-F5344CB8AC3E}">
-        <p14:creationId xmlns:p14="http://schemas.microsoft.com/office/powerpoint/2010/main" val="3365756821"/>
-      </p:ext>
-    </p:extLst>
-  </p:cSld>
-  <p:clrMapOvr>
-    <a:masterClrMapping/>
-  </p:clrMapOvr>
-</p:sld>
-</file>
-
-<file path=ppt/slides/slide13.xml><?xml version="1.0" encoding="utf-8"?>
-<p:sld xmlns:a="http://schemas.openxmlformats.org/drawingml/2006/main" xmlns:r="http://schemas.openxmlformats.org/officeDocument/2006/relationships" xmlns:p="http://schemas.openxmlformats.org/presentationml/2006/main">
-  <p:cSld>
-    <p:spTree>
-      <p:nvGrpSpPr>
-        <p:cNvPr id="1" name=""/>
-        <p:cNvGrpSpPr/>
-        <p:nvPr/>
-      </p:nvGrpSpPr>
-      <p:grpSpPr>
-        <a:xfrm>
-          <a:off x="0" y="0"/>
-          <a:ext cx="0" cy="0"/>
-          <a:chOff x="0" y="0"/>
-          <a:chExt cx="0" cy="0"/>
-        </a:xfrm>
-      </p:grpSpPr>
-      <p:sp>
-        <p:nvSpPr>
-          <p:cNvPr id="2" name="Title 1">
-            <a:extLst>
-              <a:ext uri="{FF2B5EF4-FFF2-40B4-BE49-F238E27FC236}">
-                <a16:creationId xmlns:a16="http://schemas.microsoft.com/office/drawing/2014/main" id="{D3BFCC76-ED7C-D2DE-B487-F6A7ED5E1BED}"/>
-              </a:ext>
-            </a:extLst>
-          </p:cNvPr>
-          <p:cNvSpPr>
-            <a:spLocks noGrp="1"/>
-          </p:cNvSpPr>
-          <p:nvPr>
-            <p:ph type="title"/>
-          </p:nvPr>
-        </p:nvSpPr>
-        <p:spPr/>
-        <p:txBody>
-          <a:bodyPr/>
-          <a:lstStyle/>
-          <a:p>
-            <a:r>
-              <a:rPr lang="en-US" dirty="0"/>
-              <a:t>Space Vectors Under Fault States</a:t>
-            </a:r>
-          </a:p>
-        </p:txBody>
-      </p:sp>
-      <p:sp>
-        <p:nvSpPr>
-          <p:cNvPr id="4" name="Slide Number Placeholder 3">
-            <a:extLst>
-              <a:ext uri="{FF2B5EF4-FFF2-40B4-BE49-F238E27FC236}">
-                <a16:creationId xmlns:a16="http://schemas.microsoft.com/office/drawing/2014/main" id="{6132EE89-833B-95A4-C38A-7BC4C8DBB71C}"/>
-              </a:ext>
-            </a:extLst>
-          </p:cNvPr>
-          <p:cNvSpPr>
-            <a:spLocks noGrp="1"/>
-          </p:cNvSpPr>
-          <p:nvPr>
-            <p:ph type="sldNum" sz="quarter" idx="12"/>
-          </p:nvPr>
-        </p:nvSpPr>
-        <p:spPr/>
-        <p:txBody>
-          <a:bodyPr/>
-          <a:lstStyle/>
-          <a:p>
-            <a:pPr>
-              <a:defRPr/>
-            </a:pPr>
-            <a:fld id="{C878F797-6006-4DDA-AFE9-456F280FE6C5}" type="slidenum">
-              <a:rPr lang="en-US" smtClean="0"/>
-              <a:pPr>
-                <a:defRPr/>
-              </a:pPr>
-              <a:t>13</a:t>
-            </a:fld>
-            <a:endParaRPr lang="en-US" dirty="0"/>
-          </a:p>
-        </p:txBody>
-      </p:sp>
-      <p:sp>
-        <p:nvSpPr>
-          <p:cNvPr id="5" name="Date Placeholder 4">
-            <a:extLst>
-              <a:ext uri="{FF2B5EF4-FFF2-40B4-BE49-F238E27FC236}">
-                <a16:creationId xmlns:a16="http://schemas.microsoft.com/office/drawing/2014/main" id="{641233B4-71AB-19DE-E1C4-0A8E82A5A985}"/>
-              </a:ext>
-            </a:extLst>
-          </p:cNvPr>
-          <p:cNvSpPr>
-            <a:spLocks noGrp="1"/>
-          </p:cNvSpPr>
-          <p:nvPr>
-            <p:ph type="dt" sz="half" idx="2"/>
-          </p:nvPr>
-        </p:nvSpPr>
-        <p:spPr/>
-        <p:txBody>
-          <a:bodyPr/>
-          <a:lstStyle/>
-          <a:p>
-            <a:pPr>
-              <a:defRPr/>
-            </a:pPr>
-            <a:r>
-              <a:rPr lang="tr-TR"/>
-              <a:t>METU Electrical &amp; Electronics Engineering Department</a:t>
-            </a:r>
-            <a:endParaRPr lang="en-US" dirty="0"/>
-          </a:p>
-        </p:txBody>
-      </p:sp>
-      <p:pic>
-        <p:nvPicPr>
-          <p:cNvPr id="7" name="Picture 6">
-            <a:extLst>
-              <a:ext uri="{FF2B5EF4-FFF2-40B4-BE49-F238E27FC236}">
-                <a16:creationId xmlns:a16="http://schemas.microsoft.com/office/drawing/2014/main" id="{68D2A6BF-1960-F235-C22C-05C509CAAB21}"/>
-              </a:ext>
-            </a:extLst>
-          </p:cNvPr>
-          <p:cNvPicPr>
-            <a:picLocks noChangeAspect="1"/>
-          </p:cNvPicPr>
-          <p:nvPr/>
-        </p:nvPicPr>
-        <p:blipFill>
-          <a:blip r:embed="rId2"/>
-          <a:stretch>
-            <a:fillRect/>
-          </a:stretch>
-        </p:blipFill>
-        <p:spPr>
-          <a:xfrm>
-            <a:off x="4516281" y="2275143"/>
-            <a:ext cx="4170519" cy="3336415"/>
-          </a:xfrm>
-          <a:prstGeom prst="rect">
-            <a:avLst/>
-          </a:prstGeom>
-        </p:spPr>
-      </p:pic>
-      <p:pic>
-        <p:nvPicPr>
-          <p:cNvPr id="9" name="Content Placeholder 16">
-            <a:extLst>
-              <a:ext uri="{FF2B5EF4-FFF2-40B4-BE49-F238E27FC236}">
-                <a16:creationId xmlns:a16="http://schemas.microsoft.com/office/drawing/2014/main" id="{4DB06227-24CE-F356-CE2B-39AC449657D2}"/>
-              </a:ext>
-            </a:extLst>
-          </p:cNvPr>
-          <p:cNvPicPr>
-            <a:picLocks noGrp="1" noChangeAspect="1"/>
-          </p:cNvPicPr>
-          <p:nvPr>
-            <p:ph idx="1"/>
-          </p:nvPr>
-        </p:nvPicPr>
-        <p:blipFill>
-          <a:blip r:embed="rId3"/>
-          <a:stretch>
-            <a:fillRect/>
-          </a:stretch>
-        </p:blipFill>
-        <p:spPr>
-          <a:xfrm>
-            <a:off x="1431255" y="2169501"/>
-            <a:ext cx="2052387" cy="3547698"/>
-          </a:xfrm>
-          <a:prstGeom prst="rect">
-            <a:avLst/>
-          </a:prstGeom>
-        </p:spPr>
-      </p:pic>
-      <p:sp>
-        <p:nvSpPr>
-          <p:cNvPr id="3" name="TextBox 2">
-            <a:extLst>
-              <a:ext uri="{FF2B5EF4-FFF2-40B4-BE49-F238E27FC236}">
-                <a16:creationId xmlns:a16="http://schemas.microsoft.com/office/drawing/2014/main" id="{D58D9F36-35D7-47CE-086E-0958FA6F6815}"/>
-              </a:ext>
-            </a:extLst>
-          </p:cNvPr>
-          <p:cNvSpPr txBox="1"/>
-          <p:nvPr/>
-        </p:nvSpPr>
-        <p:spPr>
-          <a:xfrm>
-            <a:off x="1268116" y="1718733"/>
-            <a:ext cx="1734321" cy="369332"/>
-          </a:xfrm>
-          <a:prstGeom prst="rect">
-            <a:avLst/>
-          </a:prstGeom>
-          <a:noFill/>
-        </p:spPr>
-        <p:txBody>
-          <a:bodyPr wrap="none" rtlCol="0">
-            <a:spAutoFit/>
-          </a:bodyPr>
-          <a:lstStyle/>
-          <a:p>
-            <a:r>
-              <a:rPr lang="en-US" dirty="0"/>
-              <a:t>Q4 open circuit</a:t>
-            </a:r>
-          </a:p>
-        </p:txBody>
-      </p:sp>
-      <p:sp>
-        <p:nvSpPr>
-          <p:cNvPr id="6" name="TextBox 5">
-            <a:extLst>
-              <a:ext uri="{FF2B5EF4-FFF2-40B4-BE49-F238E27FC236}">
-                <a16:creationId xmlns:a16="http://schemas.microsoft.com/office/drawing/2014/main" id="{4F3B8714-6390-5544-D123-CD2FBD171FBE}"/>
-              </a:ext>
-            </a:extLst>
-          </p:cNvPr>
-          <p:cNvSpPr txBox="1"/>
-          <p:nvPr/>
-        </p:nvSpPr>
-        <p:spPr>
-          <a:xfrm>
-            <a:off x="4994369" y="5759520"/>
-            <a:ext cx="3214341" cy="307777"/>
-          </a:xfrm>
-          <a:prstGeom prst="rect">
-            <a:avLst/>
-          </a:prstGeom>
-          <a:noFill/>
-        </p:spPr>
-        <p:txBody>
-          <a:bodyPr wrap="none" rtlCol="0">
-            <a:spAutoFit/>
-          </a:bodyPr>
-          <a:lstStyle/>
-          <a:p>
-            <a:r>
-              <a:rPr lang="en-US" sz="1400" dirty="0">
-                <a:latin typeface="Century Gothic" panose="020B0502020202020204" pitchFamily="34" charset="0"/>
-                <a:cs typeface="Arial"/>
-              </a:rPr>
-              <a:t>Space</a:t>
-            </a:r>
-            <a:r>
-              <a:rPr lang="en-US" sz="1400" dirty="0"/>
-              <a:t> </a:t>
-            </a:r>
-            <a:r>
-              <a:rPr lang="en-US" sz="1400" dirty="0">
-                <a:latin typeface="Century Gothic" panose="020B0502020202020204" pitchFamily="34" charset="0"/>
-                <a:cs typeface="Arial"/>
-              </a:rPr>
-              <a:t>Vector Diagram for Q4 fault</a:t>
-            </a:r>
-          </a:p>
-        </p:txBody>
-      </p:sp>
-    </p:spTree>
-    <p:extLst>
-      <p:ext uri="{BB962C8B-B14F-4D97-AF65-F5344CB8AC3E}">
-        <p14:creationId xmlns:p14="http://schemas.microsoft.com/office/powerpoint/2010/main" val="3241663642"/>
-      </p:ext>
-    </p:extLst>
-  </p:cSld>
-  <p:clrMapOvr>
-    <a:masterClrMapping/>
-  </p:clrMapOvr>
-</p:sld>
-</file>
-
-<file path=ppt/slides/slide14.xml><?xml version="1.0" encoding="utf-8"?>
-<p:sld xmlns:a="http://schemas.openxmlformats.org/drawingml/2006/main" xmlns:r="http://schemas.openxmlformats.org/officeDocument/2006/relationships" xmlns:p="http://schemas.openxmlformats.org/presentationml/2006/main">
-  <p:cSld>
-    <p:spTree>
-      <p:nvGrpSpPr>
-        <p:cNvPr id="1" name=""/>
-        <p:cNvGrpSpPr/>
-        <p:nvPr/>
-      </p:nvGrpSpPr>
-      <p:grpSpPr>
-        <a:xfrm>
-          <a:off x="0" y="0"/>
-          <a:ext cx="0" cy="0"/>
-          <a:chOff x="0" y="0"/>
-          <a:chExt cx="0" cy="0"/>
-        </a:xfrm>
-      </p:grpSpPr>
-      <p:sp>
-        <p:nvSpPr>
-          <p:cNvPr id="11" name="Title 10">
-            <a:extLst>
-              <a:ext uri="{FF2B5EF4-FFF2-40B4-BE49-F238E27FC236}">
-                <a16:creationId xmlns:a16="http://schemas.microsoft.com/office/drawing/2014/main" id="{509FA254-9CD1-4873-ACCE-25B4F4498EF9}"/>
-              </a:ext>
-            </a:extLst>
-          </p:cNvPr>
-          <p:cNvSpPr>
-            <a:spLocks noGrp="1"/>
-          </p:cNvSpPr>
-          <p:nvPr>
-            <p:ph type="title"/>
-          </p:nvPr>
-        </p:nvSpPr>
-        <p:spPr/>
-        <p:txBody>
-          <a:bodyPr/>
-          <a:lstStyle/>
-          <a:p>
-            <a:r>
-              <a:rPr lang="en-US" dirty="0"/>
-              <a:t>Fault Tolerant  Control Strategy for 3-Level Inverters</a:t>
-            </a:r>
-          </a:p>
-        </p:txBody>
-      </p:sp>
-      <p:sp>
-        <p:nvSpPr>
-          <p:cNvPr id="12" name="Content Placeholder 11">
-            <a:extLst>
-              <a:ext uri="{FF2B5EF4-FFF2-40B4-BE49-F238E27FC236}">
-                <a16:creationId xmlns:a16="http://schemas.microsoft.com/office/drawing/2014/main" id="{C4ACDB1C-5792-392F-64F8-637E713118A4}"/>
-              </a:ext>
-            </a:extLst>
-          </p:cNvPr>
-          <p:cNvSpPr>
-            <a:spLocks noGrp="1"/>
-          </p:cNvSpPr>
-          <p:nvPr>
-            <p:ph idx="1"/>
-          </p:nvPr>
-        </p:nvSpPr>
-        <p:spPr/>
-        <p:txBody>
-          <a:bodyPr/>
-          <a:lstStyle/>
-          <a:p>
-            <a:endParaRPr lang="en-US" dirty="0"/>
-          </a:p>
-        </p:txBody>
-      </p:sp>
-      <p:sp>
-        <p:nvSpPr>
-          <p:cNvPr id="4" name="Slide Number Placeholder 3">
-            <a:extLst>
-              <a:ext uri="{FF2B5EF4-FFF2-40B4-BE49-F238E27FC236}">
-                <a16:creationId xmlns:a16="http://schemas.microsoft.com/office/drawing/2014/main" id="{840B0F46-4F6D-6365-D04A-12F94B7E861B}"/>
-              </a:ext>
-            </a:extLst>
-          </p:cNvPr>
-          <p:cNvSpPr>
-            <a:spLocks noGrp="1"/>
-          </p:cNvSpPr>
-          <p:nvPr>
-            <p:ph type="sldNum" sz="quarter" idx="12"/>
-          </p:nvPr>
-        </p:nvSpPr>
-        <p:spPr/>
-        <p:txBody>
-          <a:bodyPr/>
-          <a:lstStyle/>
-          <a:p>
-            <a:pPr>
-              <a:defRPr/>
-            </a:pPr>
-            <a:fld id="{C878F797-6006-4DDA-AFE9-456F280FE6C5}" type="slidenum">
-              <a:rPr lang="en-US" smtClean="0"/>
-              <a:pPr>
-                <a:defRPr/>
-              </a:pPr>
-              <a:t>14</a:t>
-            </a:fld>
-            <a:endParaRPr lang="en-US" dirty="0"/>
-          </a:p>
-        </p:txBody>
-      </p:sp>
-      <p:sp>
-        <p:nvSpPr>
-          <p:cNvPr id="5" name="Date Placeholder 4">
-            <a:extLst>
-              <a:ext uri="{FF2B5EF4-FFF2-40B4-BE49-F238E27FC236}">
-                <a16:creationId xmlns:a16="http://schemas.microsoft.com/office/drawing/2014/main" id="{623AB46A-6EE9-B46E-71A9-65DDA3FEFAA7}"/>
-              </a:ext>
-            </a:extLst>
-          </p:cNvPr>
-          <p:cNvSpPr>
-            <a:spLocks noGrp="1"/>
-          </p:cNvSpPr>
-          <p:nvPr>
-            <p:ph type="dt" sz="half" idx="2"/>
-          </p:nvPr>
-        </p:nvSpPr>
-        <p:spPr/>
-        <p:txBody>
-          <a:bodyPr/>
-          <a:lstStyle/>
-          <a:p>
-            <a:pPr>
-              <a:defRPr/>
-            </a:pPr>
-            <a:r>
-              <a:rPr lang="tr-TR"/>
-              <a:t>METU Electrical &amp; Electronics Engineering Department</a:t>
-            </a:r>
-            <a:endParaRPr lang="en-US" dirty="0"/>
-          </a:p>
-        </p:txBody>
-      </p:sp>
-    </p:spTree>
-    <p:extLst>
-      <p:ext uri="{BB962C8B-B14F-4D97-AF65-F5344CB8AC3E}">
-        <p14:creationId xmlns:p14="http://schemas.microsoft.com/office/powerpoint/2010/main" val="2152611300"/>
-      </p:ext>
-    </p:extLst>
-  </p:cSld>
-  <p:clrMapOvr>
-    <a:masterClrMapping/>
-  </p:clrMapOvr>
-</p:sld>
-</file>
-
-<file path=ppt/slides/slide15.xml><?xml version="1.0" encoding="utf-8"?>
-<p:sld xmlns:a="http://schemas.openxmlformats.org/drawingml/2006/main" xmlns:r="http://schemas.openxmlformats.org/officeDocument/2006/relationships" xmlns:p="http://schemas.openxmlformats.org/presentationml/2006/main">
-  <p:cSld>
-    <p:spTree>
-      <p:nvGrpSpPr>
-        <p:cNvPr id="1" name=""/>
-        <p:cNvGrpSpPr/>
-        <p:nvPr/>
-      </p:nvGrpSpPr>
-      <p:grpSpPr>
-        <a:xfrm>
-          <a:off x="0" y="0"/>
-          <a:ext cx="0" cy="0"/>
-          <a:chOff x="0" y="0"/>
-          <a:chExt cx="0" cy="0"/>
-        </a:xfrm>
-      </p:grpSpPr>
-      <p:sp>
-        <p:nvSpPr>
-          <p:cNvPr id="2" name="Title 1">
-            <a:extLst>
-              <a:ext uri="{FF2B5EF4-FFF2-40B4-BE49-F238E27FC236}">
-                <a16:creationId xmlns:a16="http://schemas.microsoft.com/office/drawing/2014/main" id="{AA47C463-0D2A-6386-A8BF-52EFC5C028D8}"/>
-              </a:ext>
-            </a:extLst>
-          </p:cNvPr>
-          <p:cNvSpPr>
-            <a:spLocks noGrp="1"/>
-          </p:cNvSpPr>
-          <p:nvPr>
-            <p:ph type="title"/>
-          </p:nvPr>
-        </p:nvSpPr>
-        <p:spPr/>
-        <p:txBody>
-          <a:bodyPr/>
-          <a:lstStyle/>
-          <a:p>
-            <a:r>
-              <a:rPr lang="en-US" dirty="0"/>
-              <a:t>Conclusion</a:t>
-            </a:r>
-          </a:p>
-        </p:txBody>
-      </p:sp>
-      <p:sp>
-        <p:nvSpPr>
-          <p:cNvPr id="3" name="Content Placeholder 2">
-            <a:extLst>
-              <a:ext uri="{FF2B5EF4-FFF2-40B4-BE49-F238E27FC236}">
-                <a16:creationId xmlns:a16="http://schemas.microsoft.com/office/drawing/2014/main" id="{0B2FFB94-76C6-9852-4D9C-72DE83140B6A}"/>
-              </a:ext>
-            </a:extLst>
-          </p:cNvPr>
-          <p:cNvSpPr>
-            <a:spLocks noGrp="1"/>
-          </p:cNvSpPr>
-          <p:nvPr>
-            <p:ph idx="1"/>
-          </p:nvPr>
-        </p:nvSpPr>
-        <p:spPr/>
-        <p:txBody>
-          <a:bodyPr/>
-          <a:lstStyle/>
-          <a:p>
-            <a:endParaRPr lang="en-US"/>
-          </a:p>
-        </p:txBody>
-      </p:sp>
-      <p:sp>
-        <p:nvSpPr>
-          <p:cNvPr id="4" name="Slide Number Placeholder 3">
-            <a:extLst>
-              <a:ext uri="{FF2B5EF4-FFF2-40B4-BE49-F238E27FC236}">
-                <a16:creationId xmlns:a16="http://schemas.microsoft.com/office/drawing/2014/main" id="{F66F2F28-631F-7C18-9551-46F6FDDC65DE}"/>
-              </a:ext>
-            </a:extLst>
-          </p:cNvPr>
-          <p:cNvSpPr>
-            <a:spLocks noGrp="1"/>
-          </p:cNvSpPr>
-          <p:nvPr>
-            <p:ph type="sldNum" sz="quarter" idx="12"/>
-          </p:nvPr>
-        </p:nvSpPr>
-        <p:spPr/>
-        <p:txBody>
-          <a:bodyPr/>
-          <a:lstStyle/>
-          <a:p>
-            <a:pPr>
-              <a:defRPr/>
-            </a:pPr>
-            <a:fld id="{C878F797-6006-4DDA-AFE9-456F280FE6C5}" type="slidenum">
-              <a:rPr lang="en-US" smtClean="0"/>
-              <a:pPr>
-                <a:defRPr/>
-              </a:pPr>
-              <a:t>15</a:t>
-            </a:fld>
-            <a:endParaRPr lang="en-US" dirty="0"/>
-          </a:p>
-        </p:txBody>
-      </p:sp>
-      <p:sp>
-        <p:nvSpPr>
-          <p:cNvPr id="5" name="Date Placeholder 4">
-            <a:extLst>
-              <a:ext uri="{FF2B5EF4-FFF2-40B4-BE49-F238E27FC236}">
-                <a16:creationId xmlns:a16="http://schemas.microsoft.com/office/drawing/2014/main" id="{2881B45D-15AE-A74A-2C09-B1829303AC54}"/>
-              </a:ext>
-            </a:extLst>
-          </p:cNvPr>
-          <p:cNvSpPr>
-            <a:spLocks noGrp="1"/>
-          </p:cNvSpPr>
-          <p:nvPr>
-            <p:ph type="dt" sz="half" idx="2"/>
-          </p:nvPr>
-        </p:nvSpPr>
-        <p:spPr/>
-        <p:txBody>
-          <a:bodyPr/>
-          <a:lstStyle/>
-          <a:p>
-            <a:pPr>
-              <a:defRPr/>
-            </a:pPr>
-            <a:r>
-              <a:rPr lang="tr-TR"/>
-              <a:t>METU Electrical &amp; Electronics Engineering Department</a:t>
-            </a:r>
-            <a:endParaRPr lang="en-US" dirty="0"/>
-          </a:p>
-        </p:txBody>
-      </p:sp>
-    </p:spTree>
-    <p:extLst>
-      <p:ext uri="{BB962C8B-B14F-4D97-AF65-F5344CB8AC3E}">
-        <p14:creationId xmlns:p14="http://schemas.microsoft.com/office/powerpoint/2010/main" val="400555261"/>
-      </p:ext>
-    </p:extLst>
-  </p:cSld>
-  <p:clrMapOvr>
-    <a:masterClrMapping/>
-  </p:clrMapOvr>
-</p:sld>
-</file>
-
-<file path=ppt/slides/slide16.xml><?xml version="1.0" encoding="utf-8"?>
-<p:sld xmlns:a="http://schemas.openxmlformats.org/drawingml/2006/main" xmlns:r="http://schemas.openxmlformats.org/officeDocument/2006/relationships" xmlns:p="http://schemas.openxmlformats.org/presentationml/2006/main">
-  <p:cSld>
-    <p:spTree>
-      <p:nvGrpSpPr>
-        <p:cNvPr id="1" name=""/>
-        <p:cNvGrpSpPr/>
-        <p:nvPr/>
-      </p:nvGrpSpPr>
-      <p:grpSpPr>
-        <a:xfrm>
-          <a:off x="0" y="0"/>
-          <a:ext cx="0" cy="0"/>
-          <a:chOff x="0" y="0"/>
-          <a:chExt cx="0" cy="0"/>
-        </a:xfrm>
-      </p:grpSpPr>
-      <p:sp>
-        <p:nvSpPr>
-          <p:cNvPr id="2" name="Title 1">
-            <a:extLst>
-              <a:ext uri="{FF2B5EF4-FFF2-40B4-BE49-F238E27FC236}">
-                <a16:creationId xmlns:a16="http://schemas.microsoft.com/office/drawing/2014/main" id="{E44B9115-8CCF-ABE5-5980-1C9EDB4BF746}"/>
-              </a:ext>
-            </a:extLst>
-          </p:cNvPr>
-          <p:cNvSpPr>
-            <a:spLocks noGrp="1"/>
-          </p:cNvSpPr>
-          <p:nvPr>
-            <p:ph type="title"/>
-          </p:nvPr>
-        </p:nvSpPr>
-        <p:spPr/>
-        <p:txBody>
-          <a:bodyPr/>
-          <a:lstStyle/>
-          <a:p>
-            <a:r>
-              <a:rPr lang="en-US" dirty="0"/>
-              <a:t>Reference</a:t>
-            </a:r>
-          </a:p>
-        </p:txBody>
-      </p:sp>
-      <p:sp>
-        <p:nvSpPr>
-          <p:cNvPr id="3" name="Content Placeholder 2">
-            <a:extLst>
-              <a:ext uri="{FF2B5EF4-FFF2-40B4-BE49-F238E27FC236}">
-                <a16:creationId xmlns:a16="http://schemas.microsoft.com/office/drawing/2014/main" id="{971E9DB4-290D-20D2-C61C-57C34733616B}"/>
-              </a:ext>
-            </a:extLst>
-          </p:cNvPr>
-          <p:cNvSpPr>
-            <a:spLocks noGrp="1"/>
-          </p:cNvSpPr>
-          <p:nvPr>
-            <p:ph idx="1"/>
-          </p:nvPr>
-        </p:nvSpPr>
-        <p:spPr/>
-        <p:txBody>
-          <a:bodyPr/>
-          <a:lstStyle/>
-          <a:p>
-            <a:pPr marL="0" indent="0" algn="just">
-              <a:buNone/>
-            </a:pPr>
-            <a:r>
-              <a:rPr lang="en-US" sz="1400" dirty="0"/>
-              <a:t>[1]</a:t>
-            </a:r>
-            <a:r>
-              <a:rPr lang="tr-TR" sz="1400" dirty="0"/>
-              <a:t> </a:t>
-            </a:r>
-            <a:r>
-              <a:rPr lang="en-US" sz="1400" dirty="0"/>
-              <a:t>J. Rodriguez, S. </a:t>
-            </a:r>
-            <a:r>
-              <a:rPr lang="en-US" sz="1400" dirty="0" err="1"/>
-              <a:t>Bernet</a:t>
-            </a:r>
-            <a:r>
-              <a:rPr lang="en-US" sz="1400" dirty="0"/>
-              <a:t>, P. K. </a:t>
-            </a:r>
-            <a:r>
-              <a:rPr lang="en-US" sz="1400" dirty="0" err="1"/>
-              <a:t>Steimer</a:t>
-            </a:r>
-            <a:r>
-              <a:rPr lang="en-US" sz="1400" dirty="0"/>
-              <a:t> and I. E. </a:t>
-            </a:r>
-            <a:r>
-              <a:rPr lang="en-US" sz="1400" dirty="0" err="1"/>
-              <a:t>Lizama</a:t>
-            </a:r>
-            <a:r>
-              <a:rPr lang="en-US" sz="1400" dirty="0"/>
-              <a:t>, "A Survey on Neutral-Point-Clamped Inverters," in IEEE Transactions on Industrial Electronics, vol. 57, no. 7, pp. 2219-2230, July 2010</a:t>
-            </a:r>
-          </a:p>
-          <a:p>
-            <a:pPr marL="0" indent="0" algn="just">
-              <a:buNone/>
-            </a:pPr>
-            <a:r>
-              <a:rPr lang="tr-TR" sz="1400" dirty="0"/>
-              <a:t>[2] </a:t>
-            </a:r>
-            <a:r>
-              <a:rPr lang="en-US" sz="1400" dirty="0" err="1"/>
-              <a:t>Keqing</a:t>
-            </a:r>
-            <a:r>
-              <a:rPr lang="en-US" sz="1400" dirty="0"/>
-              <a:t> Qu, Xi Jin, </a:t>
-            </a:r>
-            <a:r>
-              <a:rPr lang="en-US" sz="1400" dirty="0" err="1"/>
-              <a:t>Yuehong</a:t>
-            </a:r>
-            <a:r>
-              <a:rPr lang="en-US" sz="1400" dirty="0"/>
-              <a:t> Xing, </a:t>
-            </a:r>
-            <a:r>
-              <a:rPr lang="en-US" sz="1400" dirty="0" err="1"/>
-              <a:t>Zuojin</a:t>
-            </a:r>
-            <a:r>
-              <a:rPr lang="en-US" sz="1400" dirty="0"/>
-              <a:t> Ding and W. Chen, "A SVPWM control strategy for NPC three-level inverter," 2011 IEEE Power Engineering and Automation Conference, Wuhan, China, 2011</a:t>
-            </a:r>
-          </a:p>
-          <a:p>
-            <a:pPr marL="0" indent="0" algn="just">
-              <a:buNone/>
-            </a:pPr>
-            <a:r>
-              <a:rPr lang="tr-TR" sz="1400" dirty="0"/>
-              <a:t>[</a:t>
-            </a:r>
-            <a:r>
-              <a:rPr lang="en-US" sz="1400" dirty="0"/>
-              <a:t>3</a:t>
-            </a:r>
-            <a:r>
-              <a:rPr lang="tr-TR" sz="1400" dirty="0"/>
-              <a:t>] </a:t>
-            </a:r>
-            <a:r>
-              <a:rPr lang="en-US" sz="1400" dirty="0"/>
-              <a:t>K. Patel, S. </a:t>
-            </a:r>
-            <a:r>
-              <a:rPr lang="en-US" sz="1400" dirty="0" err="1"/>
-              <a:t>Borole</a:t>
-            </a:r>
-            <a:r>
-              <a:rPr lang="en-US" sz="1400" dirty="0"/>
-              <a:t>, R. Manikandan and R. R. Singh, "Short Circuit and Open Circuit Fault Identification Strategy for 3-Level Neutral Point Clamped Inverter," 2021 Innovations in Power and Advanced Computing Technologies (</a:t>
-            </a:r>
-            <a:r>
-              <a:rPr lang="en-US" sz="1400" dirty="0" err="1"/>
-              <a:t>i</a:t>
-            </a:r>
-            <a:r>
-              <a:rPr lang="en-US" sz="1400" dirty="0"/>
-              <a:t>-PACT), Kuala Lumpur, Malaysia, 2021</a:t>
-            </a:r>
-          </a:p>
-          <a:p>
-            <a:pPr marL="0" indent="0" algn="just">
-              <a:buNone/>
-            </a:pPr>
-            <a:r>
-              <a:rPr lang="en-US" sz="1400" dirty="0"/>
-              <a:t>[4] A. </a:t>
-            </a:r>
-            <a:r>
-              <a:rPr lang="en-US" sz="1400" dirty="0" err="1"/>
-              <a:t>Alili</a:t>
-            </a:r>
-            <a:r>
-              <a:rPr lang="en-US" sz="1400" dirty="0"/>
-              <a:t>, A. A. Ameri, M. B. Camara and B. </a:t>
-            </a:r>
-            <a:r>
-              <a:rPr lang="en-US" sz="1400" dirty="0" err="1"/>
-              <a:t>Dakyo</a:t>
-            </a:r>
-            <a:r>
-              <a:rPr lang="en-US" sz="1400" dirty="0"/>
-              <a:t>, "Open-circuit fault detection method for Grid-side Three-level NPC Inverter," 2021 10th International Conference on Renewable Energy Research and Application (ICRERA), Istanbul, Turkey, 2021</a:t>
-            </a:r>
-          </a:p>
-          <a:p>
-            <a:pPr marL="0" indent="0" algn="just">
-              <a:buNone/>
-            </a:pPr>
-            <a:r>
-              <a:rPr lang="tr-TR" sz="1400" dirty="0"/>
-              <a:t>[5]</a:t>
-            </a:r>
-            <a:r>
-              <a:rPr lang="en-US" sz="1200" b="0" i="0" dirty="0">
-                <a:solidFill>
-                  <a:srgbClr val="333333"/>
-                </a:solidFill>
-                <a:effectLst/>
-                <a:latin typeface="HelveticaNeue Regular"/>
-              </a:rPr>
-              <a:t>  </a:t>
-            </a:r>
-            <a:r>
-              <a:rPr lang="en-US" sz="1400" dirty="0"/>
-              <a:t>K. Yamanaka, A. M. </a:t>
-            </a:r>
-            <a:r>
-              <a:rPr lang="en-US" sz="1400" dirty="0" err="1"/>
-              <a:t>Hava</a:t>
-            </a:r>
-            <a:r>
-              <a:rPr lang="en-US" sz="1400" dirty="0"/>
-              <a:t>, H. </a:t>
-            </a:r>
-            <a:r>
-              <a:rPr lang="en-US" sz="1400" dirty="0" err="1"/>
-              <a:t>Kirino</a:t>
-            </a:r>
-            <a:r>
-              <a:rPr lang="en-US" sz="1400" dirty="0"/>
-              <a:t>, Y. Tanaka, N. Koga and T. </a:t>
-            </a:r>
-            <a:r>
-              <a:rPr lang="en-US" sz="1400" dirty="0" err="1"/>
-              <a:t>Kume</a:t>
-            </a:r>
-            <a:r>
-              <a:rPr lang="en-US" sz="1400" dirty="0"/>
-              <a:t>, "A novel neutral point potential stabilization technique using the information of output current polarities and voltage vector," in IEEE Transactions on Industry Applications, vol. 38, no. 6, pp. 1572-1580, Nov.-Dec. 2002</a:t>
-            </a:r>
-          </a:p>
-          <a:p>
-            <a:pPr marL="0" indent="0" algn="just">
-              <a:buNone/>
-            </a:pPr>
-            <a:r>
-              <a:rPr lang="en-US" sz="1400" dirty="0"/>
-              <a:t>[6] A. </a:t>
-            </a:r>
-            <a:r>
-              <a:rPr lang="en-US" sz="1400" dirty="0" err="1"/>
-              <a:t>Benevieri</a:t>
-            </a:r>
-            <a:r>
-              <a:rPr lang="en-US" sz="1400" dirty="0"/>
-              <a:t>, L. Carbone, S. </a:t>
-            </a:r>
-            <a:r>
-              <a:rPr lang="en-US" sz="1400" dirty="0" err="1"/>
-              <a:t>Cosso</a:t>
-            </a:r>
-            <a:r>
-              <a:rPr lang="en-US" sz="1400" dirty="0"/>
-              <a:t>, F. </a:t>
-            </a:r>
-            <a:r>
-              <a:rPr lang="en-US" sz="1400" dirty="0" err="1"/>
-              <a:t>Gallione</a:t>
-            </a:r>
-            <a:r>
-              <a:rPr lang="en-US" sz="1400" dirty="0"/>
-              <a:t> and S. Hussain, "A New Strategy for Detection and Management of Faults in High Power NPC Converter Systems," 2023 13th International Symposium on Advanced Topics in Electrical Engineering (ATEE), Bucharest, Romania, 2023</a:t>
-            </a:r>
-          </a:p>
-        </p:txBody>
-      </p:sp>
-      <p:sp>
-        <p:nvSpPr>
-          <p:cNvPr id="4" name="Slide Number Placeholder 3">
-            <a:extLst>
-              <a:ext uri="{FF2B5EF4-FFF2-40B4-BE49-F238E27FC236}">
-                <a16:creationId xmlns:a16="http://schemas.microsoft.com/office/drawing/2014/main" id="{256ED077-B4F2-656E-385B-EEC1C5864815}"/>
-              </a:ext>
-            </a:extLst>
-          </p:cNvPr>
-          <p:cNvSpPr>
-            <a:spLocks noGrp="1"/>
-          </p:cNvSpPr>
-          <p:nvPr>
-            <p:ph type="sldNum" sz="quarter" idx="12"/>
-          </p:nvPr>
-        </p:nvSpPr>
-        <p:spPr/>
-        <p:txBody>
-          <a:bodyPr/>
-          <a:lstStyle/>
-          <a:p>
-            <a:pPr>
-              <a:defRPr/>
-            </a:pPr>
-            <a:fld id="{C878F797-6006-4DDA-AFE9-456F280FE6C5}" type="slidenum">
-              <a:rPr lang="en-US" smtClean="0"/>
-              <a:pPr>
-                <a:defRPr/>
-              </a:pPr>
-              <a:t>16</a:t>
-            </a:fld>
-            <a:endParaRPr lang="en-US" dirty="0"/>
-          </a:p>
-        </p:txBody>
-      </p:sp>
-      <p:sp>
-        <p:nvSpPr>
-          <p:cNvPr id="5" name="Date Placeholder 4">
-            <a:extLst>
-              <a:ext uri="{FF2B5EF4-FFF2-40B4-BE49-F238E27FC236}">
-                <a16:creationId xmlns:a16="http://schemas.microsoft.com/office/drawing/2014/main" id="{3CA283E1-4D08-6D09-1DCE-A600774C955B}"/>
-              </a:ext>
-            </a:extLst>
-          </p:cNvPr>
-          <p:cNvSpPr>
-            <a:spLocks noGrp="1"/>
-          </p:cNvSpPr>
-          <p:nvPr>
-            <p:ph type="dt" sz="half" idx="2"/>
-          </p:nvPr>
-        </p:nvSpPr>
-        <p:spPr/>
-        <p:txBody>
-          <a:bodyPr/>
-          <a:lstStyle/>
-          <a:p>
-            <a:pPr>
-              <a:defRPr/>
-            </a:pPr>
-            <a:r>
-              <a:rPr lang="tr-TR"/>
-              <a:t>METU Electrical &amp; Electronics Engineering Department</a:t>
-            </a:r>
-            <a:endParaRPr lang="en-US" dirty="0"/>
-          </a:p>
-        </p:txBody>
-      </p:sp>
-    </p:spTree>
-    <p:extLst>
-      <p:ext uri="{BB962C8B-B14F-4D97-AF65-F5344CB8AC3E}">
-        <p14:creationId xmlns:p14="http://schemas.microsoft.com/office/powerpoint/2010/main" val="159656307"/>
-      </p:ext>
-    </p:extLst>
-  </p:cSld>
-  <p:clrMapOvr>
-    <a:masterClrMapping/>
-  </p:clrMapOvr>
-</p:sld>
-</file>
-
-<file path=ppt/slides/slide17.xml><?xml version="1.0" encoding="utf-8"?>
-<p:sld xmlns:a="http://schemas.openxmlformats.org/drawingml/2006/main" xmlns:r="http://schemas.openxmlformats.org/officeDocument/2006/relationships" xmlns:p="http://schemas.openxmlformats.org/presentationml/2006/main">
-  <p:cSld>
-    <p:spTree>
-      <p:nvGrpSpPr>
-        <p:cNvPr id="1" name=""/>
-        <p:cNvGrpSpPr/>
-        <p:nvPr/>
-      </p:nvGrpSpPr>
-      <p:grpSpPr>
-        <a:xfrm>
-          <a:off x="0" y="0"/>
-          <a:ext cx="0" cy="0"/>
-          <a:chOff x="0" y="0"/>
-          <a:chExt cx="0" cy="0"/>
-        </a:xfrm>
-      </p:grpSpPr>
-    </p:spTree>
-    <p:extLst>
-      <p:ext uri="{BB962C8B-B14F-4D97-AF65-F5344CB8AC3E}">
-        <p14:creationId xmlns:p14="http://schemas.microsoft.com/office/powerpoint/2010/main" val="3835474893"/>
-      </p:ext>
-    </p:extLst>
-  </p:cSld>
-  <p:clrMapOvr>
-    <a:masterClrMapping/>
-  </p:clrMapOvr>
-</p:sld>
-</file>
-
-<file path=ppt/slides/slide2.xml><?xml version="1.0" encoding="utf-8"?>
-<p:sld xmlns:a="http://schemas.openxmlformats.org/drawingml/2006/main" xmlns:r="http://schemas.openxmlformats.org/officeDocument/2006/relationships" xmlns:p="http://schemas.openxmlformats.org/presentationml/2006/main">
-  <p:cSld>
-    <p:spTree>
-      <p:nvGrpSpPr>
-        <p:cNvPr id="1" name=""/>
-        <p:cNvGrpSpPr/>
-        <p:nvPr/>
-      </p:nvGrpSpPr>
-      <p:grpSpPr>
-        <a:xfrm>
-          <a:off x="0" y="0"/>
-          <a:ext cx="0" cy="0"/>
-          <a:chOff x="0" y="0"/>
-          <a:chExt cx="0" cy="0"/>
-        </a:xfrm>
-      </p:grpSpPr>
-    </p:spTree>
-    <p:extLst>
-      <p:ext uri="{BB962C8B-B14F-4D97-AF65-F5344CB8AC3E}">
-        <p14:creationId xmlns:p14="http://schemas.microsoft.com/office/powerpoint/2010/main" val="1031498753"/>
-      </p:ext>
-    </p:extLst>
-  </p:cSld>
-  <p:clrMapOvr>
-    <a:masterClrMapping/>
-  </p:clrMapOvr>
-</p:sld>
-</file>
-
-<file path=ppt/slides/slide3.xml><?xml version="1.0" encoding="utf-8"?>
-<p:sld xmlns:a="http://schemas.openxmlformats.org/drawingml/2006/main" xmlns:r="http://schemas.openxmlformats.org/officeDocument/2006/relationships" xmlns:p="http://schemas.openxmlformats.org/presentationml/2006/main">
-  <p:cSld>
-    <p:spTree>
-      <p:nvGrpSpPr>
-        <p:cNvPr id="1" name=""/>
-        <p:cNvGrpSpPr/>
-        <p:nvPr/>
-      </p:nvGrpSpPr>
-      <p:grpSpPr>
-        <a:xfrm>
-          <a:off x="0" y="0"/>
-          <a:ext cx="0" cy="0"/>
-          <a:chOff x="0" y="0"/>
-          <a:chExt cx="0" cy="0"/>
-        </a:xfrm>
-      </p:grpSpPr>
-      <p:sp>
-        <p:nvSpPr>
-          <p:cNvPr id="2" name="Title 1"/>
-          <p:cNvSpPr>
-            <a:spLocks noGrp="1"/>
-          </p:cNvSpPr>
-          <p:nvPr>
-            <p:ph type="title"/>
-          </p:nvPr>
-        </p:nvSpPr>
-        <p:spPr/>
-        <p:txBody>
-          <a:bodyPr/>
-          <a:lstStyle/>
-          <a:p>
-            <a:r>
-              <a:rPr lang="en-US" dirty="0"/>
-              <a:t>Outline</a:t>
-            </a:r>
-            <a:endParaRPr lang="tr-TR" dirty="0"/>
-          </a:p>
-        </p:txBody>
-      </p:sp>
-      <p:sp>
-        <p:nvSpPr>
-          <p:cNvPr id="3" name="Content Placeholder 2"/>
-          <p:cNvSpPr>
-            <a:spLocks noGrp="1"/>
-          </p:cNvSpPr>
-          <p:nvPr>
-            <p:ph idx="1"/>
-          </p:nvPr>
-        </p:nvSpPr>
-        <p:spPr/>
-        <p:txBody>
-          <a:bodyPr/>
-          <a:lstStyle/>
-          <a:p>
-            <a:pPr marL="342900" indent="-342900">
-              <a:buFont typeface="Arial" panose="020B0604020202020204" pitchFamily="34" charset="0"/>
-              <a:buChar char="•"/>
-            </a:pPr>
-            <a:r>
-              <a:rPr lang="en-US" dirty="0"/>
-              <a:t>Electrical Machine Drives</a:t>
-            </a:r>
-          </a:p>
-          <a:p>
-            <a:pPr marL="342900" indent="-342900">
-              <a:buFont typeface="Arial" panose="020B0604020202020204" pitchFamily="34" charset="0"/>
-              <a:buChar char="•"/>
-            </a:pPr>
-            <a:r>
-              <a:rPr lang="en-US" dirty="0"/>
-              <a:t>3- Level NPC Inverters</a:t>
-            </a:r>
-          </a:p>
-          <a:p>
-            <a:pPr marL="342900" indent="-342900">
-              <a:buFont typeface="Arial" panose="020B0604020202020204" pitchFamily="34" charset="0"/>
-              <a:buChar char="•"/>
-            </a:pPr>
-            <a:r>
-              <a:rPr lang="en-US" dirty="0"/>
-              <a:t>Inverter Control Techniques</a:t>
-            </a:r>
-          </a:p>
-          <a:p>
-            <a:pPr marL="342900" indent="-342900">
-              <a:buFont typeface="Arial" panose="020B0604020202020204" pitchFamily="34" charset="0"/>
-              <a:buChar char="•"/>
-            </a:pPr>
-            <a:r>
-              <a:rPr lang="en-US" dirty="0"/>
-              <a:t>Space Vectors under Fault States</a:t>
-            </a:r>
-          </a:p>
-          <a:p>
-            <a:pPr marL="342900" indent="-342900">
-              <a:buFont typeface="Arial" panose="020B0604020202020204" pitchFamily="34" charset="0"/>
-              <a:buChar char="•"/>
-            </a:pPr>
-            <a:r>
-              <a:rPr lang="en-US" dirty="0"/>
-              <a:t>Fault Tolerant  Control Strategy for 3-Level Inverters</a:t>
-            </a:r>
-          </a:p>
-          <a:p>
-            <a:pPr marL="342900" indent="-342900">
-              <a:buFont typeface="Arial" panose="020B0604020202020204" pitchFamily="34" charset="0"/>
-              <a:buChar char="•"/>
-            </a:pPr>
-            <a:r>
-              <a:rPr lang="en-US" dirty="0"/>
-              <a:t>References</a:t>
-            </a:r>
-            <a:endParaRPr lang="tr-TR" dirty="0"/>
-          </a:p>
-        </p:txBody>
-      </p:sp>
-      <p:sp>
-        <p:nvSpPr>
-          <p:cNvPr id="4" name="Slide Number Placeholder 3"/>
-          <p:cNvSpPr>
-            <a:spLocks noGrp="1"/>
-          </p:cNvSpPr>
-          <p:nvPr>
-            <p:ph type="sldNum" sz="quarter" idx="12"/>
-          </p:nvPr>
-        </p:nvSpPr>
-        <p:spPr/>
-        <p:txBody>
-          <a:bodyPr/>
-          <a:lstStyle/>
-          <a:p>
-            <a:pPr>
-              <a:defRPr/>
-            </a:pPr>
-            <a:fld id="{C878F797-6006-4DDA-AFE9-456F280FE6C5}" type="slidenum">
-              <a:rPr lang="en-US" smtClean="0"/>
-              <a:pPr>
-                <a:defRPr/>
-              </a:pPr>
-              <a:t>3</a:t>
-            </a:fld>
-            <a:endParaRPr lang="en-US" dirty="0"/>
-          </a:p>
-        </p:txBody>
-      </p:sp>
-      <p:sp>
-        <p:nvSpPr>
-          <p:cNvPr id="5" name="Date Placeholder 4"/>
-          <p:cNvSpPr>
-            <a:spLocks noGrp="1"/>
-          </p:cNvSpPr>
-          <p:nvPr>
-            <p:ph type="dt" sz="half" idx="2"/>
-          </p:nvPr>
-        </p:nvSpPr>
-        <p:spPr/>
-        <p:txBody>
-          <a:bodyPr/>
-          <a:lstStyle/>
-          <a:p>
-            <a:pPr>
-              <a:defRPr/>
-            </a:pPr>
-            <a:r>
-              <a:rPr lang="tr-TR"/>
-              <a:t>METU Electrical &amp; Electronics Engineering Department</a:t>
-            </a:r>
-            <a:endParaRPr lang="en-US" dirty="0"/>
-          </a:p>
-        </p:txBody>
-      </p:sp>
-    </p:spTree>
-    <p:extLst>
-      <p:ext uri="{BB962C8B-B14F-4D97-AF65-F5344CB8AC3E}">
-        <p14:creationId xmlns:p14="http://schemas.microsoft.com/office/powerpoint/2010/main" val="1601229741"/>
-      </p:ext>
-    </p:extLst>
-  </p:cSld>
-  <p:clrMapOvr>
-    <a:masterClrMapping/>
-  </p:clrMapOvr>
-</p:sld>
-</file>
-
-<file path=ppt/slides/slide4.xml><?xml version="1.0" encoding="utf-8"?>
-<p:sld xmlns:a="http://schemas.openxmlformats.org/drawingml/2006/main" xmlns:r="http://schemas.openxmlformats.org/officeDocument/2006/relationships" xmlns:p="http://schemas.openxmlformats.org/presentationml/2006/main">
-  <p:cSld>
-    <p:spTree>
-      <p:nvGrpSpPr>
-        <p:cNvPr id="1" name=""/>
-        <p:cNvGrpSpPr/>
-        <p:nvPr/>
-      </p:nvGrpSpPr>
-      <p:grpSpPr>
-        <a:xfrm>
-          <a:off x="0" y="0"/>
-          <a:ext cx="0" cy="0"/>
-          <a:chOff x="0" y="0"/>
-          <a:chExt cx="0" cy="0"/>
-        </a:xfrm>
-      </p:grpSpPr>
-      <p:sp>
-        <p:nvSpPr>
-          <p:cNvPr id="2" name="Title 1">
-            <a:extLst>
-              <a:ext uri="{FF2B5EF4-FFF2-40B4-BE49-F238E27FC236}">
-                <a16:creationId xmlns:a16="http://schemas.microsoft.com/office/drawing/2014/main" id="{7DE46394-088F-FE9B-1509-EC62856EBCBB}"/>
-              </a:ext>
-            </a:extLst>
-          </p:cNvPr>
-          <p:cNvSpPr>
-            <a:spLocks noGrp="1"/>
-          </p:cNvSpPr>
-          <p:nvPr>
-            <p:ph type="title"/>
-          </p:nvPr>
-        </p:nvSpPr>
-        <p:spPr/>
-        <p:txBody>
-          <a:bodyPr/>
-          <a:lstStyle/>
-          <a:p>
-            <a:r>
-              <a:rPr lang="en-US" dirty="0"/>
-              <a:t>Electrical Machine Drives</a:t>
-            </a:r>
-          </a:p>
-        </p:txBody>
-      </p:sp>
-      <p:sp>
-        <p:nvSpPr>
-          <p:cNvPr id="3" name="Content Placeholder 2">
-            <a:extLst>
-              <a:ext uri="{FF2B5EF4-FFF2-40B4-BE49-F238E27FC236}">
-                <a16:creationId xmlns:a16="http://schemas.microsoft.com/office/drawing/2014/main" id="{0DAA5C32-173E-9E13-7F67-D8B7F4D62B5E}"/>
-              </a:ext>
-            </a:extLst>
-          </p:cNvPr>
-          <p:cNvSpPr>
-            <a:spLocks noGrp="1"/>
-          </p:cNvSpPr>
-          <p:nvPr>
-            <p:ph idx="1"/>
-          </p:nvPr>
-        </p:nvSpPr>
-        <p:spPr/>
-        <p:txBody>
-          <a:bodyPr/>
-          <a:lstStyle/>
-          <a:p>
-            <a:pPr marL="342900" indent="-342900">
-              <a:buFont typeface="Arial" panose="020B0604020202020204" pitchFamily="34" charset="0"/>
-              <a:buChar char="•"/>
-            </a:pPr>
-            <a:r>
-              <a:rPr lang="en-US" sz="1800" dirty="0"/>
-              <a:t>AC Machine Applications,</a:t>
-            </a:r>
-          </a:p>
-          <a:p>
-            <a:pPr marL="342900" indent="-342900">
-              <a:buFont typeface="Arial" panose="020B0604020202020204" pitchFamily="34" charset="0"/>
-              <a:buChar char="•"/>
-            </a:pPr>
-            <a:r>
-              <a:rPr lang="en-US" sz="1800" dirty="0"/>
-              <a:t>Electrical Vehicles</a:t>
-            </a:r>
-          </a:p>
-          <a:p>
-            <a:pPr marL="342900" indent="-342900">
-              <a:buFont typeface="Arial" panose="020B0604020202020204" pitchFamily="34" charset="0"/>
-              <a:buChar char="•"/>
-            </a:pPr>
-            <a:r>
-              <a:rPr lang="en-US" sz="1800" dirty="0"/>
-              <a:t>Renewable Energy Systems</a:t>
-            </a:r>
-          </a:p>
-          <a:p>
-            <a:pPr marL="342900" indent="-342900">
-              <a:buFont typeface="Arial" panose="020B0604020202020204" pitchFamily="34" charset="0"/>
-              <a:buChar char="•"/>
-            </a:pPr>
-            <a:r>
-              <a:rPr lang="en-US" sz="1800" dirty="0"/>
-              <a:t>Industry</a:t>
-            </a:r>
-          </a:p>
-          <a:p>
-            <a:pPr marL="342900" indent="-342900">
-              <a:buFont typeface="Arial" panose="020B0604020202020204" pitchFamily="34" charset="0"/>
-              <a:buChar char="•"/>
-            </a:pPr>
-            <a:endParaRPr lang="en-US" sz="1800" dirty="0"/>
-          </a:p>
-          <a:p>
-            <a:pPr marL="342900" indent="-342900">
-              <a:buFont typeface="Arial" panose="020B0604020202020204" pitchFamily="34" charset="0"/>
-              <a:buChar char="•"/>
-            </a:pPr>
-            <a:r>
-              <a:rPr lang="en-US" sz="1800" dirty="0"/>
-              <a:t>Control of an AC Machine for,</a:t>
-            </a:r>
-          </a:p>
-          <a:p>
-            <a:pPr marL="342900" indent="-342900">
-              <a:buFont typeface="Arial" panose="020B0604020202020204" pitchFamily="34" charset="0"/>
-              <a:buChar char="•"/>
-            </a:pPr>
-            <a:r>
-              <a:rPr lang="en-US" sz="1800" dirty="0"/>
-              <a:t>Desired Speed, Torque</a:t>
-            </a:r>
-          </a:p>
-          <a:p>
-            <a:pPr marL="342900" indent="-342900">
-              <a:buFont typeface="Arial" panose="020B0604020202020204" pitchFamily="34" charset="0"/>
-              <a:buChar char="•"/>
-            </a:pPr>
-            <a:r>
-              <a:rPr lang="en-US" sz="1800" dirty="0"/>
-              <a:t>Efficient system</a:t>
-            </a:r>
-          </a:p>
-          <a:p>
-            <a:pPr marL="342900" indent="-342900">
-              <a:buFont typeface="Arial" panose="020B0604020202020204" pitchFamily="34" charset="0"/>
-              <a:buChar char="•"/>
-            </a:pPr>
-            <a:endParaRPr lang="en-US" sz="1800" dirty="0"/>
-          </a:p>
-          <a:p>
-            <a:pPr marL="342900" indent="-342900">
-              <a:buFont typeface="Arial" panose="020B0604020202020204" pitchFamily="34" charset="0"/>
-              <a:buChar char="•"/>
-            </a:pPr>
-            <a:r>
-              <a:rPr lang="en-US" sz="1800" dirty="0"/>
-              <a:t> DC/AC Converters (Inverters)</a:t>
-            </a:r>
-          </a:p>
-          <a:p>
-            <a:pPr marL="342900" indent="-342900">
-              <a:buFont typeface="Arial" panose="020B0604020202020204" pitchFamily="34" charset="0"/>
-              <a:buChar char="•"/>
-            </a:pPr>
-            <a:endParaRPr lang="en-US" dirty="0"/>
-          </a:p>
-          <a:p>
-            <a:pPr marL="342900" indent="-342900">
-              <a:buFont typeface="Arial" panose="020B0604020202020204" pitchFamily="34" charset="0"/>
-              <a:buChar char="•"/>
-            </a:pPr>
-            <a:endParaRPr lang="en-US" dirty="0"/>
-          </a:p>
-        </p:txBody>
-      </p:sp>
-      <p:sp>
-        <p:nvSpPr>
-          <p:cNvPr id="4" name="Slide Number Placeholder 3">
-            <a:extLst>
-              <a:ext uri="{FF2B5EF4-FFF2-40B4-BE49-F238E27FC236}">
-                <a16:creationId xmlns:a16="http://schemas.microsoft.com/office/drawing/2014/main" id="{491475EB-74F1-D33B-9C31-A50A5D684B89}"/>
-              </a:ext>
-            </a:extLst>
-          </p:cNvPr>
-          <p:cNvSpPr>
-            <a:spLocks noGrp="1"/>
-          </p:cNvSpPr>
-          <p:nvPr>
-            <p:ph type="sldNum" sz="quarter" idx="12"/>
-          </p:nvPr>
-        </p:nvSpPr>
-        <p:spPr/>
-        <p:txBody>
-          <a:bodyPr/>
-          <a:lstStyle/>
-          <a:p>
-            <a:pPr>
-              <a:defRPr/>
-            </a:pPr>
-            <a:fld id="{C878F797-6006-4DDA-AFE9-456F280FE6C5}" type="slidenum">
-              <a:rPr lang="en-US" smtClean="0"/>
-              <a:pPr>
-                <a:defRPr/>
-              </a:pPr>
-              <a:t>4</a:t>
-            </a:fld>
-            <a:endParaRPr lang="en-US" dirty="0"/>
-          </a:p>
-        </p:txBody>
-      </p:sp>
-      <p:sp>
-        <p:nvSpPr>
-          <p:cNvPr id="5" name="Date Placeholder 4">
-            <a:extLst>
-              <a:ext uri="{FF2B5EF4-FFF2-40B4-BE49-F238E27FC236}">
-                <a16:creationId xmlns:a16="http://schemas.microsoft.com/office/drawing/2014/main" id="{6ADD0702-E79B-6B60-1924-244A0E594D10}"/>
-              </a:ext>
-            </a:extLst>
-          </p:cNvPr>
-          <p:cNvSpPr>
-            <a:spLocks noGrp="1"/>
-          </p:cNvSpPr>
-          <p:nvPr>
-            <p:ph type="dt" sz="half" idx="2"/>
-          </p:nvPr>
-        </p:nvSpPr>
-        <p:spPr/>
-        <p:txBody>
-          <a:bodyPr/>
-          <a:lstStyle/>
-          <a:p>
-            <a:pPr>
-              <a:defRPr/>
-            </a:pPr>
-            <a:r>
-              <a:rPr lang="tr-TR"/>
-              <a:t>METU Electrical &amp; Electronics Engineering Department</a:t>
-            </a:r>
-            <a:endParaRPr lang="en-US" dirty="0"/>
-          </a:p>
-        </p:txBody>
-      </p:sp>
-      <p:pic>
-        <p:nvPicPr>
-          <p:cNvPr id="7" name="Picture 6" descr="Powertain of EV">
-            <a:extLst>
-              <a:ext uri="{FF2B5EF4-FFF2-40B4-BE49-F238E27FC236}">
-                <a16:creationId xmlns:a16="http://schemas.microsoft.com/office/drawing/2014/main" id="{C1A80DEE-7A7F-0283-E205-3E95D52C627A}"/>
-              </a:ext>
-            </a:extLst>
-          </p:cNvPr>
-          <p:cNvPicPr>
-            <a:picLocks noChangeAspect="1"/>
-          </p:cNvPicPr>
-          <p:nvPr/>
-        </p:nvPicPr>
-        <p:blipFill>
-          <a:blip r:embed="rId2"/>
-          <a:stretch>
-            <a:fillRect/>
-          </a:stretch>
-        </p:blipFill>
-        <p:spPr>
-          <a:xfrm>
-            <a:off x="4550669" y="4242982"/>
-            <a:ext cx="4039309" cy="2019655"/>
-          </a:xfrm>
-          <a:prstGeom prst="rect">
-            <a:avLst/>
-          </a:prstGeom>
-        </p:spPr>
-      </p:pic>
-      <p:pic>
-        <p:nvPicPr>
-          <p:cNvPr id="11" name="Picture 10" descr="A wind turbine with blue sky&#10;&#10;Description automatically generated">
-            <a:extLst>
-              <a:ext uri="{FF2B5EF4-FFF2-40B4-BE49-F238E27FC236}">
-                <a16:creationId xmlns:a16="http://schemas.microsoft.com/office/drawing/2014/main" id="{308DB8B5-E37B-49F9-B10F-76FFB1BEB7A9}"/>
-              </a:ext>
-            </a:extLst>
-          </p:cNvPr>
-          <p:cNvPicPr>
-            <a:picLocks noChangeAspect="1"/>
-          </p:cNvPicPr>
-          <p:nvPr/>
-        </p:nvPicPr>
-        <p:blipFill>
-          <a:blip r:embed="rId3"/>
-          <a:stretch>
-            <a:fillRect/>
-          </a:stretch>
-        </p:blipFill>
-        <p:spPr>
-          <a:xfrm>
-            <a:off x="5416436" y="1468438"/>
-            <a:ext cx="3173542" cy="2428503"/>
-          </a:xfrm>
-          <a:prstGeom prst="rect">
-            <a:avLst/>
-          </a:prstGeom>
-        </p:spPr>
-      </p:pic>
-    </p:spTree>
-    <p:extLst>
-      <p:ext uri="{BB962C8B-B14F-4D97-AF65-F5344CB8AC3E}">
-        <p14:creationId xmlns:p14="http://schemas.microsoft.com/office/powerpoint/2010/main" val="2686185006"/>
-      </p:ext>
-    </p:extLst>
-  </p:cSld>
-  <p:clrMapOvr>
-    <a:masterClrMapping/>
-  </p:clrMapOvr>
-</p:sld>
-</file>
-
-<file path=ppt/slides/slide5.xml><?xml version="1.0" encoding="utf-8"?>
-<p:sld xmlns:a="http://schemas.openxmlformats.org/drawingml/2006/main" xmlns:r="http://schemas.openxmlformats.org/officeDocument/2006/relationships" xmlns:p="http://schemas.openxmlformats.org/presentationml/2006/main">
-  <p:cSld>
-    <p:spTree>
-      <p:nvGrpSpPr>
-        <p:cNvPr id="1" name=""/>
-        <p:cNvGrpSpPr/>
-        <p:nvPr/>
-      </p:nvGrpSpPr>
-      <p:grpSpPr>
-        <a:xfrm>
-          <a:off x="0" y="0"/>
-          <a:ext cx="0" cy="0"/>
-          <a:chOff x="0" y="0"/>
-          <a:chExt cx="0" cy="0"/>
-        </a:xfrm>
-      </p:grpSpPr>
-      <p:sp>
-        <p:nvSpPr>
-          <p:cNvPr id="2" name="Title 1">
-            <a:extLst>
-              <a:ext uri="{FF2B5EF4-FFF2-40B4-BE49-F238E27FC236}">
-                <a16:creationId xmlns:a16="http://schemas.microsoft.com/office/drawing/2014/main" id="{7DE46394-088F-FE9B-1509-EC62856EBCBB}"/>
-              </a:ext>
-            </a:extLst>
-          </p:cNvPr>
-          <p:cNvSpPr>
-            <a:spLocks noGrp="1"/>
-          </p:cNvSpPr>
-          <p:nvPr>
-            <p:ph type="title"/>
-          </p:nvPr>
-        </p:nvSpPr>
-        <p:spPr/>
-        <p:txBody>
-          <a:bodyPr/>
-          <a:lstStyle/>
-          <a:p>
-            <a:r>
-              <a:rPr lang="en-US" dirty="0"/>
-              <a:t>3-Level NPC Inverters</a:t>
-            </a:r>
-          </a:p>
-        </p:txBody>
-      </p:sp>
-      <p:sp>
-        <p:nvSpPr>
-          <p:cNvPr id="3" name="Content Placeholder 2">
-            <a:extLst>
-              <a:ext uri="{FF2B5EF4-FFF2-40B4-BE49-F238E27FC236}">
-                <a16:creationId xmlns:a16="http://schemas.microsoft.com/office/drawing/2014/main" id="{0DAA5C32-173E-9E13-7F67-D8B7F4D62B5E}"/>
-              </a:ext>
-            </a:extLst>
-          </p:cNvPr>
-          <p:cNvSpPr>
-            <a:spLocks noGrp="1"/>
-          </p:cNvSpPr>
-          <p:nvPr>
-            <p:ph idx="1"/>
-          </p:nvPr>
-        </p:nvSpPr>
-        <p:spPr>
-          <a:xfrm>
-            <a:off x="457199" y="1430338"/>
-            <a:ext cx="8246533" cy="4987925"/>
-          </a:xfrm>
-        </p:spPr>
-        <p:txBody>
-          <a:bodyPr/>
-          <a:lstStyle/>
-          <a:p>
-            <a:pPr marL="342900" indent="-342900">
-              <a:buFont typeface="Arial" panose="020B0604020202020204" pitchFamily="34" charset="0"/>
-              <a:buChar char="•"/>
-            </a:pPr>
-            <a:r>
-              <a:rPr lang="en-US" sz="1800" dirty="0"/>
-              <a:t>12 switches</a:t>
-            </a:r>
-          </a:p>
-          <a:p>
-            <a:pPr marL="342900" indent="-342900">
-              <a:buFont typeface="Arial" panose="020B0604020202020204" pitchFamily="34" charset="0"/>
-              <a:buChar char="•"/>
-            </a:pPr>
-            <a:endParaRPr lang="en-US" sz="1800" dirty="0"/>
-          </a:p>
-          <a:p>
-            <a:pPr marL="342900" indent="-342900">
-              <a:buFont typeface="Arial" panose="020B0604020202020204" pitchFamily="34" charset="0"/>
-              <a:buChar char="•"/>
-            </a:pPr>
-            <a:r>
-              <a:rPr lang="en-US" sz="1800" dirty="0"/>
-              <a:t>6 diodes for 0-states</a:t>
-            </a:r>
-          </a:p>
-          <a:p>
-            <a:pPr marL="342900" indent="-342900">
-              <a:buFont typeface="Arial" panose="020B0604020202020204" pitchFamily="34" charset="0"/>
-              <a:buChar char="•"/>
-            </a:pPr>
-            <a:endParaRPr lang="en-US" sz="1800" dirty="0"/>
-          </a:p>
-          <a:p>
-            <a:pPr marL="342900" indent="-342900">
-              <a:buFont typeface="Arial" panose="020B0604020202020204" pitchFamily="34" charset="0"/>
-              <a:buChar char="•"/>
-            </a:pPr>
-            <a:r>
-              <a:rPr lang="en-US" sz="1800" dirty="0"/>
-              <a:t>Capacitor voltages can be different.</a:t>
-            </a:r>
-          </a:p>
-          <a:p>
-            <a:pPr marL="342900" indent="-342900">
-              <a:buFont typeface="Arial" panose="020B0604020202020204" pitchFamily="34" charset="0"/>
-              <a:buChar char="•"/>
-            </a:pPr>
-            <a:endParaRPr lang="en-US" dirty="0"/>
-          </a:p>
-        </p:txBody>
-      </p:sp>
-      <p:sp>
-        <p:nvSpPr>
-          <p:cNvPr id="4" name="Slide Number Placeholder 3">
-            <a:extLst>
-              <a:ext uri="{FF2B5EF4-FFF2-40B4-BE49-F238E27FC236}">
-                <a16:creationId xmlns:a16="http://schemas.microsoft.com/office/drawing/2014/main" id="{491475EB-74F1-D33B-9C31-A50A5D684B89}"/>
-              </a:ext>
-            </a:extLst>
-          </p:cNvPr>
-          <p:cNvSpPr>
-            <a:spLocks noGrp="1"/>
-          </p:cNvSpPr>
-          <p:nvPr>
-            <p:ph type="sldNum" sz="quarter" idx="12"/>
-          </p:nvPr>
-        </p:nvSpPr>
-        <p:spPr/>
-        <p:txBody>
-          <a:bodyPr/>
-          <a:lstStyle/>
-          <a:p>
-            <a:pPr>
-              <a:defRPr/>
-            </a:pPr>
-            <a:fld id="{C878F797-6006-4DDA-AFE9-456F280FE6C5}" type="slidenum">
-              <a:rPr lang="en-US" smtClean="0"/>
-              <a:pPr>
-                <a:defRPr/>
-              </a:pPr>
-              <a:t>5</a:t>
-            </a:fld>
-            <a:endParaRPr lang="en-US" dirty="0"/>
-          </a:p>
-        </p:txBody>
-      </p:sp>
-      <p:sp>
-        <p:nvSpPr>
-          <p:cNvPr id="5" name="Date Placeholder 4">
-            <a:extLst>
-              <a:ext uri="{FF2B5EF4-FFF2-40B4-BE49-F238E27FC236}">
-                <a16:creationId xmlns:a16="http://schemas.microsoft.com/office/drawing/2014/main" id="{6ADD0702-E79B-6B60-1924-244A0E594D10}"/>
-              </a:ext>
-            </a:extLst>
-          </p:cNvPr>
-          <p:cNvSpPr>
-            <a:spLocks noGrp="1"/>
-          </p:cNvSpPr>
-          <p:nvPr>
-            <p:ph type="dt" sz="half" idx="2"/>
-          </p:nvPr>
-        </p:nvSpPr>
-        <p:spPr/>
-        <p:txBody>
-          <a:bodyPr/>
-          <a:lstStyle/>
-          <a:p>
-            <a:pPr>
-              <a:defRPr/>
-            </a:pPr>
-            <a:r>
-              <a:rPr lang="tr-TR"/>
-              <a:t>METU Electrical &amp; Electronics Engineering Department</a:t>
-            </a:r>
-            <a:endParaRPr lang="en-US" dirty="0"/>
-          </a:p>
-        </p:txBody>
-      </p:sp>
-      <p:pic>
-        <p:nvPicPr>
-          <p:cNvPr id="7" name="Picture 6">
-            <a:extLst>
-              <a:ext uri="{FF2B5EF4-FFF2-40B4-BE49-F238E27FC236}">
-                <a16:creationId xmlns:a16="http://schemas.microsoft.com/office/drawing/2014/main" id="{FFED08CE-845C-6ABA-90DD-A6A53956ACD7}"/>
-              </a:ext>
-            </a:extLst>
-          </p:cNvPr>
-          <p:cNvPicPr>
-            <a:picLocks noChangeAspect="1"/>
-          </p:cNvPicPr>
-          <p:nvPr/>
-        </p:nvPicPr>
-        <p:blipFill>
-          <a:blip r:embed="rId2"/>
-          <a:stretch>
-            <a:fillRect/>
-          </a:stretch>
-        </p:blipFill>
-        <p:spPr>
-          <a:xfrm>
-            <a:off x="3638228" y="3116392"/>
-            <a:ext cx="5358733" cy="2878272"/>
-          </a:xfrm>
-          <a:prstGeom prst="rect">
-            <a:avLst/>
-          </a:prstGeom>
-        </p:spPr>
-      </p:pic>
-      <p:sp>
-        <p:nvSpPr>
-          <p:cNvPr id="6" name="TextBox 5">
-            <a:extLst>
-              <a:ext uri="{FF2B5EF4-FFF2-40B4-BE49-F238E27FC236}">
-                <a16:creationId xmlns:a16="http://schemas.microsoft.com/office/drawing/2014/main" id="{EE87097F-DA01-75AA-382B-3361DA937AA7}"/>
-              </a:ext>
-            </a:extLst>
-          </p:cNvPr>
-          <p:cNvSpPr txBox="1"/>
-          <p:nvPr/>
-        </p:nvSpPr>
-        <p:spPr>
-          <a:xfrm>
-            <a:off x="601133" y="3632198"/>
-            <a:ext cx="3124199" cy="923330"/>
-          </a:xfrm>
-          <a:prstGeom prst="rect">
-            <a:avLst/>
-          </a:prstGeom>
-          <a:noFill/>
-        </p:spPr>
-        <p:txBody>
-          <a:bodyPr wrap="square" rtlCol="0">
-            <a:spAutoFit/>
-          </a:bodyPr>
-          <a:lstStyle/>
-          <a:p>
-            <a:pPr marL="342900" indent="-342900">
-              <a:spcBef>
-                <a:spcPct val="20000"/>
-              </a:spcBef>
-              <a:buClr>
-                <a:srgbClr val="0BD0D9"/>
-              </a:buClr>
-              <a:buSzPct val="95000"/>
-              <a:buFont typeface="Arial" panose="020B0604020202020204" pitchFamily="34" charset="0"/>
-              <a:buChar char="•"/>
-            </a:pPr>
-            <a:r>
-              <a:rPr lang="en-US" dirty="0">
-                <a:latin typeface="Century Gothic" panose="020B0502020202020204" pitchFamily="34" charset="0"/>
-                <a:cs typeface="Arial"/>
-              </a:rPr>
-              <a:t>Neutral Point must be controlled.</a:t>
-            </a:r>
-          </a:p>
-          <a:p>
-            <a:endParaRPr lang="en-US" dirty="0"/>
-          </a:p>
-        </p:txBody>
-      </p:sp>
-      <p:sp>
-        <p:nvSpPr>
-          <p:cNvPr id="8" name="TextBox 7">
-            <a:extLst>
-              <a:ext uri="{FF2B5EF4-FFF2-40B4-BE49-F238E27FC236}">
-                <a16:creationId xmlns:a16="http://schemas.microsoft.com/office/drawing/2014/main" id="{2D2635A0-FF51-70CF-9455-8DFE8B1F2AB8}"/>
-              </a:ext>
-            </a:extLst>
-          </p:cNvPr>
-          <p:cNvSpPr txBox="1"/>
-          <p:nvPr/>
-        </p:nvSpPr>
-        <p:spPr>
-          <a:xfrm>
-            <a:off x="4707119" y="6008985"/>
-            <a:ext cx="2587568" cy="307777"/>
-          </a:xfrm>
-          <a:prstGeom prst="rect">
-            <a:avLst/>
-          </a:prstGeom>
-          <a:noFill/>
-        </p:spPr>
-        <p:txBody>
-          <a:bodyPr wrap="none" rtlCol="0">
-            <a:spAutoFit/>
-          </a:bodyPr>
-          <a:lstStyle/>
-          <a:p>
-            <a:r>
-              <a:rPr lang="en-US" sz="1400" dirty="0">
-                <a:latin typeface="Century Gothic" panose="020B0502020202020204" pitchFamily="34" charset="0"/>
-                <a:cs typeface="Arial"/>
-              </a:rPr>
-              <a:t> 3-Level NPC Inverter Circuit</a:t>
-            </a:r>
-          </a:p>
-        </p:txBody>
-      </p:sp>
-    </p:spTree>
-    <p:extLst>
-      <p:ext uri="{BB962C8B-B14F-4D97-AF65-F5344CB8AC3E}">
-        <p14:creationId xmlns:p14="http://schemas.microsoft.com/office/powerpoint/2010/main" val="2437237276"/>
-      </p:ext>
-    </p:extLst>
-  </p:cSld>
-  <p:clrMapOvr>
-    <a:masterClrMapping/>
-  </p:clrMapOvr>
-</p:sld>
-</file>
-
-<file path=ppt/slides/slide6.xml><?xml version="1.0" encoding="utf-8"?>
-<p:sld xmlns:a="http://schemas.openxmlformats.org/drawingml/2006/main" xmlns:r="http://schemas.openxmlformats.org/officeDocument/2006/relationships" xmlns:p="http://schemas.openxmlformats.org/presentationml/2006/main">
-  <p:cSld>
-    <p:spTree>
-      <p:nvGrpSpPr>
-        <p:cNvPr id="1" name=""/>
-        <p:cNvGrpSpPr/>
-        <p:nvPr/>
-      </p:nvGrpSpPr>
-      <p:grpSpPr>
-        <a:xfrm>
-          <a:off x="0" y="0"/>
-          <a:ext cx="0" cy="0"/>
-          <a:chOff x="0" y="0"/>
-          <a:chExt cx="0" cy="0"/>
-        </a:xfrm>
-      </p:grpSpPr>
-      <p:sp>
-        <p:nvSpPr>
-          <p:cNvPr id="2" name="Title 1">
-            <a:extLst>
-              <a:ext uri="{FF2B5EF4-FFF2-40B4-BE49-F238E27FC236}">
-                <a16:creationId xmlns:a16="http://schemas.microsoft.com/office/drawing/2014/main" id="{7DE46394-088F-FE9B-1509-EC62856EBCBB}"/>
-              </a:ext>
-            </a:extLst>
-          </p:cNvPr>
-          <p:cNvSpPr>
-            <a:spLocks noGrp="1"/>
-          </p:cNvSpPr>
-          <p:nvPr>
-            <p:ph type="title"/>
-          </p:nvPr>
-        </p:nvSpPr>
-        <p:spPr/>
-        <p:txBody>
-          <a:bodyPr/>
-          <a:lstStyle/>
-          <a:p>
-            <a:r>
-              <a:rPr lang="en-US" dirty="0"/>
-              <a:t>Electrical Machine Drives</a:t>
-            </a:r>
-          </a:p>
-        </p:txBody>
-      </p:sp>
-      <p:sp>
-        <p:nvSpPr>
-          <p:cNvPr id="6" name="Text Placeholder 5">
-            <a:extLst>
-              <a:ext uri="{FF2B5EF4-FFF2-40B4-BE49-F238E27FC236}">
-                <a16:creationId xmlns:a16="http://schemas.microsoft.com/office/drawing/2014/main" id="{3313401F-3E4F-D565-B5B4-1E97612DF5C8}"/>
-              </a:ext>
-            </a:extLst>
-          </p:cNvPr>
-          <p:cNvSpPr>
-            <a:spLocks noGrp="1"/>
-          </p:cNvSpPr>
-          <p:nvPr>
-            <p:ph type="body" idx="1"/>
-          </p:nvPr>
-        </p:nvSpPr>
-        <p:spPr/>
-        <p:txBody>
-          <a:bodyPr/>
-          <a:lstStyle/>
-          <a:p>
-            <a:r>
-              <a:rPr lang="en-US" dirty="0"/>
-              <a:t>2-level Inverters</a:t>
-            </a:r>
-          </a:p>
-        </p:txBody>
-      </p:sp>
-      <p:sp>
-        <p:nvSpPr>
-          <p:cNvPr id="8" name="Text Placeholder 7">
-            <a:extLst>
-              <a:ext uri="{FF2B5EF4-FFF2-40B4-BE49-F238E27FC236}">
-                <a16:creationId xmlns:a16="http://schemas.microsoft.com/office/drawing/2014/main" id="{94DBA42D-8DD2-CA31-FEC5-7352C14FDFD8}"/>
-              </a:ext>
-            </a:extLst>
-          </p:cNvPr>
-          <p:cNvSpPr>
-            <a:spLocks noGrp="1"/>
-          </p:cNvSpPr>
-          <p:nvPr>
-            <p:ph type="body" sz="half" idx="3"/>
-          </p:nvPr>
-        </p:nvSpPr>
-        <p:spPr/>
-        <p:txBody>
-          <a:bodyPr/>
-          <a:lstStyle/>
-          <a:p>
-            <a:r>
-              <a:rPr lang="en-US" dirty="0"/>
-              <a:t>3-Level Inverters</a:t>
-            </a:r>
-          </a:p>
-        </p:txBody>
-      </p:sp>
-      <p:sp>
-        <p:nvSpPr>
-          <p:cNvPr id="7" name="Content Placeholder 6">
-            <a:extLst>
-              <a:ext uri="{FF2B5EF4-FFF2-40B4-BE49-F238E27FC236}">
-                <a16:creationId xmlns:a16="http://schemas.microsoft.com/office/drawing/2014/main" id="{A3E5EEAA-B982-CFC0-E5F9-9BA9DEDF3BE4}"/>
-              </a:ext>
-            </a:extLst>
-          </p:cNvPr>
-          <p:cNvSpPr>
-            <a:spLocks noGrp="1"/>
-          </p:cNvSpPr>
-          <p:nvPr>
-            <p:ph sz="quarter" idx="2"/>
-          </p:nvPr>
-        </p:nvSpPr>
-        <p:spPr/>
-        <p:txBody>
-          <a:bodyPr/>
-          <a:lstStyle/>
-          <a:p>
-            <a:pPr marL="342900" indent="-342900">
-              <a:buFont typeface="Arial" panose="020B0604020202020204" pitchFamily="34" charset="0"/>
-              <a:buChar char="•"/>
-            </a:pPr>
-            <a:r>
-              <a:rPr lang="en-US" sz="1800" dirty="0"/>
-              <a:t>6 switches</a:t>
-            </a:r>
-          </a:p>
-          <a:p>
-            <a:pPr marL="342900" indent="-342900">
-              <a:buFont typeface="Arial" panose="020B0604020202020204" pitchFamily="34" charset="0"/>
-              <a:buChar char="•"/>
-            </a:pPr>
-            <a:endParaRPr lang="en-US" sz="1800" dirty="0"/>
-          </a:p>
-          <a:p>
-            <a:pPr marL="342900" indent="-342900">
-              <a:buFont typeface="Arial" panose="020B0604020202020204" pitchFamily="34" charset="0"/>
-              <a:buChar char="•"/>
-            </a:pPr>
-            <a:r>
-              <a:rPr lang="en-US" sz="1800" dirty="0"/>
-              <a:t>[Vdc/2, -Vdc/2] voltage levels</a:t>
-            </a:r>
-          </a:p>
-          <a:p>
-            <a:pPr marL="342900" indent="-342900">
-              <a:buFont typeface="Arial" panose="020B0604020202020204" pitchFamily="34" charset="0"/>
-              <a:buChar char="•"/>
-            </a:pPr>
-            <a:endParaRPr lang="en-US" sz="1800" dirty="0"/>
-          </a:p>
-          <a:p>
-            <a:pPr marL="342900" indent="-342900">
-              <a:buFont typeface="Arial" panose="020B0604020202020204" pitchFamily="34" charset="0"/>
-              <a:buChar char="•"/>
-            </a:pPr>
-            <a:r>
-              <a:rPr lang="en-US" sz="1800" dirty="0"/>
-              <a:t>Voltage stress of switch: Vdc </a:t>
-            </a:r>
-          </a:p>
-        </p:txBody>
-      </p:sp>
-      <p:sp>
-        <p:nvSpPr>
-          <p:cNvPr id="9" name="Content Placeholder 8">
-            <a:extLst>
-              <a:ext uri="{FF2B5EF4-FFF2-40B4-BE49-F238E27FC236}">
-                <a16:creationId xmlns:a16="http://schemas.microsoft.com/office/drawing/2014/main" id="{19D14737-ED35-D034-712D-EEDD4EFCA95E}"/>
-              </a:ext>
-            </a:extLst>
-          </p:cNvPr>
-          <p:cNvSpPr>
-            <a:spLocks noGrp="1"/>
-          </p:cNvSpPr>
-          <p:nvPr>
-            <p:ph sz="quarter" idx="4"/>
-          </p:nvPr>
-        </p:nvSpPr>
-        <p:spPr/>
-        <p:txBody>
-          <a:bodyPr/>
-          <a:lstStyle/>
-          <a:p>
-            <a:pPr marL="342900" indent="-342900">
-              <a:buFont typeface="Arial" panose="020B0604020202020204" pitchFamily="34" charset="0"/>
-              <a:buChar char="•"/>
-            </a:pPr>
-            <a:r>
-              <a:rPr lang="en-US" sz="1600" dirty="0"/>
-              <a:t>Different Types( T-type, NPC etc.)</a:t>
-            </a:r>
-          </a:p>
-          <a:p>
-            <a:pPr marL="342900" indent="-342900">
-              <a:buFont typeface="Arial" panose="020B0604020202020204" pitchFamily="34" charset="0"/>
-              <a:buChar char="•"/>
-            </a:pPr>
-            <a:endParaRPr lang="en-US" sz="1600" dirty="0"/>
-          </a:p>
-          <a:p>
-            <a:pPr marL="342900" indent="-342900">
-              <a:buFont typeface="Arial" panose="020B0604020202020204" pitchFamily="34" charset="0"/>
-              <a:buChar char="•"/>
-            </a:pPr>
-            <a:r>
-              <a:rPr lang="en-US" sz="1600" dirty="0"/>
-              <a:t>[Vdc/2, 0, -Vdc/2] voltage levels [1]</a:t>
-            </a:r>
-          </a:p>
-          <a:p>
-            <a:pPr marL="342900" indent="-342900">
-              <a:buFont typeface="Arial" panose="020B0604020202020204" pitchFamily="34" charset="0"/>
-              <a:buChar char="•"/>
-            </a:pPr>
-            <a:endParaRPr lang="en-US" sz="1600" dirty="0"/>
-          </a:p>
-          <a:p>
-            <a:pPr marL="342900" indent="-342900">
-              <a:buFont typeface="Arial" panose="020B0604020202020204" pitchFamily="34" charset="0"/>
-              <a:buChar char="•"/>
-            </a:pPr>
-            <a:r>
-              <a:rPr lang="en-US" sz="1600" dirty="0"/>
-              <a:t>Voltage stress of switch: Vdc/2</a:t>
-            </a:r>
-          </a:p>
-          <a:p>
-            <a:pPr marL="342900" indent="-342900">
-              <a:buFont typeface="Arial" panose="020B0604020202020204" pitchFamily="34" charset="0"/>
-              <a:buChar char="•"/>
-            </a:pPr>
-            <a:endParaRPr lang="en-US" dirty="0"/>
-          </a:p>
-          <a:p>
-            <a:endParaRPr lang="en-US" dirty="0"/>
-          </a:p>
-        </p:txBody>
-      </p:sp>
-      <p:sp>
-        <p:nvSpPr>
-          <p:cNvPr id="4" name="Slide Number Placeholder 3">
-            <a:extLst>
-              <a:ext uri="{FF2B5EF4-FFF2-40B4-BE49-F238E27FC236}">
-                <a16:creationId xmlns:a16="http://schemas.microsoft.com/office/drawing/2014/main" id="{491475EB-74F1-D33B-9C31-A50A5D684B89}"/>
-              </a:ext>
-            </a:extLst>
-          </p:cNvPr>
-          <p:cNvSpPr>
-            <a:spLocks noGrp="1"/>
-          </p:cNvSpPr>
-          <p:nvPr>
-            <p:ph type="sldNum" sz="quarter" idx="12"/>
-          </p:nvPr>
-        </p:nvSpPr>
-        <p:spPr/>
-        <p:txBody>
-          <a:bodyPr/>
-          <a:lstStyle/>
-          <a:p>
-            <a:pPr>
-              <a:defRPr/>
-            </a:pPr>
-            <a:fld id="{C878F797-6006-4DDA-AFE9-456F280FE6C5}" type="slidenum">
-              <a:rPr lang="en-US" smtClean="0"/>
-              <a:pPr>
-                <a:defRPr/>
-              </a:pPr>
-              <a:t>6</a:t>
-            </a:fld>
-            <a:endParaRPr lang="en-US" dirty="0"/>
-          </a:p>
-        </p:txBody>
-      </p:sp>
-      <p:sp>
-        <p:nvSpPr>
-          <p:cNvPr id="5" name="Date Placeholder 4">
-            <a:extLst>
-              <a:ext uri="{FF2B5EF4-FFF2-40B4-BE49-F238E27FC236}">
-                <a16:creationId xmlns:a16="http://schemas.microsoft.com/office/drawing/2014/main" id="{6ADD0702-E79B-6B60-1924-244A0E594D10}"/>
-              </a:ext>
-            </a:extLst>
-          </p:cNvPr>
-          <p:cNvSpPr>
-            <a:spLocks noGrp="1"/>
-          </p:cNvSpPr>
-          <p:nvPr>
-            <p:ph type="dt" sz="half" idx="13"/>
-          </p:nvPr>
-        </p:nvSpPr>
-        <p:spPr/>
-        <p:txBody>
-          <a:bodyPr/>
-          <a:lstStyle/>
-          <a:p>
-            <a:pPr>
-              <a:defRPr/>
-            </a:pPr>
-            <a:r>
-              <a:rPr lang="tr-TR"/>
-              <a:t>METU Electrical &amp; Electronics Engineering Department</a:t>
-            </a:r>
-            <a:endParaRPr lang="en-US" dirty="0"/>
-          </a:p>
-        </p:txBody>
-      </p:sp>
-      <p:pic>
-        <p:nvPicPr>
-          <p:cNvPr id="10" name="Picture 9">
-            <a:extLst>
-              <a:ext uri="{FF2B5EF4-FFF2-40B4-BE49-F238E27FC236}">
-                <a16:creationId xmlns:a16="http://schemas.microsoft.com/office/drawing/2014/main" id="{AF63C81A-0138-1D43-1BFA-75A9415CFB6F}"/>
-              </a:ext>
-            </a:extLst>
-          </p:cNvPr>
-          <p:cNvPicPr>
-            <a:picLocks noChangeAspect="1"/>
-          </p:cNvPicPr>
-          <p:nvPr/>
-        </p:nvPicPr>
-        <p:blipFill>
-          <a:blip r:embed="rId2"/>
-          <a:stretch>
-            <a:fillRect/>
-          </a:stretch>
-        </p:blipFill>
-        <p:spPr>
-          <a:xfrm>
-            <a:off x="4860729" y="4286317"/>
-            <a:ext cx="3973708" cy="2134350"/>
-          </a:xfrm>
-          <a:prstGeom prst="rect">
-            <a:avLst/>
-          </a:prstGeom>
-        </p:spPr>
-      </p:pic>
-      <p:pic>
-        <p:nvPicPr>
-          <p:cNvPr id="12" name="Picture 11">
-            <a:extLst>
-              <a:ext uri="{FF2B5EF4-FFF2-40B4-BE49-F238E27FC236}">
-                <a16:creationId xmlns:a16="http://schemas.microsoft.com/office/drawing/2014/main" id="{EE904760-2435-B6A2-9E8D-8362100FE392}"/>
-              </a:ext>
-            </a:extLst>
-          </p:cNvPr>
-          <p:cNvPicPr>
-            <a:picLocks noChangeAspect="1"/>
-          </p:cNvPicPr>
-          <p:nvPr/>
-        </p:nvPicPr>
-        <p:blipFill>
-          <a:blip r:embed="rId3"/>
-          <a:stretch>
-            <a:fillRect/>
-          </a:stretch>
-        </p:blipFill>
-        <p:spPr>
-          <a:xfrm>
-            <a:off x="770917" y="4346665"/>
-            <a:ext cx="3726471" cy="2013655"/>
-          </a:xfrm>
-          <a:prstGeom prst="rect">
-            <a:avLst/>
-          </a:prstGeom>
-        </p:spPr>
-      </p:pic>
-    </p:spTree>
-    <p:extLst>
-      <p:ext uri="{BB962C8B-B14F-4D97-AF65-F5344CB8AC3E}">
-        <p14:creationId xmlns:p14="http://schemas.microsoft.com/office/powerpoint/2010/main" val="1258404749"/>
-      </p:ext>
-    </p:extLst>
-  </p:cSld>
-  <p:clrMapOvr>
-    <a:masterClrMapping/>
-  </p:clrMapOvr>
-</p:sld>
-</file>
-
-<file path=ppt/slides/slide7.xml><?xml version="1.0" encoding="utf-8"?>
-<p:sld xmlns:a="http://schemas.openxmlformats.org/drawingml/2006/main" xmlns:r="http://schemas.openxmlformats.org/officeDocument/2006/relationships" xmlns:p="http://schemas.openxmlformats.org/presentationml/2006/main">
-  <p:cSld>
-    <p:spTree>
-      <p:nvGrpSpPr>
-        <p:cNvPr id="1" name=""/>
-        <p:cNvGrpSpPr/>
-        <p:nvPr/>
-      </p:nvGrpSpPr>
-      <p:grpSpPr>
-        <a:xfrm>
-          <a:off x="0" y="0"/>
-          <a:ext cx="0" cy="0"/>
-          <a:chOff x="0" y="0"/>
-          <a:chExt cx="0" cy="0"/>
-        </a:xfrm>
-      </p:grpSpPr>
-      <p:sp>
-        <p:nvSpPr>
-          <p:cNvPr id="2" name="Title 1">
-            <a:extLst>
-              <a:ext uri="{FF2B5EF4-FFF2-40B4-BE49-F238E27FC236}">
                 <a16:creationId xmlns:a16="http://schemas.microsoft.com/office/drawing/2014/main" id="{9896D066-A54E-A2E1-F1CC-44C9CA70372D}"/>
               </a:ext>
             </a:extLst>
@@ -7853,8 +4387,8 @@
         </p:nvSpPr>
         <p:spPr>
           <a:xfrm>
-            <a:off x="457200" y="1430338"/>
-            <a:ext cx="3869268" cy="4987925"/>
+            <a:off x="457200" y="1524000"/>
+            <a:ext cx="4385733" cy="4894263"/>
           </a:xfrm>
         </p:spPr>
         <p:txBody>
@@ -7867,7 +4401,7 @@
             </a:pPr>
             <a:r>
               <a:rPr lang="en-US" b="1" dirty="0"/>
-              <a:t>Sinusoidal PWM</a:t>
+              <a:t>Space Vector PWM (SVPWM)</a:t>
             </a:r>
           </a:p>
           <a:p>
@@ -7875,7 +4409,7 @@
               <a:buFont typeface="Arial" panose="020B0604020202020204" pitchFamily="34" charset="0"/>
               <a:buChar char="•"/>
             </a:pPr>
-            <a:endParaRPr lang="en-US" dirty="0"/>
+            <a:endParaRPr lang="en-US" b="1" dirty="0"/>
           </a:p>
           <a:p>
             <a:pPr marL="342900" indent="-342900">
@@ -7884,7 +4418,7 @@
             </a:pPr>
             <a:r>
               <a:rPr lang="en-US" sz="1800" dirty="0"/>
-              <a:t>2 carrier triangular signals</a:t>
+              <a:t>Totally 27 switching states [2]</a:t>
             </a:r>
           </a:p>
           <a:p>
@@ -7901,7 +4435,7 @@
             </a:pPr>
             <a:r>
               <a:rPr lang="en-US" sz="1800" dirty="0"/>
-              <a:t>3 reference signal with 120° phase shift</a:t>
+              <a:t>Required output vector is obtained by using four vectors.</a:t>
             </a:r>
           </a:p>
           <a:p>
@@ -7918,7 +4452,7 @@
             </a:pPr>
             <a:r>
               <a:rPr lang="en-US" sz="1800" dirty="0"/>
-              <a:t>Not control the neutral point</a:t>
+              <a:t>Six major regions. Each major regions have six sub regions.</a:t>
             </a:r>
           </a:p>
           <a:p>
@@ -7934,6 +4468,13 @@
               <a:buChar char="•"/>
             </a:pPr>
             <a:endParaRPr lang="en-US" dirty="0"/>
+          </a:p>
+          <a:p>
+            <a:pPr marL="342900" indent="-342900">
+              <a:buFont typeface="Arial" panose="020B0604020202020204" pitchFamily="34" charset="0"/>
+              <a:buChar char="•"/>
+            </a:pPr>
+            <a:endParaRPr lang="en-US" b="1" dirty="0"/>
           </a:p>
         </p:txBody>
       </p:sp>
@@ -7966,288 +4507,7 @@
               <a:pPr>
                 <a:defRPr/>
               </a:pPr>
-              <a:t>7</a:t>
-            </a:fld>
-            <a:endParaRPr lang="en-US" dirty="0"/>
-          </a:p>
-        </p:txBody>
-      </p:sp>
-      <p:sp>
-        <p:nvSpPr>
-          <p:cNvPr id="5" name="Date Placeholder 4">
-            <a:extLst>
-              <a:ext uri="{FF2B5EF4-FFF2-40B4-BE49-F238E27FC236}">
-                <a16:creationId xmlns:a16="http://schemas.microsoft.com/office/drawing/2014/main" id="{F4539C58-43FC-B893-4EAA-C93C27A745CE}"/>
-              </a:ext>
-            </a:extLst>
-          </p:cNvPr>
-          <p:cNvSpPr>
-            <a:spLocks noGrp="1"/>
-          </p:cNvSpPr>
-          <p:nvPr>
-            <p:ph type="dt" sz="half" idx="2"/>
-          </p:nvPr>
-        </p:nvSpPr>
-        <p:spPr/>
-        <p:txBody>
-          <a:bodyPr/>
-          <a:lstStyle/>
-          <a:p>
-            <a:pPr>
-              <a:defRPr/>
-            </a:pPr>
-            <a:r>
-              <a:rPr lang="tr-TR"/>
-              <a:t>METU Electrical &amp; Electronics Engineering Department</a:t>
-            </a:r>
-            <a:endParaRPr lang="en-US" dirty="0"/>
-          </a:p>
-        </p:txBody>
-      </p:sp>
-      <p:pic>
-        <p:nvPicPr>
-          <p:cNvPr id="6" name="Picture 2">
-            <a:extLst>
-              <a:ext uri="{FF2B5EF4-FFF2-40B4-BE49-F238E27FC236}">
-                <a16:creationId xmlns:a16="http://schemas.microsoft.com/office/drawing/2014/main" id="{4E296746-65C2-B81A-C092-16CB3E790288}"/>
-              </a:ext>
-            </a:extLst>
-          </p:cNvPr>
-          <p:cNvPicPr>
-            <a:picLocks noChangeAspect="1" noChangeArrowheads="1"/>
-          </p:cNvPicPr>
-          <p:nvPr/>
-        </p:nvPicPr>
-        <p:blipFill>
-          <a:blip r:embed="rId2">
-            <a:extLst>
-              <a:ext uri="{28A0092B-C50C-407E-A947-70E740481C1C}">
-                <a14:useLocalDpi xmlns:a14="http://schemas.microsoft.com/office/drawing/2010/main" val="0"/>
-              </a:ext>
-            </a:extLst>
-          </a:blip>
-          <a:srcRect/>
-          <a:stretch>
-            <a:fillRect/>
-          </a:stretch>
-        </p:blipFill>
-        <p:spPr bwMode="auto">
-          <a:xfrm>
-            <a:off x="4267201" y="2149607"/>
-            <a:ext cx="4527779" cy="2558785"/>
-          </a:xfrm>
-          <a:prstGeom prst="rect">
-            <a:avLst/>
-          </a:prstGeom>
-          <a:noFill/>
-          <a:extLst>
-            <a:ext uri="{909E8E84-426E-40DD-AFC4-6F175D3DCCD1}">
-              <a14:hiddenFill xmlns:a14="http://schemas.microsoft.com/office/drawing/2010/main">
-                <a:solidFill>
-                  <a:srgbClr val="FFFFFF"/>
-                </a:solidFill>
-              </a14:hiddenFill>
-            </a:ext>
-          </a:extLst>
-        </p:spPr>
-      </p:pic>
-    </p:spTree>
-    <p:extLst>
-      <p:ext uri="{BB962C8B-B14F-4D97-AF65-F5344CB8AC3E}">
-        <p14:creationId xmlns:p14="http://schemas.microsoft.com/office/powerpoint/2010/main" val="4002633747"/>
-      </p:ext>
-    </p:extLst>
-  </p:cSld>
-  <p:clrMapOvr>
-    <a:masterClrMapping/>
-  </p:clrMapOvr>
-</p:sld>
-</file>
-
-<file path=ppt/slides/slide8.xml><?xml version="1.0" encoding="utf-8"?>
-<p:sld xmlns:a="http://schemas.openxmlformats.org/drawingml/2006/main" xmlns:r="http://schemas.openxmlformats.org/officeDocument/2006/relationships" xmlns:p="http://schemas.openxmlformats.org/presentationml/2006/main">
-  <p:cSld>
-    <p:spTree>
-      <p:nvGrpSpPr>
-        <p:cNvPr id="1" name=""/>
-        <p:cNvGrpSpPr/>
-        <p:nvPr/>
-      </p:nvGrpSpPr>
-      <p:grpSpPr>
-        <a:xfrm>
-          <a:off x="0" y="0"/>
-          <a:ext cx="0" cy="0"/>
-          <a:chOff x="0" y="0"/>
-          <a:chExt cx="0" cy="0"/>
-        </a:xfrm>
-      </p:grpSpPr>
-      <p:sp>
-        <p:nvSpPr>
-          <p:cNvPr id="2" name="Title 1">
-            <a:extLst>
-              <a:ext uri="{FF2B5EF4-FFF2-40B4-BE49-F238E27FC236}">
-                <a16:creationId xmlns:a16="http://schemas.microsoft.com/office/drawing/2014/main" id="{9896D066-A54E-A2E1-F1CC-44C9CA70372D}"/>
-              </a:ext>
-            </a:extLst>
-          </p:cNvPr>
-          <p:cNvSpPr>
-            <a:spLocks noGrp="1"/>
-          </p:cNvSpPr>
-          <p:nvPr>
-            <p:ph type="title"/>
-          </p:nvPr>
-        </p:nvSpPr>
-        <p:spPr/>
-        <p:txBody>
-          <a:bodyPr/>
-          <a:lstStyle/>
-          <a:p>
-            <a:r>
-              <a:rPr lang="en-US" dirty="0"/>
-              <a:t>Control Techniques</a:t>
-            </a:r>
-          </a:p>
-        </p:txBody>
-      </p:sp>
-      <p:sp>
-        <p:nvSpPr>
-          <p:cNvPr id="3" name="Content Placeholder 2">
-            <a:extLst>
-              <a:ext uri="{FF2B5EF4-FFF2-40B4-BE49-F238E27FC236}">
-                <a16:creationId xmlns:a16="http://schemas.microsoft.com/office/drawing/2014/main" id="{389701DA-132E-0D09-4423-C0C1DC6FB372}"/>
-              </a:ext>
-            </a:extLst>
-          </p:cNvPr>
-          <p:cNvSpPr>
-            <a:spLocks noGrp="1"/>
-          </p:cNvSpPr>
-          <p:nvPr>
-            <p:ph idx="1"/>
-          </p:nvPr>
-        </p:nvSpPr>
-        <p:spPr>
-          <a:xfrm>
-            <a:off x="457200" y="1524000"/>
-            <a:ext cx="4385733" cy="4894263"/>
-          </a:xfrm>
-        </p:spPr>
-        <p:txBody>
-          <a:bodyPr/>
-          <a:lstStyle/>
-          <a:p>
-            <a:pPr marL="342900" indent="-342900">
-              <a:buFont typeface="Arial" panose="020B0604020202020204" pitchFamily="34" charset="0"/>
-              <a:buChar char="•"/>
-            </a:pPr>
-            <a:r>
-              <a:rPr lang="en-US" b="1" dirty="0"/>
-              <a:t>Space Vector PWM (SVPWM)</a:t>
-            </a:r>
-          </a:p>
-          <a:p>
-            <a:pPr marL="342900" indent="-342900">
-              <a:buFont typeface="Arial" panose="020B0604020202020204" pitchFamily="34" charset="0"/>
-              <a:buChar char="•"/>
-            </a:pPr>
-            <a:endParaRPr lang="en-US" b="1" dirty="0"/>
-          </a:p>
-          <a:p>
-            <a:pPr marL="342900" indent="-342900">
-              <a:buFont typeface="Arial" panose="020B0604020202020204" pitchFamily="34" charset="0"/>
-              <a:buChar char="•"/>
-            </a:pPr>
-            <a:r>
-              <a:rPr lang="en-US" sz="1800" dirty="0"/>
-              <a:t>Totally 27 switching states [2]</a:t>
-            </a:r>
-          </a:p>
-          <a:p>
-            <a:pPr marL="342900" indent="-342900">
-              <a:buFont typeface="Arial" panose="020B0604020202020204" pitchFamily="34" charset="0"/>
-              <a:buChar char="•"/>
-            </a:pPr>
-            <a:endParaRPr lang="en-US" sz="1800" dirty="0"/>
-          </a:p>
-          <a:p>
-            <a:pPr marL="342900" indent="-342900">
-              <a:buFont typeface="Arial" panose="020B0604020202020204" pitchFamily="34" charset="0"/>
-              <a:buChar char="•"/>
-            </a:pPr>
-            <a:r>
-              <a:rPr lang="en-US" sz="1800" dirty="0"/>
-              <a:t>Required output vector is obtained by using four vectors.</a:t>
-            </a:r>
-          </a:p>
-          <a:p>
-            <a:pPr marL="342900" indent="-342900">
-              <a:buFont typeface="Arial" panose="020B0604020202020204" pitchFamily="34" charset="0"/>
-              <a:buChar char="•"/>
-            </a:pPr>
-            <a:endParaRPr lang="en-US" sz="1800" dirty="0"/>
-          </a:p>
-          <a:p>
-            <a:pPr marL="342900" indent="-342900">
-              <a:buFont typeface="Arial" panose="020B0604020202020204" pitchFamily="34" charset="0"/>
-              <a:buChar char="•"/>
-            </a:pPr>
-            <a:r>
-              <a:rPr lang="en-US" sz="1800" dirty="0"/>
-              <a:t>Six major regions. Each major regions have six sub regions.</a:t>
-            </a:r>
-          </a:p>
-          <a:p>
-            <a:pPr marL="342900" indent="-342900">
-              <a:buFont typeface="Arial" panose="020B0604020202020204" pitchFamily="34" charset="0"/>
-              <a:buChar char="•"/>
-            </a:pPr>
-            <a:endParaRPr lang="en-US" dirty="0"/>
-          </a:p>
-          <a:p>
-            <a:pPr marL="342900" indent="-342900">
-              <a:buFont typeface="Arial" panose="020B0604020202020204" pitchFamily="34" charset="0"/>
-              <a:buChar char="•"/>
-            </a:pPr>
-            <a:endParaRPr lang="en-US" dirty="0"/>
-          </a:p>
-          <a:p>
-            <a:pPr marL="342900" indent="-342900">
-              <a:buFont typeface="Arial" panose="020B0604020202020204" pitchFamily="34" charset="0"/>
-              <a:buChar char="•"/>
-            </a:pPr>
-            <a:endParaRPr lang="en-US" b="1" dirty="0"/>
-          </a:p>
-        </p:txBody>
-      </p:sp>
-      <p:sp>
-        <p:nvSpPr>
-          <p:cNvPr id="4" name="Slide Number Placeholder 3">
-            <a:extLst>
-              <a:ext uri="{FF2B5EF4-FFF2-40B4-BE49-F238E27FC236}">
-                <a16:creationId xmlns:a16="http://schemas.microsoft.com/office/drawing/2014/main" id="{4E12168E-6FD4-DE87-1BA3-5B38E41E80EB}"/>
-              </a:ext>
-            </a:extLst>
-          </p:cNvPr>
-          <p:cNvSpPr>
-            <a:spLocks noGrp="1"/>
-          </p:cNvSpPr>
-          <p:nvPr>
-            <p:ph type="sldNum" sz="quarter" idx="12"/>
-          </p:nvPr>
-        </p:nvSpPr>
-        <p:spPr/>
-        <p:txBody>
-          <a:bodyPr/>
-          <a:lstStyle/>
-          <a:p>
-            <a:pPr>
-              <a:defRPr/>
-            </a:pPr>
-            <a:fld id="{C878F797-6006-4DDA-AFE9-456F280FE6C5}" type="slidenum">
-              <a:rPr lang="en-US" smtClean="0"/>
-              <a:pPr>
-                <a:defRPr/>
-              </a:pPr>
-              <a:t>8</a:t>
+              <a:t>10</a:t>
             </a:fld>
             <a:endParaRPr lang="en-US" dirty="0"/>
           </a:p>
@@ -9070,7 +5330,7 @@
 </p:sld>
 </file>
 
-<file path=ppt/slides/slide9.xml><?xml version="1.0" encoding="utf-8"?>
+<file path=ppt/slides/slide11.xml><?xml version="1.0" encoding="utf-8"?>
 <p:sld xmlns:a="http://schemas.openxmlformats.org/drawingml/2006/main" xmlns:r="http://schemas.openxmlformats.org/officeDocument/2006/relationships" xmlns:p="http://schemas.openxmlformats.org/presentationml/2006/main">
   <p:cSld>
     <p:spTree>
@@ -9298,7 +5558,7 @@
               <a:pPr>
                 <a:defRPr/>
               </a:pPr>
-              <a:t>9</a:t>
+              <a:t>11</a:t>
             </a:fld>
             <a:endParaRPr lang="en-US"/>
           </a:p>
@@ -9400,6 +5660,4073 @@
     <p:extLst>
       <p:ext uri="{BB962C8B-B14F-4D97-AF65-F5344CB8AC3E}">
         <p14:creationId xmlns:p14="http://schemas.microsoft.com/office/powerpoint/2010/main" val="1120954475"/>
+      </p:ext>
+    </p:extLst>
+  </p:cSld>
+  <p:clrMapOvr>
+    <a:masterClrMapping/>
+  </p:clrMapOvr>
+</p:sld>
+</file>
+
+<file path=ppt/slides/slide12.xml><?xml version="1.0" encoding="utf-8"?>
+<p:sld xmlns:a="http://schemas.openxmlformats.org/drawingml/2006/main" xmlns:r="http://schemas.openxmlformats.org/officeDocument/2006/relationships" xmlns:p="http://schemas.openxmlformats.org/presentationml/2006/main">
+  <p:cSld>
+    <p:spTree>
+      <p:nvGrpSpPr>
+        <p:cNvPr id="1" name=""/>
+        <p:cNvGrpSpPr/>
+        <p:nvPr/>
+      </p:nvGrpSpPr>
+      <p:grpSpPr>
+        <a:xfrm>
+          <a:off x="0" y="0"/>
+          <a:ext cx="0" cy="0"/>
+          <a:chOff x="0" y="0"/>
+          <a:chExt cx="0" cy="0"/>
+        </a:xfrm>
+      </p:grpSpPr>
+      <p:sp>
+        <p:nvSpPr>
+          <p:cNvPr id="2" name="Title 1">
+            <a:extLst>
+              <a:ext uri="{FF2B5EF4-FFF2-40B4-BE49-F238E27FC236}">
+                <a16:creationId xmlns:a16="http://schemas.microsoft.com/office/drawing/2014/main" id="{D3BFCC76-ED7C-D2DE-B487-F6A7ED5E1BED}"/>
+              </a:ext>
+            </a:extLst>
+          </p:cNvPr>
+          <p:cNvSpPr>
+            <a:spLocks noGrp="1"/>
+          </p:cNvSpPr>
+          <p:nvPr>
+            <p:ph type="title"/>
+          </p:nvPr>
+        </p:nvSpPr>
+        <p:spPr/>
+        <p:txBody>
+          <a:bodyPr/>
+          <a:lstStyle/>
+          <a:p>
+            <a:r>
+              <a:rPr lang="en-US" dirty="0"/>
+              <a:t>Space Vectors Under Fault States</a:t>
+            </a:r>
+          </a:p>
+        </p:txBody>
+      </p:sp>
+      <p:sp>
+        <p:nvSpPr>
+          <p:cNvPr id="4" name="Slide Number Placeholder 3">
+            <a:extLst>
+              <a:ext uri="{FF2B5EF4-FFF2-40B4-BE49-F238E27FC236}">
+                <a16:creationId xmlns:a16="http://schemas.microsoft.com/office/drawing/2014/main" id="{6132EE89-833B-95A4-C38A-7BC4C8DBB71C}"/>
+              </a:ext>
+            </a:extLst>
+          </p:cNvPr>
+          <p:cNvSpPr>
+            <a:spLocks noGrp="1"/>
+          </p:cNvSpPr>
+          <p:nvPr>
+            <p:ph type="sldNum" sz="quarter" idx="12"/>
+          </p:nvPr>
+        </p:nvSpPr>
+        <p:spPr/>
+        <p:txBody>
+          <a:bodyPr/>
+          <a:lstStyle/>
+          <a:p>
+            <a:pPr>
+              <a:defRPr/>
+            </a:pPr>
+            <a:fld id="{C878F797-6006-4DDA-AFE9-456F280FE6C5}" type="slidenum">
+              <a:rPr lang="en-US" smtClean="0"/>
+              <a:pPr>
+                <a:defRPr/>
+              </a:pPr>
+              <a:t>12</a:t>
+            </a:fld>
+            <a:endParaRPr lang="en-US" dirty="0"/>
+          </a:p>
+        </p:txBody>
+      </p:sp>
+      <p:sp>
+        <p:nvSpPr>
+          <p:cNvPr id="5" name="Date Placeholder 4">
+            <a:extLst>
+              <a:ext uri="{FF2B5EF4-FFF2-40B4-BE49-F238E27FC236}">
+                <a16:creationId xmlns:a16="http://schemas.microsoft.com/office/drawing/2014/main" id="{641233B4-71AB-19DE-E1C4-0A8E82A5A985}"/>
+              </a:ext>
+            </a:extLst>
+          </p:cNvPr>
+          <p:cNvSpPr>
+            <a:spLocks noGrp="1"/>
+          </p:cNvSpPr>
+          <p:nvPr>
+            <p:ph type="dt" sz="half" idx="2"/>
+          </p:nvPr>
+        </p:nvSpPr>
+        <p:spPr/>
+        <p:txBody>
+          <a:bodyPr/>
+          <a:lstStyle/>
+          <a:p>
+            <a:pPr>
+              <a:defRPr/>
+            </a:pPr>
+            <a:r>
+              <a:rPr lang="tr-TR"/>
+              <a:t>METU Electrical &amp; Electronics Engineering Department</a:t>
+            </a:r>
+            <a:endParaRPr lang="en-US" dirty="0"/>
+          </a:p>
+        </p:txBody>
+      </p:sp>
+      <p:pic>
+        <p:nvPicPr>
+          <p:cNvPr id="6" name="Content Placeholder 5">
+            <a:extLst>
+              <a:ext uri="{FF2B5EF4-FFF2-40B4-BE49-F238E27FC236}">
+                <a16:creationId xmlns:a16="http://schemas.microsoft.com/office/drawing/2014/main" id="{31769D5D-D603-BB09-CDD8-311E8501FF8C}"/>
+              </a:ext>
+            </a:extLst>
+          </p:cNvPr>
+          <p:cNvPicPr>
+            <a:picLocks noGrp="1" noChangeAspect="1"/>
+          </p:cNvPicPr>
+          <p:nvPr>
+            <p:ph idx="1"/>
+          </p:nvPr>
+        </p:nvPicPr>
+        <p:blipFill>
+          <a:blip r:embed="rId2"/>
+          <a:stretch>
+            <a:fillRect/>
+          </a:stretch>
+        </p:blipFill>
+        <p:spPr>
+          <a:xfrm>
+            <a:off x="4857123" y="2378736"/>
+            <a:ext cx="3891923" cy="3129228"/>
+          </a:xfrm>
+          <a:prstGeom prst="rect">
+            <a:avLst/>
+          </a:prstGeom>
+        </p:spPr>
+      </p:pic>
+      <p:pic>
+        <p:nvPicPr>
+          <p:cNvPr id="3" name="Picture 2">
+            <a:extLst>
+              <a:ext uri="{FF2B5EF4-FFF2-40B4-BE49-F238E27FC236}">
+                <a16:creationId xmlns:a16="http://schemas.microsoft.com/office/drawing/2014/main" id="{A7668BB4-67BD-5641-4004-0AD080B0CCCA}"/>
+              </a:ext>
+            </a:extLst>
+          </p:cNvPr>
+          <p:cNvPicPr>
+            <a:picLocks noChangeAspect="1"/>
+          </p:cNvPicPr>
+          <p:nvPr/>
+        </p:nvPicPr>
+        <p:blipFill>
+          <a:blip r:embed="rId3"/>
+          <a:stretch>
+            <a:fillRect/>
+          </a:stretch>
+        </p:blipFill>
+        <p:spPr>
+          <a:xfrm>
+            <a:off x="1345337" y="2252000"/>
+            <a:ext cx="1897584" cy="3255964"/>
+          </a:xfrm>
+          <a:prstGeom prst="rect">
+            <a:avLst/>
+          </a:prstGeom>
+        </p:spPr>
+      </p:pic>
+      <p:sp>
+        <p:nvSpPr>
+          <p:cNvPr id="7" name="TextBox 6">
+            <a:extLst>
+              <a:ext uri="{FF2B5EF4-FFF2-40B4-BE49-F238E27FC236}">
+                <a16:creationId xmlns:a16="http://schemas.microsoft.com/office/drawing/2014/main" id="{D378E441-ACD6-D5EC-1123-5FF2EDB1E902}"/>
+              </a:ext>
+            </a:extLst>
+          </p:cNvPr>
+          <p:cNvSpPr txBox="1"/>
+          <p:nvPr/>
+        </p:nvSpPr>
+        <p:spPr>
+          <a:xfrm>
+            <a:off x="3136443" y="2546705"/>
+            <a:ext cx="1684628" cy="369332"/>
+          </a:xfrm>
+          <a:prstGeom prst="rect">
+            <a:avLst/>
+          </a:prstGeom>
+          <a:noFill/>
+        </p:spPr>
+        <p:txBody>
+          <a:bodyPr wrap="none" rtlCol="0">
+            <a:spAutoFit/>
+          </a:bodyPr>
+          <a:lstStyle/>
+          <a:p>
+            <a:r>
+              <a:rPr lang="en-US" dirty="0"/>
+              <a:t>Q1 open circuit</a:t>
+            </a:r>
+          </a:p>
+        </p:txBody>
+      </p:sp>
+      <p:sp>
+        <p:nvSpPr>
+          <p:cNvPr id="8" name="TextBox 7">
+            <a:extLst>
+              <a:ext uri="{FF2B5EF4-FFF2-40B4-BE49-F238E27FC236}">
+                <a16:creationId xmlns:a16="http://schemas.microsoft.com/office/drawing/2014/main" id="{F56D6016-5ABD-461A-0CB3-8FA333BBBD38}"/>
+              </a:ext>
+            </a:extLst>
+          </p:cNvPr>
+          <p:cNvSpPr txBox="1"/>
+          <p:nvPr/>
+        </p:nvSpPr>
+        <p:spPr>
+          <a:xfrm>
+            <a:off x="5195913" y="5680390"/>
+            <a:ext cx="3214341" cy="307777"/>
+          </a:xfrm>
+          <a:prstGeom prst="rect">
+            <a:avLst/>
+          </a:prstGeom>
+          <a:noFill/>
+        </p:spPr>
+        <p:txBody>
+          <a:bodyPr wrap="none" rtlCol="0">
+            <a:spAutoFit/>
+          </a:bodyPr>
+          <a:lstStyle/>
+          <a:p>
+            <a:r>
+              <a:rPr lang="en-US" sz="1400" dirty="0">
+                <a:latin typeface="Century Gothic" panose="020B0502020202020204" pitchFamily="34" charset="0"/>
+                <a:cs typeface="Arial"/>
+              </a:rPr>
+              <a:t>Space</a:t>
+            </a:r>
+            <a:r>
+              <a:rPr lang="en-US" sz="1400" dirty="0"/>
+              <a:t> </a:t>
+            </a:r>
+            <a:r>
+              <a:rPr lang="en-US" sz="1400" dirty="0">
+                <a:latin typeface="Century Gothic" panose="020B0502020202020204" pitchFamily="34" charset="0"/>
+                <a:cs typeface="Arial"/>
+              </a:rPr>
+              <a:t>Vector Diagram for Q1 fault</a:t>
+            </a:r>
+          </a:p>
+        </p:txBody>
+      </p:sp>
+      <p:sp>
+        <p:nvSpPr>
+          <p:cNvPr id="9" name="TextBox 8">
+            <a:extLst>
+              <a:ext uri="{FF2B5EF4-FFF2-40B4-BE49-F238E27FC236}">
+                <a16:creationId xmlns:a16="http://schemas.microsoft.com/office/drawing/2014/main" id="{996488AB-1A41-7159-E6C8-2BC3833CD538}"/>
+              </a:ext>
+            </a:extLst>
+          </p:cNvPr>
+          <p:cNvSpPr txBox="1"/>
+          <p:nvPr/>
+        </p:nvSpPr>
+        <p:spPr>
+          <a:xfrm>
+            <a:off x="1078542" y="5680390"/>
+            <a:ext cx="2431174" cy="523220"/>
+          </a:xfrm>
+          <a:prstGeom prst="rect">
+            <a:avLst/>
+          </a:prstGeom>
+          <a:noFill/>
+        </p:spPr>
+        <p:txBody>
+          <a:bodyPr wrap="square" rtlCol="0">
+            <a:spAutoFit/>
+          </a:bodyPr>
+          <a:lstStyle/>
+          <a:p>
+            <a:r>
+              <a:rPr lang="en-US" sz="1400" dirty="0">
+                <a:latin typeface="Century Gothic" panose="020B0502020202020204" pitchFamily="34" charset="0"/>
+                <a:cs typeface="Arial"/>
+              </a:rPr>
+              <a:t>Current flow of phase-a when </a:t>
+            </a:r>
+            <a:r>
+              <a:rPr lang="en-US" sz="1400" dirty="0" err="1">
+                <a:latin typeface="Century Gothic" panose="020B0502020202020204" pitchFamily="34" charset="0"/>
+                <a:cs typeface="Arial"/>
+              </a:rPr>
+              <a:t>Ia</a:t>
+            </a:r>
+            <a:r>
+              <a:rPr lang="en-US" sz="1400" dirty="0">
+                <a:latin typeface="Century Gothic" panose="020B0502020202020204" pitchFamily="34" charset="0"/>
+                <a:cs typeface="Arial"/>
+              </a:rPr>
+              <a:t>&gt;0 and at P-state </a:t>
+            </a:r>
+          </a:p>
+        </p:txBody>
+      </p:sp>
+    </p:spTree>
+    <p:extLst>
+      <p:ext uri="{BB962C8B-B14F-4D97-AF65-F5344CB8AC3E}">
+        <p14:creationId xmlns:p14="http://schemas.microsoft.com/office/powerpoint/2010/main" val="2607860378"/>
+      </p:ext>
+    </p:extLst>
+  </p:cSld>
+  <p:clrMapOvr>
+    <a:masterClrMapping/>
+  </p:clrMapOvr>
+</p:sld>
+</file>
+
+<file path=ppt/slides/slide13.xml><?xml version="1.0" encoding="utf-8"?>
+<p:sld xmlns:a="http://schemas.openxmlformats.org/drawingml/2006/main" xmlns:r="http://schemas.openxmlformats.org/officeDocument/2006/relationships" xmlns:p="http://schemas.openxmlformats.org/presentationml/2006/main">
+  <p:cSld>
+    <p:spTree>
+      <p:nvGrpSpPr>
+        <p:cNvPr id="1" name=""/>
+        <p:cNvGrpSpPr/>
+        <p:nvPr/>
+      </p:nvGrpSpPr>
+      <p:grpSpPr>
+        <a:xfrm>
+          <a:off x="0" y="0"/>
+          <a:ext cx="0" cy="0"/>
+          <a:chOff x="0" y="0"/>
+          <a:chExt cx="0" cy="0"/>
+        </a:xfrm>
+      </p:grpSpPr>
+      <p:sp>
+        <p:nvSpPr>
+          <p:cNvPr id="2" name="Title 1">
+            <a:extLst>
+              <a:ext uri="{FF2B5EF4-FFF2-40B4-BE49-F238E27FC236}">
+                <a16:creationId xmlns:a16="http://schemas.microsoft.com/office/drawing/2014/main" id="{D3BFCC76-ED7C-D2DE-B487-F6A7ED5E1BED}"/>
+              </a:ext>
+            </a:extLst>
+          </p:cNvPr>
+          <p:cNvSpPr>
+            <a:spLocks noGrp="1"/>
+          </p:cNvSpPr>
+          <p:nvPr>
+            <p:ph type="title"/>
+          </p:nvPr>
+        </p:nvSpPr>
+        <p:spPr/>
+        <p:txBody>
+          <a:bodyPr/>
+          <a:lstStyle/>
+          <a:p>
+            <a:r>
+              <a:rPr lang="en-US" dirty="0"/>
+              <a:t>Space Vectors Under Fault States</a:t>
+            </a:r>
+          </a:p>
+        </p:txBody>
+      </p:sp>
+      <p:sp>
+        <p:nvSpPr>
+          <p:cNvPr id="4" name="Slide Number Placeholder 3">
+            <a:extLst>
+              <a:ext uri="{FF2B5EF4-FFF2-40B4-BE49-F238E27FC236}">
+                <a16:creationId xmlns:a16="http://schemas.microsoft.com/office/drawing/2014/main" id="{6132EE89-833B-95A4-C38A-7BC4C8DBB71C}"/>
+              </a:ext>
+            </a:extLst>
+          </p:cNvPr>
+          <p:cNvSpPr>
+            <a:spLocks noGrp="1"/>
+          </p:cNvSpPr>
+          <p:nvPr>
+            <p:ph type="sldNum" sz="quarter" idx="12"/>
+          </p:nvPr>
+        </p:nvSpPr>
+        <p:spPr/>
+        <p:txBody>
+          <a:bodyPr/>
+          <a:lstStyle/>
+          <a:p>
+            <a:pPr>
+              <a:defRPr/>
+            </a:pPr>
+            <a:fld id="{C878F797-6006-4DDA-AFE9-456F280FE6C5}" type="slidenum">
+              <a:rPr lang="en-US" smtClean="0"/>
+              <a:pPr>
+                <a:defRPr/>
+              </a:pPr>
+              <a:t>13</a:t>
+            </a:fld>
+            <a:endParaRPr lang="en-US" dirty="0"/>
+          </a:p>
+        </p:txBody>
+      </p:sp>
+      <p:sp>
+        <p:nvSpPr>
+          <p:cNvPr id="5" name="Date Placeholder 4">
+            <a:extLst>
+              <a:ext uri="{FF2B5EF4-FFF2-40B4-BE49-F238E27FC236}">
+                <a16:creationId xmlns:a16="http://schemas.microsoft.com/office/drawing/2014/main" id="{641233B4-71AB-19DE-E1C4-0A8E82A5A985}"/>
+              </a:ext>
+            </a:extLst>
+          </p:cNvPr>
+          <p:cNvSpPr>
+            <a:spLocks noGrp="1"/>
+          </p:cNvSpPr>
+          <p:nvPr>
+            <p:ph type="dt" sz="half" idx="2"/>
+          </p:nvPr>
+        </p:nvSpPr>
+        <p:spPr/>
+        <p:txBody>
+          <a:bodyPr/>
+          <a:lstStyle/>
+          <a:p>
+            <a:pPr>
+              <a:defRPr/>
+            </a:pPr>
+            <a:r>
+              <a:rPr lang="tr-TR"/>
+              <a:t>METU Electrical &amp; Electronics Engineering Department</a:t>
+            </a:r>
+            <a:endParaRPr lang="en-US" dirty="0"/>
+          </a:p>
+        </p:txBody>
+      </p:sp>
+      <p:pic>
+        <p:nvPicPr>
+          <p:cNvPr id="6" name="Content Placeholder 5">
+            <a:extLst>
+              <a:ext uri="{FF2B5EF4-FFF2-40B4-BE49-F238E27FC236}">
+                <a16:creationId xmlns:a16="http://schemas.microsoft.com/office/drawing/2014/main" id="{852A1DE9-09A1-8786-36AE-DF1FCBAFF15B}"/>
+              </a:ext>
+            </a:extLst>
+          </p:cNvPr>
+          <p:cNvPicPr>
+            <a:picLocks noGrp="1" noChangeAspect="1"/>
+          </p:cNvPicPr>
+          <p:nvPr>
+            <p:ph idx="1"/>
+          </p:nvPr>
+        </p:nvPicPr>
+        <p:blipFill>
+          <a:blip r:embed="rId2"/>
+          <a:stretch>
+            <a:fillRect/>
+          </a:stretch>
+        </p:blipFill>
+        <p:spPr>
+          <a:xfrm>
+            <a:off x="4821767" y="2500548"/>
+            <a:ext cx="3642066" cy="2885604"/>
+          </a:xfrm>
+          <a:prstGeom prst="rect">
+            <a:avLst/>
+          </a:prstGeom>
+        </p:spPr>
+      </p:pic>
+      <p:pic>
+        <p:nvPicPr>
+          <p:cNvPr id="3" name="Picture 2">
+            <a:extLst>
+              <a:ext uri="{FF2B5EF4-FFF2-40B4-BE49-F238E27FC236}">
+                <a16:creationId xmlns:a16="http://schemas.microsoft.com/office/drawing/2014/main" id="{3199AC4C-BE68-8619-48D5-865165758FCC}"/>
+              </a:ext>
+            </a:extLst>
+          </p:cNvPr>
+          <p:cNvPicPr>
+            <a:picLocks noChangeAspect="1"/>
+          </p:cNvPicPr>
+          <p:nvPr/>
+        </p:nvPicPr>
+        <p:blipFill rotWithShape="1">
+          <a:blip r:embed="rId3"/>
+          <a:srcRect r="1643"/>
+          <a:stretch/>
+        </p:blipFill>
+        <p:spPr>
+          <a:xfrm>
+            <a:off x="505367" y="2390864"/>
+            <a:ext cx="1711298" cy="3031839"/>
+          </a:xfrm>
+          <a:prstGeom prst="rect">
+            <a:avLst/>
+          </a:prstGeom>
+        </p:spPr>
+      </p:pic>
+      <p:pic>
+        <p:nvPicPr>
+          <p:cNvPr id="7" name="Picture 6">
+            <a:extLst>
+              <a:ext uri="{FF2B5EF4-FFF2-40B4-BE49-F238E27FC236}">
+                <a16:creationId xmlns:a16="http://schemas.microsoft.com/office/drawing/2014/main" id="{CF5D2142-5685-3C64-5922-BE7AD1568C86}"/>
+              </a:ext>
+            </a:extLst>
+          </p:cNvPr>
+          <p:cNvPicPr>
+            <a:picLocks noChangeAspect="1"/>
+          </p:cNvPicPr>
+          <p:nvPr/>
+        </p:nvPicPr>
+        <p:blipFill>
+          <a:blip r:embed="rId4"/>
+          <a:stretch>
+            <a:fillRect/>
+          </a:stretch>
+        </p:blipFill>
+        <p:spPr>
+          <a:xfrm>
+            <a:off x="2824868" y="2314770"/>
+            <a:ext cx="1831799" cy="3192457"/>
+          </a:xfrm>
+          <a:prstGeom prst="rect">
+            <a:avLst/>
+          </a:prstGeom>
+        </p:spPr>
+      </p:pic>
+      <p:sp>
+        <p:nvSpPr>
+          <p:cNvPr id="8" name="TextBox 7">
+            <a:extLst>
+              <a:ext uri="{FF2B5EF4-FFF2-40B4-BE49-F238E27FC236}">
+                <a16:creationId xmlns:a16="http://schemas.microsoft.com/office/drawing/2014/main" id="{75EE76A3-957C-32E4-6940-D8DBA833B22F}"/>
+              </a:ext>
+            </a:extLst>
+          </p:cNvPr>
+          <p:cNvSpPr txBox="1"/>
+          <p:nvPr/>
+        </p:nvSpPr>
+        <p:spPr>
+          <a:xfrm>
+            <a:off x="1595097" y="1686902"/>
+            <a:ext cx="1724703" cy="369332"/>
+          </a:xfrm>
+          <a:prstGeom prst="rect">
+            <a:avLst/>
+          </a:prstGeom>
+          <a:noFill/>
+        </p:spPr>
+        <p:txBody>
+          <a:bodyPr wrap="none" rtlCol="0">
+            <a:spAutoFit/>
+          </a:bodyPr>
+          <a:lstStyle/>
+          <a:p>
+            <a:r>
+              <a:rPr lang="en-US" dirty="0"/>
+              <a:t>Q2 open circuit</a:t>
+            </a:r>
+          </a:p>
+        </p:txBody>
+      </p:sp>
+      <p:sp>
+        <p:nvSpPr>
+          <p:cNvPr id="9" name="TextBox 8">
+            <a:extLst>
+              <a:ext uri="{FF2B5EF4-FFF2-40B4-BE49-F238E27FC236}">
+                <a16:creationId xmlns:a16="http://schemas.microsoft.com/office/drawing/2014/main" id="{959FC329-31CD-9261-6A3D-6E5E4E8F535A}"/>
+              </a:ext>
+            </a:extLst>
+          </p:cNvPr>
+          <p:cNvSpPr txBox="1"/>
+          <p:nvPr/>
+        </p:nvSpPr>
+        <p:spPr>
+          <a:xfrm>
+            <a:off x="5035629" y="5680390"/>
+            <a:ext cx="3214341" cy="307777"/>
+          </a:xfrm>
+          <a:prstGeom prst="rect">
+            <a:avLst/>
+          </a:prstGeom>
+          <a:noFill/>
+        </p:spPr>
+        <p:txBody>
+          <a:bodyPr wrap="none" rtlCol="0">
+            <a:spAutoFit/>
+          </a:bodyPr>
+          <a:lstStyle/>
+          <a:p>
+            <a:r>
+              <a:rPr lang="en-US" sz="1400" dirty="0">
+                <a:latin typeface="Century Gothic" panose="020B0502020202020204" pitchFamily="34" charset="0"/>
+                <a:cs typeface="Arial"/>
+              </a:rPr>
+              <a:t>Space</a:t>
+            </a:r>
+            <a:r>
+              <a:rPr lang="en-US" sz="1400" dirty="0"/>
+              <a:t> </a:t>
+            </a:r>
+            <a:r>
+              <a:rPr lang="en-US" sz="1400" dirty="0">
+                <a:latin typeface="Century Gothic" panose="020B0502020202020204" pitchFamily="34" charset="0"/>
+                <a:cs typeface="Arial"/>
+              </a:rPr>
+              <a:t>Vector Diagram for Q2 fault</a:t>
+            </a:r>
+          </a:p>
+        </p:txBody>
+      </p:sp>
+      <p:sp>
+        <p:nvSpPr>
+          <p:cNvPr id="10" name="TextBox 9">
+            <a:extLst>
+              <a:ext uri="{FF2B5EF4-FFF2-40B4-BE49-F238E27FC236}">
+                <a16:creationId xmlns:a16="http://schemas.microsoft.com/office/drawing/2014/main" id="{67DEE5EA-85EA-D3CB-A40D-FE35BB687B15}"/>
+              </a:ext>
+            </a:extLst>
+          </p:cNvPr>
+          <p:cNvSpPr txBox="1"/>
+          <p:nvPr/>
+        </p:nvSpPr>
+        <p:spPr>
+          <a:xfrm>
+            <a:off x="2699815" y="5617060"/>
+            <a:ext cx="2323092" cy="738664"/>
+          </a:xfrm>
+          <a:prstGeom prst="rect">
+            <a:avLst/>
+          </a:prstGeom>
+          <a:noFill/>
+        </p:spPr>
+        <p:txBody>
+          <a:bodyPr wrap="square" rtlCol="0">
+            <a:spAutoFit/>
+          </a:bodyPr>
+          <a:lstStyle/>
+          <a:p>
+            <a:r>
+              <a:rPr lang="en-US" sz="1400" dirty="0">
+                <a:latin typeface="Century Gothic" panose="020B0502020202020204" pitchFamily="34" charset="0"/>
+                <a:cs typeface="Arial"/>
+              </a:rPr>
+              <a:t>Current flow of phase-a when </a:t>
+            </a:r>
+            <a:r>
+              <a:rPr lang="en-US" sz="1400" dirty="0" err="1">
+                <a:latin typeface="Century Gothic" panose="020B0502020202020204" pitchFamily="34" charset="0"/>
+                <a:cs typeface="Arial"/>
+              </a:rPr>
+              <a:t>Ia</a:t>
+            </a:r>
+            <a:r>
+              <a:rPr lang="en-US" sz="1400" dirty="0">
+                <a:latin typeface="Century Gothic" panose="020B0502020202020204" pitchFamily="34" charset="0"/>
+                <a:cs typeface="Arial"/>
+              </a:rPr>
+              <a:t>&gt;0 and at</a:t>
+            </a:r>
+          </a:p>
+          <a:p>
+            <a:r>
+              <a:rPr lang="en-US" sz="1400" dirty="0">
+                <a:latin typeface="Century Gothic" panose="020B0502020202020204" pitchFamily="34" charset="0"/>
+                <a:cs typeface="Arial"/>
+              </a:rPr>
+              <a:t> O-state </a:t>
+            </a:r>
+          </a:p>
+        </p:txBody>
+      </p:sp>
+      <p:sp>
+        <p:nvSpPr>
+          <p:cNvPr id="11" name="TextBox 10">
+            <a:extLst>
+              <a:ext uri="{FF2B5EF4-FFF2-40B4-BE49-F238E27FC236}">
+                <a16:creationId xmlns:a16="http://schemas.microsoft.com/office/drawing/2014/main" id="{289E1418-0B5B-B1EE-5FFD-05637D623F2D}"/>
+              </a:ext>
+            </a:extLst>
+          </p:cNvPr>
+          <p:cNvSpPr txBox="1"/>
+          <p:nvPr/>
+        </p:nvSpPr>
+        <p:spPr>
+          <a:xfrm>
+            <a:off x="364001" y="5618835"/>
+            <a:ext cx="2323092" cy="738664"/>
+          </a:xfrm>
+          <a:prstGeom prst="rect">
+            <a:avLst/>
+          </a:prstGeom>
+          <a:noFill/>
+        </p:spPr>
+        <p:txBody>
+          <a:bodyPr wrap="square" rtlCol="0">
+            <a:spAutoFit/>
+          </a:bodyPr>
+          <a:lstStyle/>
+          <a:p>
+            <a:r>
+              <a:rPr lang="en-US" sz="1400" dirty="0">
+                <a:latin typeface="Century Gothic" panose="020B0502020202020204" pitchFamily="34" charset="0"/>
+                <a:cs typeface="Arial"/>
+              </a:rPr>
+              <a:t>Current flow of phase-a when </a:t>
+            </a:r>
+            <a:r>
+              <a:rPr lang="en-US" sz="1400" dirty="0" err="1">
+                <a:latin typeface="Century Gothic" panose="020B0502020202020204" pitchFamily="34" charset="0"/>
+                <a:cs typeface="Arial"/>
+              </a:rPr>
+              <a:t>Ia</a:t>
+            </a:r>
+            <a:r>
+              <a:rPr lang="en-US" sz="1400" dirty="0">
+                <a:latin typeface="Century Gothic" panose="020B0502020202020204" pitchFamily="34" charset="0"/>
+                <a:cs typeface="Arial"/>
+              </a:rPr>
+              <a:t>&gt;0 and at</a:t>
+            </a:r>
+          </a:p>
+          <a:p>
+            <a:r>
+              <a:rPr lang="en-US" sz="1400" dirty="0">
+                <a:latin typeface="Century Gothic" panose="020B0502020202020204" pitchFamily="34" charset="0"/>
+                <a:cs typeface="Arial"/>
+              </a:rPr>
+              <a:t> P-state </a:t>
+            </a:r>
+          </a:p>
+        </p:txBody>
+      </p:sp>
+    </p:spTree>
+    <p:extLst>
+      <p:ext uri="{BB962C8B-B14F-4D97-AF65-F5344CB8AC3E}">
+        <p14:creationId xmlns:p14="http://schemas.microsoft.com/office/powerpoint/2010/main" val="1960258566"/>
+      </p:ext>
+    </p:extLst>
+  </p:cSld>
+  <p:clrMapOvr>
+    <a:masterClrMapping/>
+  </p:clrMapOvr>
+</p:sld>
+</file>
+
+<file path=ppt/slides/slide14.xml><?xml version="1.0" encoding="utf-8"?>
+<p:sld xmlns:a="http://schemas.openxmlformats.org/drawingml/2006/main" xmlns:r="http://schemas.openxmlformats.org/officeDocument/2006/relationships" xmlns:p="http://schemas.openxmlformats.org/presentationml/2006/main">
+  <p:cSld>
+    <p:spTree>
+      <p:nvGrpSpPr>
+        <p:cNvPr id="1" name=""/>
+        <p:cNvGrpSpPr/>
+        <p:nvPr/>
+      </p:nvGrpSpPr>
+      <p:grpSpPr>
+        <a:xfrm>
+          <a:off x="0" y="0"/>
+          <a:ext cx="0" cy="0"/>
+          <a:chOff x="0" y="0"/>
+          <a:chExt cx="0" cy="0"/>
+        </a:xfrm>
+      </p:grpSpPr>
+      <p:sp>
+        <p:nvSpPr>
+          <p:cNvPr id="2" name="Title 1">
+            <a:extLst>
+              <a:ext uri="{FF2B5EF4-FFF2-40B4-BE49-F238E27FC236}">
+                <a16:creationId xmlns:a16="http://schemas.microsoft.com/office/drawing/2014/main" id="{D3BFCC76-ED7C-D2DE-B487-F6A7ED5E1BED}"/>
+              </a:ext>
+            </a:extLst>
+          </p:cNvPr>
+          <p:cNvSpPr>
+            <a:spLocks noGrp="1"/>
+          </p:cNvSpPr>
+          <p:nvPr>
+            <p:ph type="title"/>
+          </p:nvPr>
+        </p:nvSpPr>
+        <p:spPr/>
+        <p:txBody>
+          <a:bodyPr/>
+          <a:lstStyle/>
+          <a:p>
+            <a:r>
+              <a:rPr lang="en-US" dirty="0"/>
+              <a:t>Space Vectors Under Fault States</a:t>
+            </a:r>
+          </a:p>
+        </p:txBody>
+      </p:sp>
+      <p:sp>
+        <p:nvSpPr>
+          <p:cNvPr id="4" name="Slide Number Placeholder 3">
+            <a:extLst>
+              <a:ext uri="{FF2B5EF4-FFF2-40B4-BE49-F238E27FC236}">
+                <a16:creationId xmlns:a16="http://schemas.microsoft.com/office/drawing/2014/main" id="{6132EE89-833B-95A4-C38A-7BC4C8DBB71C}"/>
+              </a:ext>
+            </a:extLst>
+          </p:cNvPr>
+          <p:cNvSpPr>
+            <a:spLocks noGrp="1"/>
+          </p:cNvSpPr>
+          <p:nvPr>
+            <p:ph type="sldNum" sz="quarter" idx="12"/>
+          </p:nvPr>
+        </p:nvSpPr>
+        <p:spPr/>
+        <p:txBody>
+          <a:bodyPr/>
+          <a:lstStyle/>
+          <a:p>
+            <a:pPr>
+              <a:defRPr/>
+            </a:pPr>
+            <a:fld id="{C878F797-6006-4DDA-AFE9-456F280FE6C5}" type="slidenum">
+              <a:rPr lang="en-US" smtClean="0"/>
+              <a:pPr>
+                <a:defRPr/>
+              </a:pPr>
+              <a:t>14</a:t>
+            </a:fld>
+            <a:endParaRPr lang="en-US" dirty="0"/>
+          </a:p>
+        </p:txBody>
+      </p:sp>
+      <p:sp>
+        <p:nvSpPr>
+          <p:cNvPr id="5" name="Date Placeholder 4">
+            <a:extLst>
+              <a:ext uri="{FF2B5EF4-FFF2-40B4-BE49-F238E27FC236}">
+                <a16:creationId xmlns:a16="http://schemas.microsoft.com/office/drawing/2014/main" id="{641233B4-71AB-19DE-E1C4-0A8E82A5A985}"/>
+              </a:ext>
+            </a:extLst>
+          </p:cNvPr>
+          <p:cNvSpPr>
+            <a:spLocks noGrp="1"/>
+          </p:cNvSpPr>
+          <p:nvPr>
+            <p:ph type="dt" sz="half" idx="2"/>
+          </p:nvPr>
+        </p:nvSpPr>
+        <p:spPr/>
+        <p:txBody>
+          <a:bodyPr/>
+          <a:lstStyle/>
+          <a:p>
+            <a:pPr>
+              <a:defRPr/>
+            </a:pPr>
+            <a:r>
+              <a:rPr lang="tr-TR"/>
+              <a:t>METU Electrical &amp; Electronics Engineering Department</a:t>
+            </a:r>
+            <a:endParaRPr lang="en-US" dirty="0"/>
+          </a:p>
+        </p:txBody>
+      </p:sp>
+      <p:pic>
+        <p:nvPicPr>
+          <p:cNvPr id="12" name="Picture 11">
+            <a:extLst>
+              <a:ext uri="{FF2B5EF4-FFF2-40B4-BE49-F238E27FC236}">
+                <a16:creationId xmlns:a16="http://schemas.microsoft.com/office/drawing/2014/main" id="{220B96E3-7D46-EA59-E78F-A4EF9B4077A4}"/>
+              </a:ext>
+            </a:extLst>
+          </p:cNvPr>
+          <p:cNvPicPr>
+            <a:picLocks noChangeAspect="1"/>
+          </p:cNvPicPr>
+          <p:nvPr/>
+        </p:nvPicPr>
+        <p:blipFill>
+          <a:blip r:embed="rId2"/>
+          <a:stretch>
+            <a:fillRect/>
+          </a:stretch>
+        </p:blipFill>
+        <p:spPr>
+          <a:xfrm>
+            <a:off x="5010185" y="2472293"/>
+            <a:ext cx="3676615" cy="2942114"/>
+          </a:xfrm>
+          <a:prstGeom prst="rect">
+            <a:avLst/>
+          </a:prstGeom>
+        </p:spPr>
+      </p:pic>
+      <p:pic>
+        <p:nvPicPr>
+          <p:cNvPr id="7" name="Picture 6">
+            <a:extLst>
+              <a:ext uri="{FF2B5EF4-FFF2-40B4-BE49-F238E27FC236}">
+                <a16:creationId xmlns:a16="http://schemas.microsoft.com/office/drawing/2014/main" id="{5755649B-0A8D-C9C9-7035-12A0906FB975}"/>
+              </a:ext>
+            </a:extLst>
+          </p:cNvPr>
+          <p:cNvPicPr>
+            <a:picLocks noChangeAspect="1"/>
+          </p:cNvPicPr>
+          <p:nvPr/>
+        </p:nvPicPr>
+        <p:blipFill>
+          <a:blip r:embed="rId3"/>
+          <a:stretch>
+            <a:fillRect/>
+          </a:stretch>
+        </p:blipFill>
+        <p:spPr>
+          <a:xfrm>
+            <a:off x="567266" y="2226468"/>
+            <a:ext cx="1958131" cy="3433764"/>
+          </a:xfrm>
+          <a:prstGeom prst="rect">
+            <a:avLst/>
+          </a:prstGeom>
+        </p:spPr>
+      </p:pic>
+      <p:pic>
+        <p:nvPicPr>
+          <p:cNvPr id="8" name="Picture 7">
+            <a:extLst>
+              <a:ext uri="{FF2B5EF4-FFF2-40B4-BE49-F238E27FC236}">
+                <a16:creationId xmlns:a16="http://schemas.microsoft.com/office/drawing/2014/main" id="{B42D82EE-2C2F-C300-E3CC-3C02BBFC659B}"/>
+              </a:ext>
+            </a:extLst>
+          </p:cNvPr>
+          <p:cNvPicPr>
+            <a:picLocks noChangeAspect="1"/>
+          </p:cNvPicPr>
+          <p:nvPr/>
+        </p:nvPicPr>
+        <p:blipFill>
+          <a:blip r:embed="rId4"/>
+          <a:stretch>
+            <a:fillRect/>
+          </a:stretch>
+        </p:blipFill>
+        <p:spPr>
+          <a:xfrm>
+            <a:off x="2814501" y="2226468"/>
+            <a:ext cx="1974313" cy="3433764"/>
+          </a:xfrm>
+          <a:prstGeom prst="rect">
+            <a:avLst/>
+          </a:prstGeom>
+        </p:spPr>
+      </p:pic>
+      <p:sp>
+        <p:nvSpPr>
+          <p:cNvPr id="9" name="TextBox 8">
+            <a:extLst>
+              <a:ext uri="{FF2B5EF4-FFF2-40B4-BE49-F238E27FC236}">
+                <a16:creationId xmlns:a16="http://schemas.microsoft.com/office/drawing/2014/main" id="{1FC6191D-44C2-4F86-C10F-BE2DD2B8D130}"/>
+              </a:ext>
+            </a:extLst>
+          </p:cNvPr>
+          <p:cNvSpPr txBox="1"/>
+          <p:nvPr/>
+        </p:nvSpPr>
+        <p:spPr>
+          <a:xfrm>
+            <a:off x="1725531" y="1701216"/>
+            <a:ext cx="1718291" cy="369332"/>
+          </a:xfrm>
+          <a:prstGeom prst="rect">
+            <a:avLst/>
+          </a:prstGeom>
+          <a:noFill/>
+        </p:spPr>
+        <p:txBody>
+          <a:bodyPr wrap="none" rtlCol="0">
+            <a:spAutoFit/>
+          </a:bodyPr>
+          <a:lstStyle/>
+          <a:p>
+            <a:r>
+              <a:rPr lang="en-US" dirty="0"/>
+              <a:t>Q3 open circuit</a:t>
+            </a:r>
+          </a:p>
+        </p:txBody>
+      </p:sp>
+      <p:sp>
+        <p:nvSpPr>
+          <p:cNvPr id="10" name="TextBox 9">
+            <a:extLst>
+              <a:ext uri="{FF2B5EF4-FFF2-40B4-BE49-F238E27FC236}">
+                <a16:creationId xmlns:a16="http://schemas.microsoft.com/office/drawing/2014/main" id="{110686FF-896A-DC74-852A-460D7E554512}"/>
+              </a:ext>
+            </a:extLst>
+          </p:cNvPr>
+          <p:cNvSpPr txBox="1"/>
+          <p:nvPr/>
+        </p:nvSpPr>
+        <p:spPr>
+          <a:xfrm>
+            <a:off x="5241321" y="5625622"/>
+            <a:ext cx="3214341" cy="307777"/>
+          </a:xfrm>
+          <a:prstGeom prst="rect">
+            <a:avLst/>
+          </a:prstGeom>
+          <a:noFill/>
+        </p:spPr>
+        <p:txBody>
+          <a:bodyPr wrap="none" rtlCol="0">
+            <a:spAutoFit/>
+          </a:bodyPr>
+          <a:lstStyle/>
+          <a:p>
+            <a:r>
+              <a:rPr lang="en-US" sz="1400" dirty="0">
+                <a:latin typeface="Century Gothic" panose="020B0502020202020204" pitchFamily="34" charset="0"/>
+                <a:cs typeface="Arial"/>
+              </a:rPr>
+              <a:t>Space</a:t>
+            </a:r>
+            <a:r>
+              <a:rPr lang="en-US" sz="1400" dirty="0"/>
+              <a:t> </a:t>
+            </a:r>
+            <a:r>
+              <a:rPr lang="en-US" sz="1400" dirty="0">
+                <a:latin typeface="Century Gothic" panose="020B0502020202020204" pitchFamily="34" charset="0"/>
+                <a:cs typeface="Arial"/>
+              </a:rPr>
+              <a:t>Vector Diagram for Q3 fault</a:t>
+            </a:r>
+          </a:p>
+        </p:txBody>
+      </p:sp>
+      <p:sp>
+        <p:nvSpPr>
+          <p:cNvPr id="11" name="TextBox 10">
+            <a:extLst>
+              <a:ext uri="{FF2B5EF4-FFF2-40B4-BE49-F238E27FC236}">
+                <a16:creationId xmlns:a16="http://schemas.microsoft.com/office/drawing/2014/main" id="{FFB0F76F-CBE7-E118-B636-47B0E49A0E10}"/>
+              </a:ext>
+            </a:extLst>
+          </p:cNvPr>
+          <p:cNvSpPr txBox="1"/>
+          <p:nvPr/>
+        </p:nvSpPr>
+        <p:spPr>
+          <a:xfrm>
+            <a:off x="383327" y="5775542"/>
+            <a:ext cx="2303766" cy="738664"/>
+          </a:xfrm>
+          <a:prstGeom prst="rect">
+            <a:avLst/>
+          </a:prstGeom>
+          <a:noFill/>
+        </p:spPr>
+        <p:txBody>
+          <a:bodyPr wrap="square" rtlCol="0">
+            <a:spAutoFit/>
+          </a:bodyPr>
+          <a:lstStyle/>
+          <a:p>
+            <a:r>
+              <a:rPr lang="en-US" sz="1400" dirty="0">
+                <a:latin typeface="Century Gothic" panose="020B0502020202020204" pitchFamily="34" charset="0"/>
+                <a:cs typeface="Arial"/>
+              </a:rPr>
+              <a:t>Current flow of phase-a when </a:t>
+            </a:r>
+            <a:r>
+              <a:rPr lang="en-US" sz="1400" dirty="0" err="1">
+                <a:latin typeface="Century Gothic" panose="020B0502020202020204" pitchFamily="34" charset="0"/>
+                <a:cs typeface="Arial"/>
+              </a:rPr>
+              <a:t>Ia</a:t>
+            </a:r>
+            <a:r>
+              <a:rPr lang="en-US" sz="1400" dirty="0">
+                <a:latin typeface="Century Gothic" panose="020B0502020202020204" pitchFamily="34" charset="0"/>
+                <a:cs typeface="Arial"/>
+              </a:rPr>
+              <a:t>&lt;0 and at </a:t>
+            </a:r>
+          </a:p>
+          <a:p>
+            <a:r>
+              <a:rPr lang="en-US" sz="1400" dirty="0">
+                <a:latin typeface="Century Gothic" panose="020B0502020202020204" pitchFamily="34" charset="0"/>
+                <a:cs typeface="Arial"/>
+              </a:rPr>
+              <a:t>O-state </a:t>
+            </a:r>
+          </a:p>
+        </p:txBody>
+      </p:sp>
+      <p:sp>
+        <p:nvSpPr>
+          <p:cNvPr id="13" name="TextBox 12">
+            <a:extLst>
+              <a:ext uri="{FF2B5EF4-FFF2-40B4-BE49-F238E27FC236}">
+                <a16:creationId xmlns:a16="http://schemas.microsoft.com/office/drawing/2014/main" id="{A1006683-D23A-0387-0752-4D24C75AB960}"/>
+              </a:ext>
+            </a:extLst>
+          </p:cNvPr>
+          <p:cNvSpPr txBox="1"/>
+          <p:nvPr/>
+        </p:nvSpPr>
+        <p:spPr>
+          <a:xfrm>
+            <a:off x="2687093" y="5772492"/>
+            <a:ext cx="2323092" cy="738664"/>
+          </a:xfrm>
+          <a:prstGeom prst="rect">
+            <a:avLst/>
+          </a:prstGeom>
+          <a:noFill/>
+        </p:spPr>
+        <p:txBody>
+          <a:bodyPr wrap="square" rtlCol="0">
+            <a:spAutoFit/>
+          </a:bodyPr>
+          <a:lstStyle/>
+          <a:p>
+            <a:r>
+              <a:rPr lang="en-US" sz="1400" dirty="0">
+                <a:latin typeface="Century Gothic" panose="020B0502020202020204" pitchFamily="34" charset="0"/>
+                <a:cs typeface="Arial"/>
+              </a:rPr>
+              <a:t>Current flow of phase-a when </a:t>
+            </a:r>
+            <a:r>
+              <a:rPr lang="en-US" sz="1400" dirty="0" err="1">
+                <a:latin typeface="Century Gothic" panose="020B0502020202020204" pitchFamily="34" charset="0"/>
+                <a:cs typeface="Arial"/>
+              </a:rPr>
+              <a:t>Ia</a:t>
+            </a:r>
+            <a:r>
+              <a:rPr lang="en-US" sz="1400" dirty="0">
+                <a:latin typeface="Century Gothic" panose="020B0502020202020204" pitchFamily="34" charset="0"/>
+                <a:cs typeface="Arial"/>
+              </a:rPr>
+              <a:t>&lt;0 and at</a:t>
+            </a:r>
+          </a:p>
+          <a:p>
+            <a:r>
+              <a:rPr lang="en-US" sz="1400" dirty="0">
+                <a:latin typeface="Century Gothic" panose="020B0502020202020204" pitchFamily="34" charset="0"/>
+                <a:cs typeface="Arial"/>
+              </a:rPr>
+              <a:t> N-state </a:t>
+            </a:r>
+          </a:p>
+        </p:txBody>
+      </p:sp>
+      <mc:AlternateContent xmlns:mc="http://schemas.openxmlformats.org/markup-compatibility/2006" xmlns:p14="http://schemas.microsoft.com/office/powerpoint/2010/main">
+        <mc:Choice Requires="p14">
+          <p:contentPart p14:bwMode="auto" r:id="rId5">
+            <p14:nvContentPartPr>
+              <p14:cNvPr id="14" name="Ink 13">
+                <a:extLst>
+                  <a:ext uri="{FF2B5EF4-FFF2-40B4-BE49-F238E27FC236}">
+                    <a16:creationId xmlns:a16="http://schemas.microsoft.com/office/drawing/2014/main" id="{C6E6F0B6-CE1E-1A82-C972-0B7167AF329B}"/>
+                  </a:ext>
+                </a:extLst>
+              </p14:cNvPr>
+              <p14:cNvContentPartPr/>
+              <p14:nvPr/>
+            </p14:nvContentPartPr>
+            <p14:xfrm>
+              <a:off x="2249910" y="2283960"/>
+              <a:ext cx="212760" cy="245880"/>
+            </p14:xfrm>
+          </p:contentPart>
+        </mc:Choice>
+        <mc:Fallback xmlns="">
+          <p:pic>
+            <p:nvPicPr>
+              <p:cNvPr id="14" name="Ink 13">
+                <a:extLst>
+                  <a:ext uri="{FF2B5EF4-FFF2-40B4-BE49-F238E27FC236}">
+                    <a16:creationId xmlns:a16="http://schemas.microsoft.com/office/drawing/2014/main" id="{C6E6F0B6-CE1E-1A82-C972-0B7167AF329B}"/>
+                  </a:ext>
+                </a:extLst>
+              </p:cNvPr>
+              <p:cNvPicPr/>
+              <p:nvPr/>
+            </p:nvPicPr>
+            <p:blipFill>
+              <a:blip r:embed="rId6"/>
+              <a:stretch>
+                <a:fillRect/>
+              </a:stretch>
+            </p:blipFill>
+            <p:spPr>
+              <a:xfrm>
+                <a:off x="2243790" y="2277840"/>
+                <a:ext cx="225000" cy="258120"/>
+              </a:xfrm>
+              <a:prstGeom prst="rect">
+                <a:avLst/>
+              </a:prstGeom>
+            </p:spPr>
+          </p:pic>
+        </mc:Fallback>
+      </mc:AlternateContent>
+      <mc:AlternateContent xmlns:mc="http://schemas.openxmlformats.org/markup-compatibility/2006" xmlns:p14="http://schemas.microsoft.com/office/powerpoint/2010/main">
+        <mc:Choice Requires="p14">
+          <p:contentPart p14:bwMode="auto" r:id="rId7">
+            <p14:nvContentPartPr>
+              <p14:cNvPr id="15" name="Ink 14">
+                <a:extLst>
+                  <a:ext uri="{FF2B5EF4-FFF2-40B4-BE49-F238E27FC236}">
+                    <a16:creationId xmlns:a16="http://schemas.microsoft.com/office/drawing/2014/main" id="{F35A10AE-E4A0-F36C-8F5C-6AA2AD49FFA3}"/>
+                  </a:ext>
+                </a:extLst>
+              </p14:cNvPr>
+              <p14:cNvContentPartPr/>
+              <p14:nvPr/>
+            </p14:nvContentPartPr>
+            <p14:xfrm>
+              <a:off x="2263909" y="2242725"/>
+              <a:ext cx="222480" cy="283320"/>
+            </p14:xfrm>
+          </p:contentPart>
+        </mc:Choice>
+        <mc:Fallback xmlns="">
+          <p:pic>
+            <p:nvPicPr>
+              <p:cNvPr id="15" name="Ink 14">
+                <a:extLst>
+                  <a:ext uri="{FF2B5EF4-FFF2-40B4-BE49-F238E27FC236}">
+                    <a16:creationId xmlns:a16="http://schemas.microsoft.com/office/drawing/2014/main" id="{F35A10AE-E4A0-F36C-8F5C-6AA2AD49FFA3}"/>
+                  </a:ext>
+                </a:extLst>
+              </p:cNvPr>
+              <p:cNvPicPr/>
+              <p:nvPr/>
+            </p:nvPicPr>
+            <p:blipFill>
+              <a:blip r:embed="rId8"/>
+              <a:stretch>
+                <a:fillRect/>
+              </a:stretch>
+            </p:blipFill>
+            <p:spPr>
+              <a:xfrm>
+                <a:off x="2257789" y="2236605"/>
+                <a:ext cx="234720" cy="295560"/>
+              </a:xfrm>
+              <a:prstGeom prst="rect">
+                <a:avLst/>
+              </a:prstGeom>
+            </p:spPr>
+          </p:pic>
+        </mc:Fallback>
+      </mc:AlternateContent>
+    </p:spTree>
+    <p:extLst>
+      <p:ext uri="{BB962C8B-B14F-4D97-AF65-F5344CB8AC3E}">
+        <p14:creationId xmlns:p14="http://schemas.microsoft.com/office/powerpoint/2010/main" val="3365756821"/>
+      </p:ext>
+    </p:extLst>
+  </p:cSld>
+  <p:clrMapOvr>
+    <a:masterClrMapping/>
+  </p:clrMapOvr>
+</p:sld>
+</file>
+
+<file path=ppt/slides/slide15.xml><?xml version="1.0" encoding="utf-8"?>
+<p:sld xmlns:a="http://schemas.openxmlformats.org/drawingml/2006/main" xmlns:r="http://schemas.openxmlformats.org/officeDocument/2006/relationships" xmlns:p="http://schemas.openxmlformats.org/presentationml/2006/main">
+  <p:cSld>
+    <p:spTree>
+      <p:nvGrpSpPr>
+        <p:cNvPr id="1" name=""/>
+        <p:cNvGrpSpPr/>
+        <p:nvPr/>
+      </p:nvGrpSpPr>
+      <p:grpSpPr>
+        <a:xfrm>
+          <a:off x="0" y="0"/>
+          <a:ext cx="0" cy="0"/>
+          <a:chOff x="0" y="0"/>
+          <a:chExt cx="0" cy="0"/>
+        </a:xfrm>
+      </p:grpSpPr>
+      <p:sp>
+        <p:nvSpPr>
+          <p:cNvPr id="2" name="Title 1">
+            <a:extLst>
+              <a:ext uri="{FF2B5EF4-FFF2-40B4-BE49-F238E27FC236}">
+                <a16:creationId xmlns:a16="http://schemas.microsoft.com/office/drawing/2014/main" id="{D3BFCC76-ED7C-D2DE-B487-F6A7ED5E1BED}"/>
+              </a:ext>
+            </a:extLst>
+          </p:cNvPr>
+          <p:cNvSpPr>
+            <a:spLocks noGrp="1"/>
+          </p:cNvSpPr>
+          <p:nvPr>
+            <p:ph type="title"/>
+          </p:nvPr>
+        </p:nvSpPr>
+        <p:spPr/>
+        <p:txBody>
+          <a:bodyPr/>
+          <a:lstStyle/>
+          <a:p>
+            <a:r>
+              <a:rPr lang="en-US" dirty="0"/>
+              <a:t>Space Vectors Under Fault States</a:t>
+            </a:r>
+          </a:p>
+        </p:txBody>
+      </p:sp>
+      <p:sp>
+        <p:nvSpPr>
+          <p:cNvPr id="4" name="Slide Number Placeholder 3">
+            <a:extLst>
+              <a:ext uri="{FF2B5EF4-FFF2-40B4-BE49-F238E27FC236}">
+                <a16:creationId xmlns:a16="http://schemas.microsoft.com/office/drawing/2014/main" id="{6132EE89-833B-95A4-C38A-7BC4C8DBB71C}"/>
+              </a:ext>
+            </a:extLst>
+          </p:cNvPr>
+          <p:cNvSpPr>
+            <a:spLocks noGrp="1"/>
+          </p:cNvSpPr>
+          <p:nvPr>
+            <p:ph type="sldNum" sz="quarter" idx="12"/>
+          </p:nvPr>
+        </p:nvSpPr>
+        <p:spPr/>
+        <p:txBody>
+          <a:bodyPr/>
+          <a:lstStyle/>
+          <a:p>
+            <a:pPr>
+              <a:defRPr/>
+            </a:pPr>
+            <a:fld id="{C878F797-6006-4DDA-AFE9-456F280FE6C5}" type="slidenum">
+              <a:rPr lang="en-US" smtClean="0"/>
+              <a:pPr>
+                <a:defRPr/>
+              </a:pPr>
+              <a:t>15</a:t>
+            </a:fld>
+            <a:endParaRPr lang="en-US" dirty="0"/>
+          </a:p>
+        </p:txBody>
+      </p:sp>
+      <p:sp>
+        <p:nvSpPr>
+          <p:cNvPr id="5" name="Date Placeholder 4">
+            <a:extLst>
+              <a:ext uri="{FF2B5EF4-FFF2-40B4-BE49-F238E27FC236}">
+                <a16:creationId xmlns:a16="http://schemas.microsoft.com/office/drawing/2014/main" id="{641233B4-71AB-19DE-E1C4-0A8E82A5A985}"/>
+              </a:ext>
+            </a:extLst>
+          </p:cNvPr>
+          <p:cNvSpPr>
+            <a:spLocks noGrp="1"/>
+          </p:cNvSpPr>
+          <p:nvPr>
+            <p:ph type="dt" sz="half" idx="2"/>
+          </p:nvPr>
+        </p:nvSpPr>
+        <p:spPr/>
+        <p:txBody>
+          <a:bodyPr/>
+          <a:lstStyle/>
+          <a:p>
+            <a:pPr>
+              <a:defRPr/>
+            </a:pPr>
+            <a:r>
+              <a:rPr lang="tr-TR"/>
+              <a:t>METU Electrical &amp; Electronics Engineering Department</a:t>
+            </a:r>
+            <a:endParaRPr lang="en-US" dirty="0"/>
+          </a:p>
+        </p:txBody>
+      </p:sp>
+      <p:pic>
+        <p:nvPicPr>
+          <p:cNvPr id="7" name="Picture 6">
+            <a:extLst>
+              <a:ext uri="{FF2B5EF4-FFF2-40B4-BE49-F238E27FC236}">
+                <a16:creationId xmlns:a16="http://schemas.microsoft.com/office/drawing/2014/main" id="{68D2A6BF-1960-F235-C22C-05C509CAAB21}"/>
+              </a:ext>
+            </a:extLst>
+          </p:cNvPr>
+          <p:cNvPicPr>
+            <a:picLocks noChangeAspect="1"/>
+          </p:cNvPicPr>
+          <p:nvPr/>
+        </p:nvPicPr>
+        <p:blipFill>
+          <a:blip r:embed="rId2"/>
+          <a:stretch>
+            <a:fillRect/>
+          </a:stretch>
+        </p:blipFill>
+        <p:spPr>
+          <a:xfrm>
+            <a:off x="4516281" y="2275143"/>
+            <a:ext cx="4170519" cy="3336415"/>
+          </a:xfrm>
+          <a:prstGeom prst="rect">
+            <a:avLst/>
+          </a:prstGeom>
+        </p:spPr>
+      </p:pic>
+      <p:pic>
+        <p:nvPicPr>
+          <p:cNvPr id="9" name="Content Placeholder 16">
+            <a:extLst>
+              <a:ext uri="{FF2B5EF4-FFF2-40B4-BE49-F238E27FC236}">
+                <a16:creationId xmlns:a16="http://schemas.microsoft.com/office/drawing/2014/main" id="{4DB06227-24CE-F356-CE2B-39AC449657D2}"/>
+              </a:ext>
+            </a:extLst>
+          </p:cNvPr>
+          <p:cNvPicPr>
+            <a:picLocks noGrp="1" noChangeAspect="1"/>
+          </p:cNvPicPr>
+          <p:nvPr>
+            <p:ph idx="1"/>
+          </p:nvPr>
+        </p:nvPicPr>
+        <p:blipFill>
+          <a:blip r:embed="rId3"/>
+          <a:stretch>
+            <a:fillRect/>
+          </a:stretch>
+        </p:blipFill>
+        <p:spPr>
+          <a:xfrm>
+            <a:off x="1431255" y="2169501"/>
+            <a:ext cx="2052387" cy="3547698"/>
+          </a:xfrm>
+          <a:prstGeom prst="rect">
+            <a:avLst/>
+          </a:prstGeom>
+        </p:spPr>
+      </p:pic>
+      <p:sp>
+        <p:nvSpPr>
+          <p:cNvPr id="3" name="TextBox 2">
+            <a:extLst>
+              <a:ext uri="{FF2B5EF4-FFF2-40B4-BE49-F238E27FC236}">
+                <a16:creationId xmlns:a16="http://schemas.microsoft.com/office/drawing/2014/main" id="{D58D9F36-35D7-47CE-086E-0958FA6F6815}"/>
+              </a:ext>
+            </a:extLst>
+          </p:cNvPr>
+          <p:cNvSpPr txBox="1"/>
+          <p:nvPr/>
+        </p:nvSpPr>
+        <p:spPr>
+          <a:xfrm>
+            <a:off x="1268116" y="1718733"/>
+            <a:ext cx="1734321" cy="369332"/>
+          </a:xfrm>
+          <a:prstGeom prst="rect">
+            <a:avLst/>
+          </a:prstGeom>
+          <a:noFill/>
+        </p:spPr>
+        <p:txBody>
+          <a:bodyPr wrap="none" rtlCol="0">
+            <a:spAutoFit/>
+          </a:bodyPr>
+          <a:lstStyle/>
+          <a:p>
+            <a:r>
+              <a:rPr lang="en-US" dirty="0"/>
+              <a:t>Q4 open circuit</a:t>
+            </a:r>
+          </a:p>
+        </p:txBody>
+      </p:sp>
+      <p:sp>
+        <p:nvSpPr>
+          <p:cNvPr id="6" name="TextBox 5">
+            <a:extLst>
+              <a:ext uri="{FF2B5EF4-FFF2-40B4-BE49-F238E27FC236}">
+                <a16:creationId xmlns:a16="http://schemas.microsoft.com/office/drawing/2014/main" id="{4F3B8714-6390-5544-D123-CD2FBD171FBE}"/>
+              </a:ext>
+            </a:extLst>
+          </p:cNvPr>
+          <p:cNvSpPr txBox="1"/>
+          <p:nvPr/>
+        </p:nvSpPr>
+        <p:spPr>
+          <a:xfrm>
+            <a:off x="4994369" y="5759520"/>
+            <a:ext cx="3214341" cy="307777"/>
+          </a:xfrm>
+          <a:prstGeom prst="rect">
+            <a:avLst/>
+          </a:prstGeom>
+          <a:noFill/>
+        </p:spPr>
+        <p:txBody>
+          <a:bodyPr wrap="none" rtlCol="0">
+            <a:spAutoFit/>
+          </a:bodyPr>
+          <a:lstStyle/>
+          <a:p>
+            <a:r>
+              <a:rPr lang="en-US" sz="1400" dirty="0">
+                <a:latin typeface="Century Gothic" panose="020B0502020202020204" pitchFamily="34" charset="0"/>
+                <a:cs typeface="Arial"/>
+              </a:rPr>
+              <a:t>Space</a:t>
+            </a:r>
+            <a:r>
+              <a:rPr lang="en-US" sz="1400" dirty="0"/>
+              <a:t> </a:t>
+            </a:r>
+            <a:r>
+              <a:rPr lang="en-US" sz="1400" dirty="0">
+                <a:latin typeface="Century Gothic" panose="020B0502020202020204" pitchFamily="34" charset="0"/>
+                <a:cs typeface="Arial"/>
+              </a:rPr>
+              <a:t>Vector Diagram for Q4 fault</a:t>
+            </a:r>
+          </a:p>
+        </p:txBody>
+      </p:sp>
+    </p:spTree>
+    <p:extLst>
+      <p:ext uri="{BB962C8B-B14F-4D97-AF65-F5344CB8AC3E}">
+        <p14:creationId xmlns:p14="http://schemas.microsoft.com/office/powerpoint/2010/main" val="3241663642"/>
+      </p:ext>
+    </p:extLst>
+  </p:cSld>
+  <p:clrMapOvr>
+    <a:masterClrMapping/>
+  </p:clrMapOvr>
+</p:sld>
+</file>
+
+<file path=ppt/slides/slide16.xml><?xml version="1.0" encoding="utf-8"?>
+<p:sld xmlns:a="http://schemas.openxmlformats.org/drawingml/2006/main" xmlns:r="http://schemas.openxmlformats.org/officeDocument/2006/relationships" xmlns:p="http://schemas.openxmlformats.org/presentationml/2006/main">
+  <p:cSld>
+    <p:spTree>
+      <p:nvGrpSpPr>
+        <p:cNvPr id="1" name=""/>
+        <p:cNvGrpSpPr/>
+        <p:nvPr/>
+      </p:nvGrpSpPr>
+      <p:grpSpPr>
+        <a:xfrm>
+          <a:off x="0" y="0"/>
+          <a:ext cx="0" cy="0"/>
+          <a:chOff x="0" y="0"/>
+          <a:chExt cx="0" cy="0"/>
+        </a:xfrm>
+      </p:grpSpPr>
+      <p:sp>
+        <p:nvSpPr>
+          <p:cNvPr id="11" name="Title 10">
+            <a:extLst>
+              <a:ext uri="{FF2B5EF4-FFF2-40B4-BE49-F238E27FC236}">
+                <a16:creationId xmlns:a16="http://schemas.microsoft.com/office/drawing/2014/main" id="{509FA254-9CD1-4873-ACCE-25B4F4498EF9}"/>
+              </a:ext>
+            </a:extLst>
+          </p:cNvPr>
+          <p:cNvSpPr>
+            <a:spLocks noGrp="1"/>
+          </p:cNvSpPr>
+          <p:nvPr>
+            <p:ph type="title"/>
+          </p:nvPr>
+        </p:nvSpPr>
+        <p:spPr/>
+        <p:txBody>
+          <a:bodyPr/>
+          <a:lstStyle/>
+          <a:p>
+            <a:r>
+              <a:rPr lang="en-US" dirty="0"/>
+              <a:t>Fault Tolerant  Control Strategy for 3-Level Inverters</a:t>
+            </a:r>
+          </a:p>
+        </p:txBody>
+      </p:sp>
+      <p:sp>
+        <p:nvSpPr>
+          <p:cNvPr id="12" name="Content Placeholder 11">
+            <a:extLst>
+              <a:ext uri="{FF2B5EF4-FFF2-40B4-BE49-F238E27FC236}">
+                <a16:creationId xmlns:a16="http://schemas.microsoft.com/office/drawing/2014/main" id="{C4ACDB1C-5792-392F-64F8-637E713118A4}"/>
+              </a:ext>
+            </a:extLst>
+          </p:cNvPr>
+          <p:cNvSpPr>
+            <a:spLocks noGrp="1"/>
+          </p:cNvSpPr>
+          <p:nvPr>
+            <p:ph idx="1"/>
+          </p:nvPr>
+        </p:nvSpPr>
+        <p:spPr/>
+        <p:txBody>
+          <a:bodyPr/>
+          <a:lstStyle/>
+          <a:p>
+            <a:endParaRPr lang="en-US" dirty="0"/>
+          </a:p>
+        </p:txBody>
+      </p:sp>
+      <p:sp>
+        <p:nvSpPr>
+          <p:cNvPr id="4" name="Slide Number Placeholder 3">
+            <a:extLst>
+              <a:ext uri="{FF2B5EF4-FFF2-40B4-BE49-F238E27FC236}">
+                <a16:creationId xmlns:a16="http://schemas.microsoft.com/office/drawing/2014/main" id="{840B0F46-4F6D-6365-D04A-12F94B7E861B}"/>
+              </a:ext>
+            </a:extLst>
+          </p:cNvPr>
+          <p:cNvSpPr>
+            <a:spLocks noGrp="1"/>
+          </p:cNvSpPr>
+          <p:nvPr>
+            <p:ph type="sldNum" sz="quarter" idx="12"/>
+          </p:nvPr>
+        </p:nvSpPr>
+        <p:spPr/>
+        <p:txBody>
+          <a:bodyPr/>
+          <a:lstStyle/>
+          <a:p>
+            <a:pPr>
+              <a:defRPr/>
+            </a:pPr>
+            <a:fld id="{C878F797-6006-4DDA-AFE9-456F280FE6C5}" type="slidenum">
+              <a:rPr lang="en-US" smtClean="0"/>
+              <a:pPr>
+                <a:defRPr/>
+              </a:pPr>
+              <a:t>16</a:t>
+            </a:fld>
+            <a:endParaRPr lang="en-US" dirty="0"/>
+          </a:p>
+        </p:txBody>
+      </p:sp>
+      <p:sp>
+        <p:nvSpPr>
+          <p:cNvPr id="5" name="Date Placeholder 4">
+            <a:extLst>
+              <a:ext uri="{FF2B5EF4-FFF2-40B4-BE49-F238E27FC236}">
+                <a16:creationId xmlns:a16="http://schemas.microsoft.com/office/drawing/2014/main" id="{623AB46A-6EE9-B46E-71A9-65DDA3FEFAA7}"/>
+              </a:ext>
+            </a:extLst>
+          </p:cNvPr>
+          <p:cNvSpPr>
+            <a:spLocks noGrp="1"/>
+          </p:cNvSpPr>
+          <p:nvPr>
+            <p:ph type="dt" sz="half" idx="2"/>
+          </p:nvPr>
+        </p:nvSpPr>
+        <p:spPr/>
+        <p:txBody>
+          <a:bodyPr/>
+          <a:lstStyle/>
+          <a:p>
+            <a:pPr>
+              <a:defRPr/>
+            </a:pPr>
+            <a:r>
+              <a:rPr lang="tr-TR"/>
+              <a:t>METU Electrical &amp; Electronics Engineering Department</a:t>
+            </a:r>
+            <a:endParaRPr lang="en-US" dirty="0"/>
+          </a:p>
+        </p:txBody>
+      </p:sp>
+    </p:spTree>
+    <p:extLst>
+      <p:ext uri="{BB962C8B-B14F-4D97-AF65-F5344CB8AC3E}">
+        <p14:creationId xmlns:p14="http://schemas.microsoft.com/office/powerpoint/2010/main" val="2152611300"/>
+      </p:ext>
+    </p:extLst>
+  </p:cSld>
+  <p:clrMapOvr>
+    <a:masterClrMapping/>
+  </p:clrMapOvr>
+</p:sld>
+</file>
+
+<file path=ppt/slides/slide17.xml><?xml version="1.0" encoding="utf-8"?>
+<p:sld xmlns:a="http://schemas.openxmlformats.org/drawingml/2006/main" xmlns:r="http://schemas.openxmlformats.org/officeDocument/2006/relationships" xmlns:p="http://schemas.openxmlformats.org/presentationml/2006/main">
+  <p:cSld>
+    <p:spTree>
+      <p:nvGrpSpPr>
+        <p:cNvPr id="1" name=""/>
+        <p:cNvGrpSpPr/>
+        <p:nvPr/>
+      </p:nvGrpSpPr>
+      <p:grpSpPr>
+        <a:xfrm>
+          <a:off x="0" y="0"/>
+          <a:ext cx="0" cy="0"/>
+          <a:chOff x="0" y="0"/>
+          <a:chExt cx="0" cy="0"/>
+        </a:xfrm>
+      </p:grpSpPr>
+      <p:sp>
+        <p:nvSpPr>
+          <p:cNvPr id="2" name="Title 1">
+            <a:extLst>
+              <a:ext uri="{FF2B5EF4-FFF2-40B4-BE49-F238E27FC236}">
+                <a16:creationId xmlns:a16="http://schemas.microsoft.com/office/drawing/2014/main" id="{AA47C463-0D2A-6386-A8BF-52EFC5C028D8}"/>
+              </a:ext>
+            </a:extLst>
+          </p:cNvPr>
+          <p:cNvSpPr>
+            <a:spLocks noGrp="1"/>
+          </p:cNvSpPr>
+          <p:nvPr>
+            <p:ph type="title"/>
+          </p:nvPr>
+        </p:nvSpPr>
+        <p:spPr/>
+        <p:txBody>
+          <a:bodyPr/>
+          <a:lstStyle/>
+          <a:p>
+            <a:r>
+              <a:rPr lang="en-US" dirty="0"/>
+              <a:t>Conclusion</a:t>
+            </a:r>
+          </a:p>
+        </p:txBody>
+      </p:sp>
+      <p:sp>
+        <p:nvSpPr>
+          <p:cNvPr id="3" name="Content Placeholder 2">
+            <a:extLst>
+              <a:ext uri="{FF2B5EF4-FFF2-40B4-BE49-F238E27FC236}">
+                <a16:creationId xmlns:a16="http://schemas.microsoft.com/office/drawing/2014/main" id="{0B2FFB94-76C6-9852-4D9C-72DE83140B6A}"/>
+              </a:ext>
+            </a:extLst>
+          </p:cNvPr>
+          <p:cNvSpPr>
+            <a:spLocks noGrp="1"/>
+          </p:cNvSpPr>
+          <p:nvPr>
+            <p:ph idx="1"/>
+          </p:nvPr>
+        </p:nvSpPr>
+        <p:spPr/>
+        <p:txBody>
+          <a:bodyPr/>
+          <a:lstStyle/>
+          <a:p>
+            <a:endParaRPr lang="en-US"/>
+          </a:p>
+        </p:txBody>
+      </p:sp>
+      <p:sp>
+        <p:nvSpPr>
+          <p:cNvPr id="4" name="Slide Number Placeholder 3">
+            <a:extLst>
+              <a:ext uri="{FF2B5EF4-FFF2-40B4-BE49-F238E27FC236}">
+                <a16:creationId xmlns:a16="http://schemas.microsoft.com/office/drawing/2014/main" id="{F66F2F28-631F-7C18-9551-46F6FDDC65DE}"/>
+              </a:ext>
+            </a:extLst>
+          </p:cNvPr>
+          <p:cNvSpPr>
+            <a:spLocks noGrp="1"/>
+          </p:cNvSpPr>
+          <p:nvPr>
+            <p:ph type="sldNum" sz="quarter" idx="12"/>
+          </p:nvPr>
+        </p:nvSpPr>
+        <p:spPr/>
+        <p:txBody>
+          <a:bodyPr/>
+          <a:lstStyle/>
+          <a:p>
+            <a:pPr>
+              <a:defRPr/>
+            </a:pPr>
+            <a:fld id="{C878F797-6006-4DDA-AFE9-456F280FE6C5}" type="slidenum">
+              <a:rPr lang="en-US" smtClean="0"/>
+              <a:pPr>
+                <a:defRPr/>
+              </a:pPr>
+              <a:t>17</a:t>
+            </a:fld>
+            <a:endParaRPr lang="en-US" dirty="0"/>
+          </a:p>
+        </p:txBody>
+      </p:sp>
+      <p:sp>
+        <p:nvSpPr>
+          <p:cNvPr id="5" name="Date Placeholder 4">
+            <a:extLst>
+              <a:ext uri="{FF2B5EF4-FFF2-40B4-BE49-F238E27FC236}">
+                <a16:creationId xmlns:a16="http://schemas.microsoft.com/office/drawing/2014/main" id="{2881B45D-15AE-A74A-2C09-B1829303AC54}"/>
+              </a:ext>
+            </a:extLst>
+          </p:cNvPr>
+          <p:cNvSpPr>
+            <a:spLocks noGrp="1"/>
+          </p:cNvSpPr>
+          <p:nvPr>
+            <p:ph type="dt" sz="half" idx="2"/>
+          </p:nvPr>
+        </p:nvSpPr>
+        <p:spPr/>
+        <p:txBody>
+          <a:bodyPr/>
+          <a:lstStyle/>
+          <a:p>
+            <a:pPr>
+              <a:defRPr/>
+            </a:pPr>
+            <a:r>
+              <a:rPr lang="tr-TR"/>
+              <a:t>METU Electrical &amp; Electronics Engineering Department</a:t>
+            </a:r>
+            <a:endParaRPr lang="en-US" dirty="0"/>
+          </a:p>
+        </p:txBody>
+      </p:sp>
+    </p:spTree>
+    <p:extLst>
+      <p:ext uri="{BB962C8B-B14F-4D97-AF65-F5344CB8AC3E}">
+        <p14:creationId xmlns:p14="http://schemas.microsoft.com/office/powerpoint/2010/main" val="400555261"/>
+      </p:ext>
+    </p:extLst>
+  </p:cSld>
+  <p:clrMapOvr>
+    <a:masterClrMapping/>
+  </p:clrMapOvr>
+</p:sld>
+</file>
+
+<file path=ppt/slides/slide18.xml><?xml version="1.0" encoding="utf-8"?>
+<p:sld xmlns:a="http://schemas.openxmlformats.org/drawingml/2006/main" xmlns:r="http://schemas.openxmlformats.org/officeDocument/2006/relationships" xmlns:p="http://schemas.openxmlformats.org/presentationml/2006/main">
+  <p:cSld>
+    <p:spTree>
+      <p:nvGrpSpPr>
+        <p:cNvPr id="1" name=""/>
+        <p:cNvGrpSpPr/>
+        <p:nvPr/>
+      </p:nvGrpSpPr>
+      <p:grpSpPr>
+        <a:xfrm>
+          <a:off x="0" y="0"/>
+          <a:ext cx="0" cy="0"/>
+          <a:chOff x="0" y="0"/>
+          <a:chExt cx="0" cy="0"/>
+        </a:xfrm>
+      </p:grpSpPr>
+      <p:sp>
+        <p:nvSpPr>
+          <p:cNvPr id="2" name="Title 1">
+            <a:extLst>
+              <a:ext uri="{FF2B5EF4-FFF2-40B4-BE49-F238E27FC236}">
+                <a16:creationId xmlns:a16="http://schemas.microsoft.com/office/drawing/2014/main" id="{E44B9115-8CCF-ABE5-5980-1C9EDB4BF746}"/>
+              </a:ext>
+            </a:extLst>
+          </p:cNvPr>
+          <p:cNvSpPr>
+            <a:spLocks noGrp="1"/>
+          </p:cNvSpPr>
+          <p:nvPr>
+            <p:ph type="title"/>
+          </p:nvPr>
+        </p:nvSpPr>
+        <p:spPr/>
+        <p:txBody>
+          <a:bodyPr/>
+          <a:lstStyle/>
+          <a:p>
+            <a:r>
+              <a:rPr lang="en-US" dirty="0"/>
+              <a:t>Reference</a:t>
+            </a:r>
+          </a:p>
+        </p:txBody>
+      </p:sp>
+      <p:sp>
+        <p:nvSpPr>
+          <p:cNvPr id="3" name="Content Placeholder 2">
+            <a:extLst>
+              <a:ext uri="{FF2B5EF4-FFF2-40B4-BE49-F238E27FC236}">
+                <a16:creationId xmlns:a16="http://schemas.microsoft.com/office/drawing/2014/main" id="{971E9DB4-290D-20D2-C61C-57C34733616B}"/>
+              </a:ext>
+            </a:extLst>
+          </p:cNvPr>
+          <p:cNvSpPr>
+            <a:spLocks noGrp="1"/>
+          </p:cNvSpPr>
+          <p:nvPr>
+            <p:ph idx="1"/>
+          </p:nvPr>
+        </p:nvSpPr>
+        <p:spPr/>
+        <p:txBody>
+          <a:bodyPr/>
+          <a:lstStyle/>
+          <a:p>
+            <a:pPr marL="0" indent="0" algn="just">
+              <a:buNone/>
+            </a:pPr>
+            <a:r>
+              <a:rPr lang="en-US" sz="1400" dirty="0"/>
+              <a:t>[1]</a:t>
+            </a:r>
+            <a:r>
+              <a:rPr lang="tr-TR" sz="1400" dirty="0"/>
+              <a:t> </a:t>
+            </a:r>
+            <a:r>
+              <a:rPr lang="en-US" sz="1400" dirty="0"/>
+              <a:t>J. Rodriguez, S. </a:t>
+            </a:r>
+            <a:r>
+              <a:rPr lang="en-US" sz="1400" dirty="0" err="1"/>
+              <a:t>Bernet</a:t>
+            </a:r>
+            <a:r>
+              <a:rPr lang="en-US" sz="1400" dirty="0"/>
+              <a:t>, P. K. </a:t>
+            </a:r>
+            <a:r>
+              <a:rPr lang="en-US" sz="1400" dirty="0" err="1"/>
+              <a:t>Steimer</a:t>
+            </a:r>
+            <a:r>
+              <a:rPr lang="en-US" sz="1400" dirty="0"/>
+              <a:t> and I. E. </a:t>
+            </a:r>
+            <a:r>
+              <a:rPr lang="en-US" sz="1400" dirty="0" err="1"/>
+              <a:t>Lizama</a:t>
+            </a:r>
+            <a:r>
+              <a:rPr lang="en-US" sz="1400" dirty="0"/>
+              <a:t>, "A Survey on Neutral-Point-Clamped Inverters," in IEEE Transactions on Industrial Electronics, vol. 57, no. 7, pp. 2219-2230, July 2010</a:t>
+            </a:r>
+          </a:p>
+          <a:p>
+            <a:pPr marL="0" indent="0" algn="just">
+              <a:buNone/>
+            </a:pPr>
+            <a:r>
+              <a:rPr lang="tr-TR" sz="1400" dirty="0"/>
+              <a:t>[2] </a:t>
+            </a:r>
+            <a:r>
+              <a:rPr lang="en-US" sz="1400" dirty="0" err="1"/>
+              <a:t>Keqing</a:t>
+            </a:r>
+            <a:r>
+              <a:rPr lang="en-US" sz="1400" dirty="0"/>
+              <a:t> Qu, Xi Jin, </a:t>
+            </a:r>
+            <a:r>
+              <a:rPr lang="en-US" sz="1400" dirty="0" err="1"/>
+              <a:t>Yuehong</a:t>
+            </a:r>
+            <a:r>
+              <a:rPr lang="en-US" sz="1400" dirty="0"/>
+              <a:t> Xing, </a:t>
+            </a:r>
+            <a:r>
+              <a:rPr lang="en-US" sz="1400" dirty="0" err="1"/>
+              <a:t>Zuojin</a:t>
+            </a:r>
+            <a:r>
+              <a:rPr lang="en-US" sz="1400" dirty="0"/>
+              <a:t> Ding and W. Chen, "A SVPWM control strategy for NPC three-level inverter," 2011 IEEE Power Engineering and Automation Conference, Wuhan, China, 2011</a:t>
+            </a:r>
+          </a:p>
+          <a:p>
+            <a:pPr marL="0" indent="0" algn="just">
+              <a:buNone/>
+            </a:pPr>
+            <a:r>
+              <a:rPr lang="tr-TR" sz="1400" dirty="0"/>
+              <a:t>[</a:t>
+            </a:r>
+            <a:r>
+              <a:rPr lang="en-US" sz="1400" dirty="0"/>
+              <a:t>3</a:t>
+            </a:r>
+            <a:r>
+              <a:rPr lang="tr-TR" sz="1400" dirty="0"/>
+              <a:t>] </a:t>
+            </a:r>
+            <a:r>
+              <a:rPr lang="en-US" sz="1400" dirty="0"/>
+              <a:t>K. Patel, S. </a:t>
+            </a:r>
+            <a:r>
+              <a:rPr lang="en-US" sz="1400" dirty="0" err="1"/>
+              <a:t>Borole</a:t>
+            </a:r>
+            <a:r>
+              <a:rPr lang="en-US" sz="1400" dirty="0"/>
+              <a:t>, R. Manikandan and R. R. Singh, "Short Circuit and Open Circuit Fault Identification Strategy for 3-Level Neutral Point Clamped Inverter," 2021 Innovations in Power and Advanced Computing Technologies (</a:t>
+            </a:r>
+            <a:r>
+              <a:rPr lang="en-US" sz="1400" dirty="0" err="1"/>
+              <a:t>i</a:t>
+            </a:r>
+            <a:r>
+              <a:rPr lang="en-US" sz="1400" dirty="0"/>
+              <a:t>-PACT), Kuala Lumpur, Malaysia, 2021</a:t>
+            </a:r>
+          </a:p>
+          <a:p>
+            <a:pPr marL="0" indent="0" algn="just">
+              <a:buNone/>
+            </a:pPr>
+            <a:r>
+              <a:rPr lang="en-US" sz="1400" dirty="0"/>
+              <a:t>[4] A. </a:t>
+            </a:r>
+            <a:r>
+              <a:rPr lang="en-US" sz="1400" dirty="0" err="1"/>
+              <a:t>Alili</a:t>
+            </a:r>
+            <a:r>
+              <a:rPr lang="en-US" sz="1400" dirty="0"/>
+              <a:t>, A. A. Ameri, M. B. Camara and B. </a:t>
+            </a:r>
+            <a:r>
+              <a:rPr lang="en-US" sz="1400" dirty="0" err="1"/>
+              <a:t>Dakyo</a:t>
+            </a:r>
+            <a:r>
+              <a:rPr lang="en-US" sz="1400" dirty="0"/>
+              <a:t>, "Open-circuit fault detection method for Grid-side Three-level NPC Inverter," 2021 10th International Conference on Renewable Energy Research and Application (ICRERA), Istanbul, Turkey, 2021</a:t>
+            </a:r>
+          </a:p>
+          <a:p>
+            <a:pPr marL="0" indent="0" algn="just">
+              <a:buNone/>
+            </a:pPr>
+            <a:r>
+              <a:rPr lang="tr-TR" sz="1400" dirty="0"/>
+              <a:t>[5]</a:t>
+            </a:r>
+            <a:r>
+              <a:rPr lang="en-US" sz="1200" b="0" i="0" dirty="0">
+                <a:solidFill>
+                  <a:srgbClr val="333333"/>
+                </a:solidFill>
+                <a:effectLst/>
+                <a:latin typeface="HelveticaNeue Regular"/>
+              </a:rPr>
+              <a:t>  </a:t>
+            </a:r>
+            <a:r>
+              <a:rPr lang="en-US" sz="1400" dirty="0"/>
+              <a:t>K. Yamanaka, A. M. </a:t>
+            </a:r>
+            <a:r>
+              <a:rPr lang="en-US" sz="1400" dirty="0" err="1"/>
+              <a:t>Hava</a:t>
+            </a:r>
+            <a:r>
+              <a:rPr lang="en-US" sz="1400" dirty="0"/>
+              <a:t>, H. </a:t>
+            </a:r>
+            <a:r>
+              <a:rPr lang="en-US" sz="1400" dirty="0" err="1"/>
+              <a:t>Kirino</a:t>
+            </a:r>
+            <a:r>
+              <a:rPr lang="en-US" sz="1400" dirty="0"/>
+              <a:t>, Y. Tanaka, N. Koga and T. </a:t>
+            </a:r>
+            <a:r>
+              <a:rPr lang="en-US" sz="1400" dirty="0" err="1"/>
+              <a:t>Kume</a:t>
+            </a:r>
+            <a:r>
+              <a:rPr lang="en-US" sz="1400" dirty="0"/>
+              <a:t>, "A novel neutral point potential stabilization technique using the information of output current polarities and voltage vector," in IEEE Transactions on Industry Applications, vol. 38, no. 6, pp. 1572-1580, Nov.-Dec. 2002</a:t>
+            </a:r>
+          </a:p>
+          <a:p>
+            <a:pPr marL="0" indent="0" algn="just">
+              <a:buNone/>
+            </a:pPr>
+            <a:r>
+              <a:rPr lang="en-US" sz="1400" dirty="0"/>
+              <a:t>[6] A. </a:t>
+            </a:r>
+            <a:r>
+              <a:rPr lang="en-US" sz="1400" dirty="0" err="1"/>
+              <a:t>Benevieri</a:t>
+            </a:r>
+            <a:r>
+              <a:rPr lang="en-US" sz="1400" dirty="0"/>
+              <a:t>, L. Carbone, S. </a:t>
+            </a:r>
+            <a:r>
+              <a:rPr lang="en-US" sz="1400" dirty="0" err="1"/>
+              <a:t>Cosso</a:t>
+            </a:r>
+            <a:r>
+              <a:rPr lang="en-US" sz="1400" dirty="0"/>
+              <a:t>, F. </a:t>
+            </a:r>
+            <a:r>
+              <a:rPr lang="en-US" sz="1400" dirty="0" err="1"/>
+              <a:t>Gallione</a:t>
+            </a:r>
+            <a:r>
+              <a:rPr lang="en-US" sz="1400" dirty="0"/>
+              <a:t> and S. Hussain, "A New Strategy for Detection and Management of Faults in High Power NPC Converter Systems," 2023 13th International Symposium on Advanced Topics in Electrical Engineering (ATEE), Bucharest, Romania, 2023</a:t>
+            </a:r>
+          </a:p>
+        </p:txBody>
+      </p:sp>
+      <p:sp>
+        <p:nvSpPr>
+          <p:cNvPr id="4" name="Slide Number Placeholder 3">
+            <a:extLst>
+              <a:ext uri="{FF2B5EF4-FFF2-40B4-BE49-F238E27FC236}">
+                <a16:creationId xmlns:a16="http://schemas.microsoft.com/office/drawing/2014/main" id="{256ED077-B4F2-656E-385B-EEC1C5864815}"/>
+              </a:ext>
+            </a:extLst>
+          </p:cNvPr>
+          <p:cNvSpPr>
+            <a:spLocks noGrp="1"/>
+          </p:cNvSpPr>
+          <p:nvPr>
+            <p:ph type="sldNum" sz="quarter" idx="12"/>
+          </p:nvPr>
+        </p:nvSpPr>
+        <p:spPr/>
+        <p:txBody>
+          <a:bodyPr/>
+          <a:lstStyle/>
+          <a:p>
+            <a:pPr>
+              <a:defRPr/>
+            </a:pPr>
+            <a:fld id="{C878F797-6006-4DDA-AFE9-456F280FE6C5}" type="slidenum">
+              <a:rPr lang="en-US" smtClean="0"/>
+              <a:pPr>
+                <a:defRPr/>
+              </a:pPr>
+              <a:t>18</a:t>
+            </a:fld>
+            <a:endParaRPr lang="en-US" dirty="0"/>
+          </a:p>
+        </p:txBody>
+      </p:sp>
+      <p:sp>
+        <p:nvSpPr>
+          <p:cNvPr id="5" name="Date Placeholder 4">
+            <a:extLst>
+              <a:ext uri="{FF2B5EF4-FFF2-40B4-BE49-F238E27FC236}">
+                <a16:creationId xmlns:a16="http://schemas.microsoft.com/office/drawing/2014/main" id="{3CA283E1-4D08-6D09-1DCE-A600774C955B}"/>
+              </a:ext>
+            </a:extLst>
+          </p:cNvPr>
+          <p:cNvSpPr>
+            <a:spLocks noGrp="1"/>
+          </p:cNvSpPr>
+          <p:nvPr>
+            <p:ph type="dt" sz="half" idx="2"/>
+          </p:nvPr>
+        </p:nvSpPr>
+        <p:spPr/>
+        <p:txBody>
+          <a:bodyPr/>
+          <a:lstStyle/>
+          <a:p>
+            <a:pPr>
+              <a:defRPr/>
+            </a:pPr>
+            <a:r>
+              <a:rPr lang="tr-TR"/>
+              <a:t>METU Electrical &amp; Electronics Engineering Department</a:t>
+            </a:r>
+            <a:endParaRPr lang="en-US" dirty="0"/>
+          </a:p>
+        </p:txBody>
+      </p:sp>
+    </p:spTree>
+    <p:extLst>
+      <p:ext uri="{BB962C8B-B14F-4D97-AF65-F5344CB8AC3E}">
+        <p14:creationId xmlns:p14="http://schemas.microsoft.com/office/powerpoint/2010/main" val="159656307"/>
+      </p:ext>
+    </p:extLst>
+  </p:cSld>
+  <p:clrMapOvr>
+    <a:masterClrMapping/>
+  </p:clrMapOvr>
+</p:sld>
+</file>
+
+<file path=ppt/slides/slide19.xml><?xml version="1.0" encoding="utf-8"?>
+<p:sld xmlns:a="http://schemas.openxmlformats.org/drawingml/2006/main" xmlns:r="http://schemas.openxmlformats.org/officeDocument/2006/relationships" xmlns:p="http://schemas.openxmlformats.org/presentationml/2006/main">
+  <p:cSld>
+    <p:spTree>
+      <p:nvGrpSpPr>
+        <p:cNvPr id="1" name=""/>
+        <p:cNvGrpSpPr/>
+        <p:nvPr/>
+      </p:nvGrpSpPr>
+      <p:grpSpPr>
+        <a:xfrm>
+          <a:off x="0" y="0"/>
+          <a:ext cx="0" cy="0"/>
+          <a:chOff x="0" y="0"/>
+          <a:chExt cx="0" cy="0"/>
+        </a:xfrm>
+      </p:grpSpPr>
+    </p:spTree>
+    <p:extLst>
+      <p:ext uri="{BB962C8B-B14F-4D97-AF65-F5344CB8AC3E}">
+        <p14:creationId xmlns:p14="http://schemas.microsoft.com/office/powerpoint/2010/main" val="3835474893"/>
+      </p:ext>
+    </p:extLst>
+  </p:cSld>
+  <p:clrMapOvr>
+    <a:masterClrMapping/>
+  </p:clrMapOvr>
+</p:sld>
+</file>
+
+<file path=ppt/slides/slide2.xml><?xml version="1.0" encoding="utf-8"?>
+<p:sld xmlns:a="http://schemas.openxmlformats.org/drawingml/2006/main" xmlns:r="http://schemas.openxmlformats.org/officeDocument/2006/relationships" xmlns:p="http://schemas.openxmlformats.org/presentationml/2006/main">
+  <p:cSld>
+    <p:spTree>
+      <p:nvGrpSpPr>
+        <p:cNvPr id="1" name=""/>
+        <p:cNvGrpSpPr/>
+        <p:nvPr/>
+      </p:nvGrpSpPr>
+      <p:grpSpPr>
+        <a:xfrm>
+          <a:off x="0" y="0"/>
+          <a:ext cx="0" cy="0"/>
+          <a:chOff x="0" y="0"/>
+          <a:chExt cx="0" cy="0"/>
+        </a:xfrm>
+      </p:grpSpPr>
+    </p:spTree>
+    <p:extLst>
+      <p:ext uri="{BB962C8B-B14F-4D97-AF65-F5344CB8AC3E}">
+        <p14:creationId xmlns:p14="http://schemas.microsoft.com/office/powerpoint/2010/main" val="1031498753"/>
+      </p:ext>
+    </p:extLst>
+  </p:cSld>
+  <p:clrMapOvr>
+    <a:masterClrMapping/>
+  </p:clrMapOvr>
+</p:sld>
+</file>
+
+<file path=ppt/slides/slide3.xml><?xml version="1.0" encoding="utf-8"?>
+<p:sld xmlns:a="http://schemas.openxmlformats.org/drawingml/2006/main" xmlns:r="http://schemas.openxmlformats.org/officeDocument/2006/relationships" xmlns:p="http://schemas.openxmlformats.org/presentationml/2006/main">
+  <p:cSld>
+    <p:spTree>
+      <p:nvGrpSpPr>
+        <p:cNvPr id="1" name=""/>
+        <p:cNvGrpSpPr/>
+        <p:nvPr/>
+      </p:nvGrpSpPr>
+      <p:grpSpPr>
+        <a:xfrm>
+          <a:off x="0" y="0"/>
+          <a:ext cx="0" cy="0"/>
+          <a:chOff x="0" y="0"/>
+          <a:chExt cx="0" cy="0"/>
+        </a:xfrm>
+      </p:grpSpPr>
+      <p:sp>
+        <p:nvSpPr>
+          <p:cNvPr id="2" name="Title 1"/>
+          <p:cNvSpPr>
+            <a:spLocks noGrp="1"/>
+          </p:cNvSpPr>
+          <p:nvPr>
+            <p:ph type="title"/>
+          </p:nvPr>
+        </p:nvSpPr>
+        <p:spPr/>
+        <p:txBody>
+          <a:bodyPr/>
+          <a:lstStyle/>
+          <a:p>
+            <a:r>
+              <a:rPr lang="en-US" dirty="0"/>
+              <a:t>Outline</a:t>
+            </a:r>
+            <a:endParaRPr lang="tr-TR" dirty="0"/>
+          </a:p>
+        </p:txBody>
+      </p:sp>
+      <p:sp>
+        <p:nvSpPr>
+          <p:cNvPr id="3" name="Content Placeholder 2"/>
+          <p:cNvSpPr>
+            <a:spLocks noGrp="1"/>
+          </p:cNvSpPr>
+          <p:nvPr>
+            <p:ph idx="1"/>
+          </p:nvPr>
+        </p:nvSpPr>
+        <p:spPr/>
+        <p:txBody>
+          <a:bodyPr/>
+          <a:lstStyle/>
+          <a:p>
+            <a:pPr marL="342900" indent="-342900">
+              <a:buFont typeface="Arial" panose="020B0604020202020204" pitchFamily="34" charset="0"/>
+              <a:buChar char="•"/>
+            </a:pPr>
+            <a:r>
+              <a:rPr lang="en-US" dirty="0"/>
+              <a:t>Electrical Machine Drives</a:t>
+            </a:r>
+          </a:p>
+          <a:p>
+            <a:pPr marL="342900" indent="-342900">
+              <a:buFont typeface="Arial" panose="020B0604020202020204" pitchFamily="34" charset="0"/>
+              <a:buChar char="•"/>
+            </a:pPr>
+            <a:r>
+              <a:rPr lang="en-US" dirty="0"/>
+              <a:t>Inverters</a:t>
+            </a:r>
+          </a:p>
+          <a:p>
+            <a:pPr marL="342900" indent="-342900">
+              <a:buFont typeface="Arial" panose="020B0604020202020204" pitchFamily="34" charset="0"/>
+              <a:buChar char="•"/>
+            </a:pPr>
+            <a:r>
+              <a:rPr lang="en-US" dirty="0"/>
+              <a:t>Aim of the Study</a:t>
+            </a:r>
+          </a:p>
+          <a:p>
+            <a:pPr marL="342900" indent="-342900">
+              <a:buFont typeface="Arial" panose="020B0604020202020204" pitchFamily="34" charset="0"/>
+              <a:buChar char="•"/>
+            </a:pPr>
+            <a:r>
+              <a:rPr lang="en-US" dirty="0"/>
+              <a:t>Inverter Control Techniques</a:t>
+            </a:r>
+          </a:p>
+          <a:p>
+            <a:pPr marL="342900" indent="-342900">
+              <a:buFont typeface="Arial" panose="020B0604020202020204" pitchFamily="34" charset="0"/>
+              <a:buChar char="•"/>
+            </a:pPr>
+            <a:r>
+              <a:rPr lang="en-US" dirty="0"/>
+              <a:t>3- Level NPC Inverters &amp; Drive Methods</a:t>
+            </a:r>
+          </a:p>
+          <a:p>
+            <a:pPr marL="342900" indent="-342900">
+              <a:buFont typeface="Arial" panose="020B0604020202020204" pitchFamily="34" charset="0"/>
+              <a:buChar char="•"/>
+            </a:pPr>
+            <a:r>
+              <a:rPr lang="en-US" dirty="0"/>
+              <a:t>Possible Fault States</a:t>
+            </a:r>
+          </a:p>
+          <a:p>
+            <a:pPr marL="342900" indent="-342900">
+              <a:buFont typeface="Arial" panose="020B0604020202020204" pitchFamily="34" charset="0"/>
+              <a:buChar char="•"/>
+            </a:pPr>
+            <a:r>
+              <a:rPr lang="en-US" dirty="0"/>
+              <a:t>Operation Vector Under Fault States</a:t>
+            </a:r>
+          </a:p>
+          <a:p>
+            <a:pPr marL="342900" indent="-342900">
+              <a:buFont typeface="Arial" panose="020B0604020202020204" pitchFamily="34" charset="0"/>
+              <a:buChar char="•"/>
+            </a:pPr>
+            <a:r>
+              <a:rPr lang="en-US" dirty="0"/>
+              <a:t>Conclusion</a:t>
+            </a:r>
+          </a:p>
+          <a:p>
+            <a:pPr marL="342900" indent="-342900">
+              <a:buFont typeface="Arial" panose="020B0604020202020204" pitchFamily="34" charset="0"/>
+              <a:buChar char="•"/>
+            </a:pPr>
+            <a:r>
+              <a:rPr lang="en-US" dirty="0"/>
+              <a:t>References</a:t>
+            </a:r>
+            <a:endParaRPr lang="tr-TR" dirty="0"/>
+          </a:p>
+        </p:txBody>
+      </p:sp>
+      <p:sp>
+        <p:nvSpPr>
+          <p:cNvPr id="4" name="Slide Number Placeholder 3"/>
+          <p:cNvSpPr>
+            <a:spLocks noGrp="1"/>
+          </p:cNvSpPr>
+          <p:nvPr>
+            <p:ph type="sldNum" sz="quarter" idx="12"/>
+          </p:nvPr>
+        </p:nvSpPr>
+        <p:spPr/>
+        <p:txBody>
+          <a:bodyPr/>
+          <a:lstStyle/>
+          <a:p>
+            <a:pPr>
+              <a:defRPr/>
+            </a:pPr>
+            <a:fld id="{C878F797-6006-4DDA-AFE9-456F280FE6C5}" type="slidenum">
+              <a:rPr lang="en-US" smtClean="0"/>
+              <a:pPr>
+                <a:defRPr/>
+              </a:pPr>
+              <a:t>3</a:t>
+            </a:fld>
+            <a:endParaRPr lang="en-US" dirty="0"/>
+          </a:p>
+        </p:txBody>
+      </p:sp>
+      <p:sp>
+        <p:nvSpPr>
+          <p:cNvPr id="5" name="Date Placeholder 4"/>
+          <p:cNvSpPr>
+            <a:spLocks noGrp="1"/>
+          </p:cNvSpPr>
+          <p:nvPr>
+            <p:ph type="dt" sz="half" idx="2"/>
+          </p:nvPr>
+        </p:nvSpPr>
+        <p:spPr/>
+        <p:txBody>
+          <a:bodyPr/>
+          <a:lstStyle/>
+          <a:p>
+            <a:pPr>
+              <a:defRPr/>
+            </a:pPr>
+            <a:r>
+              <a:rPr lang="tr-TR"/>
+              <a:t>METU Electrical &amp; Electronics Engineering Department</a:t>
+            </a:r>
+            <a:endParaRPr lang="en-US" dirty="0"/>
+          </a:p>
+        </p:txBody>
+      </p:sp>
+    </p:spTree>
+    <p:extLst>
+      <p:ext uri="{BB962C8B-B14F-4D97-AF65-F5344CB8AC3E}">
+        <p14:creationId xmlns:p14="http://schemas.microsoft.com/office/powerpoint/2010/main" val="1601229741"/>
+      </p:ext>
+    </p:extLst>
+  </p:cSld>
+  <p:clrMapOvr>
+    <a:masterClrMapping/>
+  </p:clrMapOvr>
+</p:sld>
+</file>
+
+<file path=ppt/slides/slide4.xml><?xml version="1.0" encoding="utf-8"?>
+<p:sld xmlns:a="http://schemas.openxmlformats.org/drawingml/2006/main" xmlns:r="http://schemas.openxmlformats.org/officeDocument/2006/relationships" xmlns:p="http://schemas.openxmlformats.org/presentationml/2006/main">
+  <p:cSld>
+    <p:spTree>
+      <p:nvGrpSpPr>
+        <p:cNvPr id="1" name=""/>
+        <p:cNvGrpSpPr/>
+        <p:nvPr/>
+      </p:nvGrpSpPr>
+      <p:grpSpPr>
+        <a:xfrm>
+          <a:off x="0" y="0"/>
+          <a:ext cx="0" cy="0"/>
+          <a:chOff x="0" y="0"/>
+          <a:chExt cx="0" cy="0"/>
+        </a:xfrm>
+      </p:grpSpPr>
+      <p:sp>
+        <p:nvSpPr>
+          <p:cNvPr id="2" name="Title 1">
+            <a:extLst>
+              <a:ext uri="{FF2B5EF4-FFF2-40B4-BE49-F238E27FC236}">
+                <a16:creationId xmlns:a16="http://schemas.microsoft.com/office/drawing/2014/main" id="{7DE46394-088F-FE9B-1509-EC62856EBCBB}"/>
+              </a:ext>
+            </a:extLst>
+          </p:cNvPr>
+          <p:cNvSpPr>
+            <a:spLocks noGrp="1"/>
+          </p:cNvSpPr>
+          <p:nvPr>
+            <p:ph type="title"/>
+          </p:nvPr>
+        </p:nvSpPr>
+        <p:spPr/>
+        <p:txBody>
+          <a:bodyPr/>
+          <a:lstStyle/>
+          <a:p>
+            <a:r>
+              <a:rPr lang="en-US" dirty="0"/>
+              <a:t>Electrical Machine Drives</a:t>
+            </a:r>
+          </a:p>
+        </p:txBody>
+      </p:sp>
+      <p:sp>
+        <p:nvSpPr>
+          <p:cNvPr id="3" name="Content Placeholder 2">
+            <a:extLst>
+              <a:ext uri="{FF2B5EF4-FFF2-40B4-BE49-F238E27FC236}">
+                <a16:creationId xmlns:a16="http://schemas.microsoft.com/office/drawing/2014/main" id="{0DAA5C32-173E-9E13-7F67-D8B7F4D62B5E}"/>
+              </a:ext>
+            </a:extLst>
+          </p:cNvPr>
+          <p:cNvSpPr>
+            <a:spLocks noGrp="1"/>
+          </p:cNvSpPr>
+          <p:nvPr>
+            <p:ph idx="1"/>
+          </p:nvPr>
+        </p:nvSpPr>
+        <p:spPr/>
+        <p:txBody>
+          <a:bodyPr/>
+          <a:lstStyle/>
+          <a:p>
+            <a:pPr marL="342900" indent="-342900">
+              <a:buFont typeface="Arial" panose="020B0604020202020204" pitchFamily="34" charset="0"/>
+              <a:buChar char="•"/>
+            </a:pPr>
+            <a:r>
+              <a:rPr lang="en-US" sz="1800" dirty="0"/>
+              <a:t>AC Machine Applications,</a:t>
+            </a:r>
+          </a:p>
+          <a:p>
+            <a:pPr marL="342900" indent="-342900">
+              <a:buFont typeface="Arial" panose="020B0604020202020204" pitchFamily="34" charset="0"/>
+              <a:buChar char="•"/>
+            </a:pPr>
+            <a:r>
+              <a:rPr lang="en-US" sz="1800" dirty="0"/>
+              <a:t>Electrical Vehicles</a:t>
+            </a:r>
+          </a:p>
+          <a:p>
+            <a:pPr marL="342900" indent="-342900">
+              <a:buFont typeface="Arial" panose="020B0604020202020204" pitchFamily="34" charset="0"/>
+              <a:buChar char="•"/>
+            </a:pPr>
+            <a:r>
+              <a:rPr lang="en-US" sz="1800" dirty="0"/>
+              <a:t>Renewable Energy Systems</a:t>
+            </a:r>
+          </a:p>
+          <a:p>
+            <a:endParaRPr lang="en-US" sz="1800" dirty="0"/>
+          </a:p>
+          <a:p>
+            <a:pPr marL="342900" indent="-342900">
+              <a:buFont typeface="Arial" panose="020B0604020202020204" pitchFamily="34" charset="0"/>
+              <a:buChar char="•"/>
+            </a:pPr>
+            <a:r>
+              <a:rPr lang="en-US" sz="1800" dirty="0"/>
+              <a:t>Control of an AC Machine for </a:t>
+            </a:r>
+          </a:p>
+          <a:p>
+            <a:r>
+              <a:rPr lang="en-US" sz="1800" dirty="0"/>
+              <a:t>      desired Speed, Torque</a:t>
+            </a:r>
+          </a:p>
+          <a:p>
+            <a:pPr marL="342900" indent="-342900">
+              <a:buFont typeface="Arial" panose="020B0604020202020204" pitchFamily="34" charset="0"/>
+              <a:buChar char="•"/>
+            </a:pPr>
+            <a:r>
+              <a:rPr lang="en-US" sz="1800" b="1" dirty="0"/>
+              <a:t>DC/AC Converters (Inverters)</a:t>
+            </a:r>
+          </a:p>
+          <a:p>
+            <a:pPr marL="342900" indent="-342900">
+              <a:buFont typeface="Arial" panose="020B0604020202020204" pitchFamily="34" charset="0"/>
+              <a:buChar char="•"/>
+            </a:pPr>
+            <a:endParaRPr lang="en-US" dirty="0"/>
+          </a:p>
+          <a:p>
+            <a:pPr marL="342900" indent="-342900">
+              <a:buFont typeface="Arial" panose="020B0604020202020204" pitchFamily="34" charset="0"/>
+              <a:buChar char="•"/>
+            </a:pPr>
+            <a:endParaRPr lang="en-US" dirty="0"/>
+          </a:p>
+        </p:txBody>
+      </p:sp>
+      <p:sp>
+        <p:nvSpPr>
+          <p:cNvPr id="4" name="Slide Number Placeholder 3">
+            <a:extLst>
+              <a:ext uri="{FF2B5EF4-FFF2-40B4-BE49-F238E27FC236}">
+                <a16:creationId xmlns:a16="http://schemas.microsoft.com/office/drawing/2014/main" id="{491475EB-74F1-D33B-9C31-A50A5D684B89}"/>
+              </a:ext>
+            </a:extLst>
+          </p:cNvPr>
+          <p:cNvSpPr>
+            <a:spLocks noGrp="1"/>
+          </p:cNvSpPr>
+          <p:nvPr>
+            <p:ph type="sldNum" sz="quarter" idx="12"/>
+          </p:nvPr>
+        </p:nvSpPr>
+        <p:spPr/>
+        <p:txBody>
+          <a:bodyPr/>
+          <a:lstStyle/>
+          <a:p>
+            <a:pPr>
+              <a:defRPr/>
+            </a:pPr>
+            <a:fld id="{C878F797-6006-4DDA-AFE9-456F280FE6C5}" type="slidenum">
+              <a:rPr lang="en-US" smtClean="0"/>
+              <a:pPr>
+                <a:defRPr/>
+              </a:pPr>
+              <a:t>4</a:t>
+            </a:fld>
+            <a:endParaRPr lang="en-US" dirty="0"/>
+          </a:p>
+        </p:txBody>
+      </p:sp>
+      <p:sp>
+        <p:nvSpPr>
+          <p:cNvPr id="5" name="Date Placeholder 4">
+            <a:extLst>
+              <a:ext uri="{FF2B5EF4-FFF2-40B4-BE49-F238E27FC236}">
+                <a16:creationId xmlns:a16="http://schemas.microsoft.com/office/drawing/2014/main" id="{6ADD0702-E79B-6B60-1924-244A0E594D10}"/>
+              </a:ext>
+            </a:extLst>
+          </p:cNvPr>
+          <p:cNvSpPr>
+            <a:spLocks noGrp="1"/>
+          </p:cNvSpPr>
+          <p:nvPr>
+            <p:ph type="dt" sz="half" idx="2"/>
+          </p:nvPr>
+        </p:nvSpPr>
+        <p:spPr/>
+        <p:txBody>
+          <a:bodyPr/>
+          <a:lstStyle/>
+          <a:p>
+            <a:pPr>
+              <a:defRPr/>
+            </a:pPr>
+            <a:r>
+              <a:rPr lang="tr-TR"/>
+              <a:t>METU Electrical &amp; Electronics Engineering Department</a:t>
+            </a:r>
+            <a:endParaRPr lang="en-US" dirty="0"/>
+          </a:p>
+        </p:txBody>
+      </p:sp>
+      <p:pic>
+        <p:nvPicPr>
+          <p:cNvPr id="7" name="Picture 6" descr="Powertain of EV">
+            <a:extLst>
+              <a:ext uri="{FF2B5EF4-FFF2-40B4-BE49-F238E27FC236}">
+                <a16:creationId xmlns:a16="http://schemas.microsoft.com/office/drawing/2014/main" id="{C1A80DEE-7A7F-0283-E205-3E95D52C627A}"/>
+              </a:ext>
+            </a:extLst>
+          </p:cNvPr>
+          <p:cNvPicPr>
+            <a:picLocks noChangeAspect="1"/>
+          </p:cNvPicPr>
+          <p:nvPr/>
+        </p:nvPicPr>
+        <p:blipFill>
+          <a:blip r:embed="rId2"/>
+          <a:stretch>
+            <a:fillRect/>
+          </a:stretch>
+        </p:blipFill>
+        <p:spPr>
+          <a:xfrm>
+            <a:off x="4550669" y="4242982"/>
+            <a:ext cx="4039309" cy="2019655"/>
+          </a:xfrm>
+          <a:prstGeom prst="rect">
+            <a:avLst/>
+          </a:prstGeom>
+        </p:spPr>
+      </p:pic>
+      <p:pic>
+        <p:nvPicPr>
+          <p:cNvPr id="11" name="Picture 10" descr="A wind turbine with blue sky&#10;&#10;Description automatically generated">
+            <a:extLst>
+              <a:ext uri="{FF2B5EF4-FFF2-40B4-BE49-F238E27FC236}">
+                <a16:creationId xmlns:a16="http://schemas.microsoft.com/office/drawing/2014/main" id="{308DB8B5-E37B-49F9-B10F-76FFB1BEB7A9}"/>
+              </a:ext>
+            </a:extLst>
+          </p:cNvPr>
+          <p:cNvPicPr>
+            <a:picLocks noChangeAspect="1"/>
+          </p:cNvPicPr>
+          <p:nvPr/>
+        </p:nvPicPr>
+        <p:blipFill>
+          <a:blip r:embed="rId3"/>
+          <a:stretch>
+            <a:fillRect/>
+          </a:stretch>
+        </p:blipFill>
+        <p:spPr>
+          <a:xfrm>
+            <a:off x="5416436" y="1622409"/>
+            <a:ext cx="3173542" cy="2428503"/>
+          </a:xfrm>
+          <a:prstGeom prst="rect">
+            <a:avLst/>
+          </a:prstGeom>
+        </p:spPr>
+      </p:pic>
+      <p:pic>
+        <p:nvPicPr>
+          <p:cNvPr id="8" name="Picture 7">
+            <a:extLst>
+              <a:ext uri="{FF2B5EF4-FFF2-40B4-BE49-F238E27FC236}">
+                <a16:creationId xmlns:a16="http://schemas.microsoft.com/office/drawing/2014/main" id="{875F7345-F6FF-B300-CD60-0D631678248F}"/>
+              </a:ext>
+            </a:extLst>
+          </p:cNvPr>
+          <p:cNvPicPr>
+            <a:picLocks noChangeAspect="1"/>
+          </p:cNvPicPr>
+          <p:nvPr/>
+        </p:nvPicPr>
+        <p:blipFill>
+          <a:blip r:embed="rId4"/>
+          <a:stretch>
+            <a:fillRect/>
+          </a:stretch>
+        </p:blipFill>
+        <p:spPr>
+          <a:xfrm>
+            <a:off x="719226" y="4050912"/>
+            <a:ext cx="3476445" cy="2318005"/>
+          </a:xfrm>
+          <a:prstGeom prst="rect">
+            <a:avLst/>
+          </a:prstGeom>
+        </p:spPr>
+      </p:pic>
+    </p:spTree>
+    <p:extLst>
+      <p:ext uri="{BB962C8B-B14F-4D97-AF65-F5344CB8AC3E}">
+        <p14:creationId xmlns:p14="http://schemas.microsoft.com/office/powerpoint/2010/main" val="2686185006"/>
+      </p:ext>
+    </p:extLst>
+  </p:cSld>
+  <p:clrMapOvr>
+    <a:masterClrMapping/>
+  </p:clrMapOvr>
+</p:sld>
+</file>
+
+<file path=ppt/slides/slide5.xml><?xml version="1.0" encoding="utf-8"?>
+<p:sld xmlns:a="http://schemas.openxmlformats.org/drawingml/2006/main" xmlns:r="http://schemas.openxmlformats.org/officeDocument/2006/relationships" xmlns:p="http://schemas.openxmlformats.org/presentationml/2006/main">
+  <p:cSld>
+    <p:spTree>
+      <p:nvGrpSpPr>
+        <p:cNvPr id="1" name=""/>
+        <p:cNvGrpSpPr/>
+        <p:nvPr/>
+      </p:nvGrpSpPr>
+      <p:grpSpPr>
+        <a:xfrm>
+          <a:off x="0" y="0"/>
+          <a:ext cx="0" cy="0"/>
+          <a:chOff x="0" y="0"/>
+          <a:chExt cx="0" cy="0"/>
+        </a:xfrm>
+      </p:grpSpPr>
+      <p:sp>
+        <p:nvSpPr>
+          <p:cNvPr id="2" name="Title 1">
+            <a:extLst>
+              <a:ext uri="{FF2B5EF4-FFF2-40B4-BE49-F238E27FC236}">
+                <a16:creationId xmlns:a16="http://schemas.microsoft.com/office/drawing/2014/main" id="{4E40915C-440A-A532-2C4F-56AF3AADA44F}"/>
+              </a:ext>
+            </a:extLst>
+          </p:cNvPr>
+          <p:cNvSpPr>
+            <a:spLocks noGrp="1"/>
+          </p:cNvSpPr>
+          <p:nvPr>
+            <p:ph type="title"/>
+          </p:nvPr>
+        </p:nvSpPr>
+        <p:spPr/>
+        <p:txBody>
+          <a:bodyPr/>
+          <a:lstStyle/>
+          <a:p>
+            <a:r>
+              <a:rPr lang="en-US" dirty="0"/>
+              <a:t>Inverters</a:t>
+            </a:r>
+          </a:p>
+        </p:txBody>
+      </p:sp>
+      <p:sp>
+        <p:nvSpPr>
+          <p:cNvPr id="3" name="Content Placeholder 2">
+            <a:extLst>
+              <a:ext uri="{FF2B5EF4-FFF2-40B4-BE49-F238E27FC236}">
+                <a16:creationId xmlns:a16="http://schemas.microsoft.com/office/drawing/2014/main" id="{04147A73-5B37-133C-27B8-588EB5E069BD}"/>
+              </a:ext>
+            </a:extLst>
+          </p:cNvPr>
+          <p:cNvSpPr>
+            <a:spLocks noGrp="1"/>
+          </p:cNvSpPr>
+          <p:nvPr>
+            <p:ph idx="1"/>
+          </p:nvPr>
+        </p:nvSpPr>
+        <p:spPr/>
+        <p:txBody>
+          <a:bodyPr/>
+          <a:lstStyle/>
+          <a:p>
+            <a:endParaRPr lang="en-US" dirty="0"/>
+          </a:p>
+        </p:txBody>
+      </p:sp>
+      <p:sp>
+        <p:nvSpPr>
+          <p:cNvPr id="4" name="Slide Number Placeholder 3">
+            <a:extLst>
+              <a:ext uri="{FF2B5EF4-FFF2-40B4-BE49-F238E27FC236}">
+                <a16:creationId xmlns:a16="http://schemas.microsoft.com/office/drawing/2014/main" id="{B1673C84-48F0-4DA3-7493-F24835F305FB}"/>
+              </a:ext>
+            </a:extLst>
+          </p:cNvPr>
+          <p:cNvSpPr>
+            <a:spLocks noGrp="1"/>
+          </p:cNvSpPr>
+          <p:nvPr>
+            <p:ph type="sldNum" sz="quarter" idx="12"/>
+          </p:nvPr>
+        </p:nvSpPr>
+        <p:spPr/>
+        <p:txBody>
+          <a:bodyPr/>
+          <a:lstStyle/>
+          <a:p>
+            <a:pPr>
+              <a:defRPr/>
+            </a:pPr>
+            <a:fld id="{C878F797-6006-4DDA-AFE9-456F280FE6C5}" type="slidenum">
+              <a:rPr lang="en-US" smtClean="0"/>
+              <a:pPr>
+                <a:defRPr/>
+              </a:pPr>
+              <a:t>5</a:t>
+            </a:fld>
+            <a:endParaRPr lang="en-US" dirty="0"/>
+          </a:p>
+        </p:txBody>
+      </p:sp>
+      <p:sp>
+        <p:nvSpPr>
+          <p:cNvPr id="5" name="Date Placeholder 4">
+            <a:extLst>
+              <a:ext uri="{FF2B5EF4-FFF2-40B4-BE49-F238E27FC236}">
+                <a16:creationId xmlns:a16="http://schemas.microsoft.com/office/drawing/2014/main" id="{B5AAB5EA-84C6-5037-A5F8-A20E35C1E7D9}"/>
+              </a:ext>
+            </a:extLst>
+          </p:cNvPr>
+          <p:cNvSpPr>
+            <a:spLocks noGrp="1"/>
+          </p:cNvSpPr>
+          <p:nvPr>
+            <p:ph type="dt" sz="half" idx="2"/>
+          </p:nvPr>
+        </p:nvSpPr>
+        <p:spPr/>
+        <p:txBody>
+          <a:bodyPr/>
+          <a:lstStyle/>
+          <a:p>
+            <a:pPr>
+              <a:defRPr/>
+            </a:pPr>
+            <a:r>
+              <a:rPr lang="tr-TR"/>
+              <a:t>METU Electrical &amp; Electronics Engineering Department</a:t>
+            </a:r>
+            <a:endParaRPr lang="en-US" dirty="0"/>
+          </a:p>
+        </p:txBody>
+      </p:sp>
+    </p:spTree>
+    <p:extLst>
+      <p:ext uri="{BB962C8B-B14F-4D97-AF65-F5344CB8AC3E}">
+        <p14:creationId xmlns:p14="http://schemas.microsoft.com/office/powerpoint/2010/main" val="3264736598"/>
+      </p:ext>
+    </p:extLst>
+  </p:cSld>
+  <p:clrMapOvr>
+    <a:masterClrMapping/>
+  </p:clrMapOvr>
+</p:sld>
+</file>
+
+<file path=ppt/slides/slide6.xml><?xml version="1.0" encoding="utf-8"?>
+<p:sld xmlns:a="http://schemas.openxmlformats.org/drawingml/2006/main" xmlns:r="http://schemas.openxmlformats.org/officeDocument/2006/relationships" xmlns:p="http://schemas.openxmlformats.org/presentationml/2006/main">
+  <p:cSld>
+    <p:spTree>
+      <p:nvGrpSpPr>
+        <p:cNvPr id="1" name=""/>
+        <p:cNvGrpSpPr/>
+        <p:nvPr/>
+      </p:nvGrpSpPr>
+      <p:grpSpPr>
+        <a:xfrm>
+          <a:off x="0" y="0"/>
+          <a:ext cx="0" cy="0"/>
+          <a:chOff x="0" y="0"/>
+          <a:chExt cx="0" cy="0"/>
+        </a:xfrm>
+      </p:grpSpPr>
+      <p:sp>
+        <p:nvSpPr>
+          <p:cNvPr id="2" name="Title 1">
+            <a:extLst>
+              <a:ext uri="{FF2B5EF4-FFF2-40B4-BE49-F238E27FC236}">
+                <a16:creationId xmlns:a16="http://schemas.microsoft.com/office/drawing/2014/main" id="{7DE46394-088F-FE9B-1509-EC62856EBCBB}"/>
+              </a:ext>
+            </a:extLst>
+          </p:cNvPr>
+          <p:cNvSpPr>
+            <a:spLocks noGrp="1"/>
+          </p:cNvSpPr>
+          <p:nvPr>
+            <p:ph type="title"/>
+          </p:nvPr>
+        </p:nvSpPr>
+        <p:spPr/>
+        <p:txBody>
+          <a:bodyPr/>
+          <a:lstStyle/>
+          <a:p>
+            <a:r>
+              <a:rPr lang="en-US" dirty="0"/>
+              <a:t>Inverters</a:t>
+            </a:r>
+          </a:p>
+        </p:txBody>
+      </p:sp>
+      <p:sp>
+        <p:nvSpPr>
+          <p:cNvPr id="6" name="Text Placeholder 5">
+            <a:extLst>
+              <a:ext uri="{FF2B5EF4-FFF2-40B4-BE49-F238E27FC236}">
+                <a16:creationId xmlns:a16="http://schemas.microsoft.com/office/drawing/2014/main" id="{3313401F-3E4F-D565-B5B4-1E97612DF5C8}"/>
+              </a:ext>
+            </a:extLst>
+          </p:cNvPr>
+          <p:cNvSpPr>
+            <a:spLocks noGrp="1"/>
+          </p:cNvSpPr>
+          <p:nvPr>
+            <p:ph type="body" idx="1"/>
+          </p:nvPr>
+        </p:nvSpPr>
+        <p:spPr/>
+        <p:txBody>
+          <a:bodyPr/>
+          <a:lstStyle/>
+          <a:p>
+            <a:r>
+              <a:rPr lang="en-US" dirty="0"/>
+              <a:t>2-level Inverters</a:t>
+            </a:r>
+          </a:p>
+        </p:txBody>
+      </p:sp>
+      <p:sp>
+        <p:nvSpPr>
+          <p:cNvPr id="8" name="Text Placeholder 7">
+            <a:extLst>
+              <a:ext uri="{FF2B5EF4-FFF2-40B4-BE49-F238E27FC236}">
+                <a16:creationId xmlns:a16="http://schemas.microsoft.com/office/drawing/2014/main" id="{94DBA42D-8DD2-CA31-FEC5-7352C14FDFD8}"/>
+              </a:ext>
+            </a:extLst>
+          </p:cNvPr>
+          <p:cNvSpPr>
+            <a:spLocks noGrp="1"/>
+          </p:cNvSpPr>
+          <p:nvPr>
+            <p:ph type="body" sz="half" idx="3"/>
+          </p:nvPr>
+        </p:nvSpPr>
+        <p:spPr/>
+        <p:txBody>
+          <a:bodyPr/>
+          <a:lstStyle/>
+          <a:p>
+            <a:r>
+              <a:rPr lang="en-US" dirty="0"/>
+              <a:t>3-Level Inverters</a:t>
+            </a:r>
+          </a:p>
+        </p:txBody>
+      </p:sp>
+      <p:sp>
+        <p:nvSpPr>
+          <p:cNvPr id="7" name="Content Placeholder 6">
+            <a:extLst>
+              <a:ext uri="{FF2B5EF4-FFF2-40B4-BE49-F238E27FC236}">
+                <a16:creationId xmlns:a16="http://schemas.microsoft.com/office/drawing/2014/main" id="{A3E5EEAA-B982-CFC0-E5F9-9BA9DEDF3BE4}"/>
+              </a:ext>
+            </a:extLst>
+          </p:cNvPr>
+          <p:cNvSpPr>
+            <a:spLocks noGrp="1"/>
+          </p:cNvSpPr>
+          <p:nvPr>
+            <p:ph sz="quarter" idx="2"/>
+          </p:nvPr>
+        </p:nvSpPr>
+        <p:spPr/>
+        <p:txBody>
+          <a:bodyPr/>
+          <a:lstStyle/>
+          <a:p>
+            <a:pPr marL="342900" indent="-342900">
+              <a:buFont typeface="Arial" panose="020B0604020202020204" pitchFamily="34" charset="0"/>
+              <a:buChar char="•"/>
+            </a:pPr>
+            <a:r>
+              <a:rPr lang="en-US" sz="1800" dirty="0"/>
+              <a:t>6 switches</a:t>
+            </a:r>
+          </a:p>
+          <a:p>
+            <a:pPr marL="342900" indent="-342900">
+              <a:buFont typeface="Arial" panose="020B0604020202020204" pitchFamily="34" charset="0"/>
+              <a:buChar char="•"/>
+            </a:pPr>
+            <a:endParaRPr lang="en-US" sz="1800" dirty="0"/>
+          </a:p>
+          <a:p>
+            <a:pPr marL="342900" indent="-342900">
+              <a:buFont typeface="Arial" panose="020B0604020202020204" pitchFamily="34" charset="0"/>
+              <a:buChar char="•"/>
+            </a:pPr>
+            <a:r>
+              <a:rPr lang="en-US" sz="1800" dirty="0"/>
+              <a:t>[Vdc/2, -Vdc/2] voltage levels</a:t>
+            </a:r>
+          </a:p>
+          <a:p>
+            <a:pPr marL="342900" indent="-342900">
+              <a:buFont typeface="Arial" panose="020B0604020202020204" pitchFamily="34" charset="0"/>
+              <a:buChar char="•"/>
+            </a:pPr>
+            <a:endParaRPr lang="en-US" sz="1800" dirty="0"/>
+          </a:p>
+          <a:p>
+            <a:pPr marL="342900" indent="-342900">
+              <a:buFont typeface="Arial" panose="020B0604020202020204" pitchFamily="34" charset="0"/>
+              <a:buChar char="•"/>
+            </a:pPr>
+            <a:r>
+              <a:rPr lang="en-US" sz="1800" dirty="0"/>
+              <a:t>Voltage stress of switch: Vdc </a:t>
+            </a:r>
+          </a:p>
+        </p:txBody>
+      </p:sp>
+      <p:sp>
+        <p:nvSpPr>
+          <p:cNvPr id="9" name="Content Placeholder 8">
+            <a:extLst>
+              <a:ext uri="{FF2B5EF4-FFF2-40B4-BE49-F238E27FC236}">
+                <a16:creationId xmlns:a16="http://schemas.microsoft.com/office/drawing/2014/main" id="{19D14737-ED35-D034-712D-EEDD4EFCA95E}"/>
+              </a:ext>
+            </a:extLst>
+          </p:cNvPr>
+          <p:cNvSpPr>
+            <a:spLocks noGrp="1"/>
+          </p:cNvSpPr>
+          <p:nvPr>
+            <p:ph sz="quarter" idx="4"/>
+          </p:nvPr>
+        </p:nvSpPr>
+        <p:spPr/>
+        <p:txBody>
+          <a:bodyPr/>
+          <a:lstStyle/>
+          <a:p>
+            <a:pPr marL="342900" indent="-342900">
+              <a:buFont typeface="Arial" panose="020B0604020202020204" pitchFamily="34" charset="0"/>
+              <a:buChar char="•"/>
+            </a:pPr>
+            <a:r>
+              <a:rPr lang="en-US" sz="1600" dirty="0"/>
+              <a:t>Different Types( T-type, NPC etc.)</a:t>
+            </a:r>
+          </a:p>
+          <a:p>
+            <a:pPr marL="342900" indent="-342900">
+              <a:buFont typeface="Arial" panose="020B0604020202020204" pitchFamily="34" charset="0"/>
+              <a:buChar char="•"/>
+            </a:pPr>
+            <a:endParaRPr lang="en-US" sz="1600" dirty="0"/>
+          </a:p>
+          <a:p>
+            <a:pPr marL="342900" indent="-342900">
+              <a:buFont typeface="Arial" panose="020B0604020202020204" pitchFamily="34" charset="0"/>
+              <a:buChar char="•"/>
+            </a:pPr>
+            <a:r>
+              <a:rPr lang="en-US" sz="1600" dirty="0"/>
+              <a:t>[Vdc/2, 0, -Vdc/2] voltage levels [1]</a:t>
+            </a:r>
+          </a:p>
+          <a:p>
+            <a:pPr marL="342900" indent="-342900">
+              <a:buFont typeface="Arial" panose="020B0604020202020204" pitchFamily="34" charset="0"/>
+              <a:buChar char="•"/>
+            </a:pPr>
+            <a:endParaRPr lang="en-US" sz="1600" dirty="0"/>
+          </a:p>
+          <a:p>
+            <a:pPr marL="342900" indent="-342900">
+              <a:buFont typeface="Arial" panose="020B0604020202020204" pitchFamily="34" charset="0"/>
+              <a:buChar char="•"/>
+            </a:pPr>
+            <a:r>
+              <a:rPr lang="en-US" sz="1600" dirty="0"/>
+              <a:t>Voltage stress of switch: Vdc/2</a:t>
+            </a:r>
+          </a:p>
+          <a:p>
+            <a:pPr marL="342900" indent="-342900">
+              <a:buFont typeface="Arial" panose="020B0604020202020204" pitchFamily="34" charset="0"/>
+              <a:buChar char="•"/>
+            </a:pPr>
+            <a:endParaRPr lang="en-US" dirty="0"/>
+          </a:p>
+          <a:p>
+            <a:endParaRPr lang="en-US" dirty="0"/>
+          </a:p>
+        </p:txBody>
+      </p:sp>
+      <p:sp>
+        <p:nvSpPr>
+          <p:cNvPr id="4" name="Slide Number Placeholder 3">
+            <a:extLst>
+              <a:ext uri="{FF2B5EF4-FFF2-40B4-BE49-F238E27FC236}">
+                <a16:creationId xmlns:a16="http://schemas.microsoft.com/office/drawing/2014/main" id="{491475EB-74F1-D33B-9C31-A50A5D684B89}"/>
+              </a:ext>
+            </a:extLst>
+          </p:cNvPr>
+          <p:cNvSpPr>
+            <a:spLocks noGrp="1"/>
+          </p:cNvSpPr>
+          <p:nvPr>
+            <p:ph type="sldNum" sz="quarter" idx="12"/>
+          </p:nvPr>
+        </p:nvSpPr>
+        <p:spPr/>
+        <p:txBody>
+          <a:bodyPr/>
+          <a:lstStyle/>
+          <a:p>
+            <a:pPr>
+              <a:defRPr/>
+            </a:pPr>
+            <a:fld id="{C878F797-6006-4DDA-AFE9-456F280FE6C5}" type="slidenum">
+              <a:rPr lang="en-US" smtClean="0"/>
+              <a:pPr>
+                <a:defRPr/>
+              </a:pPr>
+              <a:t>6</a:t>
+            </a:fld>
+            <a:endParaRPr lang="en-US" dirty="0"/>
+          </a:p>
+        </p:txBody>
+      </p:sp>
+      <p:sp>
+        <p:nvSpPr>
+          <p:cNvPr id="5" name="Date Placeholder 4">
+            <a:extLst>
+              <a:ext uri="{FF2B5EF4-FFF2-40B4-BE49-F238E27FC236}">
+                <a16:creationId xmlns:a16="http://schemas.microsoft.com/office/drawing/2014/main" id="{6ADD0702-E79B-6B60-1924-244A0E594D10}"/>
+              </a:ext>
+            </a:extLst>
+          </p:cNvPr>
+          <p:cNvSpPr>
+            <a:spLocks noGrp="1"/>
+          </p:cNvSpPr>
+          <p:nvPr>
+            <p:ph type="dt" sz="half" idx="13"/>
+          </p:nvPr>
+        </p:nvSpPr>
+        <p:spPr/>
+        <p:txBody>
+          <a:bodyPr/>
+          <a:lstStyle/>
+          <a:p>
+            <a:pPr>
+              <a:defRPr/>
+            </a:pPr>
+            <a:r>
+              <a:rPr lang="tr-TR"/>
+              <a:t>METU Electrical &amp; Electronics Engineering Department</a:t>
+            </a:r>
+            <a:endParaRPr lang="en-US" dirty="0"/>
+          </a:p>
+        </p:txBody>
+      </p:sp>
+      <p:pic>
+        <p:nvPicPr>
+          <p:cNvPr id="10" name="Picture 9">
+            <a:extLst>
+              <a:ext uri="{FF2B5EF4-FFF2-40B4-BE49-F238E27FC236}">
+                <a16:creationId xmlns:a16="http://schemas.microsoft.com/office/drawing/2014/main" id="{AF63C81A-0138-1D43-1BFA-75A9415CFB6F}"/>
+              </a:ext>
+            </a:extLst>
+          </p:cNvPr>
+          <p:cNvPicPr>
+            <a:picLocks noChangeAspect="1"/>
+          </p:cNvPicPr>
+          <p:nvPr/>
+        </p:nvPicPr>
+        <p:blipFill>
+          <a:blip r:embed="rId2"/>
+          <a:stretch>
+            <a:fillRect/>
+          </a:stretch>
+        </p:blipFill>
+        <p:spPr>
+          <a:xfrm>
+            <a:off x="4860729" y="4286317"/>
+            <a:ext cx="3973708" cy="2134350"/>
+          </a:xfrm>
+          <a:prstGeom prst="rect">
+            <a:avLst/>
+          </a:prstGeom>
+        </p:spPr>
+      </p:pic>
+      <p:pic>
+        <p:nvPicPr>
+          <p:cNvPr id="12" name="Picture 11">
+            <a:extLst>
+              <a:ext uri="{FF2B5EF4-FFF2-40B4-BE49-F238E27FC236}">
+                <a16:creationId xmlns:a16="http://schemas.microsoft.com/office/drawing/2014/main" id="{EE904760-2435-B6A2-9E8D-8362100FE392}"/>
+              </a:ext>
+            </a:extLst>
+          </p:cNvPr>
+          <p:cNvPicPr>
+            <a:picLocks noChangeAspect="1"/>
+          </p:cNvPicPr>
+          <p:nvPr/>
+        </p:nvPicPr>
+        <p:blipFill>
+          <a:blip r:embed="rId3"/>
+          <a:stretch>
+            <a:fillRect/>
+          </a:stretch>
+        </p:blipFill>
+        <p:spPr>
+          <a:xfrm>
+            <a:off x="770917" y="4346665"/>
+            <a:ext cx="3726471" cy="2013655"/>
+          </a:xfrm>
+          <a:prstGeom prst="rect">
+            <a:avLst/>
+          </a:prstGeom>
+        </p:spPr>
+      </p:pic>
+    </p:spTree>
+    <p:extLst>
+      <p:ext uri="{BB962C8B-B14F-4D97-AF65-F5344CB8AC3E}">
+        <p14:creationId xmlns:p14="http://schemas.microsoft.com/office/powerpoint/2010/main" val="1258404749"/>
+      </p:ext>
+    </p:extLst>
+  </p:cSld>
+  <p:clrMapOvr>
+    <a:masterClrMapping/>
+  </p:clrMapOvr>
+</p:sld>
+</file>
+
+<file path=ppt/slides/slide7.xml><?xml version="1.0" encoding="utf-8"?>
+<p:sld xmlns:a="http://schemas.openxmlformats.org/drawingml/2006/main" xmlns:r="http://schemas.openxmlformats.org/officeDocument/2006/relationships" xmlns:p="http://schemas.openxmlformats.org/presentationml/2006/main">
+  <p:cSld>
+    <p:spTree>
+      <p:nvGrpSpPr>
+        <p:cNvPr id="1" name=""/>
+        <p:cNvGrpSpPr/>
+        <p:nvPr/>
+      </p:nvGrpSpPr>
+      <p:grpSpPr>
+        <a:xfrm>
+          <a:off x="0" y="0"/>
+          <a:ext cx="0" cy="0"/>
+          <a:chOff x="0" y="0"/>
+          <a:chExt cx="0" cy="0"/>
+        </a:xfrm>
+      </p:grpSpPr>
+      <p:sp>
+        <p:nvSpPr>
+          <p:cNvPr id="9" name="Title 8">
+            <a:extLst>
+              <a:ext uri="{FF2B5EF4-FFF2-40B4-BE49-F238E27FC236}">
+                <a16:creationId xmlns:a16="http://schemas.microsoft.com/office/drawing/2014/main" id="{628FD92D-8E83-C476-A88B-FF3487088971}"/>
+              </a:ext>
+            </a:extLst>
+          </p:cNvPr>
+          <p:cNvSpPr>
+            <a:spLocks noGrp="1"/>
+          </p:cNvSpPr>
+          <p:nvPr>
+            <p:ph type="title"/>
+          </p:nvPr>
+        </p:nvSpPr>
+        <p:spPr/>
+        <p:txBody>
+          <a:bodyPr/>
+          <a:lstStyle/>
+          <a:p>
+            <a:r>
+              <a:rPr lang="en-US" dirty="0"/>
+              <a:t>Aim of the Study</a:t>
+            </a:r>
+          </a:p>
+        </p:txBody>
+      </p:sp>
+      <p:sp>
+        <p:nvSpPr>
+          <p:cNvPr id="10" name="Content Placeholder 9">
+            <a:extLst>
+              <a:ext uri="{FF2B5EF4-FFF2-40B4-BE49-F238E27FC236}">
+                <a16:creationId xmlns:a16="http://schemas.microsoft.com/office/drawing/2014/main" id="{CCA0F82E-707B-16AF-F8A7-9F2B96259AE8}"/>
+              </a:ext>
+            </a:extLst>
+          </p:cNvPr>
+          <p:cNvSpPr>
+            <a:spLocks noGrp="1"/>
+          </p:cNvSpPr>
+          <p:nvPr>
+            <p:ph idx="1"/>
+          </p:nvPr>
+        </p:nvSpPr>
+        <p:spPr/>
+        <p:txBody>
+          <a:bodyPr/>
+          <a:lstStyle/>
+          <a:p>
+            <a:endParaRPr lang="en-US"/>
+          </a:p>
+        </p:txBody>
+      </p:sp>
+      <p:sp>
+        <p:nvSpPr>
+          <p:cNvPr id="7" name="Slide Number Placeholder 6">
+            <a:extLst>
+              <a:ext uri="{FF2B5EF4-FFF2-40B4-BE49-F238E27FC236}">
+                <a16:creationId xmlns:a16="http://schemas.microsoft.com/office/drawing/2014/main" id="{BC0EF131-896A-0CAF-B5E2-45C6289DCDF9}"/>
+              </a:ext>
+            </a:extLst>
+          </p:cNvPr>
+          <p:cNvSpPr>
+            <a:spLocks noGrp="1"/>
+          </p:cNvSpPr>
+          <p:nvPr>
+            <p:ph type="sldNum" sz="quarter" idx="12"/>
+          </p:nvPr>
+        </p:nvSpPr>
+        <p:spPr/>
+        <p:txBody>
+          <a:bodyPr/>
+          <a:lstStyle/>
+          <a:p>
+            <a:pPr>
+              <a:defRPr/>
+            </a:pPr>
+            <a:fld id="{B5012164-718A-4733-A653-425A1A482A4D}" type="slidenum">
+              <a:rPr lang="en-US" smtClean="0"/>
+              <a:pPr>
+                <a:defRPr/>
+              </a:pPr>
+              <a:t>7</a:t>
+            </a:fld>
+            <a:endParaRPr lang="en-US"/>
+          </a:p>
+        </p:txBody>
+      </p:sp>
+      <p:sp>
+        <p:nvSpPr>
+          <p:cNvPr id="8" name="Date Placeholder 7">
+            <a:extLst>
+              <a:ext uri="{FF2B5EF4-FFF2-40B4-BE49-F238E27FC236}">
+                <a16:creationId xmlns:a16="http://schemas.microsoft.com/office/drawing/2014/main" id="{B3FA4F17-E55D-5289-730A-E60305F6FAF0}"/>
+              </a:ext>
+            </a:extLst>
+          </p:cNvPr>
+          <p:cNvSpPr>
+            <a:spLocks noGrp="1"/>
+          </p:cNvSpPr>
+          <p:nvPr>
+            <p:ph type="dt" sz="half" idx="2"/>
+          </p:nvPr>
+        </p:nvSpPr>
+        <p:spPr/>
+        <p:txBody>
+          <a:bodyPr/>
+          <a:lstStyle/>
+          <a:p>
+            <a:pPr>
+              <a:defRPr/>
+            </a:pPr>
+            <a:r>
+              <a:rPr lang="tr-TR"/>
+              <a:t>METU Electrical &amp; Electronics Engineering Department</a:t>
+            </a:r>
+            <a:endParaRPr lang="en-US" dirty="0"/>
+          </a:p>
+        </p:txBody>
+      </p:sp>
+    </p:spTree>
+    <p:extLst>
+      <p:ext uri="{BB962C8B-B14F-4D97-AF65-F5344CB8AC3E}">
+        <p14:creationId xmlns:p14="http://schemas.microsoft.com/office/powerpoint/2010/main" val="851800749"/>
+      </p:ext>
+    </p:extLst>
+  </p:cSld>
+  <p:clrMapOvr>
+    <a:masterClrMapping/>
+  </p:clrMapOvr>
+</p:sld>
+</file>
+
+<file path=ppt/slides/slide8.xml><?xml version="1.0" encoding="utf-8"?>
+<p:sld xmlns:a="http://schemas.openxmlformats.org/drawingml/2006/main" xmlns:r="http://schemas.openxmlformats.org/officeDocument/2006/relationships" xmlns:p="http://schemas.openxmlformats.org/presentationml/2006/main">
+  <p:cSld>
+    <p:spTree>
+      <p:nvGrpSpPr>
+        <p:cNvPr id="1" name=""/>
+        <p:cNvGrpSpPr/>
+        <p:nvPr/>
+      </p:nvGrpSpPr>
+      <p:grpSpPr>
+        <a:xfrm>
+          <a:off x="0" y="0"/>
+          <a:ext cx="0" cy="0"/>
+          <a:chOff x="0" y="0"/>
+          <a:chExt cx="0" cy="0"/>
+        </a:xfrm>
+      </p:grpSpPr>
+      <p:sp>
+        <p:nvSpPr>
+          <p:cNvPr id="2" name="Title 1">
+            <a:extLst>
+              <a:ext uri="{FF2B5EF4-FFF2-40B4-BE49-F238E27FC236}">
+                <a16:creationId xmlns:a16="http://schemas.microsoft.com/office/drawing/2014/main" id="{7DE46394-088F-FE9B-1509-EC62856EBCBB}"/>
+              </a:ext>
+            </a:extLst>
+          </p:cNvPr>
+          <p:cNvSpPr>
+            <a:spLocks noGrp="1"/>
+          </p:cNvSpPr>
+          <p:nvPr>
+            <p:ph type="title"/>
+          </p:nvPr>
+        </p:nvSpPr>
+        <p:spPr/>
+        <p:txBody>
+          <a:bodyPr/>
+          <a:lstStyle/>
+          <a:p>
+            <a:r>
+              <a:rPr lang="en-US" dirty="0"/>
+              <a:t>3-Level NPC Inverters</a:t>
+            </a:r>
+          </a:p>
+        </p:txBody>
+      </p:sp>
+      <p:sp>
+        <p:nvSpPr>
+          <p:cNvPr id="3" name="Content Placeholder 2">
+            <a:extLst>
+              <a:ext uri="{FF2B5EF4-FFF2-40B4-BE49-F238E27FC236}">
+                <a16:creationId xmlns:a16="http://schemas.microsoft.com/office/drawing/2014/main" id="{0DAA5C32-173E-9E13-7F67-D8B7F4D62B5E}"/>
+              </a:ext>
+            </a:extLst>
+          </p:cNvPr>
+          <p:cNvSpPr>
+            <a:spLocks noGrp="1"/>
+          </p:cNvSpPr>
+          <p:nvPr>
+            <p:ph idx="1"/>
+          </p:nvPr>
+        </p:nvSpPr>
+        <p:spPr>
+          <a:xfrm>
+            <a:off x="457199" y="1430338"/>
+            <a:ext cx="8246533" cy="4987925"/>
+          </a:xfrm>
+        </p:spPr>
+        <p:txBody>
+          <a:bodyPr/>
+          <a:lstStyle/>
+          <a:p>
+            <a:pPr marL="342900" indent="-342900">
+              <a:buFont typeface="Arial" panose="020B0604020202020204" pitchFamily="34" charset="0"/>
+              <a:buChar char="•"/>
+            </a:pPr>
+            <a:r>
+              <a:rPr lang="en-US" sz="1800" dirty="0"/>
+              <a:t>12 switches</a:t>
+            </a:r>
+          </a:p>
+          <a:p>
+            <a:pPr marL="342900" indent="-342900">
+              <a:buFont typeface="Arial" panose="020B0604020202020204" pitchFamily="34" charset="0"/>
+              <a:buChar char="•"/>
+            </a:pPr>
+            <a:endParaRPr lang="en-US" sz="1800" dirty="0"/>
+          </a:p>
+          <a:p>
+            <a:pPr marL="342900" indent="-342900">
+              <a:buFont typeface="Arial" panose="020B0604020202020204" pitchFamily="34" charset="0"/>
+              <a:buChar char="•"/>
+            </a:pPr>
+            <a:r>
+              <a:rPr lang="en-US" sz="1800" dirty="0"/>
+              <a:t>6 diodes for 0-states</a:t>
+            </a:r>
+          </a:p>
+          <a:p>
+            <a:pPr marL="342900" indent="-342900">
+              <a:buFont typeface="Arial" panose="020B0604020202020204" pitchFamily="34" charset="0"/>
+              <a:buChar char="•"/>
+            </a:pPr>
+            <a:endParaRPr lang="en-US" sz="1800" dirty="0"/>
+          </a:p>
+          <a:p>
+            <a:pPr marL="342900" indent="-342900">
+              <a:buFont typeface="Arial" panose="020B0604020202020204" pitchFamily="34" charset="0"/>
+              <a:buChar char="•"/>
+            </a:pPr>
+            <a:r>
+              <a:rPr lang="en-US" sz="1800" dirty="0"/>
+              <a:t>Capacitor voltages can be different.</a:t>
+            </a:r>
+          </a:p>
+          <a:p>
+            <a:pPr marL="342900" indent="-342900">
+              <a:buFont typeface="Arial" panose="020B0604020202020204" pitchFamily="34" charset="0"/>
+              <a:buChar char="•"/>
+            </a:pPr>
+            <a:endParaRPr lang="en-US" dirty="0"/>
+          </a:p>
+        </p:txBody>
+      </p:sp>
+      <p:sp>
+        <p:nvSpPr>
+          <p:cNvPr id="4" name="Slide Number Placeholder 3">
+            <a:extLst>
+              <a:ext uri="{FF2B5EF4-FFF2-40B4-BE49-F238E27FC236}">
+                <a16:creationId xmlns:a16="http://schemas.microsoft.com/office/drawing/2014/main" id="{491475EB-74F1-D33B-9C31-A50A5D684B89}"/>
+              </a:ext>
+            </a:extLst>
+          </p:cNvPr>
+          <p:cNvSpPr>
+            <a:spLocks noGrp="1"/>
+          </p:cNvSpPr>
+          <p:nvPr>
+            <p:ph type="sldNum" sz="quarter" idx="12"/>
+          </p:nvPr>
+        </p:nvSpPr>
+        <p:spPr/>
+        <p:txBody>
+          <a:bodyPr/>
+          <a:lstStyle/>
+          <a:p>
+            <a:pPr>
+              <a:defRPr/>
+            </a:pPr>
+            <a:fld id="{C878F797-6006-4DDA-AFE9-456F280FE6C5}" type="slidenum">
+              <a:rPr lang="en-US" smtClean="0"/>
+              <a:pPr>
+                <a:defRPr/>
+              </a:pPr>
+              <a:t>8</a:t>
+            </a:fld>
+            <a:endParaRPr lang="en-US" dirty="0"/>
+          </a:p>
+        </p:txBody>
+      </p:sp>
+      <p:sp>
+        <p:nvSpPr>
+          <p:cNvPr id="5" name="Date Placeholder 4">
+            <a:extLst>
+              <a:ext uri="{FF2B5EF4-FFF2-40B4-BE49-F238E27FC236}">
+                <a16:creationId xmlns:a16="http://schemas.microsoft.com/office/drawing/2014/main" id="{6ADD0702-E79B-6B60-1924-244A0E594D10}"/>
+              </a:ext>
+            </a:extLst>
+          </p:cNvPr>
+          <p:cNvSpPr>
+            <a:spLocks noGrp="1"/>
+          </p:cNvSpPr>
+          <p:nvPr>
+            <p:ph type="dt" sz="half" idx="2"/>
+          </p:nvPr>
+        </p:nvSpPr>
+        <p:spPr/>
+        <p:txBody>
+          <a:bodyPr/>
+          <a:lstStyle/>
+          <a:p>
+            <a:pPr>
+              <a:defRPr/>
+            </a:pPr>
+            <a:r>
+              <a:rPr lang="tr-TR"/>
+              <a:t>METU Electrical &amp; Electronics Engineering Department</a:t>
+            </a:r>
+            <a:endParaRPr lang="en-US" dirty="0"/>
+          </a:p>
+        </p:txBody>
+      </p:sp>
+      <p:pic>
+        <p:nvPicPr>
+          <p:cNvPr id="7" name="Picture 6">
+            <a:extLst>
+              <a:ext uri="{FF2B5EF4-FFF2-40B4-BE49-F238E27FC236}">
+                <a16:creationId xmlns:a16="http://schemas.microsoft.com/office/drawing/2014/main" id="{FFED08CE-845C-6ABA-90DD-A6A53956ACD7}"/>
+              </a:ext>
+            </a:extLst>
+          </p:cNvPr>
+          <p:cNvPicPr>
+            <a:picLocks noChangeAspect="1"/>
+          </p:cNvPicPr>
+          <p:nvPr/>
+        </p:nvPicPr>
+        <p:blipFill>
+          <a:blip r:embed="rId2"/>
+          <a:stretch>
+            <a:fillRect/>
+          </a:stretch>
+        </p:blipFill>
+        <p:spPr>
+          <a:xfrm>
+            <a:off x="3638228" y="3116392"/>
+            <a:ext cx="5358733" cy="2878272"/>
+          </a:xfrm>
+          <a:prstGeom prst="rect">
+            <a:avLst/>
+          </a:prstGeom>
+        </p:spPr>
+      </p:pic>
+      <p:sp>
+        <p:nvSpPr>
+          <p:cNvPr id="6" name="TextBox 5">
+            <a:extLst>
+              <a:ext uri="{FF2B5EF4-FFF2-40B4-BE49-F238E27FC236}">
+                <a16:creationId xmlns:a16="http://schemas.microsoft.com/office/drawing/2014/main" id="{EE87097F-DA01-75AA-382B-3361DA937AA7}"/>
+              </a:ext>
+            </a:extLst>
+          </p:cNvPr>
+          <p:cNvSpPr txBox="1"/>
+          <p:nvPr/>
+        </p:nvSpPr>
+        <p:spPr>
+          <a:xfrm>
+            <a:off x="601133" y="3632198"/>
+            <a:ext cx="3124199" cy="923330"/>
+          </a:xfrm>
+          <a:prstGeom prst="rect">
+            <a:avLst/>
+          </a:prstGeom>
+          <a:noFill/>
+        </p:spPr>
+        <p:txBody>
+          <a:bodyPr wrap="square" rtlCol="0">
+            <a:spAutoFit/>
+          </a:bodyPr>
+          <a:lstStyle/>
+          <a:p>
+            <a:pPr marL="342900" indent="-342900">
+              <a:spcBef>
+                <a:spcPct val="20000"/>
+              </a:spcBef>
+              <a:buClr>
+                <a:srgbClr val="0BD0D9"/>
+              </a:buClr>
+              <a:buSzPct val="95000"/>
+              <a:buFont typeface="Arial" panose="020B0604020202020204" pitchFamily="34" charset="0"/>
+              <a:buChar char="•"/>
+            </a:pPr>
+            <a:r>
+              <a:rPr lang="en-US" dirty="0">
+                <a:latin typeface="Century Gothic" panose="020B0502020202020204" pitchFamily="34" charset="0"/>
+                <a:cs typeface="Arial"/>
+              </a:rPr>
+              <a:t>Neutral Point must be controlled.</a:t>
+            </a:r>
+          </a:p>
+          <a:p>
+            <a:endParaRPr lang="en-US" dirty="0"/>
+          </a:p>
+        </p:txBody>
+      </p:sp>
+      <p:sp>
+        <p:nvSpPr>
+          <p:cNvPr id="8" name="TextBox 7">
+            <a:extLst>
+              <a:ext uri="{FF2B5EF4-FFF2-40B4-BE49-F238E27FC236}">
+                <a16:creationId xmlns:a16="http://schemas.microsoft.com/office/drawing/2014/main" id="{2D2635A0-FF51-70CF-9455-8DFE8B1F2AB8}"/>
+              </a:ext>
+            </a:extLst>
+          </p:cNvPr>
+          <p:cNvSpPr txBox="1"/>
+          <p:nvPr/>
+        </p:nvSpPr>
+        <p:spPr>
+          <a:xfrm>
+            <a:off x="4707119" y="6008985"/>
+            <a:ext cx="2587568" cy="307777"/>
+          </a:xfrm>
+          <a:prstGeom prst="rect">
+            <a:avLst/>
+          </a:prstGeom>
+          <a:noFill/>
+        </p:spPr>
+        <p:txBody>
+          <a:bodyPr wrap="none" rtlCol="0">
+            <a:spAutoFit/>
+          </a:bodyPr>
+          <a:lstStyle/>
+          <a:p>
+            <a:r>
+              <a:rPr lang="en-US" sz="1400" dirty="0">
+                <a:latin typeface="Century Gothic" panose="020B0502020202020204" pitchFamily="34" charset="0"/>
+                <a:cs typeface="Arial"/>
+              </a:rPr>
+              <a:t> 3-Level NPC Inverter Circuit</a:t>
+            </a:r>
+          </a:p>
+        </p:txBody>
+      </p:sp>
+    </p:spTree>
+    <p:extLst>
+      <p:ext uri="{BB962C8B-B14F-4D97-AF65-F5344CB8AC3E}">
+        <p14:creationId xmlns:p14="http://schemas.microsoft.com/office/powerpoint/2010/main" val="2437237276"/>
+      </p:ext>
+    </p:extLst>
+  </p:cSld>
+  <p:clrMapOvr>
+    <a:masterClrMapping/>
+  </p:clrMapOvr>
+</p:sld>
+</file>
+
+<file path=ppt/slides/slide9.xml><?xml version="1.0" encoding="utf-8"?>
+<p:sld xmlns:a="http://schemas.openxmlformats.org/drawingml/2006/main" xmlns:r="http://schemas.openxmlformats.org/officeDocument/2006/relationships" xmlns:p="http://schemas.openxmlformats.org/presentationml/2006/main">
+  <p:cSld>
+    <p:spTree>
+      <p:nvGrpSpPr>
+        <p:cNvPr id="1" name=""/>
+        <p:cNvGrpSpPr/>
+        <p:nvPr/>
+      </p:nvGrpSpPr>
+      <p:grpSpPr>
+        <a:xfrm>
+          <a:off x="0" y="0"/>
+          <a:ext cx="0" cy="0"/>
+          <a:chOff x="0" y="0"/>
+          <a:chExt cx="0" cy="0"/>
+        </a:xfrm>
+      </p:grpSpPr>
+      <p:sp>
+        <p:nvSpPr>
+          <p:cNvPr id="2" name="Title 1">
+            <a:extLst>
+              <a:ext uri="{FF2B5EF4-FFF2-40B4-BE49-F238E27FC236}">
+                <a16:creationId xmlns:a16="http://schemas.microsoft.com/office/drawing/2014/main" id="{9896D066-A54E-A2E1-F1CC-44C9CA70372D}"/>
+              </a:ext>
+            </a:extLst>
+          </p:cNvPr>
+          <p:cNvSpPr>
+            <a:spLocks noGrp="1"/>
+          </p:cNvSpPr>
+          <p:nvPr>
+            <p:ph type="title"/>
+          </p:nvPr>
+        </p:nvSpPr>
+        <p:spPr/>
+        <p:txBody>
+          <a:bodyPr/>
+          <a:lstStyle/>
+          <a:p>
+            <a:r>
+              <a:rPr lang="en-US" dirty="0"/>
+              <a:t>Control Techniques</a:t>
+            </a:r>
+          </a:p>
+        </p:txBody>
+      </p:sp>
+      <p:sp>
+        <p:nvSpPr>
+          <p:cNvPr id="3" name="Content Placeholder 2">
+            <a:extLst>
+              <a:ext uri="{FF2B5EF4-FFF2-40B4-BE49-F238E27FC236}">
+                <a16:creationId xmlns:a16="http://schemas.microsoft.com/office/drawing/2014/main" id="{389701DA-132E-0D09-4423-C0C1DC6FB372}"/>
+              </a:ext>
+            </a:extLst>
+          </p:cNvPr>
+          <p:cNvSpPr>
+            <a:spLocks noGrp="1"/>
+          </p:cNvSpPr>
+          <p:nvPr>
+            <p:ph idx="1"/>
+          </p:nvPr>
+        </p:nvSpPr>
+        <p:spPr>
+          <a:xfrm>
+            <a:off x="457200" y="1430338"/>
+            <a:ext cx="3869268" cy="4987925"/>
+          </a:xfrm>
+        </p:spPr>
+        <p:txBody>
+          <a:bodyPr/>
+          <a:lstStyle/>
+          <a:p>
+            <a:pPr marL="342900" indent="-342900">
+              <a:buFont typeface="Arial" panose="020B0604020202020204" pitchFamily="34" charset="0"/>
+              <a:buChar char="•"/>
+            </a:pPr>
+            <a:r>
+              <a:rPr lang="en-US" b="1" dirty="0"/>
+              <a:t>Sinusoidal PWM</a:t>
+            </a:r>
+          </a:p>
+          <a:p>
+            <a:pPr marL="342900" indent="-342900">
+              <a:buFont typeface="Arial" panose="020B0604020202020204" pitchFamily="34" charset="0"/>
+              <a:buChar char="•"/>
+            </a:pPr>
+            <a:endParaRPr lang="en-US" dirty="0"/>
+          </a:p>
+          <a:p>
+            <a:pPr marL="342900" indent="-342900">
+              <a:buFont typeface="Arial" panose="020B0604020202020204" pitchFamily="34" charset="0"/>
+              <a:buChar char="•"/>
+            </a:pPr>
+            <a:r>
+              <a:rPr lang="en-US" sz="1800" dirty="0"/>
+              <a:t>2 carrier triangular signals</a:t>
+            </a:r>
+          </a:p>
+          <a:p>
+            <a:pPr marL="342900" indent="-342900">
+              <a:buFont typeface="Arial" panose="020B0604020202020204" pitchFamily="34" charset="0"/>
+              <a:buChar char="•"/>
+            </a:pPr>
+            <a:endParaRPr lang="en-US" sz="1800" dirty="0"/>
+          </a:p>
+          <a:p>
+            <a:pPr marL="342900" indent="-342900">
+              <a:buFont typeface="Arial" panose="020B0604020202020204" pitchFamily="34" charset="0"/>
+              <a:buChar char="•"/>
+            </a:pPr>
+            <a:r>
+              <a:rPr lang="en-US" sz="1800" dirty="0"/>
+              <a:t>3 reference signal with 120° phase shift</a:t>
+            </a:r>
+          </a:p>
+          <a:p>
+            <a:pPr marL="342900" indent="-342900">
+              <a:buFont typeface="Arial" panose="020B0604020202020204" pitchFamily="34" charset="0"/>
+              <a:buChar char="•"/>
+            </a:pPr>
+            <a:endParaRPr lang="en-US" sz="1800" dirty="0"/>
+          </a:p>
+          <a:p>
+            <a:pPr marL="342900" indent="-342900">
+              <a:buFont typeface="Arial" panose="020B0604020202020204" pitchFamily="34" charset="0"/>
+              <a:buChar char="•"/>
+            </a:pPr>
+            <a:r>
+              <a:rPr lang="en-US" sz="1800" dirty="0"/>
+              <a:t>Not control the neutral point</a:t>
+            </a:r>
+          </a:p>
+          <a:p>
+            <a:pPr marL="342900" indent="-342900">
+              <a:buFont typeface="Arial" panose="020B0604020202020204" pitchFamily="34" charset="0"/>
+              <a:buChar char="•"/>
+            </a:pPr>
+            <a:endParaRPr lang="en-US" dirty="0"/>
+          </a:p>
+          <a:p>
+            <a:pPr marL="342900" indent="-342900">
+              <a:buFont typeface="Arial" panose="020B0604020202020204" pitchFamily="34" charset="0"/>
+              <a:buChar char="•"/>
+            </a:pPr>
+            <a:endParaRPr lang="en-US" dirty="0"/>
+          </a:p>
+        </p:txBody>
+      </p:sp>
+      <p:sp>
+        <p:nvSpPr>
+          <p:cNvPr id="4" name="Slide Number Placeholder 3">
+            <a:extLst>
+              <a:ext uri="{FF2B5EF4-FFF2-40B4-BE49-F238E27FC236}">
+                <a16:creationId xmlns:a16="http://schemas.microsoft.com/office/drawing/2014/main" id="{4E12168E-6FD4-DE87-1BA3-5B38E41E80EB}"/>
+              </a:ext>
+            </a:extLst>
+          </p:cNvPr>
+          <p:cNvSpPr>
+            <a:spLocks noGrp="1"/>
+          </p:cNvSpPr>
+          <p:nvPr>
+            <p:ph type="sldNum" sz="quarter" idx="12"/>
+          </p:nvPr>
+        </p:nvSpPr>
+        <p:spPr/>
+        <p:txBody>
+          <a:bodyPr/>
+          <a:lstStyle/>
+          <a:p>
+            <a:pPr>
+              <a:defRPr/>
+            </a:pPr>
+            <a:fld id="{C878F797-6006-4DDA-AFE9-456F280FE6C5}" type="slidenum">
+              <a:rPr lang="en-US" smtClean="0"/>
+              <a:pPr>
+                <a:defRPr/>
+              </a:pPr>
+              <a:t>9</a:t>
+            </a:fld>
+            <a:endParaRPr lang="en-US" dirty="0"/>
+          </a:p>
+        </p:txBody>
+      </p:sp>
+      <p:sp>
+        <p:nvSpPr>
+          <p:cNvPr id="5" name="Date Placeholder 4">
+            <a:extLst>
+              <a:ext uri="{FF2B5EF4-FFF2-40B4-BE49-F238E27FC236}">
+                <a16:creationId xmlns:a16="http://schemas.microsoft.com/office/drawing/2014/main" id="{F4539C58-43FC-B893-4EAA-C93C27A745CE}"/>
+              </a:ext>
+            </a:extLst>
+          </p:cNvPr>
+          <p:cNvSpPr>
+            <a:spLocks noGrp="1"/>
+          </p:cNvSpPr>
+          <p:nvPr>
+            <p:ph type="dt" sz="half" idx="2"/>
+          </p:nvPr>
+        </p:nvSpPr>
+        <p:spPr/>
+        <p:txBody>
+          <a:bodyPr/>
+          <a:lstStyle/>
+          <a:p>
+            <a:pPr>
+              <a:defRPr/>
+            </a:pPr>
+            <a:r>
+              <a:rPr lang="tr-TR"/>
+              <a:t>METU Electrical &amp; Electronics Engineering Department</a:t>
+            </a:r>
+            <a:endParaRPr lang="en-US" dirty="0"/>
+          </a:p>
+        </p:txBody>
+      </p:sp>
+      <p:pic>
+        <p:nvPicPr>
+          <p:cNvPr id="6" name="Picture 2">
+            <a:extLst>
+              <a:ext uri="{FF2B5EF4-FFF2-40B4-BE49-F238E27FC236}">
+                <a16:creationId xmlns:a16="http://schemas.microsoft.com/office/drawing/2014/main" id="{4E296746-65C2-B81A-C092-16CB3E790288}"/>
+              </a:ext>
+            </a:extLst>
+          </p:cNvPr>
+          <p:cNvPicPr>
+            <a:picLocks noChangeAspect="1" noChangeArrowheads="1"/>
+          </p:cNvPicPr>
+          <p:nvPr/>
+        </p:nvPicPr>
+        <p:blipFill>
+          <a:blip r:embed="rId2">
+            <a:extLst>
+              <a:ext uri="{28A0092B-C50C-407E-A947-70E740481C1C}">
+                <a14:useLocalDpi xmlns:a14="http://schemas.microsoft.com/office/drawing/2010/main" val="0"/>
+              </a:ext>
+            </a:extLst>
+          </a:blip>
+          <a:srcRect/>
+          <a:stretch>
+            <a:fillRect/>
+          </a:stretch>
+        </p:blipFill>
+        <p:spPr bwMode="auto">
+          <a:xfrm>
+            <a:off x="4267201" y="2149607"/>
+            <a:ext cx="4527779" cy="2558785"/>
+          </a:xfrm>
+          <a:prstGeom prst="rect">
+            <a:avLst/>
+          </a:prstGeom>
+          <a:noFill/>
+          <a:extLst>
+            <a:ext uri="{909E8E84-426E-40DD-AFC4-6F175D3DCCD1}">
+              <a14:hiddenFill xmlns:a14="http://schemas.microsoft.com/office/drawing/2010/main">
+                <a:solidFill>
+                  <a:srgbClr val="FFFFFF"/>
+                </a:solidFill>
+              </a14:hiddenFill>
+            </a:ext>
+          </a:extLst>
+        </p:spPr>
+      </p:pic>
+    </p:spTree>
+    <p:extLst>
+      <p:ext uri="{BB962C8B-B14F-4D97-AF65-F5344CB8AC3E}">
+        <p14:creationId xmlns:p14="http://schemas.microsoft.com/office/powerpoint/2010/main" val="4002633747"/>
       </p:ext>
     </p:extLst>
   </p:cSld>
